--- a/fall11/slidesF11/slides7f.pptx
+++ b/fall11/slidesF11/slides7f.pptx
@@ -4457,8 +4457,8 @@
         </p:nvSpPr>
         <p:spPr>
           <a:xfrm>
-            <a:off x="8077200" y="6553200"/>
-            <a:ext cx="1143000" cy="304800"/>
+            <a:off x="8229600" y="6553200"/>
+            <a:ext cx="914400" cy="304800"/>
           </a:xfrm>
           <a:prstGeom prst="rect">
             <a:avLst/>
@@ -4506,7 +4506,7 @@
                 <a:ea typeface="+mn-ea"/>
                 <a:cs typeface="+mn-cs"/>
               </a:rPr>
-              <a:t>lec7M.</a:t>
+              <a:t>lec7F.</a:t>
             </a:r>
             <a:fld id="{CA4C0C47-BA92-4669-BC5C-D64A96AF3D01}" type="slidenum">
               <a:rPr kumimoji="0" lang="en-US" sz="1200" b="0" i="0" u="none" strike="noStrike" kern="1200" cap="none" spc="0" normalizeH="0" baseline="0" noProof="0" smtClean="0">
@@ -4595,8 +4595,8 @@
         </p:nvSpPr>
         <p:spPr>
           <a:xfrm>
-            <a:off x="3098800" y="6477000"/>
-            <a:ext cx="2844800" cy="304800"/>
+            <a:off x="3048000" y="6477000"/>
+            <a:ext cx="2921000" cy="304800"/>
           </a:xfrm>
           <a:prstGeom prst="rect">
             <a:avLst/>
@@ -4636,7 +4636,37 @@
                 <a:uFillTx/>
                 <a:latin typeface="Comic Sans MS" pitchFamily="66" charset="0"/>
               </a:rPr>
-              <a:t>Albert R Meyer         March 14, 2011</a:t>
+              <a:t>Albert R Meyer         </a:t>
+            </a:r>
+            <a:r>
+              <a:rPr kumimoji="0" lang="en-US" sz="1200" b="0" i="0" u="none" strike="noStrike" kern="1200" cap="none" spc="0" normalizeH="0" baseline="0" noProof="0" dirty="0" smtClean="0">
+                <a:ln>
+                  <a:noFill/>
+                </a:ln>
+                <a:solidFill>
+                  <a:schemeClr val="tx1"/>
+                </a:solidFill>
+                <a:effectLst/>
+                <a:uLnTx/>
+                <a:uFillTx/>
+                <a:latin typeface="Comic Sans MS" pitchFamily="66" charset="0"/>
+              </a:rPr>
+              <a:t>October 21, </a:t>
+            </a:r>
+            <a:r>
+              <a:rPr kumimoji="0" lang="en-US" sz="1200" b="0" i="0" u="none" strike="noStrike" kern="1200" cap="none" spc="0" normalizeH="0" baseline="0" noProof="0" dirty="0" smtClean="0">
+                <a:ln>
+                  <a:noFill/>
+                </a:ln>
+                <a:solidFill>
+                  <a:schemeClr val="tx1"/>
+                </a:solidFill>
+                <a:effectLst/>
+                <a:uLnTx/>
+                <a:uFillTx/>
+                <a:latin typeface="Comic Sans MS" pitchFamily="66" charset="0"/>
+              </a:rPr>
+              <a:t>2011</a:t>
             </a:r>
             <a:endParaRPr kumimoji="0" lang="en-US" sz="1200" b="0" i="0" u="none" strike="noStrike" kern="1200" cap="none" spc="0" normalizeH="0" baseline="0" noProof="0" dirty="0">
               <a:ln>
@@ -5068,8 +5098,8 @@
         </p:nvSpPr>
         <p:spPr bwMode="auto">
           <a:xfrm>
-            <a:off x="152400" y="2133600"/>
-            <a:ext cx="8915400" cy="2514600"/>
+            <a:off x="304800" y="1447800"/>
+            <a:ext cx="8382000" cy="3962400"/>
           </a:xfrm>
           <a:prstGeom prst="rect">
             <a:avLst/>
@@ -5093,18 +5123,43 @@
               </a:spcBef>
             </a:pPr>
             <a:r>
-              <a:rPr lang="en-US" sz="8800" b="1" dirty="0">
+              <a:rPr lang="en-US" sz="8000" b="1" dirty="0">
                 <a:latin typeface="Comic Sans MS" pitchFamily="66" charset="0"/>
               </a:rPr>
               <a:t>Partial </a:t>
             </a:r>
             <a:r>
-              <a:rPr lang="en-US" sz="8800" b="1" dirty="0" smtClean="0">
-                <a:latin typeface="Comic Sans MS" pitchFamily="66" charset="0"/>
-              </a:rPr>
-              <a:t>Orders</a:t>
-            </a:r>
-            <a:endParaRPr lang="en-US" sz="8800" b="1" dirty="0">
+              <a:rPr lang="en-US" sz="8000" b="1" dirty="0" smtClean="0">
+                <a:latin typeface="Comic Sans MS" pitchFamily="66" charset="0"/>
+              </a:rPr>
+              <a:t>Orders </a:t>
+            </a:r>
+            <a:r>
+              <a:rPr lang="en-US" sz="7200" b="1" dirty="0" smtClean="0">
+                <a:latin typeface="Comic Sans MS" pitchFamily="66" charset="0"/>
+              </a:rPr>
+              <a:t>&amp;</a:t>
+            </a:r>
+            <a:r>
+              <a:rPr lang="en-US" sz="8000" b="1" dirty="0" smtClean="0">
+                <a:latin typeface="Comic Sans MS" pitchFamily="66" charset="0"/>
+              </a:rPr>
+              <a:t> Equivalence</a:t>
+            </a:r>
+          </a:p>
+          <a:p>
+            <a:pPr algn="ctr">
+              <a:spcBef>
+                <a:spcPct val="0"/>
+              </a:spcBef>
+            </a:pPr>
+            <a:r>
+              <a:rPr lang="en-US" sz="8000" b="1" dirty="0" smtClean="0">
+                <a:latin typeface="Comic Sans MS" pitchFamily="66" charset="0"/>
+              </a:rPr>
+              <a:t>Relations</a:t>
+            </a:r>
+            <a:endParaRPr lang="en-US" sz="8000" b="1" dirty="0">
               <a:latin typeface="Comic Sans MS" pitchFamily="66" charset="0"/>
             </a:endParaRPr>
           </a:p>
@@ -14280,7 +14335,7 @@
           <a:graphicData uri="http://schemas.openxmlformats.org/presentationml/2006/ole">
             <mc:AlternateContent xmlns:mc="http://schemas.openxmlformats.org/markup-compatibility/2006">
               <mc:Choice xmlns:v="urn:schemas-microsoft-com:vml" Requires="v">
-                <p:oleObj spid="_x0000_s120836" name="Equation" r:id="rId3" imgW="1879600" imgH="482600" progId="Equation.DSMT4">
+                <p:oleObj spid="_x0000_s120839" name="Equation" r:id="rId3" imgW="1879600" imgH="482600" progId="Equation.DSMT4">
                   <p:embed/>
                 </p:oleObj>
               </mc:Choice>
@@ -20913,7 +20968,7 @@
             <a:graphicData uri="http://schemas.openxmlformats.org/presentationml/2006/ole">
               <mc:AlternateContent xmlns:mc="http://schemas.openxmlformats.org/markup-compatibility/2006">
                 <mc:Choice xmlns:v="urn:schemas-microsoft-com:vml" Requires="v">
-                  <p:oleObj spid="_x0000_s217094" name="Equation" r:id="rId3" imgW="76200" imgH="165100" progId="Equation.DSMT4">
+                  <p:oleObj spid="_x0000_s217101" name="Equation" r:id="rId3" imgW="76200" imgH="165100" progId="Equation.DSMT4">
                     <p:embed/>
                   </p:oleObj>
                 </mc:Choice>
@@ -21079,7 +21134,7 @@
             <a:graphicData uri="http://schemas.openxmlformats.org/presentationml/2006/ole">
               <mc:AlternateContent xmlns:mc="http://schemas.openxmlformats.org/markup-compatibility/2006">
                 <mc:Choice xmlns:v="urn:schemas-microsoft-com:vml" Requires="v">
-                  <p:oleObj spid="_x0000_s217095" name="Equation" r:id="rId5" imgW="76200" imgH="165100" progId="Equation.DSMT4">
+                  <p:oleObj spid="_x0000_s217102" name="Equation" r:id="rId5" imgW="76200" imgH="165100" progId="Equation.DSMT4">
                     <p:embed/>
                   </p:oleObj>
                 </mc:Choice>
@@ -21245,7 +21300,7 @@
             <a:graphicData uri="http://schemas.openxmlformats.org/presentationml/2006/ole">
               <mc:AlternateContent xmlns:mc="http://schemas.openxmlformats.org/markup-compatibility/2006">
                 <mc:Choice xmlns:v="urn:schemas-microsoft-com:vml" Requires="v">
-                  <p:oleObj spid="_x0000_s217096" name="Equation" r:id="rId7" imgW="76200" imgH="165100" progId="Equation.DSMT4">
+                  <p:oleObj spid="_x0000_s217103" name="Equation" r:id="rId7" imgW="76200" imgH="165100" progId="Equation.DSMT4">
                     <p:embed/>
                   </p:oleObj>
                 </mc:Choice>
@@ -22184,7 +22239,7 @@
           <a:graphicData uri="http://schemas.openxmlformats.org/presentationml/2006/ole">
             <mc:AlternateContent xmlns:mc="http://schemas.openxmlformats.org/markup-compatibility/2006">
               <mc:Choice xmlns:v="urn:schemas-microsoft-com:vml" Requires="v">
-                <p:oleObj spid="_x0000_s24580" name="Equation" r:id="rId4" imgW="419100" imgH="177800" progId="Equation.DSMT4">
+                <p:oleObj spid="_x0000_s24583" name="Equation" r:id="rId4" imgW="419100" imgH="177800" progId="Equation.DSMT4">
                   <p:embed/>
                 </p:oleObj>
               </mc:Choice>

--- a/fall11/slidesF11/slides7f.pptx
+++ b/fall11/slidesF11/slides7f.pptx
@@ -5,54 +5,55 @@
     <p:sldMasterId id="2147483648" r:id="rId1"/>
   </p:sldMasterIdLst>
   <p:notesMasterIdLst>
-    <p:notesMasterId r:id="rId39"/>
+    <p:notesMasterId r:id="rId40"/>
   </p:notesMasterIdLst>
   <p:handoutMasterIdLst>
-    <p:handoutMasterId r:id="rId40"/>
+    <p:handoutMasterId r:id="rId41"/>
   </p:handoutMasterIdLst>
   <p:sldIdLst>
     <p:sldId id="276" r:id="rId2"/>
-    <p:sldId id="391" r:id="rId3"/>
-    <p:sldId id="392" r:id="rId4"/>
-    <p:sldId id="395" r:id="rId5"/>
-    <p:sldId id="390" r:id="rId6"/>
-    <p:sldId id="398" r:id="rId7"/>
-    <p:sldId id="389" r:id="rId8"/>
-    <p:sldId id="396" r:id="rId9"/>
-    <p:sldId id="279" r:id="rId10"/>
-    <p:sldId id="416" r:id="rId11"/>
-    <p:sldId id="352" r:id="rId12"/>
-    <p:sldId id="404" r:id="rId13"/>
-    <p:sldId id="400" r:id="rId14"/>
-    <p:sldId id="405" r:id="rId15"/>
-    <p:sldId id="408" r:id="rId16"/>
-    <p:sldId id="386" r:id="rId17"/>
-    <p:sldId id="409" r:id="rId18"/>
-    <p:sldId id="417" r:id="rId19"/>
-    <p:sldId id="418" r:id="rId20"/>
-    <p:sldId id="419" r:id="rId21"/>
-    <p:sldId id="432" r:id="rId22"/>
-    <p:sldId id="421" r:id="rId23"/>
-    <p:sldId id="420" r:id="rId24"/>
-    <p:sldId id="424" r:id="rId25"/>
-    <p:sldId id="422" r:id="rId26"/>
-    <p:sldId id="425" r:id="rId27"/>
-    <p:sldId id="426" r:id="rId28"/>
-    <p:sldId id="427" r:id="rId29"/>
-    <p:sldId id="428" r:id="rId30"/>
-    <p:sldId id="429" r:id="rId31"/>
-    <p:sldId id="430" r:id="rId32"/>
-    <p:sldId id="431" r:id="rId33"/>
-    <p:sldId id="433" r:id="rId34"/>
-    <p:sldId id="434" r:id="rId35"/>
-    <p:sldId id="435" r:id="rId36"/>
-    <p:sldId id="412" r:id="rId37"/>
-    <p:sldId id="259" r:id="rId38"/>
+    <p:sldId id="436" r:id="rId3"/>
+    <p:sldId id="439" r:id="rId4"/>
+    <p:sldId id="437" r:id="rId5"/>
+    <p:sldId id="438" r:id="rId6"/>
+    <p:sldId id="392" r:id="rId7"/>
+    <p:sldId id="395" r:id="rId8"/>
+    <p:sldId id="390" r:id="rId9"/>
+    <p:sldId id="398" r:id="rId10"/>
+    <p:sldId id="389" r:id="rId11"/>
+    <p:sldId id="396" r:id="rId12"/>
+    <p:sldId id="279" r:id="rId13"/>
+    <p:sldId id="416" r:id="rId14"/>
+    <p:sldId id="352" r:id="rId15"/>
+    <p:sldId id="404" r:id="rId16"/>
+    <p:sldId id="400" r:id="rId17"/>
+    <p:sldId id="405" r:id="rId18"/>
+    <p:sldId id="408" r:id="rId19"/>
+    <p:sldId id="386" r:id="rId20"/>
+    <p:sldId id="409" r:id="rId21"/>
+    <p:sldId id="417" r:id="rId22"/>
+    <p:sldId id="418" r:id="rId23"/>
+    <p:sldId id="419" r:id="rId24"/>
+    <p:sldId id="432" r:id="rId25"/>
+    <p:sldId id="421" r:id="rId26"/>
+    <p:sldId id="420" r:id="rId27"/>
+    <p:sldId id="424" r:id="rId28"/>
+    <p:sldId id="422" r:id="rId29"/>
+    <p:sldId id="425" r:id="rId30"/>
+    <p:sldId id="433" r:id="rId31"/>
+    <p:sldId id="426" r:id="rId32"/>
+    <p:sldId id="427" r:id="rId33"/>
+    <p:sldId id="428" r:id="rId34"/>
+    <p:sldId id="429" r:id="rId35"/>
+    <p:sldId id="430" r:id="rId36"/>
+    <p:sldId id="431" r:id="rId37"/>
+    <p:sldId id="412" r:id="rId38"/>
+    <p:sldId id="259" r:id="rId39"/>
   </p:sldIdLst>
   <p:sldSz cx="9144000" cy="6858000" type="screen4x3"/>
   <p:notesSz cx="7315200" cy="9601200"/>
   <p:custDataLst>
-    <p:tags r:id="rId42"/>
+    <p:tags r:id="rId43"/>
   </p:custDataLst>
   <p:defaultTextStyle>
     <a:defPPr>
@@ -235,7 +236,7 @@
             <a:fld id="{D875CB5D-1501-4E8C-8449-8F562B53033D}" type="datetimeFigureOut">
               <a:rPr lang="en-US" smtClean="0"/>
               <a:pPr/>
-              <a:t>10/12/11</a:t>
+              <a:t>10/18/11</a:t>
             </a:fld>
             <a:endParaRPr lang="en-US"/>
           </a:p>
@@ -402,7 +403,7 @@
             <a:fld id="{2E64E5CB-D4EF-403A-9BB6-139C52688DF7}" type="datetimeFigureOut">
               <a:rPr lang="en-US" smtClean="0"/>
               <a:pPr/>
-              <a:t>10/12/11</a:t>
+              <a:t>10/18/11</a:t>
             </a:fld>
             <a:endParaRPr lang="en-US"/>
           </a:p>
@@ -791,10 +792,10 @@
           <a:bodyPr/>
           <a:lstStyle/>
           <a:p>
-            <a:fld id="{03FFB934-EACA-4282-936B-EFCFE70EF514}" type="slidenum">
+            <a:fld id="{5D66FE66-BD4D-40D6-BBBD-C7B7000E39EB}" type="slidenum">
               <a:rPr lang="en-US"/>
               <a:pPr/>
-              <a:t>10</a:t>
+              <a:t>14</a:t>
             </a:fld>
             <a:endParaRPr lang="en-US"/>
           </a:p>
@@ -802,7 +803,7 @@
       </p:sp>
       <p:sp>
         <p:nvSpPr>
-          <p:cNvPr id="733186" name="Rectangle 2"/>
+          <p:cNvPr id="693250" name="Rectangle 2"/>
           <p:cNvSpPr>
             <a:spLocks noGrp="1" noRot="1" noChangeAspect="1" noChangeArrowheads="1" noTextEdit="1"/>
           </p:cNvSpPr>
@@ -816,7 +817,7 @@
       </p:sp>
       <p:sp>
         <p:nvSpPr>
-          <p:cNvPr id="733187" name="Rectangle 3"/>
+          <p:cNvPr id="693251" name="Rectangle 3"/>
           <p:cNvSpPr>
             <a:spLocks noGrp="1" noChangeArrowheads="1"/>
           </p:cNvSpPr>
@@ -875,10 +876,10 @@
           <a:bodyPr/>
           <a:lstStyle/>
           <a:p>
-            <a:fld id="{5D66FE66-BD4D-40D6-BBBD-C7B7000E39EB}" type="slidenum">
+            <a:fld id="{2562BAC4-A906-4891-A990-527A5F72FC2B}" type="slidenum">
               <a:rPr lang="en-US"/>
               <a:pPr/>
-              <a:t>11</a:t>
+              <a:t>15</a:t>
             </a:fld>
             <a:endParaRPr lang="en-US"/>
           </a:p>
@@ -886,7 +887,7 @@
       </p:sp>
       <p:sp>
         <p:nvSpPr>
-          <p:cNvPr id="693250" name="Rectangle 2"/>
+          <p:cNvPr id="772098" name="Rectangle 2"/>
           <p:cNvSpPr>
             <a:spLocks noGrp="1" noRot="1" noChangeAspect="1" noChangeArrowheads="1" noTextEdit="1"/>
           </p:cNvSpPr>
@@ -900,7 +901,7 @@
       </p:sp>
       <p:sp>
         <p:nvSpPr>
-          <p:cNvPr id="693251" name="Rectangle 3"/>
+          <p:cNvPr id="772099" name="Rectangle 3"/>
           <p:cNvSpPr>
             <a:spLocks noGrp="1" noChangeArrowheads="1"/>
           </p:cNvSpPr>
@@ -962,7 +963,7 @@
             <a:fld id="{2562BAC4-A906-4891-A990-527A5F72FC2B}" type="slidenum">
               <a:rPr lang="en-US"/>
               <a:pPr/>
-              <a:t>12</a:t>
+              <a:t>16</a:t>
             </a:fld>
             <a:endParaRPr lang="en-US"/>
           </a:p>
@@ -1046,7 +1047,7 @@
             <a:fld id="{2562BAC4-A906-4891-A990-527A5F72FC2B}" type="slidenum">
               <a:rPr lang="en-US"/>
               <a:pPr/>
-              <a:t>13</a:t>
+              <a:t>17</a:t>
             </a:fld>
             <a:endParaRPr lang="en-US"/>
           </a:p>
@@ -1130,7 +1131,7 @@
             <a:fld id="{2562BAC4-A906-4891-A990-527A5F72FC2B}" type="slidenum">
               <a:rPr lang="en-US"/>
               <a:pPr/>
-              <a:t>14</a:t>
+              <a:t>18</a:t>
             </a:fld>
             <a:endParaRPr lang="en-US"/>
           </a:p>
@@ -1211,10 +1212,10 @@
           <a:bodyPr/>
           <a:lstStyle/>
           <a:p>
-            <a:fld id="{2562BAC4-A906-4891-A990-527A5F72FC2B}" type="slidenum">
+            <a:fld id="{07170B15-F513-4857-95B0-42A0A7C2E28E}" type="slidenum">
               <a:rPr lang="en-US"/>
               <a:pPr/>
-              <a:t>15</a:t>
+              <a:t>19</a:t>
             </a:fld>
             <a:endParaRPr lang="en-US"/>
           </a:p>
@@ -1222,7 +1223,7 @@
       </p:sp>
       <p:sp>
         <p:nvSpPr>
-          <p:cNvPr id="772098" name="Rectangle 2"/>
+          <p:cNvPr id="730114" name="Rectangle 2"/>
           <p:cNvSpPr>
             <a:spLocks noGrp="1" noRot="1" noChangeAspect="1" noChangeArrowheads="1" noTextEdit="1"/>
           </p:cNvSpPr>
@@ -1236,7 +1237,7 @@
       </p:sp>
       <p:sp>
         <p:nvSpPr>
-          <p:cNvPr id="772099" name="Rectangle 3"/>
+          <p:cNvPr id="730115" name="Rectangle 3"/>
           <p:cNvSpPr>
             <a:spLocks noGrp="1" noChangeArrowheads="1"/>
           </p:cNvSpPr>
@@ -1298,7 +1299,7 @@
             <a:fld id="{07170B15-F513-4857-95B0-42A0A7C2E28E}" type="slidenum">
               <a:rPr lang="en-US"/>
               <a:pPr/>
-              <a:t>16</a:t>
+              <a:t>20</a:t>
             </a:fld>
             <a:endParaRPr lang="en-US"/>
           </a:p>
@@ -1346,426 +1347,6 @@
 </file>
 
 <file path=ppt/notesSlides/notesSlide17.xml><?xml version="1.0" encoding="utf-8"?>
-<p:notes xmlns:a="http://schemas.openxmlformats.org/drawingml/2006/main" xmlns:r="http://schemas.openxmlformats.org/officeDocument/2006/relationships" xmlns:p="http://schemas.openxmlformats.org/presentationml/2006/main">
-  <p:cSld>
-    <p:spTree>
-      <p:nvGrpSpPr>
-        <p:cNvPr id="1" name=""/>
-        <p:cNvGrpSpPr/>
-        <p:nvPr/>
-      </p:nvGrpSpPr>
-      <p:grpSpPr>
-        <a:xfrm>
-          <a:off x="0" y="0"/>
-          <a:ext cx="0" cy="0"/>
-          <a:chOff x="0" y="0"/>
-          <a:chExt cx="0" cy="0"/>
-        </a:xfrm>
-      </p:grpSpPr>
-      <p:sp>
-        <p:nvSpPr>
-          <p:cNvPr id="7" name="Rectangle 7"/>
-          <p:cNvSpPr>
-            <a:spLocks noGrp="1" noChangeArrowheads="1"/>
-          </p:cNvSpPr>
-          <p:nvPr>
-            <p:ph type="sldNum" sz="quarter" idx="5"/>
-          </p:nvPr>
-        </p:nvSpPr>
-        <p:spPr>
-          <a:ln/>
-        </p:spPr>
-        <p:txBody>
-          <a:bodyPr/>
-          <a:lstStyle/>
-          <a:p>
-            <a:fld id="{07170B15-F513-4857-95B0-42A0A7C2E28E}" type="slidenum">
-              <a:rPr lang="en-US"/>
-              <a:pPr/>
-              <a:t>17</a:t>
-            </a:fld>
-            <a:endParaRPr lang="en-US"/>
-          </a:p>
-        </p:txBody>
-      </p:sp>
-      <p:sp>
-        <p:nvSpPr>
-          <p:cNvPr id="730114" name="Rectangle 2"/>
-          <p:cNvSpPr>
-            <a:spLocks noGrp="1" noRot="1" noChangeAspect="1" noChangeArrowheads="1" noTextEdit="1"/>
-          </p:cNvSpPr>
-          <p:nvPr>
-            <p:ph type="sldImg"/>
-          </p:nvPr>
-        </p:nvSpPr>
-        <p:spPr>
-          <a:ln/>
-        </p:spPr>
-      </p:sp>
-      <p:sp>
-        <p:nvSpPr>
-          <p:cNvPr id="730115" name="Rectangle 3"/>
-          <p:cNvSpPr>
-            <a:spLocks noGrp="1" noChangeArrowheads="1"/>
-          </p:cNvSpPr>
-          <p:nvPr>
-            <p:ph type="body" idx="1"/>
-          </p:nvPr>
-        </p:nvSpPr>
-        <p:spPr/>
-        <p:txBody>
-          <a:bodyPr/>
-          <a:lstStyle/>
-          <a:p>
-            <a:endParaRPr lang="en-US"/>
-          </a:p>
-        </p:txBody>
-      </p:sp>
-    </p:spTree>
-  </p:cSld>
-  <p:clrMapOvr>
-    <a:masterClrMapping/>
-  </p:clrMapOvr>
-</p:notes>
-</file>
-
-<file path=ppt/notesSlides/notesSlide18.xml><?xml version="1.0" encoding="utf-8"?>
-<p:notes xmlns:a="http://schemas.openxmlformats.org/drawingml/2006/main" xmlns:r="http://schemas.openxmlformats.org/officeDocument/2006/relationships" xmlns:p="http://schemas.openxmlformats.org/presentationml/2006/main">
-  <p:cSld>
-    <p:spTree>
-      <p:nvGrpSpPr>
-        <p:cNvPr id="1" name=""/>
-        <p:cNvGrpSpPr/>
-        <p:nvPr/>
-      </p:nvGrpSpPr>
-      <p:grpSpPr>
-        <a:xfrm>
-          <a:off x="0" y="0"/>
-          <a:ext cx="0" cy="0"/>
-          <a:chOff x="0" y="0"/>
-          <a:chExt cx="0" cy="0"/>
-        </a:xfrm>
-      </p:grpSpPr>
-      <p:sp>
-        <p:nvSpPr>
-          <p:cNvPr id="7" name="Rectangle 7"/>
-          <p:cNvSpPr>
-            <a:spLocks noGrp="1" noChangeArrowheads="1"/>
-          </p:cNvSpPr>
-          <p:nvPr>
-            <p:ph type="sldNum" sz="quarter" idx="5"/>
-          </p:nvPr>
-        </p:nvSpPr>
-        <p:spPr>
-          <a:ln/>
-        </p:spPr>
-        <p:txBody>
-          <a:bodyPr/>
-          <a:lstStyle/>
-          <a:p>
-            <a:fld id="{A4DBDA39-025B-4392-9FB8-FDD920679165}" type="slidenum">
-              <a:rPr lang="en-US"/>
-              <a:pPr/>
-              <a:t>18</a:t>
-            </a:fld>
-            <a:endParaRPr lang="en-US"/>
-          </a:p>
-        </p:txBody>
-      </p:sp>
-      <p:sp>
-        <p:nvSpPr>
-          <p:cNvPr id="741378" name="Rectangle 2"/>
-          <p:cNvSpPr>
-            <a:spLocks noGrp="1" noRot="1" noChangeAspect="1" noChangeArrowheads="1" noTextEdit="1"/>
-          </p:cNvSpPr>
-          <p:nvPr>
-            <p:ph type="sldImg"/>
-          </p:nvPr>
-        </p:nvSpPr>
-        <p:spPr>
-          <a:ln/>
-        </p:spPr>
-      </p:sp>
-      <p:sp>
-        <p:nvSpPr>
-          <p:cNvPr id="741379" name="Rectangle 3"/>
-          <p:cNvSpPr>
-            <a:spLocks noGrp="1" noChangeArrowheads="1"/>
-          </p:cNvSpPr>
-          <p:nvPr>
-            <p:ph type="body" idx="1"/>
-          </p:nvPr>
-        </p:nvSpPr>
-        <p:spPr/>
-        <p:txBody>
-          <a:bodyPr/>
-          <a:lstStyle/>
-          <a:p>
-            <a:endParaRPr lang="en-US"/>
-          </a:p>
-        </p:txBody>
-      </p:sp>
-    </p:spTree>
-  </p:cSld>
-  <p:clrMapOvr>
-    <a:masterClrMapping/>
-  </p:clrMapOvr>
-</p:notes>
-</file>
-
-<file path=ppt/notesSlides/notesSlide19.xml><?xml version="1.0" encoding="utf-8"?>
-<p:notes xmlns:a="http://schemas.openxmlformats.org/drawingml/2006/main" xmlns:r="http://schemas.openxmlformats.org/officeDocument/2006/relationships" xmlns:p="http://schemas.openxmlformats.org/presentationml/2006/main">
-  <p:cSld>
-    <p:spTree>
-      <p:nvGrpSpPr>
-        <p:cNvPr id="1" name=""/>
-        <p:cNvGrpSpPr/>
-        <p:nvPr/>
-      </p:nvGrpSpPr>
-      <p:grpSpPr>
-        <a:xfrm>
-          <a:off x="0" y="0"/>
-          <a:ext cx="0" cy="0"/>
-          <a:chOff x="0" y="0"/>
-          <a:chExt cx="0" cy="0"/>
-        </a:xfrm>
-      </p:grpSpPr>
-      <p:sp>
-        <p:nvSpPr>
-          <p:cNvPr id="7" name="Rectangle 7"/>
-          <p:cNvSpPr>
-            <a:spLocks noGrp="1" noChangeArrowheads="1"/>
-          </p:cNvSpPr>
-          <p:nvPr>
-            <p:ph type="sldNum" sz="quarter" idx="5"/>
-          </p:nvPr>
-        </p:nvSpPr>
-        <p:spPr>
-          <a:ln/>
-        </p:spPr>
-        <p:txBody>
-          <a:bodyPr/>
-          <a:lstStyle/>
-          <a:p>
-            <a:fld id="{8C1000FD-81A5-4DEA-B6E7-C7006B6DE16D}" type="slidenum">
-              <a:rPr lang="en-US"/>
-              <a:pPr/>
-              <a:t>19</a:t>
-            </a:fld>
-            <a:endParaRPr lang="en-US"/>
-          </a:p>
-        </p:txBody>
-      </p:sp>
-      <p:sp>
-        <p:nvSpPr>
-          <p:cNvPr id="743426" name="Rectangle 2"/>
-          <p:cNvSpPr>
-            <a:spLocks noGrp="1" noRot="1" noChangeAspect="1" noChangeArrowheads="1" noTextEdit="1"/>
-          </p:cNvSpPr>
-          <p:nvPr>
-            <p:ph type="sldImg"/>
-          </p:nvPr>
-        </p:nvSpPr>
-        <p:spPr>
-          <a:ln/>
-        </p:spPr>
-      </p:sp>
-      <p:sp>
-        <p:nvSpPr>
-          <p:cNvPr id="743427" name="Rectangle 3"/>
-          <p:cNvSpPr>
-            <a:spLocks noGrp="1" noChangeArrowheads="1"/>
-          </p:cNvSpPr>
-          <p:nvPr>
-            <p:ph type="body" idx="1"/>
-          </p:nvPr>
-        </p:nvSpPr>
-        <p:spPr/>
-        <p:txBody>
-          <a:bodyPr/>
-          <a:lstStyle/>
-          <a:p>
-            <a:endParaRPr lang="en-US"/>
-          </a:p>
-        </p:txBody>
-      </p:sp>
-    </p:spTree>
-  </p:cSld>
-  <p:clrMapOvr>
-    <a:masterClrMapping/>
-  </p:clrMapOvr>
-</p:notes>
-</file>
-
-<file path=ppt/notesSlides/notesSlide2.xml><?xml version="1.0" encoding="utf-8"?>
-<p:notes xmlns:a="http://schemas.openxmlformats.org/drawingml/2006/main" xmlns:r="http://schemas.openxmlformats.org/officeDocument/2006/relationships" xmlns:p="http://schemas.openxmlformats.org/presentationml/2006/main">
-  <p:cSld>
-    <p:spTree>
-      <p:nvGrpSpPr>
-        <p:cNvPr id="1" name=""/>
-        <p:cNvGrpSpPr/>
-        <p:nvPr/>
-      </p:nvGrpSpPr>
-      <p:grpSpPr>
-        <a:xfrm>
-          <a:off x="0" y="0"/>
-          <a:ext cx="0" cy="0"/>
-          <a:chOff x="0" y="0"/>
-          <a:chExt cx="0" cy="0"/>
-        </a:xfrm>
-      </p:grpSpPr>
-      <p:sp>
-        <p:nvSpPr>
-          <p:cNvPr id="7" name="Rectangle 7"/>
-          <p:cNvSpPr>
-            <a:spLocks noGrp="1" noChangeArrowheads="1"/>
-          </p:cNvSpPr>
-          <p:nvPr>
-            <p:ph type="sldNum" sz="quarter" idx="5"/>
-          </p:nvPr>
-        </p:nvSpPr>
-        <p:spPr>
-          <a:ln/>
-        </p:spPr>
-        <p:txBody>
-          <a:bodyPr/>
-          <a:lstStyle/>
-          <a:p>
-            <a:fld id="{2E254194-A2EE-4DB4-B2A1-83E0952B5054}" type="slidenum">
-              <a:rPr lang="en-US"/>
-              <a:pPr/>
-              <a:t>2</a:t>
-            </a:fld>
-            <a:endParaRPr lang="en-US"/>
-          </a:p>
-        </p:txBody>
-      </p:sp>
-      <p:sp>
-        <p:nvSpPr>
-          <p:cNvPr id="739330" name="Rectangle 2"/>
-          <p:cNvSpPr>
-            <a:spLocks noGrp="1" noRot="1" noChangeAspect="1" noChangeArrowheads="1" noTextEdit="1"/>
-          </p:cNvSpPr>
-          <p:nvPr>
-            <p:ph type="sldImg"/>
-          </p:nvPr>
-        </p:nvSpPr>
-        <p:spPr>
-          <a:ln/>
-        </p:spPr>
-      </p:sp>
-      <p:sp>
-        <p:nvSpPr>
-          <p:cNvPr id="739331" name="Rectangle 3"/>
-          <p:cNvSpPr>
-            <a:spLocks noGrp="1" noChangeArrowheads="1"/>
-          </p:cNvSpPr>
-          <p:nvPr>
-            <p:ph type="body" idx="1"/>
-          </p:nvPr>
-        </p:nvSpPr>
-        <p:spPr/>
-        <p:txBody>
-          <a:bodyPr/>
-          <a:lstStyle/>
-          <a:p>
-            <a:endParaRPr lang="en-US"/>
-          </a:p>
-        </p:txBody>
-      </p:sp>
-    </p:spTree>
-  </p:cSld>
-  <p:clrMapOvr>
-    <a:masterClrMapping/>
-  </p:clrMapOvr>
-</p:notes>
-</file>
-
-<file path=ppt/notesSlides/notesSlide20.xml><?xml version="1.0" encoding="utf-8"?>
-<p:notes xmlns:a="http://schemas.openxmlformats.org/drawingml/2006/main" xmlns:r="http://schemas.openxmlformats.org/officeDocument/2006/relationships" xmlns:p="http://schemas.openxmlformats.org/presentationml/2006/main">
-  <p:cSld>
-    <p:spTree>
-      <p:nvGrpSpPr>
-        <p:cNvPr id="1" name=""/>
-        <p:cNvGrpSpPr/>
-        <p:nvPr/>
-      </p:nvGrpSpPr>
-      <p:grpSpPr>
-        <a:xfrm>
-          <a:off x="0" y="0"/>
-          <a:ext cx="0" cy="0"/>
-          <a:chOff x="0" y="0"/>
-          <a:chExt cx="0" cy="0"/>
-        </a:xfrm>
-      </p:grpSpPr>
-      <p:sp>
-        <p:nvSpPr>
-          <p:cNvPr id="7" name="Rectangle 7"/>
-          <p:cNvSpPr>
-            <a:spLocks noGrp="1" noChangeArrowheads="1"/>
-          </p:cNvSpPr>
-          <p:nvPr>
-            <p:ph type="sldNum" sz="quarter" idx="5"/>
-          </p:nvPr>
-        </p:nvSpPr>
-        <p:spPr>
-          <a:ln/>
-        </p:spPr>
-        <p:txBody>
-          <a:bodyPr/>
-          <a:lstStyle/>
-          <a:p>
-            <a:fld id="{2E254194-A2EE-4DB4-B2A1-83E0952B5054}" type="slidenum">
-              <a:rPr lang="en-US"/>
-              <a:pPr/>
-              <a:t>20</a:t>
-            </a:fld>
-            <a:endParaRPr lang="en-US"/>
-          </a:p>
-        </p:txBody>
-      </p:sp>
-      <p:sp>
-        <p:nvSpPr>
-          <p:cNvPr id="739330" name="Rectangle 2"/>
-          <p:cNvSpPr>
-            <a:spLocks noGrp="1" noRot="1" noChangeAspect="1" noChangeArrowheads="1" noTextEdit="1"/>
-          </p:cNvSpPr>
-          <p:nvPr>
-            <p:ph type="sldImg"/>
-          </p:nvPr>
-        </p:nvSpPr>
-        <p:spPr>
-          <a:ln/>
-        </p:spPr>
-      </p:sp>
-      <p:sp>
-        <p:nvSpPr>
-          <p:cNvPr id="739331" name="Rectangle 3"/>
-          <p:cNvSpPr>
-            <a:spLocks noGrp="1" noChangeArrowheads="1"/>
-          </p:cNvSpPr>
-          <p:nvPr>
-            <p:ph type="body" idx="1"/>
-          </p:nvPr>
-        </p:nvSpPr>
-        <p:spPr/>
-        <p:txBody>
-          <a:bodyPr/>
-          <a:lstStyle/>
-          <a:p>
-            <a:endParaRPr lang="en-US"/>
-          </a:p>
-        </p:txBody>
-      </p:sp>
-    </p:spTree>
-  </p:cSld>
-  <p:clrMapOvr>
-    <a:masterClrMapping/>
-  </p:clrMapOvr>
-</p:notes>
-</file>
-
-<file path=ppt/notesSlides/notesSlide21.xml><?xml version="1.0" encoding="utf-8"?>
 <p:notes xmlns:a="http://schemas.openxmlformats.org/drawingml/2006/main" xmlns:r="http://schemas.openxmlformats.org/officeDocument/2006/relationships" xmlns:p="http://schemas.openxmlformats.org/presentationml/2006/main">
   <p:cSld>
     <p:spTree>
@@ -1849,7 +1430,7 @@
 </p:notes>
 </file>
 
-<file path=ppt/notesSlides/notesSlide22.xml><?xml version="1.0" encoding="utf-8"?>
+<file path=ppt/notesSlides/notesSlide18.xml><?xml version="1.0" encoding="utf-8"?>
 <p:notes xmlns:a="http://schemas.openxmlformats.org/drawingml/2006/main" xmlns:r="http://schemas.openxmlformats.org/officeDocument/2006/relationships" xmlns:p="http://schemas.openxmlformats.org/presentationml/2006/main">
   <p:cSld>
     <p:spTree>
@@ -1933,7 +1514,343 @@
 </p:notes>
 </file>
 
-<file path=ppt/notesSlides/notesSlide23.xml><?xml version="1.0" encoding="utf-8"?>
+<file path=ppt/notesSlides/notesSlide19.xml><?xml version="1.0" encoding="utf-8"?>
+<p:notes xmlns:a="http://schemas.openxmlformats.org/drawingml/2006/main" xmlns:r="http://schemas.openxmlformats.org/officeDocument/2006/relationships" xmlns:p="http://schemas.openxmlformats.org/presentationml/2006/main">
+  <p:cSld>
+    <p:spTree>
+      <p:nvGrpSpPr>
+        <p:cNvPr id="1" name=""/>
+        <p:cNvGrpSpPr/>
+        <p:nvPr/>
+      </p:nvGrpSpPr>
+      <p:grpSpPr>
+        <a:xfrm>
+          <a:off x="0" y="0"/>
+          <a:ext cx="0" cy="0"/>
+          <a:chOff x="0" y="0"/>
+          <a:chExt cx="0" cy="0"/>
+        </a:xfrm>
+      </p:grpSpPr>
+      <p:sp>
+        <p:nvSpPr>
+          <p:cNvPr id="7" name="Rectangle 7"/>
+          <p:cNvSpPr>
+            <a:spLocks noGrp="1" noChangeArrowheads="1"/>
+          </p:cNvSpPr>
+          <p:nvPr>
+            <p:ph type="sldNum" sz="quarter" idx="5"/>
+          </p:nvPr>
+        </p:nvSpPr>
+        <p:spPr>
+          <a:ln/>
+        </p:spPr>
+        <p:txBody>
+          <a:bodyPr/>
+          <a:lstStyle/>
+          <a:p>
+            <a:fld id="{2E254194-A2EE-4DB4-B2A1-83E0952B5054}" type="slidenum">
+              <a:rPr lang="en-US"/>
+              <a:pPr/>
+              <a:t>23</a:t>
+            </a:fld>
+            <a:endParaRPr lang="en-US"/>
+          </a:p>
+        </p:txBody>
+      </p:sp>
+      <p:sp>
+        <p:nvSpPr>
+          <p:cNvPr id="739330" name="Rectangle 2"/>
+          <p:cNvSpPr>
+            <a:spLocks noGrp="1" noRot="1" noChangeAspect="1" noChangeArrowheads="1" noTextEdit="1"/>
+          </p:cNvSpPr>
+          <p:nvPr>
+            <p:ph type="sldImg"/>
+          </p:nvPr>
+        </p:nvSpPr>
+        <p:spPr>
+          <a:ln/>
+        </p:spPr>
+      </p:sp>
+      <p:sp>
+        <p:nvSpPr>
+          <p:cNvPr id="739331" name="Rectangle 3"/>
+          <p:cNvSpPr>
+            <a:spLocks noGrp="1" noChangeArrowheads="1"/>
+          </p:cNvSpPr>
+          <p:nvPr>
+            <p:ph type="body" idx="1"/>
+          </p:nvPr>
+        </p:nvSpPr>
+        <p:spPr/>
+        <p:txBody>
+          <a:bodyPr/>
+          <a:lstStyle/>
+          <a:p>
+            <a:endParaRPr lang="en-US"/>
+          </a:p>
+        </p:txBody>
+      </p:sp>
+    </p:spTree>
+  </p:cSld>
+  <p:clrMapOvr>
+    <a:masterClrMapping/>
+  </p:clrMapOvr>
+</p:notes>
+</file>
+
+<file path=ppt/notesSlides/notesSlide2.xml><?xml version="1.0" encoding="utf-8"?>
+<p:notes xmlns:a="http://schemas.openxmlformats.org/drawingml/2006/main" xmlns:r="http://schemas.openxmlformats.org/officeDocument/2006/relationships" xmlns:p="http://schemas.openxmlformats.org/presentationml/2006/main">
+  <p:cSld>
+    <p:spTree>
+      <p:nvGrpSpPr>
+        <p:cNvPr id="1" name=""/>
+        <p:cNvGrpSpPr/>
+        <p:nvPr/>
+      </p:nvGrpSpPr>
+      <p:grpSpPr>
+        <a:xfrm>
+          <a:off x="0" y="0"/>
+          <a:ext cx="0" cy="0"/>
+          <a:chOff x="0" y="0"/>
+          <a:chExt cx="0" cy="0"/>
+        </a:xfrm>
+      </p:grpSpPr>
+      <p:sp>
+        <p:nvSpPr>
+          <p:cNvPr id="7" name="Rectangle 7"/>
+          <p:cNvSpPr>
+            <a:spLocks noGrp="1" noChangeArrowheads="1"/>
+          </p:cNvSpPr>
+          <p:nvPr>
+            <p:ph type="sldNum" sz="quarter" idx="5"/>
+          </p:nvPr>
+        </p:nvSpPr>
+        <p:spPr>
+          <a:ln/>
+        </p:spPr>
+        <p:txBody>
+          <a:bodyPr/>
+          <a:lstStyle/>
+          <a:p>
+            <a:fld id="{2E254194-A2EE-4DB4-B2A1-83E0952B5054}" type="slidenum">
+              <a:rPr lang="en-US"/>
+              <a:pPr/>
+              <a:t>6</a:t>
+            </a:fld>
+            <a:endParaRPr lang="en-US"/>
+          </a:p>
+        </p:txBody>
+      </p:sp>
+      <p:sp>
+        <p:nvSpPr>
+          <p:cNvPr id="739330" name="Rectangle 2"/>
+          <p:cNvSpPr>
+            <a:spLocks noGrp="1" noRot="1" noChangeAspect="1" noChangeArrowheads="1" noTextEdit="1"/>
+          </p:cNvSpPr>
+          <p:nvPr>
+            <p:ph type="sldImg"/>
+          </p:nvPr>
+        </p:nvSpPr>
+        <p:spPr>
+          <a:ln/>
+        </p:spPr>
+      </p:sp>
+      <p:sp>
+        <p:nvSpPr>
+          <p:cNvPr id="739331" name="Rectangle 3"/>
+          <p:cNvSpPr>
+            <a:spLocks noGrp="1" noChangeArrowheads="1"/>
+          </p:cNvSpPr>
+          <p:nvPr>
+            <p:ph type="body" idx="1"/>
+          </p:nvPr>
+        </p:nvSpPr>
+        <p:spPr/>
+        <p:txBody>
+          <a:bodyPr/>
+          <a:lstStyle/>
+          <a:p>
+            <a:endParaRPr lang="en-US"/>
+          </a:p>
+        </p:txBody>
+      </p:sp>
+    </p:spTree>
+  </p:cSld>
+  <p:clrMapOvr>
+    <a:masterClrMapping/>
+  </p:clrMapOvr>
+</p:notes>
+</file>
+
+<file path=ppt/notesSlides/notesSlide20.xml><?xml version="1.0" encoding="utf-8"?>
+<p:notes xmlns:a="http://schemas.openxmlformats.org/drawingml/2006/main" xmlns:r="http://schemas.openxmlformats.org/officeDocument/2006/relationships" xmlns:p="http://schemas.openxmlformats.org/presentationml/2006/main">
+  <p:cSld>
+    <p:spTree>
+      <p:nvGrpSpPr>
+        <p:cNvPr id="1" name=""/>
+        <p:cNvGrpSpPr/>
+        <p:nvPr/>
+      </p:nvGrpSpPr>
+      <p:grpSpPr>
+        <a:xfrm>
+          <a:off x="0" y="0"/>
+          <a:ext cx="0" cy="0"/>
+          <a:chOff x="0" y="0"/>
+          <a:chExt cx="0" cy="0"/>
+        </a:xfrm>
+      </p:grpSpPr>
+      <p:sp>
+        <p:nvSpPr>
+          <p:cNvPr id="7" name="Rectangle 7"/>
+          <p:cNvSpPr>
+            <a:spLocks noGrp="1" noChangeArrowheads="1"/>
+          </p:cNvSpPr>
+          <p:nvPr>
+            <p:ph type="sldNum" sz="quarter" idx="5"/>
+          </p:nvPr>
+        </p:nvSpPr>
+        <p:spPr>
+          <a:ln/>
+        </p:spPr>
+        <p:txBody>
+          <a:bodyPr/>
+          <a:lstStyle/>
+          <a:p>
+            <a:fld id="{A4DBDA39-025B-4392-9FB8-FDD920679165}" type="slidenum">
+              <a:rPr lang="en-US"/>
+              <a:pPr/>
+              <a:t>24</a:t>
+            </a:fld>
+            <a:endParaRPr lang="en-US"/>
+          </a:p>
+        </p:txBody>
+      </p:sp>
+      <p:sp>
+        <p:nvSpPr>
+          <p:cNvPr id="741378" name="Rectangle 2"/>
+          <p:cNvSpPr>
+            <a:spLocks noGrp="1" noRot="1" noChangeAspect="1" noChangeArrowheads="1" noTextEdit="1"/>
+          </p:cNvSpPr>
+          <p:nvPr>
+            <p:ph type="sldImg"/>
+          </p:nvPr>
+        </p:nvSpPr>
+        <p:spPr>
+          <a:ln/>
+        </p:spPr>
+      </p:sp>
+      <p:sp>
+        <p:nvSpPr>
+          <p:cNvPr id="741379" name="Rectangle 3"/>
+          <p:cNvSpPr>
+            <a:spLocks noGrp="1" noChangeArrowheads="1"/>
+          </p:cNvSpPr>
+          <p:nvPr>
+            <p:ph type="body" idx="1"/>
+          </p:nvPr>
+        </p:nvSpPr>
+        <p:spPr/>
+        <p:txBody>
+          <a:bodyPr/>
+          <a:lstStyle/>
+          <a:p>
+            <a:endParaRPr lang="en-US"/>
+          </a:p>
+        </p:txBody>
+      </p:sp>
+    </p:spTree>
+  </p:cSld>
+  <p:clrMapOvr>
+    <a:masterClrMapping/>
+  </p:clrMapOvr>
+</p:notes>
+</file>
+
+<file path=ppt/notesSlides/notesSlide21.xml><?xml version="1.0" encoding="utf-8"?>
+<p:notes xmlns:a="http://schemas.openxmlformats.org/drawingml/2006/main" xmlns:r="http://schemas.openxmlformats.org/officeDocument/2006/relationships" xmlns:p="http://schemas.openxmlformats.org/presentationml/2006/main">
+  <p:cSld>
+    <p:spTree>
+      <p:nvGrpSpPr>
+        <p:cNvPr id="1" name=""/>
+        <p:cNvGrpSpPr/>
+        <p:nvPr/>
+      </p:nvGrpSpPr>
+      <p:grpSpPr>
+        <a:xfrm>
+          <a:off x="0" y="0"/>
+          <a:ext cx="0" cy="0"/>
+          <a:chOff x="0" y="0"/>
+          <a:chExt cx="0" cy="0"/>
+        </a:xfrm>
+      </p:grpSpPr>
+      <p:sp>
+        <p:nvSpPr>
+          <p:cNvPr id="7" name="Rectangle 7"/>
+          <p:cNvSpPr>
+            <a:spLocks noGrp="1" noChangeArrowheads="1"/>
+          </p:cNvSpPr>
+          <p:nvPr>
+            <p:ph type="sldNum" sz="quarter" idx="5"/>
+          </p:nvPr>
+        </p:nvSpPr>
+        <p:spPr>
+          <a:ln/>
+        </p:spPr>
+        <p:txBody>
+          <a:bodyPr/>
+          <a:lstStyle/>
+          <a:p>
+            <a:fld id="{8C1000FD-81A5-4DEA-B6E7-C7006B6DE16D}" type="slidenum">
+              <a:rPr lang="en-US"/>
+              <a:pPr/>
+              <a:t>25</a:t>
+            </a:fld>
+            <a:endParaRPr lang="en-US"/>
+          </a:p>
+        </p:txBody>
+      </p:sp>
+      <p:sp>
+        <p:nvSpPr>
+          <p:cNvPr id="743426" name="Rectangle 2"/>
+          <p:cNvSpPr>
+            <a:spLocks noGrp="1" noRot="1" noChangeAspect="1" noChangeArrowheads="1" noTextEdit="1"/>
+          </p:cNvSpPr>
+          <p:nvPr>
+            <p:ph type="sldImg"/>
+          </p:nvPr>
+        </p:nvSpPr>
+        <p:spPr>
+          <a:ln/>
+        </p:spPr>
+      </p:sp>
+      <p:sp>
+        <p:nvSpPr>
+          <p:cNvPr id="743427" name="Rectangle 3"/>
+          <p:cNvSpPr>
+            <a:spLocks noGrp="1" noChangeArrowheads="1"/>
+          </p:cNvSpPr>
+          <p:nvPr>
+            <p:ph type="body" idx="1"/>
+          </p:nvPr>
+        </p:nvSpPr>
+        <p:spPr/>
+        <p:txBody>
+          <a:bodyPr/>
+          <a:lstStyle/>
+          <a:p>
+            <a:endParaRPr lang="en-US"/>
+          </a:p>
+        </p:txBody>
+      </p:sp>
+    </p:spTree>
+  </p:cSld>
+  <p:clrMapOvr>
+    <a:masterClrMapping/>
+  </p:clrMapOvr>
+</p:notes>
+</file>
+
+<file path=ppt/notesSlides/notesSlide22.xml><?xml version="1.0" encoding="utf-8"?>
 <p:notes xmlns:a="http://schemas.openxmlformats.org/drawingml/2006/main" xmlns:r="http://schemas.openxmlformats.org/officeDocument/2006/relationships" xmlns:p="http://schemas.openxmlformats.org/presentationml/2006/main">
   <p:cSld>
     <p:spTree>
@@ -2001,8 +1918,92 @@
             <a:fld id="{4E59DC59-ED3D-4108-AF3A-3AFD1215876E}" type="slidenum">
               <a:rPr lang="en-US" smtClean="0"/>
               <a:pPr/>
-              <a:t>23</a:t>
+              <a:t>26</a:t>
             </a:fld>
+            <a:endParaRPr lang="en-US"/>
+          </a:p>
+        </p:txBody>
+      </p:sp>
+    </p:spTree>
+  </p:cSld>
+  <p:clrMapOvr>
+    <a:masterClrMapping/>
+  </p:clrMapOvr>
+</p:notes>
+</file>
+
+<file path=ppt/notesSlides/notesSlide23.xml><?xml version="1.0" encoding="utf-8"?>
+<p:notes xmlns:a="http://schemas.openxmlformats.org/drawingml/2006/main" xmlns:r="http://schemas.openxmlformats.org/officeDocument/2006/relationships" xmlns:p="http://schemas.openxmlformats.org/presentationml/2006/main">
+  <p:cSld>
+    <p:spTree>
+      <p:nvGrpSpPr>
+        <p:cNvPr id="1" name=""/>
+        <p:cNvGrpSpPr/>
+        <p:nvPr/>
+      </p:nvGrpSpPr>
+      <p:grpSpPr>
+        <a:xfrm>
+          <a:off x="0" y="0"/>
+          <a:ext cx="0" cy="0"/>
+          <a:chOff x="0" y="0"/>
+          <a:chExt cx="0" cy="0"/>
+        </a:xfrm>
+      </p:grpSpPr>
+      <p:sp>
+        <p:nvSpPr>
+          <p:cNvPr id="7" name="Rectangle 7"/>
+          <p:cNvSpPr>
+            <a:spLocks noGrp="1" noChangeArrowheads="1"/>
+          </p:cNvSpPr>
+          <p:nvPr>
+            <p:ph type="sldNum" sz="quarter" idx="5"/>
+          </p:nvPr>
+        </p:nvSpPr>
+        <p:spPr>
+          <a:ln/>
+        </p:spPr>
+        <p:txBody>
+          <a:bodyPr/>
+          <a:lstStyle/>
+          <a:p>
+            <a:fld id="{E52C0FD9-01BA-49C9-862B-3DBB9ED90316}" type="slidenum">
+              <a:rPr lang="en-US"/>
+              <a:pPr/>
+              <a:t>27</a:t>
+            </a:fld>
+            <a:endParaRPr lang="en-US"/>
+          </a:p>
+        </p:txBody>
+      </p:sp>
+      <p:sp>
+        <p:nvSpPr>
+          <p:cNvPr id="744450" name="Rectangle 2"/>
+          <p:cNvSpPr>
+            <a:spLocks noGrp="1" noRot="1" noChangeAspect="1" noChangeArrowheads="1" noTextEdit="1"/>
+          </p:cNvSpPr>
+          <p:nvPr>
+            <p:ph type="sldImg"/>
+          </p:nvPr>
+        </p:nvSpPr>
+        <p:spPr>
+          <a:ln/>
+        </p:spPr>
+      </p:sp>
+      <p:sp>
+        <p:nvSpPr>
+          <p:cNvPr id="744451" name="Rectangle 3"/>
+          <p:cNvSpPr>
+            <a:spLocks noGrp="1" noChangeArrowheads="1"/>
+          </p:cNvSpPr>
+          <p:nvPr>
+            <p:ph type="body" idx="1"/>
+          </p:nvPr>
+        </p:nvSpPr>
+        <p:spPr/>
+        <p:txBody>
+          <a:bodyPr/>
+          <a:lstStyle/>
+          <a:p>
             <a:endParaRPr lang="en-US"/>
           </a:p>
         </p:txBody>
@@ -2049,10 +2050,10 @@
           <a:bodyPr/>
           <a:lstStyle/>
           <a:p>
-            <a:fld id="{E52C0FD9-01BA-49C9-862B-3DBB9ED90316}" type="slidenum">
+            <a:fld id="{03FFB934-EACA-4282-936B-EFCFE70EF514}" type="slidenum">
               <a:rPr lang="en-US"/>
               <a:pPr/>
-              <a:t>24</a:t>
+              <a:t>29</a:t>
             </a:fld>
             <a:endParaRPr lang="en-US"/>
           </a:p>
@@ -2060,7 +2061,7 @@
       </p:sp>
       <p:sp>
         <p:nvSpPr>
-          <p:cNvPr id="744450" name="Rectangle 2"/>
+          <p:cNvPr id="733186" name="Rectangle 2"/>
           <p:cNvSpPr>
             <a:spLocks noGrp="1" noRot="1" noChangeAspect="1" noChangeArrowheads="1" noTextEdit="1"/>
           </p:cNvSpPr>
@@ -2074,7 +2075,7 @@
       </p:sp>
       <p:sp>
         <p:nvSpPr>
-          <p:cNvPr id="744451" name="Rectangle 3"/>
+          <p:cNvPr id="733187" name="Rectangle 3"/>
           <p:cNvSpPr>
             <a:spLocks noGrp="1" noChangeArrowheads="1"/>
           </p:cNvSpPr>
@@ -2136,7 +2137,7 @@
             <a:fld id="{03FFB934-EACA-4282-936B-EFCFE70EF514}" type="slidenum">
               <a:rPr lang="en-US"/>
               <a:pPr/>
-              <a:t>26</a:t>
+              <a:t>30</a:t>
             </a:fld>
             <a:endParaRPr lang="en-US"/>
           </a:p>
@@ -2220,7 +2221,7 @@
             <a:fld id="{03FFB934-EACA-4282-936B-EFCFE70EF514}" type="slidenum">
               <a:rPr lang="en-US"/>
               <a:pPr/>
-              <a:t>27</a:t>
+              <a:t>31</a:t>
             </a:fld>
             <a:endParaRPr lang="en-US"/>
           </a:p>
@@ -2304,7 +2305,7 @@
             <a:fld id="{03024885-B15F-4841-833A-C5A00D806DA7}" type="slidenum">
               <a:rPr lang="en-US"/>
               <a:pPr/>
-              <a:t>28</a:t>
+              <a:t>32</a:t>
             </a:fld>
             <a:endParaRPr lang="en-US"/>
           </a:p>
@@ -2388,7 +2389,7 @@
             <a:fld id="{9885A2D2-EAA3-4553-820E-BF7714AE554C}" type="slidenum">
               <a:rPr lang="en-US"/>
               <a:pPr/>
-              <a:t>29</a:t>
+              <a:t>33</a:t>
             </a:fld>
             <a:endParaRPr lang="en-US"/>
           </a:p>
@@ -2472,7 +2473,7 @@
             <a:fld id="{93063D89-1BEB-44C7-9D60-7D34E53ADAED}" type="slidenum">
               <a:rPr lang="en-US"/>
               <a:pPr/>
-              <a:t>30</a:t>
+              <a:t>34</a:t>
             </a:fld>
             <a:endParaRPr lang="en-US"/>
           </a:p>
@@ -2556,7 +2557,7 @@
             <a:fld id="{2E254194-A2EE-4DB4-B2A1-83E0952B5054}" type="slidenum">
               <a:rPr lang="en-US"/>
               <a:pPr/>
-              <a:t>3</a:t>
+              <a:t>7</a:t>
             </a:fld>
             <a:endParaRPr lang="en-US"/>
           </a:p>
@@ -2640,7 +2641,7 @@
             <a:fld id="{03024885-B15F-4841-833A-C5A00D806DA7}" type="slidenum">
               <a:rPr lang="en-US"/>
               <a:pPr/>
-              <a:t>31</a:t>
+              <a:t>35</a:t>
             </a:fld>
             <a:endParaRPr lang="en-US"/>
           </a:p>
@@ -2724,7 +2725,7 @@
             <a:fld id="{03024885-B15F-4841-833A-C5A00D806DA7}" type="slidenum">
               <a:rPr lang="en-US"/>
               <a:pPr/>
-              <a:t>32</a:t>
+              <a:t>36</a:t>
             </a:fld>
             <a:endParaRPr lang="en-US"/>
           </a:p>
@@ -2790,90 +2791,6 @@
       </p:grpSpPr>
       <p:sp>
         <p:nvSpPr>
-          <p:cNvPr id="7" name="Rectangle 7"/>
-          <p:cNvSpPr>
-            <a:spLocks noGrp="1" noChangeArrowheads="1"/>
-          </p:cNvSpPr>
-          <p:nvPr>
-            <p:ph type="sldNum" sz="quarter" idx="5"/>
-          </p:nvPr>
-        </p:nvSpPr>
-        <p:spPr>
-          <a:ln/>
-        </p:spPr>
-        <p:txBody>
-          <a:bodyPr/>
-          <a:lstStyle/>
-          <a:p>
-            <a:fld id="{03FFB934-EACA-4282-936B-EFCFE70EF514}" type="slidenum">
-              <a:rPr lang="en-US"/>
-              <a:pPr/>
-              <a:t>33</a:t>
-            </a:fld>
-            <a:endParaRPr lang="en-US"/>
-          </a:p>
-        </p:txBody>
-      </p:sp>
-      <p:sp>
-        <p:nvSpPr>
-          <p:cNvPr id="733186" name="Rectangle 2"/>
-          <p:cNvSpPr>
-            <a:spLocks noGrp="1" noRot="1" noChangeAspect="1" noChangeArrowheads="1" noTextEdit="1"/>
-          </p:cNvSpPr>
-          <p:nvPr>
-            <p:ph type="sldImg"/>
-          </p:nvPr>
-        </p:nvSpPr>
-        <p:spPr>
-          <a:ln/>
-        </p:spPr>
-      </p:sp>
-      <p:sp>
-        <p:nvSpPr>
-          <p:cNvPr id="733187" name="Rectangle 3"/>
-          <p:cNvSpPr>
-            <a:spLocks noGrp="1" noChangeArrowheads="1"/>
-          </p:cNvSpPr>
-          <p:nvPr>
-            <p:ph type="body" idx="1"/>
-          </p:nvPr>
-        </p:nvSpPr>
-        <p:spPr/>
-        <p:txBody>
-          <a:bodyPr/>
-          <a:lstStyle/>
-          <a:p>
-            <a:endParaRPr lang="en-US"/>
-          </a:p>
-        </p:txBody>
-      </p:sp>
-    </p:spTree>
-  </p:cSld>
-  <p:clrMapOvr>
-    <a:masterClrMapping/>
-  </p:clrMapOvr>
-</p:notes>
-</file>
-
-<file path=ppt/notesSlides/notesSlide33.xml><?xml version="1.0" encoding="utf-8"?>
-<p:notes xmlns:a="http://schemas.openxmlformats.org/drawingml/2006/main" xmlns:r="http://schemas.openxmlformats.org/officeDocument/2006/relationships" xmlns:p="http://schemas.openxmlformats.org/presentationml/2006/main">
-  <p:cSld>
-    <p:spTree>
-      <p:nvGrpSpPr>
-        <p:cNvPr id="1" name=""/>
-        <p:cNvGrpSpPr/>
-        <p:nvPr/>
-      </p:nvGrpSpPr>
-      <p:grpSpPr>
-        <a:xfrm>
-          <a:off x="0" y="0"/>
-          <a:ext cx="0" cy="0"/>
-          <a:chOff x="0" y="0"/>
-          <a:chExt cx="0" cy="0"/>
-        </a:xfrm>
-      </p:grpSpPr>
-      <p:sp>
-        <p:nvSpPr>
           <p:cNvPr id="72706" name="Rectangle 7"/>
           <p:cNvSpPr>
             <a:spLocks noGrp="1" noChangeArrowheads="1"/>
@@ -2892,7 +2809,7 @@
             <a:fld id="{6653F924-F418-411E-8C35-24F3766CE997}" type="slidenum">
               <a:rPr lang="en-US" smtClean="0"/>
               <a:pPr/>
-              <a:t>36</a:t>
+              <a:t>37</a:t>
             </a:fld>
             <a:endParaRPr lang="en-US" smtClean="0"/>
           </a:p>
@@ -2942,7 +2859,7 @@
 </p:notes>
 </file>
 
-<file path=ppt/notesSlides/notesSlide34.xml><?xml version="1.0" encoding="utf-8"?>
+<file path=ppt/notesSlides/notesSlide33.xml><?xml version="1.0" encoding="utf-8"?>
 <p:notes xmlns:a="http://schemas.openxmlformats.org/drawingml/2006/main" xmlns:r="http://schemas.openxmlformats.org/officeDocument/2006/relationships" xmlns:p="http://schemas.openxmlformats.org/presentationml/2006/main">
   <p:cSld>
     <p:spTree>
@@ -2979,7 +2896,7 @@
             <a:fld id="{C34230E7-CC69-451E-AB82-0768BECFB6F3}" type="slidenum">
               <a:rPr lang="en-US"/>
               <a:pPr/>
-              <a:t>37</a:t>
+              <a:t>38</a:t>
             </a:fld>
             <a:endParaRPr lang="en-US"/>
           </a:p>
@@ -3060,10 +2977,10 @@
           <a:bodyPr/>
           <a:lstStyle/>
           <a:p>
-            <a:fld id="{2E254194-A2EE-4DB4-B2A1-83E0952B5054}" type="slidenum">
+            <a:fld id="{6718AF40-ABB1-41A0-A2DA-9D7D470E52BC}" type="slidenum">
               <a:rPr lang="en-US"/>
               <a:pPr/>
-              <a:t>4</a:t>
+              <a:t>8</a:t>
             </a:fld>
             <a:endParaRPr lang="en-US"/>
           </a:p>
@@ -3071,7 +2988,7 @@
       </p:sp>
       <p:sp>
         <p:nvSpPr>
-          <p:cNvPr id="739330" name="Rectangle 2"/>
+          <p:cNvPr id="745474" name="Rectangle 2"/>
           <p:cNvSpPr>
             <a:spLocks noGrp="1" noRot="1" noChangeAspect="1" noChangeArrowheads="1" noTextEdit="1"/>
           </p:cNvSpPr>
@@ -3085,7 +3002,7 @@
       </p:sp>
       <p:sp>
         <p:nvSpPr>
-          <p:cNvPr id="739331" name="Rectangle 3"/>
+          <p:cNvPr id="745475" name="Rectangle 3"/>
           <p:cNvSpPr>
             <a:spLocks noGrp="1" noChangeArrowheads="1"/>
           </p:cNvSpPr>
@@ -3144,10 +3061,10 @@
           <a:bodyPr/>
           <a:lstStyle/>
           <a:p>
-            <a:fld id="{6718AF40-ABB1-41A0-A2DA-9D7D470E52BC}" type="slidenum">
+            <a:fld id="{9885A2D2-EAA3-4553-820E-BF7714AE554C}" type="slidenum">
               <a:rPr lang="en-US"/>
               <a:pPr/>
-              <a:t>5</a:t>
+              <a:t>9</a:t>
             </a:fld>
             <a:endParaRPr lang="en-US"/>
           </a:p>
@@ -3155,7 +3072,7 @@
       </p:sp>
       <p:sp>
         <p:nvSpPr>
-          <p:cNvPr id="745474" name="Rectangle 2"/>
+          <p:cNvPr id="732162" name="Rectangle 2"/>
           <p:cNvSpPr>
             <a:spLocks noGrp="1" noRot="1" noChangeAspect="1" noChangeArrowheads="1" noTextEdit="1"/>
           </p:cNvSpPr>
@@ -3169,7 +3086,7 @@
       </p:sp>
       <p:sp>
         <p:nvSpPr>
-          <p:cNvPr id="745475" name="Rectangle 3"/>
+          <p:cNvPr id="732163" name="Rectangle 3"/>
           <p:cNvSpPr>
             <a:spLocks noGrp="1" noChangeArrowheads="1"/>
           </p:cNvSpPr>
@@ -3228,10 +3145,10 @@
           <a:bodyPr/>
           <a:lstStyle/>
           <a:p>
-            <a:fld id="{9885A2D2-EAA3-4553-820E-BF7714AE554C}" type="slidenum">
+            <a:fld id="{6718AF40-ABB1-41A0-A2DA-9D7D470E52BC}" type="slidenum">
               <a:rPr lang="en-US"/>
               <a:pPr/>
-              <a:t>6</a:t>
+              <a:t>10</a:t>
             </a:fld>
             <a:endParaRPr lang="en-US"/>
           </a:p>
@@ -3239,7 +3156,7 @@
       </p:sp>
       <p:sp>
         <p:nvSpPr>
-          <p:cNvPr id="732162" name="Rectangle 2"/>
+          <p:cNvPr id="745474" name="Rectangle 2"/>
           <p:cNvSpPr>
             <a:spLocks noGrp="1" noRot="1" noChangeAspect="1" noChangeArrowheads="1" noTextEdit="1"/>
           </p:cNvSpPr>
@@ -3253,7 +3170,7 @@
       </p:sp>
       <p:sp>
         <p:nvSpPr>
-          <p:cNvPr id="732163" name="Rectangle 3"/>
+          <p:cNvPr id="745475" name="Rectangle 3"/>
           <p:cNvSpPr>
             <a:spLocks noGrp="1" noChangeArrowheads="1"/>
           </p:cNvSpPr>
@@ -3312,10 +3229,10 @@
           <a:bodyPr/>
           <a:lstStyle/>
           <a:p>
-            <a:fld id="{6718AF40-ABB1-41A0-A2DA-9D7D470E52BC}" type="slidenum">
+            <a:fld id="{9885A2D2-EAA3-4553-820E-BF7714AE554C}" type="slidenum">
               <a:rPr lang="en-US"/>
               <a:pPr/>
-              <a:t>7</a:t>
+              <a:t>11</a:t>
             </a:fld>
             <a:endParaRPr lang="en-US"/>
           </a:p>
@@ -3323,7 +3240,7 @@
       </p:sp>
       <p:sp>
         <p:nvSpPr>
-          <p:cNvPr id="745474" name="Rectangle 2"/>
+          <p:cNvPr id="732162" name="Rectangle 2"/>
           <p:cNvSpPr>
             <a:spLocks noGrp="1" noRot="1" noChangeAspect="1" noChangeArrowheads="1" noTextEdit="1"/>
           </p:cNvSpPr>
@@ -3337,7 +3254,7 @@
       </p:sp>
       <p:sp>
         <p:nvSpPr>
-          <p:cNvPr id="745475" name="Rectangle 3"/>
+          <p:cNvPr id="732163" name="Rectangle 3"/>
           <p:cNvSpPr>
             <a:spLocks noGrp="1" noChangeArrowheads="1"/>
           </p:cNvSpPr>
@@ -3396,10 +3313,10 @@
           <a:bodyPr/>
           <a:lstStyle/>
           <a:p>
-            <a:fld id="{9885A2D2-EAA3-4553-820E-BF7714AE554C}" type="slidenum">
+            <a:fld id="{03FFB934-EACA-4282-936B-EFCFE70EF514}" type="slidenum">
               <a:rPr lang="en-US"/>
               <a:pPr/>
-              <a:t>8</a:t>
+              <a:t>12</a:t>
             </a:fld>
             <a:endParaRPr lang="en-US"/>
           </a:p>
@@ -3407,7 +3324,7 @@
       </p:sp>
       <p:sp>
         <p:nvSpPr>
-          <p:cNvPr id="732162" name="Rectangle 2"/>
+          <p:cNvPr id="733186" name="Rectangle 2"/>
           <p:cNvSpPr>
             <a:spLocks noGrp="1" noRot="1" noChangeAspect="1" noChangeArrowheads="1" noTextEdit="1"/>
           </p:cNvSpPr>
@@ -3421,7 +3338,7 @@
       </p:sp>
       <p:sp>
         <p:nvSpPr>
-          <p:cNvPr id="732163" name="Rectangle 3"/>
+          <p:cNvPr id="733187" name="Rectangle 3"/>
           <p:cNvSpPr>
             <a:spLocks noGrp="1" noChangeArrowheads="1"/>
           </p:cNvSpPr>
@@ -3483,7 +3400,7 @@
             <a:fld id="{03FFB934-EACA-4282-936B-EFCFE70EF514}" type="slidenum">
               <a:rPr lang="en-US"/>
               <a:pPr/>
-              <a:t>9</a:t>
+              <a:t>13</a:t>
             </a:fld>
             <a:endParaRPr lang="en-US"/>
           </a:p>
@@ -4636,37 +4553,7 @@
                 <a:uFillTx/>
                 <a:latin typeface="Comic Sans MS" pitchFamily="66" charset="0"/>
               </a:rPr>
-              <a:t>Albert R Meyer         </a:t>
-            </a:r>
-            <a:r>
-              <a:rPr kumimoji="0" lang="en-US" sz="1200" b="0" i="0" u="none" strike="noStrike" kern="1200" cap="none" spc="0" normalizeH="0" baseline="0" noProof="0" dirty="0" smtClean="0">
-                <a:ln>
-                  <a:noFill/>
-                </a:ln>
-                <a:solidFill>
-                  <a:schemeClr val="tx1"/>
-                </a:solidFill>
-                <a:effectLst/>
-                <a:uLnTx/>
-                <a:uFillTx/>
-                <a:latin typeface="Comic Sans MS" pitchFamily="66" charset="0"/>
-              </a:rPr>
-              <a:t>October 21, </a:t>
-            </a:r>
-            <a:r>
-              <a:rPr kumimoji="0" lang="en-US" sz="1200" b="0" i="0" u="none" strike="noStrike" kern="1200" cap="none" spc="0" normalizeH="0" baseline="0" noProof="0" dirty="0" smtClean="0">
-                <a:ln>
-                  <a:noFill/>
-                </a:ln>
-                <a:solidFill>
-                  <a:schemeClr val="tx1"/>
-                </a:solidFill>
-                <a:effectLst/>
-                <a:uLnTx/>
-                <a:uFillTx/>
-                <a:latin typeface="Comic Sans MS" pitchFamily="66" charset="0"/>
-              </a:rPr>
-              <a:t>2011</a:t>
+              <a:t>Albert R Meyer         October 21, 2011</a:t>
             </a:r>
             <a:endParaRPr kumimoji="0" lang="en-US" sz="1200" b="0" i="0" u="none" strike="noStrike" kern="1200" cap="none" spc="0" normalizeH="0" baseline="0" noProof="0" dirty="0">
               <a:ln>
@@ -5199,6 +5086,1311 @@
       </p:grpSpPr>
       <p:sp>
         <p:nvSpPr>
+          <p:cNvPr id="507906" name="Rectangle 2"/>
+          <p:cNvSpPr>
+            <a:spLocks noGrp="1" noChangeArrowheads="1"/>
+          </p:cNvSpPr>
+          <p:nvPr>
+            <p:ph type="title"/>
+          </p:nvPr>
+        </p:nvSpPr>
+        <p:spPr>
+          <a:xfrm>
+            <a:off x="2057400" y="304800"/>
+            <a:ext cx="5638800" cy="1143000"/>
+          </a:xfrm>
+        </p:spPr>
+        <p:txBody>
+          <a:bodyPr>
+            <a:noAutofit/>
+          </a:bodyPr>
+          <a:lstStyle/>
+          <a:p>
+            <a:r>
+              <a:rPr lang="en-US" sz="5400" dirty="0" smtClean="0"/>
+              <a:t>properties of </a:t>
+            </a:r>
+            <a:r>
+              <a:rPr lang="en-US" sz="5400" dirty="0" smtClean="0">
+                <a:solidFill>
+                  <a:srgbClr val="0033CC"/>
+                </a:solidFill>
+                <a:latin typeface="Euclid Symbol" charset="2"/>
+                <a:ea typeface="+mn-ea"/>
+                <a:cs typeface="Euclid Symbol" charset="2"/>
+                <a:sym typeface="Euclid Symbol"/>
+              </a:rPr>
+              <a:t>⊂</a:t>
+            </a:r>
+            <a:r>
+              <a:rPr lang="en-US" sz="6000" dirty="0" smtClean="0">
+                <a:solidFill>
+                  <a:srgbClr val="0033CC"/>
+                </a:solidFill>
+                <a:latin typeface="Euclid Symbol" charset="2"/>
+                <a:ea typeface="+mn-ea"/>
+                <a:cs typeface="Euclid Symbol" charset="2"/>
+                <a:sym typeface="Symbol" pitchFamily="18" charset="2"/>
+              </a:rPr>
+              <a:t> </a:t>
+            </a:r>
+            <a:endParaRPr lang="en-US" sz="5400" dirty="0">
+              <a:solidFill>
+                <a:srgbClr val="0000FF"/>
+              </a:solidFill>
+              <a:latin typeface="Euclid Symbol" charset="2"/>
+              <a:cs typeface="Euclid Symbol" charset="2"/>
+              <a:sym typeface="Symbol" pitchFamily="18" charset="2"/>
+            </a:endParaRPr>
+          </a:p>
+        </p:txBody>
+      </p:sp>
+      <p:sp>
+        <p:nvSpPr>
+          <p:cNvPr id="507910" name="Text Box 6"/>
+          <p:cNvSpPr txBox="1">
+            <a:spLocks noChangeArrowheads="1"/>
+          </p:cNvSpPr>
+          <p:nvPr/>
+        </p:nvSpPr>
+        <p:spPr bwMode="auto">
+          <a:xfrm>
+            <a:off x="762000" y="1783140"/>
+            <a:ext cx="7467600" cy="3246060"/>
+          </a:xfrm>
+          <a:prstGeom prst="rect">
+            <a:avLst/>
+          </a:prstGeom>
+          <a:noFill/>
+          <a:ln w="9525">
+            <a:noFill/>
+            <a:miter lim="800000"/>
+            <a:headEnd/>
+            <a:tailEnd type="none" w="lg" len="lg"/>
+          </a:ln>
+          <a:effectLst/>
+        </p:spPr>
+        <p:txBody>
+          <a:bodyPr wrap="square">
+            <a:spAutoFit/>
+          </a:bodyPr>
+          <a:lstStyle/>
+          <a:p>
+            <a:pPr>
+              <a:spcBef>
+                <a:spcPct val="0"/>
+              </a:spcBef>
+            </a:pPr>
+            <a:r>
+              <a:rPr lang="en-US" sz="6000" dirty="0">
+                <a:latin typeface="Comic Sans MS" pitchFamily="66" charset="0"/>
+              </a:rPr>
+              <a:t>[</a:t>
+            </a:r>
+            <a:r>
+              <a:rPr lang="en-US" sz="6000" dirty="0">
+                <a:solidFill>
+                  <a:srgbClr val="0033CC"/>
+                </a:solidFill>
+                <a:latin typeface="Comic Sans MS" pitchFamily="66" charset="0"/>
+              </a:rPr>
+              <a:t>A</a:t>
+            </a:r>
+            <a:r>
+              <a:rPr lang="en-US" sz="6000" dirty="0" smtClean="0">
+                <a:solidFill>
+                  <a:srgbClr val="0033CC"/>
+                </a:solidFill>
+                <a:latin typeface="Comic Sans MS" pitchFamily="66" charset="0"/>
+                <a:sym typeface="Symbol" pitchFamily="18" charset="2"/>
+              </a:rPr>
+              <a:t> </a:t>
+            </a:r>
+            <a:r>
+              <a:rPr lang="en-US" sz="6000" b="1" dirty="0" smtClean="0">
+                <a:solidFill>
+                  <a:srgbClr val="0033CC"/>
+                </a:solidFill>
+                <a:latin typeface="Euclid Symbol" charset="2"/>
+                <a:cs typeface="Euclid Symbol" charset="2"/>
+                <a:sym typeface="Euclid Symbol"/>
+              </a:rPr>
+              <a:t>⊂</a:t>
+            </a:r>
+            <a:r>
+              <a:rPr lang="en-US" sz="6000" dirty="0" smtClean="0">
+                <a:solidFill>
+                  <a:srgbClr val="0033CC"/>
+                </a:solidFill>
+                <a:latin typeface="Comic Sans MS" pitchFamily="66" charset="0"/>
+                <a:sym typeface="Symbol" pitchFamily="18" charset="2"/>
+              </a:rPr>
+              <a:t> </a:t>
+            </a:r>
+            <a:r>
+              <a:rPr lang="en-US" sz="6000" dirty="0">
+                <a:solidFill>
+                  <a:srgbClr val="0033CC"/>
+                </a:solidFill>
+                <a:latin typeface="Comic Sans MS" pitchFamily="66" charset="0"/>
+                <a:sym typeface="Symbol" pitchFamily="18" charset="2"/>
+              </a:rPr>
+              <a:t>B</a:t>
+            </a:r>
+            <a:r>
+              <a:rPr lang="en-US" sz="6000" dirty="0">
+                <a:solidFill>
+                  <a:schemeClr val="tx2"/>
+                </a:solidFill>
+                <a:latin typeface="Comic Sans MS" pitchFamily="66" charset="0"/>
+                <a:sym typeface="Symbol" pitchFamily="18" charset="2"/>
+              </a:rPr>
+              <a:t> </a:t>
+            </a:r>
+            <a:r>
+              <a:rPr lang="en-US" sz="6000" dirty="0" smtClean="0">
+                <a:latin typeface="Comic Sans MS" pitchFamily="66" charset="0"/>
+                <a:sym typeface="Symbol" pitchFamily="18" charset="2"/>
+              </a:rPr>
+              <a:t>and </a:t>
+            </a:r>
+            <a:r>
+              <a:rPr lang="en-US" sz="6000" dirty="0" smtClean="0">
+                <a:solidFill>
+                  <a:srgbClr val="0033CC"/>
+                </a:solidFill>
+                <a:latin typeface="Comic Sans MS" pitchFamily="66" charset="0"/>
+                <a:sym typeface="Symbol" pitchFamily="18" charset="2"/>
+              </a:rPr>
+              <a:t>B </a:t>
+            </a:r>
+            <a:r>
+              <a:rPr lang="en-US" sz="6000" b="1" dirty="0" smtClean="0">
+                <a:solidFill>
+                  <a:srgbClr val="0033CC"/>
+                </a:solidFill>
+                <a:latin typeface="Euclid Symbol" charset="2"/>
+                <a:cs typeface="Euclid Symbol" charset="2"/>
+                <a:sym typeface="Euclid Symbol"/>
+              </a:rPr>
+              <a:t>⊂</a:t>
+            </a:r>
+            <a:r>
+              <a:rPr lang="en-US" sz="6000" dirty="0" smtClean="0">
+                <a:solidFill>
+                  <a:srgbClr val="0033CC"/>
+                </a:solidFill>
+                <a:latin typeface="Comic Sans MS" pitchFamily="66" charset="0"/>
+                <a:sym typeface="Symbol" pitchFamily="18" charset="2"/>
+              </a:rPr>
+              <a:t> C</a:t>
+            </a:r>
+            <a:r>
+              <a:rPr lang="en-US" sz="6000" dirty="0" smtClean="0">
+                <a:latin typeface="Comic Sans MS" pitchFamily="66" charset="0"/>
+                <a:sym typeface="Symbol" pitchFamily="18" charset="2"/>
+              </a:rPr>
+              <a:t>]</a:t>
+            </a:r>
+            <a:endParaRPr lang="en-US" sz="6000" dirty="0">
+              <a:solidFill>
+                <a:schemeClr val="tx2"/>
+              </a:solidFill>
+              <a:latin typeface="Comic Sans MS" pitchFamily="66" charset="0"/>
+              <a:sym typeface="Symbol" pitchFamily="18" charset="2"/>
+            </a:endParaRPr>
+          </a:p>
+          <a:p>
+            <a:pPr>
+              <a:spcBef>
+                <a:spcPct val="0"/>
+              </a:spcBef>
+            </a:pPr>
+            <a:r>
+              <a:rPr lang="en-US" sz="6000" dirty="0" smtClean="0">
+                <a:latin typeface="Comic Sans MS" pitchFamily="66" charset="0"/>
+                <a:sym typeface="Symbol" pitchFamily="18" charset="2"/>
+              </a:rPr>
+              <a:t>         implies</a:t>
+            </a:r>
+            <a:r>
+              <a:rPr lang="en-US" sz="6000" dirty="0" smtClean="0">
+                <a:latin typeface="Comic Sans MS" pitchFamily="66" charset="0"/>
+              </a:rPr>
+              <a:t> </a:t>
+            </a:r>
+            <a:r>
+              <a:rPr lang="en-US" sz="6000" dirty="0">
+                <a:solidFill>
+                  <a:srgbClr val="0033CC"/>
+                </a:solidFill>
+                <a:latin typeface="Comic Sans MS" pitchFamily="66" charset="0"/>
+              </a:rPr>
+              <a:t>A</a:t>
+            </a:r>
+            <a:r>
+              <a:rPr lang="en-US" sz="6000" dirty="0" smtClean="0">
+                <a:solidFill>
+                  <a:srgbClr val="0033CC"/>
+                </a:solidFill>
+                <a:latin typeface="Comic Sans MS" pitchFamily="66" charset="0"/>
+              </a:rPr>
+              <a:t> </a:t>
+            </a:r>
+            <a:r>
+              <a:rPr lang="en-US" sz="6000" b="1" dirty="0" smtClean="0">
+                <a:solidFill>
+                  <a:srgbClr val="0033CC"/>
+                </a:solidFill>
+                <a:latin typeface="Euclid Symbol" charset="2"/>
+                <a:cs typeface="Euclid Symbol" charset="2"/>
+                <a:sym typeface="Euclid Symbol"/>
+              </a:rPr>
+              <a:t>⊂</a:t>
+            </a:r>
+            <a:r>
+              <a:rPr lang="en-US" sz="6000" dirty="0" smtClean="0">
+                <a:solidFill>
+                  <a:srgbClr val="0033CC"/>
+                </a:solidFill>
+                <a:latin typeface="Comic Sans MS" pitchFamily="66" charset="0"/>
+                <a:sym typeface="Symbol" pitchFamily="18" charset="2"/>
+              </a:rPr>
+              <a:t> C</a:t>
+            </a:r>
+          </a:p>
+          <a:p>
+            <a:pPr algn="ctr">
+              <a:spcBef>
+                <a:spcPct val="0"/>
+              </a:spcBef>
+            </a:pPr>
+            <a:r>
+              <a:rPr lang="en-US" sz="8000" dirty="0" smtClean="0">
+                <a:solidFill>
+                  <a:srgbClr val="7030A0"/>
+                </a:solidFill>
+                <a:latin typeface="Comic Sans MS" pitchFamily="66" charset="0"/>
+              </a:rPr>
+              <a:t>transitivity</a:t>
+            </a:r>
+          </a:p>
+        </p:txBody>
+      </p:sp>
+    </p:spTree>
+  </p:cSld>
+  <p:clrMapOvr>
+    <a:masterClrMapping/>
+  </p:clrMapOvr>
+  <p:transition xmlns:p14="http://schemas.microsoft.com/office/powerpoint/2010/main" spd="slow">
+    <p:fade thruBlk="1"/>
+  </p:transition>
+  <p:timing>
+    <p:tnLst>
+      <p:par>
+        <p:cTn xmlns:p14="http://schemas.microsoft.com/office/powerpoint/2010/main" id="1" dur="indefinite" restart="never" nodeType="tmRoot">
+          <p:childTnLst>
+            <p:seq concurrent="1" nextAc="seek">
+              <p:cTn id="2" dur="indefinite" nodeType="mainSeq">
+                <p:childTnLst>
+                  <p:par>
+                    <p:cTn id="3" fill="hold">
+                      <p:stCondLst>
+                        <p:cond delay="indefinite"/>
+                        <p:cond evt="onBegin" delay="0">
+                          <p:tn val="2"/>
+                        </p:cond>
+                      </p:stCondLst>
+                      <p:childTnLst>
+                        <p:par>
+                          <p:cTn id="4" fill="hold">
+                            <p:stCondLst>
+                              <p:cond delay="0"/>
+                            </p:stCondLst>
+                            <p:childTnLst>
+                              <p:par>
+                                <p:cTn id="5" presetID="22" presetClass="entr" presetSubtype="8" fill="hold" nodeType="afterEffect">
+                                  <p:stCondLst>
+                                    <p:cond delay="0"/>
+                                  </p:stCondLst>
+                                  <p:childTnLst>
+                                    <p:set>
+                                      <p:cBhvr>
+                                        <p:cTn id="6" dur="1" fill="hold">
+                                          <p:stCondLst>
+                                            <p:cond delay="0"/>
+                                          </p:stCondLst>
+                                        </p:cTn>
+                                        <p:tgtEl>
+                                          <p:spTgt spid="507910">
+                                            <p:txEl>
+                                              <p:pRg st="0" end="0"/>
+                                            </p:txEl>
+                                          </p:spTgt>
+                                        </p:tgtEl>
+                                        <p:attrNameLst>
+                                          <p:attrName>style.visibility</p:attrName>
+                                        </p:attrNameLst>
+                                      </p:cBhvr>
+                                      <p:to>
+                                        <p:strVal val="visible"/>
+                                      </p:to>
+                                    </p:set>
+                                    <p:animEffect transition="in" filter="wipe(left)">
+                                      <p:cBhvr>
+                                        <p:cTn id="7" dur="500"/>
+                                        <p:tgtEl>
+                                          <p:spTgt spid="507910">
+                                            <p:txEl>
+                                              <p:pRg st="0" end="0"/>
+                                            </p:txEl>
+                                          </p:spTgt>
+                                        </p:tgtEl>
+                                      </p:cBhvr>
+                                    </p:animEffect>
+                                  </p:childTnLst>
+                                </p:cTn>
+                              </p:par>
+                            </p:childTnLst>
+                          </p:cTn>
+                        </p:par>
+                        <p:par>
+                          <p:cTn id="8" fill="hold">
+                            <p:stCondLst>
+                              <p:cond delay="500"/>
+                            </p:stCondLst>
+                            <p:childTnLst>
+                              <p:par>
+                                <p:cTn id="9" presetID="22" presetClass="entr" presetSubtype="8" fill="hold" nodeType="afterEffect">
+                                  <p:stCondLst>
+                                    <p:cond delay="0"/>
+                                  </p:stCondLst>
+                                  <p:childTnLst>
+                                    <p:set>
+                                      <p:cBhvr>
+                                        <p:cTn id="10" dur="1" fill="hold">
+                                          <p:stCondLst>
+                                            <p:cond delay="0"/>
+                                          </p:stCondLst>
+                                        </p:cTn>
+                                        <p:tgtEl>
+                                          <p:spTgt spid="507910">
+                                            <p:txEl>
+                                              <p:pRg st="1" end="1"/>
+                                            </p:txEl>
+                                          </p:spTgt>
+                                        </p:tgtEl>
+                                        <p:attrNameLst>
+                                          <p:attrName>style.visibility</p:attrName>
+                                        </p:attrNameLst>
+                                      </p:cBhvr>
+                                      <p:to>
+                                        <p:strVal val="visible"/>
+                                      </p:to>
+                                    </p:set>
+                                    <p:animEffect transition="in" filter="wipe(left)">
+                                      <p:cBhvr>
+                                        <p:cTn id="11" dur="500"/>
+                                        <p:tgtEl>
+                                          <p:spTgt spid="507910">
+                                            <p:txEl>
+                                              <p:pRg st="1" end="1"/>
+                                            </p:txEl>
+                                          </p:spTgt>
+                                        </p:tgtEl>
+                                      </p:cBhvr>
+                                    </p:animEffect>
+                                  </p:childTnLst>
+                                </p:cTn>
+                              </p:par>
+                            </p:childTnLst>
+                          </p:cTn>
+                        </p:par>
+                      </p:childTnLst>
+                    </p:cTn>
+                  </p:par>
+                  <p:par>
+                    <p:cTn id="12" fill="hold">
+                      <p:stCondLst>
+                        <p:cond delay="indefinite"/>
+                      </p:stCondLst>
+                      <p:childTnLst>
+                        <p:par>
+                          <p:cTn id="13" fill="hold">
+                            <p:stCondLst>
+                              <p:cond delay="0"/>
+                            </p:stCondLst>
+                            <p:childTnLst>
+                              <p:par>
+                                <p:cTn id="14" presetID="15" presetClass="entr" presetSubtype="0" fill="hold" nodeType="clickEffect">
+                                  <p:stCondLst>
+                                    <p:cond delay="0"/>
+                                  </p:stCondLst>
+                                  <p:childTnLst>
+                                    <p:set>
+                                      <p:cBhvr>
+                                        <p:cTn id="15" dur="1" fill="hold">
+                                          <p:stCondLst>
+                                            <p:cond delay="0"/>
+                                          </p:stCondLst>
+                                        </p:cTn>
+                                        <p:tgtEl>
+                                          <p:spTgt spid="507910">
+                                            <p:txEl>
+                                              <p:pRg st="2" end="2"/>
+                                            </p:txEl>
+                                          </p:spTgt>
+                                        </p:tgtEl>
+                                        <p:attrNameLst>
+                                          <p:attrName>style.visibility</p:attrName>
+                                        </p:attrNameLst>
+                                      </p:cBhvr>
+                                      <p:to>
+                                        <p:strVal val="visible"/>
+                                      </p:to>
+                                    </p:set>
+                                    <p:anim calcmode="lin" valueType="num">
+                                      <p:cBhvr>
+                                        <p:cTn id="16" dur="1000" fill="hold"/>
+                                        <p:tgtEl>
+                                          <p:spTgt spid="507910">
+                                            <p:txEl>
+                                              <p:pRg st="2" end="2"/>
+                                            </p:txEl>
+                                          </p:spTgt>
+                                        </p:tgtEl>
+                                        <p:attrNameLst>
+                                          <p:attrName>ppt_w</p:attrName>
+                                        </p:attrNameLst>
+                                      </p:cBhvr>
+                                      <p:tavLst>
+                                        <p:tav tm="0">
+                                          <p:val>
+                                            <p:fltVal val="0"/>
+                                          </p:val>
+                                        </p:tav>
+                                        <p:tav tm="100000">
+                                          <p:val>
+                                            <p:strVal val="#ppt_w"/>
+                                          </p:val>
+                                        </p:tav>
+                                      </p:tavLst>
+                                    </p:anim>
+                                    <p:anim calcmode="lin" valueType="num">
+                                      <p:cBhvr>
+                                        <p:cTn id="17" dur="1000" fill="hold"/>
+                                        <p:tgtEl>
+                                          <p:spTgt spid="507910">
+                                            <p:txEl>
+                                              <p:pRg st="2" end="2"/>
+                                            </p:txEl>
+                                          </p:spTgt>
+                                        </p:tgtEl>
+                                        <p:attrNameLst>
+                                          <p:attrName>ppt_h</p:attrName>
+                                        </p:attrNameLst>
+                                      </p:cBhvr>
+                                      <p:tavLst>
+                                        <p:tav tm="0">
+                                          <p:val>
+                                            <p:fltVal val="0"/>
+                                          </p:val>
+                                        </p:tav>
+                                        <p:tav tm="100000">
+                                          <p:val>
+                                            <p:strVal val="#ppt_h"/>
+                                          </p:val>
+                                        </p:tav>
+                                      </p:tavLst>
+                                    </p:anim>
+                                    <p:anim calcmode="lin" valueType="num">
+                                      <p:cBhvr>
+                                        <p:cTn id="18" dur="1000" fill="hold"/>
+                                        <p:tgtEl>
+                                          <p:spTgt spid="507910">
+                                            <p:txEl>
+                                              <p:pRg st="2" end="2"/>
+                                            </p:txEl>
+                                          </p:spTgt>
+                                        </p:tgtEl>
+                                        <p:attrNameLst>
+                                          <p:attrName>ppt_x</p:attrName>
+                                        </p:attrNameLst>
+                                      </p:cBhvr>
+                                      <p:tavLst>
+                                        <p:tav tm="0" fmla="#ppt_x+(cos(-2*pi*(1-$))*-#ppt_x-sin(-2*pi*(1-$))*(1-#ppt_y))*(1-$)">
+                                          <p:val>
+                                            <p:fltVal val="0"/>
+                                          </p:val>
+                                        </p:tav>
+                                        <p:tav tm="100000">
+                                          <p:val>
+                                            <p:fltVal val="1"/>
+                                          </p:val>
+                                        </p:tav>
+                                      </p:tavLst>
+                                    </p:anim>
+                                    <p:anim calcmode="lin" valueType="num">
+                                      <p:cBhvr>
+                                        <p:cTn id="19" dur="1000" fill="hold"/>
+                                        <p:tgtEl>
+                                          <p:spTgt spid="507910">
+                                            <p:txEl>
+                                              <p:pRg st="2" end="2"/>
+                                            </p:txEl>
+                                          </p:spTgt>
+                                        </p:tgtEl>
+                                        <p:attrNameLst>
+                                          <p:attrName>ppt_y</p:attrName>
+                                        </p:attrNameLst>
+                                      </p:cBhvr>
+                                      <p:tavLst>
+                                        <p:tav tm="0" fmla="#ppt_y+(sin(-2*pi*(1-$))*-#ppt_x+cos(-2*pi*(1-$))*(1-#ppt_y))*(1-$)">
+                                          <p:val>
+                                            <p:fltVal val="0"/>
+                                          </p:val>
+                                        </p:tav>
+                                        <p:tav tm="100000">
+                                          <p:val>
+                                            <p:fltVal val="1"/>
+                                          </p:val>
+                                        </p:tav>
+                                      </p:tavLst>
+                                    </p:anim>
+                                  </p:childTnLst>
+                                </p:cTn>
+                              </p:par>
+                            </p:childTnLst>
+                          </p:cTn>
+                        </p:par>
+                      </p:childTnLst>
+                    </p:cTn>
+                  </p:par>
+                </p:childTnLst>
+              </p:cTn>
+              <p:prevCondLst>
+                <p:cond evt="onPrev" delay="0">
+                  <p:tgtEl>
+                    <p:sldTgt/>
+                  </p:tgtEl>
+                </p:cond>
+              </p:prevCondLst>
+              <p:nextCondLst>
+                <p:cond evt="onNext" delay="0">
+                  <p:tgtEl>
+                    <p:sldTgt/>
+                  </p:tgtEl>
+                </p:cond>
+              </p:nextCondLst>
+            </p:seq>
+          </p:childTnLst>
+        </p:cTn>
+      </p:par>
+    </p:tnLst>
+  </p:timing>
+</p:sld>
+</file>
+
+<file path=ppt/slides/slide11.xml><?xml version="1.0" encoding="utf-8"?>
+<p:sld xmlns:a="http://schemas.openxmlformats.org/drawingml/2006/main" xmlns:r="http://schemas.openxmlformats.org/officeDocument/2006/relationships" xmlns:p="http://schemas.openxmlformats.org/presentationml/2006/main">
+  <p:cSld>
+    <p:spTree>
+      <p:nvGrpSpPr>
+        <p:cNvPr id="1" name=""/>
+        <p:cNvGrpSpPr/>
+        <p:nvPr/>
+      </p:nvGrpSpPr>
+      <p:grpSpPr>
+        <a:xfrm>
+          <a:off x="0" y="0"/>
+          <a:ext cx="0" cy="0"/>
+          <a:chOff x="0" y="0"/>
+          <a:chExt cx="0" cy="0"/>
+        </a:xfrm>
+      </p:grpSpPr>
+      <p:sp>
+        <p:nvSpPr>
+          <p:cNvPr id="679939" name="Text Box 3"/>
+          <p:cNvSpPr txBox="1">
+            <a:spLocks noChangeArrowheads="1"/>
+          </p:cNvSpPr>
+          <p:nvPr/>
+        </p:nvSpPr>
+        <p:spPr bwMode="auto">
+          <a:xfrm>
+            <a:off x="76200" y="1524000"/>
+            <a:ext cx="8915400" cy="3693319"/>
+          </a:xfrm>
+          <a:prstGeom prst="rect">
+            <a:avLst/>
+          </a:prstGeom>
+          <a:noFill/>
+          <a:ln w="9525" algn="ctr">
+            <a:noFill/>
+            <a:miter lim="800000"/>
+            <a:headEnd/>
+            <a:tailEnd/>
+          </a:ln>
+          <a:effectLst/>
+        </p:spPr>
+        <p:txBody>
+          <a:bodyPr wrap="square">
+            <a:spAutoFit/>
+          </a:bodyPr>
+          <a:lstStyle/>
+          <a:p>
+            <a:pPr marL="742950" indent="-285750" algn="l"/>
+            <a:r>
+              <a:rPr lang="en-US" sz="5400" dirty="0" smtClean="0">
+                <a:latin typeface="Comic Sans MS" pitchFamily="66" charset="0"/>
+              </a:rPr>
+              <a:t>binary relation </a:t>
+            </a:r>
+            <a:r>
+              <a:rPr lang="en-US" sz="5400" dirty="0" smtClean="0">
+                <a:solidFill>
+                  <a:srgbClr val="0033CC"/>
+                </a:solidFill>
+                <a:latin typeface="Comic Sans MS" pitchFamily="66" charset="0"/>
+              </a:rPr>
+              <a:t>R</a:t>
+            </a:r>
+            <a:r>
+              <a:rPr lang="en-US" sz="5400" dirty="0" smtClean="0">
+                <a:latin typeface="Comic Sans MS" pitchFamily="66" charset="0"/>
+              </a:rPr>
+              <a:t> </a:t>
+            </a:r>
+            <a:r>
+              <a:rPr lang="en-US" sz="5400" dirty="0">
+                <a:latin typeface="Comic Sans MS" pitchFamily="66" charset="0"/>
+              </a:rPr>
+              <a:t>on set </a:t>
+            </a:r>
+            <a:r>
+              <a:rPr lang="en-US" sz="5400" dirty="0" smtClean="0">
+                <a:solidFill>
+                  <a:srgbClr val="1E03BD"/>
+                </a:solidFill>
+                <a:latin typeface="Comic Sans MS" pitchFamily="66" charset="0"/>
+              </a:rPr>
+              <a:t>A</a:t>
+            </a:r>
+            <a:endParaRPr lang="en-US" sz="5400" dirty="0">
+              <a:latin typeface="Comic Sans MS" pitchFamily="66" charset="0"/>
+            </a:endParaRPr>
+          </a:p>
+          <a:p>
+            <a:pPr marL="742950" indent="-285750" algn="l"/>
+            <a:r>
+              <a:rPr lang="en-US" sz="5400" dirty="0">
+                <a:latin typeface="Comic Sans MS" pitchFamily="66" charset="0"/>
+              </a:rPr>
+              <a:t>is </a:t>
+            </a:r>
+            <a:r>
+              <a:rPr lang="en-US" sz="5400" dirty="0">
+                <a:solidFill>
+                  <a:srgbClr val="7030A0"/>
+                </a:solidFill>
+                <a:latin typeface="Comic Sans MS" pitchFamily="66" charset="0"/>
+              </a:rPr>
+              <a:t>transitive</a:t>
+            </a:r>
+            <a:r>
+              <a:rPr lang="en-US" sz="5400" dirty="0">
+                <a:latin typeface="Comic Sans MS" pitchFamily="66" charset="0"/>
+              </a:rPr>
+              <a:t>:</a:t>
+            </a:r>
+          </a:p>
+          <a:p>
+            <a:pPr marL="742950" indent="-285750" algn="l"/>
+            <a:r>
+              <a:rPr lang="en-US" sz="5600" dirty="0" err="1" smtClean="0">
+                <a:solidFill>
+                  <a:srgbClr val="1E03BD"/>
+                </a:solidFill>
+                <a:latin typeface="Comic Sans MS" pitchFamily="66" charset="0"/>
+              </a:rPr>
+              <a:t>aRb</a:t>
+            </a:r>
+            <a:r>
+              <a:rPr lang="en-US" sz="5600" dirty="0" smtClean="0">
+                <a:solidFill>
+                  <a:srgbClr val="0033CC"/>
+                </a:solidFill>
+                <a:latin typeface="Comic Sans MS" pitchFamily="66" charset="0"/>
+              </a:rPr>
+              <a:t> </a:t>
+            </a:r>
+            <a:r>
+              <a:rPr lang="en-US" sz="5600" dirty="0">
+                <a:latin typeface="Comic Sans MS" pitchFamily="66" charset="0"/>
+                <a:sym typeface="Symbol" pitchFamily="18" charset="2"/>
+              </a:rPr>
+              <a:t>and</a:t>
+            </a:r>
+            <a:r>
+              <a:rPr lang="en-US" sz="5600" dirty="0">
+                <a:solidFill>
+                  <a:srgbClr val="008000"/>
+                </a:solidFill>
+                <a:latin typeface="Comic Sans MS" pitchFamily="66" charset="0"/>
+                <a:sym typeface="Symbol" pitchFamily="18" charset="2"/>
+              </a:rPr>
+              <a:t> </a:t>
+            </a:r>
+            <a:r>
+              <a:rPr lang="en-US" sz="5600" dirty="0" err="1">
+                <a:solidFill>
+                  <a:srgbClr val="1E03BD"/>
+                </a:solidFill>
+                <a:latin typeface="Comic Sans MS" pitchFamily="66" charset="0"/>
+              </a:rPr>
+              <a:t>bRc</a:t>
+            </a:r>
+            <a:r>
+              <a:rPr lang="en-US" sz="5600" dirty="0">
+                <a:solidFill>
+                  <a:srgbClr val="008000"/>
+                </a:solidFill>
+                <a:latin typeface="Comic Sans MS" pitchFamily="66" charset="0"/>
+              </a:rPr>
+              <a:t> </a:t>
+            </a:r>
+            <a:r>
+              <a:rPr lang="en-US" sz="5600" dirty="0">
+                <a:latin typeface="Comic Sans MS" pitchFamily="66" charset="0"/>
+              </a:rPr>
+              <a:t>implies</a:t>
+            </a:r>
+            <a:r>
+              <a:rPr lang="en-US" sz="5600" dirty="0">
+                <a:solidFill>
+                  <a:srgbClr val="0033CC"/>
+                </a:solidFill>
+                <a:latin typeface="Comic Sans MS" pitchFamily="66" charset="0"/>
+              </a:rPr>
+              <a:t> </a:t>
+            </a:r>
+            <a:r>
+              <a:rPr lang="en-US" sz="5600" dirty="0" err="1">
+                <a:solidFill>
+                  <a:srgbClr val="1E03BD"/>
+                </a:solidFill>
+                <a:latin typeface="Comic Sans MS" pitchFamily="66" charset="0"/>
+              </a:rPr>
+              <a:t>aRc</a:t>
+            </a:r>
+            <a:endParaRPr lang="en-US" sz="5600" dirty="0">
+              <a:solidFill>
+                <a:srgbClr val="1E03BD"/>
+              </a:solidFill>
+              <a:latin typeface="Comic Sans MS" pitchFamily="66" charset="0"/>
+            </a:endParaRPr>
+          </a:p>
+          <a:p>
+            <a:pPr marL="742950" indent="-285750">
+              <a:spcBef>
+                <a:spcPts val="1200"/>
+              </a:spcBef>
+            </a:pPr>
+            <a:r>
+              <a:rPr lang="en-US" sz="6000" dirty="0" smtClean="0">
+                <a:latin typeface="Comic Sans MS" pitchFamily="66" charset="0"/>
+              </a:rPr>
+              <a:t>  for </a:t>
+            </a:r>
+            <a:r>
+              <a:rPr lang="en-US" sz="6000" dirty="0">
+                <a:latin typeface="Comic Sans MS" pitchFamily="66" charset="0"/>
+              </a:rPr>
+              <a:t>all</a:t>
+            </a:r>
+            <a:r>
+              <a:rPr lang="en-US" sz="6000" dirty="0">
+                <a:solidFill>
+                  <a:srgbClr val="008000"/>
+                </a:solidFill>
+                <a:latin typeface="Comic Sans MS" pitchFamily="66" charset="0"/>
+              </a:rPr>
+              <a:t> </a:t>
+            </a:r>
+            <a:r>
+              <a:rPr lang="en-US" sz="6000" dirty="0" err="1" smtClean="0">
+                <a:solidFill>
+                  <a:srgbClr val="1E03BD"/>
+                </a:solidFill>
+                <a:latin typeface="Comic Sans MS" pitchFamily="66" charset="0"/>
+              </a:rPr>
+              <a:t>a,b,c</a:t>
+            </a:r>
+            <a:r>
+              <a:rPr lang="en-US" sz="6000" dirty="0" smtClean="0">
+                <a:solidFill>
+                  <a:srgbClr val="1E03BD"/>
+                </a:solidFill>
+                <a:latin typeface="Comic Sans MS" pitchFamily="66" charset="0"/>
+              </a:rPr>
+              <a:t> </a:t>
+            </a:r>
+            <a:r>
+              <a:rPr lang="en-US" sz="6000" b="1" dirty="0" smtClean="0">
+                <a:latin typeface="Symbol" charset="2"/>
+                <a:cs typeface="Symbol" charset="2"/>
+                <a:sym typeface="Euclid Symbol"/>
+              </a:rPr>
+              <a:t>∈</a:t>
+            </a:r>
+            <a:r>
+              <a:rPr lang="en-US" sz="6000" dirty="0" smtClean="0">
+                <a:solidFill>
+                  <a:srgbClr val="1E03BD"/>
+                </a:solidFill>
+                <a:latin typeface="Comic Sans MS" pitchFamily="66" charset="0"/>
+              </a:rPr>
+              <a:t>A</a:t>
+            </a:r>
+            <a:endParaRPr lang="en-US" sz="6000" dirty="0">
+              <a:solidFill>
+                <a:srgbClr val="1E03BD"/>
+              </a:solidFill>
+              <a:latin typeface="Comic Sans MS" pitchFamily="66" charset="0"/>
+            </a:endParaRPr>
+          </a:p>
+        </p:txBody>
+      </p:sp>
+      <p:sp>
+        <p:nvSpPr>
+          <p:cNvPr id="5" name="Rectangle 2"/>
+          <p:cNvSpPr>
+            <a:spLocks noGrp="1" noChangeArrowheads="1"/>
+          </p:cNvSpPr>
+          <p:nvPr>
+            <p:ph type="title"/>
+          </p:nvPr>
+        </p:nvSpPr>
+        <p:spPr>
+          <a:xfrm>
+            <a:off x="2057400" y="304800"/>
+            <a:ext cx="5638800" cy="1143000"/>
+          </a:xfrm>
+        </p:spPr>
+        <p:txBody>
+          <a:bodyPr>
+            <a:noAutofit/>
+          </a:bodyPr>
+          <a:lstStyle/>
+          <a:p>
+            <a:r>
+              <a:rPr lang="en-US" sz="4800" dirty="0" smtClean="0">
+                <a:solidFill>
+                  <a:srgbClr val="0033CC"/>
+                </a:solidFill>
+                <a:latin typeface="Euclid Symbol" charset="2"/>
+                <a:cs typeface="Euclid Symbol" charset="2"/>
+                <a:sym typeface="Euclid Symbol"/>
+              </a:rPr>
+              <a:t>⊂</a:t>
+            </a:r>
+            <a:r>
+              <a:rPr lang="en-US" sz="4800" dirty="0" smtClean="0">
+                <a:solidFill>
+                  <a:srgbClr val="0000FF"/>
+                </a:solidFill>
+                <a:sym typeface="Euclid Symbol"/>
+              </a:rPr>
+              <a:t> </a:t>
+            </a:r>
+            <a:r>
+              <a:rPr lang="en-US" sz="4800" dirty="0" smtClean="0">
+                <a:solidFill>
+                  <a:schemeClr val="tx1">
+                    <a:lumMod val="85000"/>
+                    <a:lumOff val="15000"/>
+                  </a:schemeClr>
+                </a:solidFill>
+                <a:sym typeface="Euclid Symbol"/>
+              </a:rPr>
+              <a:t>is</a:t>
+            </a:r>
+            <a:r>
+              <a:rPr lang="en-US" sz="4800" dirty="0" smtClean="0">
+                <a:solidFill>
+                  <a:srgbClr val="0000FF"/>
+                </a:solidFill>
+                <a:sym typeface="Euclid Symbol"/>
+              </a:rPr>
+              <a:t> transitive</a:t>
+            </a:r>
+            <a:endParaRPr lang="en-US" sz="4800" dirty="0">
+              <a:solidFill>
+                <a:srgbClr val="0000FF"/>
+              </a:solidFill>
+              <a:latin typeface="cmsy10"/>
+              <a:sym typeface="Symbol" pitchFamily="18" charset="2"/>
+            </a:endParaRPr>
+          </a:p>
+        </p:txBody>
+      </p:sp>
+    </p:spTree>
+  </p:cSld>
+  <p:clrMapOvr>
+    <a:masterClrMapping/>
+  </p:clrMapOvr>
+  <p:transition xmlns:p14="http://schemas.microsoft.com/office/powerpoint/2010/main">
+    <p:fade/>
+  </p:transition>
+  <p:timing>
+    <p:tnLst>
+      <p:par>
+        <p:cTn xmlns:p14="http://schemas.microsoft.com/office/powerpoint/2010/main" id="1" dur="indefinite" restart="never" nodeType="tmRoot">
+          <p:childTnLst>
+            <p:seq concurrent="1" nextAc="seek">
+              <p:cTn id="2" dur="indefinite" nodeType="mainSeq">
+                <p:childTnLst>
+                  <p:par>
+                    <p:cTn id="3" fill="hold">
+                      <p:stCondLst>
+                        <p:cond delay="indefinite"/>
+                      </p:stCondLst>
+                      <p:childTnLst>
+                        <p:par>
+                          <p:cTn id="4" fill="hold">
+                            <p:stCondLst>
+                              <p:cond delay="0"/>
+                            </p:stCondLst>
+                            <p:childTnLst>
+                              <p:par>
+                                <p:cTn id="5" presetID="22" presetClass="entr" presetSubtype="8" fill="hold" nodeType="clickEffect">
+                                  <p:stCondLst>
+                                    <p:cond delay="0"/>
+                                  </p:stCondLst>
+                                  <p:childTnLst>
+                                    <p:set>
+                                      <p:cBhvr>
+                                        <p:cTn id="6" dur="1" fill="hold">
+                                          <p:stCondLst>
+                                            <p:cond delay="0"/>
+                                          </p:stCondLst>
+                                        </p:cTn>
+                                        <p:tgtEl>
+                                          <p:spTgt spid="679939">
+                                            <p:txEl>
+                                              <p:pRg st="2" end="2"/>
+                                            </p:txEl>
+                                          </p:spTgt>
+                                        </p:tgtEl>
+                                        <p:attrNameLst>
+                                          <p:attrName>style.visibility</p:attrName>
+                                        </p:attrNameLst>
+                                      </p:cBhvr>
+                                      <p:to>
+                                        <p:strVal val="visible"/>
+                                      </p:to>
+                                    </p:set>
+                                    <p:animEffect transition="in" filter="wipe(left)">
+                                      <p:cBhvr>
+                                        <p:cTn id="7" dur="1000"/>
+                                        <p:tgtEl>
+                                          <p:spTgt spid="679939">
+                                            <p:txEl>
+                                              <p:pRg st="2" end="2"/>
+                                            </p:txEl>
+                                          </p:spTgt>
+                                        </p:tgtEl>
+                                      </p:cBhvr>
+                                    </p:animEffect>
+                                  </p:childTnLst>
+                                </p:cTn>
+                              </p:par>
+                            </p:childTnLst>
+                          </p:cTn>
+                        </p:par>
+                        <p:par>
+                          <p:cTn id="8" fill="hold">
+                            <p:stCondLst>
+                              <p:cond delay="1000"/>
+                            </p:stCondLst>
+                            <p:childTnLst>
+                              <p:par>
+                                <p:cTn id="9" presetID="1" presetClass="entr" presetSubtype="0" fill="hold" nodeType="afterEffect">
+                                  <p:stCondLst>
+                                    <p:cond delay="0"/>
+                                  </p:stCondLst>
+                                  <p:childTnLst>
+                                    <p:set>
+                                      <p:cBhvr>
+                                        <p:cTn id="10" dur="1" fill="hold">
+                                          <p:stCondLst>
+                                            <p:cond delay="0"/>
+                                          </p:stCondLst>
+                                        </p:cTn>
+                                        <p:tgtEl>
+                                          <p:spTgt spid="679939">
+                                            <p:txEl>
+                                              <p:pRg st="3" end="3"/>
+                                            </p:txEl>
+                                          </p:spTgt>
+                                        </p:tgtEl>
+                                        <p:attrNameLst>
+                                          <p:attrName>style.visibility</p:attrName>
+                                        </p:attrNameLst>
+                                      </p:cBhvr>
+                                      <p:to>
+                                        <p:strVal val="visible"/>
+                                      </p:to>
+                                    </p:set>
+                                  </p:childTnLst>
+                                </p:cTn>
+                              </p:par>
+                            </p:childTnLst>
+                          </p:cTn>
+                        </p:par>
+                      </p:childTnLst>
+                    </p:cTn>
+                  </p:par>
+                </p:childTnLst>
+              </p:cTn>
+              <p:prevCondLst>
+                <p:cond evt="onPrev" delay="0">
+                  <p:tgtEl>
+                    <p:sldTgt/>
+                  </p:tgtEl>
+                </p:cond>
+              </p:prevCondLst>
+              <p:nextCondLst>
+                <p:cond evt="onNext" delay="0">
+                  <p:tgtEl>
+                    <p:sldTgt/>
+                  </p:tgtEl>
+                </p:cond>
+              </p:nextCondLst>
+            </p:seq>
+          </p:childTnLst>
+        </p:cTn>
+      </p:par>
+    </p:tnLst>
+  </p:timing>
+</p:sld>
+</file>
+
+<file path=ppt/slides/slide12.xml><?xml version="1.0" encoding="utf-8"?>
+<p:sld xmlns:a="http://schemas.openxmlformats.org/drawingml/2006/main" xmlns:r="http://schemas.openxmlformats.org/officeDocument/2006/relationships" xmlns:p="http://schemas.openxmlformats.org/presentationml/2006/main">
+  <p:cSld>
+    <p:spTree>
+      <p:nvGrpSpPr>
+        <p:cNvPr id="1" name=""/>
+        <p:cNvGrpSpPr/>
+        <p:nvPr/>
+      </p:nvGrpSpPr>
+      <p:grpSpPr>
+        <a:xfrm>
+          <a:off x="0" y="0"/>
+          <a:ext cx="0" cy="0"/>
+          <a:chOff x="0" y="0"/>
+          <a:chExt cx="0" cy="0"/>
+        </a:xfrm>
+      </p:grpSpPr>
+      <p:sp>
+        <p:nvSpPr>
+          <p:cNvPr id="680962" name="Rectangle 2"/>
+          <p:cNvSpPr>
+            <a:spLocks noGrp="1" noChangeArrowheads="1"/>
+          </p:cNvSpPr>
+          <p:nvPr>
+            <p:ph type="title"/>
+          </p:nvPr>
+        </p:nvSpPr>
+        <p:spPr>
+          <a:xfrm>
+            <a:off x="1264466" y="274638"/>
+            <a:ext cx="6662057" cy="1105126"/>
+          </a:xfrm>
+        </p:spPr>
+        <p:txBody>
+          <a:bodyPr>
+            <a:normAutofit/>
+          </a:bodyPr>
+          <a:lstStyle/>
+          <a:p>
+            <a:r>
+              <a:rPr lang="en-US" sz="4800" dirty="0" smtClean="0">
+                <a:solidFill>
+                  <a:srgbClr val="7030A0"/>
+                </a:solidFill>
+              </a:rPr>
+              <a:t>strict partial orders</a:t>
+            </a:r>
+            <a:endParaRPr lang="en-US" sz="4800" dirty="0">
+              <a:solidFill>
+                <a:srgbClr val="7030A0"/>
+              </a:solidFill>
+            </a:endParaRPr>
+          </a:p>
+        </p:txBody>
+      </p:sp>
+      <p:sp>
+        <p:nvSpPr>
+          <p:cNvPr id="680971" name="Text Box 11"/>
+          <p:cNvSpPr txBox="1">
+            <a:spLocks noChangeArrowheads="1"/>
+          </p:cNvSpPr>
+          <p:nvPr/>
+        </p:nvSpPr>
+        <p:spPr bwMode="auto">
+          <a:xfrm>
+            <a:off x="914400" y="2274838"/>
+            <a:ext cx="7162800" cy="2308324"/>
+          </a:xfrm>
+          <a:prstGeom prst="rect">
+            <a:avLst/>
+          </a:prstGeom>
+          <a:noFill/>
+          <a:ln w="9525" algn="ctr">
+            <a:noFill/>
+            <a:miter lim="800000"/>
+            <a:headEnd/>
+            <a:tailEnd/>
+          </a:ln>
+          <a:effectLst/>
+        </p:spPr>
+        <p:txBody>
+          <a:bodyPr wrap="square">
+            <a:spAutoFit/>
+          </a:bodyPr>
+          <a:lstStyle/>
+          <a:p>
+            <a:pPr marL="742950" indent="-285750" algn="ctr"/>
+            <a:r>
+              <a:rPr lang="en-US" sz="7200" dirty="0" smtClean="0">
+                <a:latin typeface="Comic Sans MS" pitchFamily="66" charset="0"/>
+              </a:rPr>
+              <a:t>transitive &amp; asymmetric</a:t>
+            </a:r>
+            <a:endParaRPr lang="en-US" sz="7200" dirty="0">
+              <a:latin typeface="Comic Sans MS" pitchFamily="66" charset="0"/>
+            </a:endParaRPr>
+          </a:p>
+        </p:txBody>
+      </p:sp>
+    </p:spTree>
+  </p:cSld>
+  <p:clrMapOvr>
+    <a:masterClrMapping/>
+  </p:clrMapOvr>
+  <p:transition xmlns:p14="http://schemas.microsoft.com/office/powerpoint/2010/main" spd="med">
+    <p:fade thruBlk="1"/>
+  </p:transition>
+  <p:timing>
+    <p:tnLst>
+      <p:par>
+        <p:cTn xmlns:p14="http://schemas.microsoft.com/office/powerpoint/2010/main" id="1" dur="indefinite" restart="never" nodeType="tmRoot">
+          <p:childTnLst>
+            <p:seq concurrent="1" nextAc="seek">
+              <p:cTn id="2" dur="indefinite" nodeType="mainSeq">
+                <p:childTnLst>
+                  <p:par>
+                    <p:cTn id="3" fill="hold">
+                      <p:stCondLst>
+                        <p:cond delay="indefinite"/>
+                      </p:stCondLst>
+                      <p:childTnLst>
+                        <p:par>
+                          <p:cTn id="4" fill="hold">
+                            <p:stCondLst>
+                              <p:cond delay="0"/>
+                            </p:stCondLst>
+                            <p:childTnLst>
+                              <p:par>
+                                <p:cTn id="5" presetID="10" presetClass="entr" presetSubtype="0" fill="hold" grpId="0" nodeType="clickEffect">
+                                  <p:stCondLst>
+                                    <p:cond delay="0"/>
+                                  </p:stCondLst>
+                                  <p:childTnLst>
+                                    <p:set>
+                                      <p:cBhvr>
+                                        <p:cTn id="6" dur="1" fill="hold">
+                                          <p:stCondLst>
+                                            <p:cond delay="0"/>
+                                          </p:stCondLst>
+                                        </p:cTn>
+                                        <p:tgtEl>
+                                          <p:spTgt spid="680971"/>
+                                        </p:tgtEl>
+                                        <p:attrNameLst>
+                                          <p:attrName>style.visibility</p:attrName>
+                                        </p:attrNameLst>
+                                      </p:cBhvr>
+                                      <p:to>
+                                        <p:strVal val="visible"/>
+                                      </p:to>
+                                    </p:set>
+                                    <p:animEffect transition="in" filter="fade">
+                                      <p:cBhvr>
+                                        <p:cTn id="7" dur="1000"/>
+                                        <p:tgtEl>
+                                          <p:spTgt spid="680971"/>
+                                        </p:tgtEl>
+                                      </p:cBhvr>
+                                    </p:animEffect>
+                                  </p:childTnLst>
+                                </p:cTn>
+                              </p:par>
+                            </p:childTnLst>
+                          </p:cTn>
+                        </p:par>
+                      </p:childTnLst>
+                    </p:cTn>
+                  </p:par>
+                </p:childTnLst>
+              </p:cTn>
+              <p:prevCondLst>
+                <p:cond evt="onPrev" delay="0">
+                  <p:tgtEl>
+                    <p:sldTgt/>
+                  </p:tgtEl>
+                </p:cond>
+              </p:prevCondLst>
+              <p:nextCondLst>
+                <p:cond evt="onNext" delay="0">
+                  <p:tgtEl>
+                    <p:sldTgt/>
+                  </p:tgtEl>
+                </p:cond>
+              </p:nextCondLst>
+            </p:seq>
+          </p:childTnLst>
+        </p:cTn>
+      </p:par>
+    </p:tnLst>
+    <p:bldLst>
+      <p:bldP spid="680971" grpId="0"/>
+    </p:bldLst>
+  </p:timing>
+</p:sld>
+</file>
+
+<file path=ppt/slides/slide13.xml><?xml version="1.0" encoding="utf-8"?>
+<p:sld xmlns:a="http://schemas.openxmlformats.org/drawingml/2006/main" xmlns:r="http://schemas.openxmlformats.org/officeDocument/2006/relationships" xmlns:p="http://schemas.openxmlformats.org/presentationml/2006/main">
+  <p:cSld>
+    <p:spTree>
+      <p:nvGrpSpPr>
+        <p:cNvPr id="1" name=""/>
+        <p:cNvGrpSpPr/>
+        <p:nvPr/>
+      </p:nvGrpSpPr>
+      <p:grpSpPr>
+        <a:xfrm>
+          <a:off x="0" y="0"/>
+          <a:ext cx="0" cy="0"/>
+          <a:chOff x="0" y="0"/>
+          <a:chExt cx="0" cy="0"/>
+        </a:xfrm>
+      </p:grpSpPr>
+      <p:sp>
+        <p:nvSpPr>
           <p:cNvPr id="680962" name="Rectangle 2"/>
           <p:cNvSpPr>
             <a:spLocks noGrp="1" noChangeArrowheads="1"/>
@@ -5543,7 +6735,7 @@
 </p:sld>
 </file>
 
-<file path=ppt/slides/slide11.xml><?xml version="1.0" encoding="utf-8"?>
+<file path=ppt/slides/slide14.xml><?xml version="1.0" encoding="utf-8"?>
 <p:sld xmlns:a="http://schemas.openxmlformats.org/drawingml/2006/main" xmlns:r="http://schemas.openxmlformats.org/officeDocument/2006/relationships" xmlns:p="http://schemas.openxmlformats.org/presentationml/2006/main" show="0">
   <p:cSld>
     <p:spTree>
@@ -5774,7 +6966,7 @@
 </p:sld>
 </file>
 
-<file path=ppt/slides/slide12.xml><?xml version="1.0" encoding="utf-8"?>
+<file path=ppt/slides/slide15.xml><?xml version="1.0" encoding="utf-8"?>
 <p:sld xmlns:a="http://schemas.openxmlformats.org/drawingml/2006/main" xmlns:r="http://schemas.openxmlformats.org/officeDocument/2006/relationships" xmlns:p="http://schemas.openxmlformats.org/presentationml/2006/main" show="0">
   <p:cSld>
     <p:spTree>
@@ -5971,7 +7163,7 @@
 </p:sld>
 </file>
 
-<file path=ppt/slides/slide13.xml><?xml version="1.0" encoding="utf-8"?>
+<file path=ppt/slides/slide16.xml><?xml version="1.0" encoding="utf-8"?>
 <p:sld xmlns:a="http://schemas.openxmlformats.org/drawingml/2006/main" xmlns:r="http://schemas.openxmlformats.org/officeDocument/2006/relationships" xmlns:p="http://schemas.openxmlformats.org/presentationml/2006/main" show="0">
   <p:cSld>
     <p:spTree>
@@ -6544,7 +7736,7 @@
 </p:sld>
 </file>
 
-<file path=ppt/slides/slide14.xml><?xml version="1.0" encoding="utf-8"?>
+<file path=ppt/slides/slide17.xml><?xml version="1.0" encoding="utf-8"?>
 <p:sld xmlns:a="http://schemas.openxmlformats.org/drawingml/2006/main" xmlns:r="http://schemas.openxmlformats.org/officeDocument/2006/relationships" xmlns:p="http://schemas.openxmlformats.org/presentationml/2006/main" show="0">
   <p:cSld>
     <p:spTree>
@@ -7014,7 +8206,7 @@
 </p:sld>
 </file>
 
-<file path=ppt/slides/slide15.xml><?xml version="1.0" encoding="utf-8"?>
+<file path=ppt/slides/slide18.xml><?xml version="1.0" encoding="utf-8"?>
 <p:sld xmlns:a="http://schemas.openxmlformats.org/drawingml/2006/main" xmlns:r="http://schemas.openxmlformats.org/officeDocument/2006/relationships" xmlns:p="http://schemas.openxmlformats.org/presentationml/2006/main" show="0">
   <p:cSld>
     <p:spTree>
@@ -7804,7 +8996,7 @@
 </p:sld>
 </file>
 
-<file path=ppt/slides/slide16.xml><?xml version="1.0" encoding="utf-8"?>
+<file path=ppt/slides/slide19.xml><?xml version="1.0" encoding="utf-8"?>
 <p:sld xmlns:a="http://schemas.openxmlformats.org/drawingml/2006/main" xmlns:r="http://schemas.openxmlformats.org/officeDocument/2006/relationships" xmlns:p="http://schemas.openxmlformats.org/presentationml/2006/main" show="0">
   <p:cSld>
     <p:spTree>
@@ -8445,7 +9637,752 @@
 </p:sld>
 </file>
 
-<file path=ppt/slides/slide17.xml><?xml version="1.0" encoding="utf-8"?>
+<file path=ppt/slides/slide2.xml><?xml version="1.0" encoding="utf-8"?>
+<p:sld xmlns:a="http://schemas.openxmlformats.org/drawingml/2006/main" xmlns:r="http://schemas.openxmlformats.org/officeDocument/2006/relationships" xmlns:p="http://schemas.openxmlformats.org/presentationml/2006/main">
+  <p:cSld>
+    <p:spTree>
+      <p:nvGrpSpPr>
+        <p:cNvPr id="1" name=""/>
+        <p:cNvGrpSpPr/>
+        <p:nvPr/>
+      </p:nvGrpSpPr>
+      <p:grpSpPr>
+        <a:xfrm>
+          <a:off x="0" y="0"/>
+          <a:ext cx="0" cy="0"/>
+          <a:chOff x="0" y="0"/>
+          <a:chExt cx="0" cy="0"/>
+        </a:xfrm>
+      </p:grpSpPr>
+      <p:sp>
+        <p:nvSpPr>
+          <p:cNvPr id="2" name="Rectangle 2"/>
+          <p:cNvSpPr txBox="1">
+            <a:spLocks noChangeArrowheads="1"/>
+          </p:cNvSpPr>
+          <p:nvPr/>
+        </p:nvSpPr>
+        <p:spPr>
+          <a:xfrm>
+            <a:off x="1752600" y="304800"/>
+            <a:ext cx="6172200" cy="1066800"/>
+          </a:xfrm>
+          <a:prstGeom prst="rect">
+            <a:avLst/>
+          </a:prstGeom>
+        </p:spPr>
+        <p:txBody>
+          <a:bodyPr/>
+          <a:lstStyle>
+            <a:lvl1pPr algn="ctr" defTabSz="914400" rtl="0" eaLnBrk="1" latinLnBrk="0" hangingPunct="1">
+              <a:spcBef>
+                <a:spcPct val="0"/>
+              </a:spcBef>
+              <a:buNone/>
+              <a:defRPr sz="4000" b="1" kern="1200">
+                <a:solidFill>
+                  <a:schemeClr val="tx1"/>
+                </a:solidFill>
+                <a:latin typeface="Comic Sans MS" pitchFamily="66" charset="0"/>
+                <a:ea typeface="+mj-ea"/>
+                <a:cs typeface="+mj-cs"/>
+              </a:defRPr>
+            </a:lvl1pPr>
+          </a:lstStyle>
+          <a:p>
+            <a:r>
+              <a:rPr lang="en-US" sz="4400" dirty="0" smtClean="0"/>
+              <a:t>Paths in diagraph </a:t>
+            </a:r>
+            <a:r>
+              <a:rPr lang="en-US" sz="4400" dirty="0" smtClean="0">
+                <a:solidFill>
+                  <a:srgbClr val="0000FF"/>
+                </a:solidFill>
+              </a:rPr>
+              <a:t>G</a:t>
+            </a:r>
+            <a:endParaRPr lang="en-US" sz="4400" dirty="0">
+              <a:solidFill>
+                <a:srgbClr val="0000FF"/>
+              </a:solidFill>
+            </a:endParaRPr>
+          </a:p>
+        </p:txBody>
+      </p:sp>
+      <p:sp>
+        <p:nvSpPr>
+          <p:cNvPr id="4" name="TextBox 3"/>
+          <p:cNvSpPr txBox="1"/>
+          <p:nvPr/>
+        </p:nvSpPr>
+        <p:spPr>
+          <a:xfrm>
+            <a:off x="1143000" y="1295400"/>
+            <a:ext cx="6858000" cy="4572000"/>
+          </a:xfrm>
+          <a:prstGeom prst="rect">
+            <a:avLst/>
+          </a:prstGeom>
+          <a:noFill/>
+        </p:spPr>
+        <p:txBody>
+          <a:bodyPr wrap="none" rtlCol="0">
+            <a:noAutofit/>
+          </a:bodyPr>
+          <a:lstStyle/>
+          <a:p>
+            <a:r>
+              <a:rPr lang="en-US" sz="5400" dirty="0" smtClean="0">
+                <a:latin typeface="Comic Sans MS" pitchFamily="66" charset="0"/>
+              </a:rPr>
+              <a:t>path from </a:t>
+            </a:r>
+            <a:r>
+              <a:rPr lang="en-US" sz="5400" dirty="0" smtClean="0">
+                <a:solidFill>
+                  <a:srgbClr val="0000FF"/>
+                </a:solidFill>
+                <a:latin typeface="Comic Sans MS" pitchFamily="66" charset="0"/>
+              </a:rPr>
+              <a:t>u</a:t>
+            </a:r>
+            <a:r>
+              <a:rPr lang="en-US" sz="5400" dirty="0" smtClean="0">
+                <a:latin typeface="Comic Sans MS" pitchFamily="66" charset="0"/>
+              </a:rPr>
+              <a:t> to </a:t>
+            </a:r>
+            <a:r>
+              <a:rPr lang="en-US" sz="5400" dirty="0" smtClean="0">
+                <a:solidFill>
+                  <a:srgbClr val="0000FF"/>
+                </a:solidFill>
+                <a:latin typeface="Comic Sans MS" pitchFamily="66" charset="0"/>
+              </a:rPr>
+              <a:t>v</a:t>
+            </a:r>
+            <a:r>
+              <a:rPr lang="en-US" sz="5400" dirty="0" smtClean="0">
+                <a:latin typeface="Comic Sans MS" pitchFamily="66" charset="0"/>
+              </a:rPr>
+              <a:t> and </a:t>
+            </a:r>
+          </a:p>
+          <a:p>
+            <a:r>
+              <a:rPr lang="en-US" sz="5400" dirty="0" smtClean="0">
+                <a:latin typeface="Comic Sans MS" pitchFamily="66" charset="0"/>
+              </a:rPr>
+              <a:t>from </a:t>
+            </a:r>
+            <a:r>
+              <a:rPr lang="en-US" sz="5400" dirty="0" smtClean="0">
+                <a:solidFill>
+                  <a:srgbClr val="0000FF"/>
+                </a:solidFill>
+                <a:latin typeface="Comic Sans MS" pitchFamily="66" charset="0"/>
+              </a:rPr>
+              <a:t>v</a:t>
+            </a:r>
+            <a:r>
+              <a:rPr lang="en-US" sz="5400" dirty="0" smtClean="0">
+                <a:latin typeface="Comic Sans MS" pitchFamily="66" charset="0"/>
+              </a:rPr>
+              <a:t> </a:t>
+            </a:r>
+            <a:r>
+              <a:rPr lang="en-US" sz="5400" dirty="0">
+                <a:latin typeface="Comic Sans MS" pitchFamily="66" charset="0"/>
+              </a:rPr>
+              <a:t>to </a:t>
+            </a:r>
+            <a:r>
+              <a:rPr lang="en-US" sz="5400" dirty="0" smtClean="0">
+                <a:solidFill>
+                  <a:srgbClr val="0000FF"/>
+                </a:solidFill>
+                <a:latin typeface="Comic Sans MS" pitchFamily="66" charset="0"/>
+              </a:rPr>
+              <a:t>w</a:t>
+            </a:r>
+            <a:r>
+              <a:rPr lang="en-US" sz="5400" dirty="0" smtClean="0">
+                <a:latin typeface="Comic Sans MS" pitchFamily="66" charset="0"/>
+              </a:rPr>
+              <a:t>, implies</a:t>
+            </a:r>
+          </a:p>
+          <a:p>
+            <a:r>
+              <a:rPr lang="en-US" sz="5400" dirty="0">
+                <a:latin typeface="Comic Sans MS" pitchFamily="66" charset="0"/>
+              </a:rPr>
+              <a:t>path from </a:t>
+            </a:r>
+            <a:r>
+              <a:rPr lang="en-US" sz="5400" dirty="0">
+                <a:solidFill>
+                  <a:srgbClr val="0000FF"/>
+                </a:solidFill>
+                <a:latin typeface="Comic Sans MS" pitchFamily="66" charset="0"/>
+              </a:rPr>
+              <a:t>u</a:t>
+            </a:r>
+            <a:r>
+              <a:rPr lang="en-US" sz="5400" dirty="0">
+                <a:latin typeface="Comic Sans MS" pitchFamily="66" charset="0"/>
+              </a:rPr>
+              <a:t> to </a:t>
+            </a:r>
+            <a:r>
+              <a:rPr lang="en-US" sz="5400" dirty="0" smtClean="0">
+                <a:solidFill>
+                  <a:srgbClr val="0000FF"/>
+                </a:solidFill>
+                <a:latin typeface="Comic Sans MS" pitchFamily="66" charset="0"/>
+              </a:rPr>
+              <a:t>w</a:t>
+            </a:r>
+          </a:p>
+          <a:p>
+            <a:r>
+              <a:rPr lang="en-US" sz="5400" dirty="0" smtClean="0">
+                <a:solidFill>
+                  <a:srgbClr val="0000FF"/>
+                </a:solidFill>
+                <a:latin typeface="Comic Sans MS" pitchFamily="66" charset="0"/>
+              </a:rPr>
+              <a:t>  u</a:t>
+            </a:r>
+            <a:r>
+              <a:rPr lang="en-US" sz="5400" baseline="-25000" dirty="0" smtClean="0">
+                <a:solidFill>
+                  <a:srgbClr val="0000FF"/>
+                </a:solidFill>
+                <a:latin typeface="Comic Sans MS" pitchFamily="66" charset="0"/>
+              </a:rPr>
+              <a:t> </a:t>
+            </a:r>
+            <a:r>
+              <a:rPr lang="en-US" sz="5400" dirty="0" smtClean="0">
+                <a:solidFill>
+                  <a:srgbClr val="0000FF"/>
+                </a:solidFill>
+                <a:latin typeface="Comic Sans MS" pitchFamily="66" charset="0"/>
+              </a:rPr>
+              <a:t>G</a:t>
+            </a:r>
+            <a:r>
+              <a:rPr lang="en-US" sz="5400" baseline="30000" dirty="0" smtClean="0">
+                <a:solidFill>
+                  <a:srgbClr val="0000FF"/>
+                </a:solidFill>
+                <a:latin typeface="Comic Sans MS" pitchFamily="66" charset="0"/>
+              </a:rPr>
+              <a:t>+</a:t>
+            </a:r>
+            <a:r>
+              <a:rPr lang="en-US" sz="5400" baseline="-25000" dirty="0" smtClean="0">
+                <a:solidFill>
+                  <a:srgbClr val="0000FF"/>
+                </a:solidFill>
+                <a:latin typeface="Comic Sans MS" pitchFamily="66" charset="0"/>
+              </a:rPr>
+              <a:t> </a:t>
+            </a:r>
+            <a:r>
+              <a:rPr lang="en-US" sz="5400" dirty="0" smtClean="0">
+                <a:solidFill>
+                  <a:srgbClr val="0000FF"/>
+                </a:solidFill>
+                <a:latin typeface="Comic Sans MS" pitchFamily="66" charset="0"/>
+              </a:rPr>
+              <a:t>v</a:t>
+            </a:r>
+            <a:r>
+              <a:rPr lang="en-US" sz="5400" dirty="0" smtClean="0">
+                <a:latin typeface="Comic Sans MS" pitchFamily="66" charset="0"/>
+              </a:rPr>
+              <a:t> </a:t>
+            </a:r>
+            <a:r>
+              <a:rPr lang="en-US" sz="4000" dirty="0" smtClean="0">
+                <a:latin typeface="Comic Sans MS" pitchFamily="66" charset="0"/>
+              </a:rPr>
+              <a:t>AND</a:t>
+            </a:r>
+            <a:r>
+              <a:rPr lang="en-US" sz="5400" dirty="0" smtClean="0">
+                <a:latin typeface="Comic Sans MS" pitchFamily="66" charset="0"/>
+              </a:rPr>
+              <a:t> </a:t>
+            </a:r>
+            <a:r>
+              <a:rPr lang="en-US" sz="5400" dirty="0" smtClean="0">
+                <a:solidFill>
+                  <a:srgbClr val="0000FF"/>
+                </a:solidFill>
+                <a:latin typeface="Comic Sans MS" pitchFamily="66" charset="0"/>
+              </a:rPr>
+              <a:t>v</a:t>
+            </a:r>
+            <a:r>
+              <a:rPr lang="en-US" sz="5400" baseline="-25000" dirty="0" smtClean="0">
+                <a:solidFill>
+                  <a:srgbClr val="0000FF"/>
+                </a:solidFill>
+                <a:latin typeface="Comic Sans MS" pitchFamily="66" charset="0"/>
+              </a:rPr>
+              <a:t> </a:t>
+            </a:r>
+            <a:r>
+              <a:rPr lang="en-US" sz="5400" dirty="0" smtClean="0">
+                <a:solidFill>
+                  <a:srgbClr val="0000FF"/>
+                </a:solidFill>
+                <a:latin typeface="Comic Sans MS" pitchFamily="66" charset="0"/>
+              </a:rPr>
+              <a:t>G</a:t>
+            </a:r>
+            <a:r>
+              <a:rPr lang="en-US" sz="5400" baseline="30000" dirty="0" smtClean="0">
+                <a:solidFill>
+                  <a:srgbClr val="0000FF"/>
+                </a:solidFill>
+                <a:latin typeface="Comic Sans MS" pitchFamily="66" charset="0"/>
+              </a:rPr>
+              <a:t>+</a:t>
+            </a:r>
+            <a:r>
+              <a:rPr lang="en-US" sz="5400" baseline="-25000" dirty="0" smtClean="0">
+                <a:solidFill>
+                  <a:srgbClr val="0000FF"/>
+                </a:solidFill>
+                <a:latin typeface="Comic Sans MS" pitchFamily="66" charset="0"/>
+              </a:rPr>
+              <a:t> </a:t>
+            </a:r>
+            <a:r>
+              <a:rPr lang="en-US" sz="5400" dirty="0" smtClean="0">
+                <a:solidFill>
+                  <a:srgbClr val="0000FF"/>
+                </a:solidFill>
+                <a:latin typeface="Comic Sans MS" pitchFamily="66" charset="0"/>
+              </a:rPr>
+              <a:t>w</a:t>
+            </a:r>
+          </a:p>
+          <a:p>
+            <a:r>
+              <a:rPr lang="en-US" sz="4400" dirty="0" smtClean="0">
+                <a:latin typeface="Comic Sans MS" pitchFamily="66" charset="0"/>
+              </a:rPr>
+              <a:t>   IMPLIES</a:t>
+            </a:r>
+            <a:r>
+              <a:rPr lang="en-US" sz="5400" dirty="0" smtClean="0">
+                <a:solidFill>
+                  <a:srgbClr val="0000FF"/>
+                </a:solidFill>
+                <a:latin typeface="Comic Sans MS" pitchFamily="66" charset="0"/>
+              </a:rPr>
+              <a:t> </a:t>
+            </a:r>
+            <a:r>
+              <a:rPr lang="en-US" sz="5400" dirty="0">
+                <a:solidFill>
+                  <a:srgbClr val="0000FF"/>
+                </a:solidFill>
+                <a:latin typeface="Comic Sans MS" pitchFamily="66" charset="0"/>
+              </a:rPr>
+              <a:t>u</a:t>
+            </a:r>
+            <a:r>
+              <a:rPr lang="en-US" sz="5400" baseline="-25000" dirty="0">
+                <a:solidFill>
+                  <a:srgbClr val="0000FF"/>
+                </a:solidFill>
+                <a:latin typeface="Comic Sans MS" pitchFamily="66" charset="0"/>
+              </a:rPr>
+              <a:t> </a:t>
+            </a:r>
+            <a:r>
+              <a:rPr lang="en-US" sz="5400" dirty="0" smtClean="0">
+                <a:solidFill>
+                  <a:srgbClr val="0000FF"/>
+                </a:solidFill>
+                <a:latin typeface="Comic Sans MS" pitchFamily="66" charset="0"/>
+              </a:rPr>
+              <a:t>G</a:t>
+            </a:r>
+            <a:r>
+              <a:rPr lang="en-US" sz="5400" baseline="30000" dirty="0" smtClean="0">
+                <a:solidFill>
+                  <a:srgbClr val="0000FF"/>
+                </a:solidFill>
+                <a:latin typeface="Comic Sans MS" pitchFamily="66" charset="0"/>
+              </a:rPr>
+              <a:t>+</a:t>
+            </a:r>
+            <a:r>
+              <a:rPr lang="en-US" sz="5400" baseline="-25000" dirty="0" smtClean="0">
+                <a:solidFill>
+                  <a:srgbClr val="0000FF"/>
+                </a:solidFill>
+                <a:latin typeface="Comic Sans MS" pitchFamily="66" charset="0"/>
+              </a:rPr>
+              <a:t> </a:t>
+            </a:r>
+            <a:r>
+              <a:rPr lang="en-US" sz="5400" dirty="0" smtClean="0">
+                <a:solidFill>
+                  <a:srgbClr val="0000FF"/>
+                </a:solidFill>
+                <a:latin typeface="Comic Sans MS" pitchFamily="66" charset="0"/>
+              </a:rPr>
+              <a:t>w</a:t>
+            </a:r>
+            <a:endParaRPr lang="en-US" sz="5400" dirty="0" smtClean="0">
+              <a:latin typeface="Comic Sans MS" pitchFamily="66" charset="0"/>
+            </a:endParaRPr>
+          </a:p>
+        </p:txBody>
+      </p:sp>
+    </p:spTree>
+    <p:extLst>
+      <p:ext uri="{BB962C8B-B14F-4D97-AF65-F5344CB8AC3E}">
+        <p14:creationId xmlns:p14="http://schemas.microsoft.com/office/powerpoint/2010/main" val="887217593"/>
+      </p:ext>
+    </p:extLst>
+  </p:cSld>
+  <p:clrMapOvr>
+    <a:masterClrMapping/>
+  </p:clrMapOvr>
+  <p:timing>
+    <p:tnLst>
+      <p:par>
+        <p:cTn xmlns:p14="http://schemas.microsoft.com/office/powerpoint/2010/main" id="1" dur="indefinite" restart="never" nodeType="tmRoot">
+          <p:childTnLst>
+            <p:seq concurrent="1" nextAc="seek">
+              <p:cTn id="2" dur="indefinite" nodeType="mainSeq">
+                <p:childTnLst>
+                  <p:par>
+                    <p:cTn id="3" fill="hold">
+                      <p:stCondLst>
+                        <p:cond delay="indefinite"/>
+                      </p:stCondLst>
+                      <p:childTnLst>
+                        <p:par>
+                          <p:cTn id="4" fill="hold">
+                            <p:stCondLst>
+                              <p:cond delay="0"/>
+                            </p:stCondLst>
+                            <p:childTnLst>
+                              <p:par>
+                                <p:cTn id="5" presetID="9" presetClass="entr" presetSubtype="0" fill="hold" grpId="0" nodeType="clickEffect">
+                                  <p:stCondLst>
+                                    <p:cond delay="0"/>
+                                  </p:stCondLst>
+                                  <p:childTnLst>
+                                    <p:set>
+                                      <p:cBhvr>
+                                        <p:cTn id="6" dur="1" fill="hold">
+                                          <p:stCondLst>
+                                            <p:cond delay="0"/>
+                                          </p:stCondLst>
+                                        </p:cTn>
+                                        <p:tgtEl>
+                                          <p:spTgt spid="4">
+                                            <p:txEl>
+                                              <p:pRg st="0" end="0"/>
+                                            </p:txEl>
+                                          </p:spTgt>
+                                        </p:tgtEl>
+                                        <p:attrNameLst>
+                                          <p:attrName>style.visibility</p:attrName>
+                                        </p:attrNameLst>
+                                      </p:cBhvr>
+                                      <p:to>
+                                        <p:strVal val="visible"/>
+                                      </p:to>
+                                    </p:set>
+                                    <p:animEffect transition="in" filter="dissolve">
+                                      <p:cBhvr>
+                                        <p:cTn id="7" dur="500"/>
+                                        <p:tgtEl>
+                                          <p:spTgt spid="4">
+                                            <p:txEl>
+                                              <p:pRg st="0" end="0"/>
+                                            </p:txEl>
+                                          </p:spTgt>
+                                        </p:tgtEl>
+                                      </p:cBhvr>
+                                    </p:animEffect>
+                                  </p:childTnLst>
+                                </p:cTn>
+                              </p:par>
+                            </p:childTnLst>
+                          </p:cTn>
+                        </p:par>
+                      </p:childTnLst>
+                    </p:cTn>
+                  </p:par>
+                  <p:par>
+                    <p:cTn id="8" fill="hold">
+                      <p:stCondLst>
+                        <p:cond delay="indefinite"/>
+                      </p:stCondLst>
+                      <p:childTnLst>
+                        <p:par>
+                          <p:cTn id="9" fill="hold">
+                            <p:stCondLst>
+                              <p:cond delay="0"/>
+                            </p:stCondLst>
+                            <p:childTnLst>
+                              <p:par>
+                                <p:cTn id="10" presetID="9" presetClass="entr" presetSubtype="0" fill="hold" grpId="0" nodeType="clickEffect">
+                                  <p:stCondLst>
+                                    <p:cond delay="0"/>
+                                  </p:stCondLst>
+                                  <p:childTnLst>
+                                    <p:set>
+                                      <p:cBhvr>
+                                        <p:cTn id="11" dur="1" fill="hold">
+                                          <p:stCondLst>
+                                            <p:cond delay="0"/>
+                                          </p:stCondLst>
+                                        </p:cTn>
+                                        <p:tgtEl>
+                                          <p:spTgt spid="4">
+                                            <p:txEl>
+                                              <p:pRg st="1" end="1"/>
+                                            </p:txEl>
+                                          </p:spTgt>
+                                        </p:tgtEl>
+                                        <p:attrNameLst>
+                                          <p:attrName>style.visibility</p:attrName>
+                                        </p:attrNameLst>
+                                      </p:cBhvr>
+                                      <p:to>
+                                        <p:strVal val="visible"/>
+                                      </p:to>
+                                    </p:set>
+                                    <p:animEffect transition="in" filter="dissolve">
+                                      <p:cBhvr>
+                                        <p:cTn id="12" dur="500"/>
+                                        <p:tgtEl>
+                                          <p:spTgt spid="4">
+                                            <p:txEl>
+                                              <p:pRg st="1" end="1"/>
+                                            </p:txEl>
+                                          </p:spTgt>
+                                        </p:tgtEl>
+                                      </p:cBhvr>
+                                    </p:animEffect>
+                                  </p:childTnLst>
+                                </p:cTn>
+                              </p:par>
+                            </p:childTnLst>
+                          </p:cTn>
+                        </p:par>
+                      </p:childTnLst>
+                    </p:cTn>
+                  </p:par>
+                  <p:par>
+                    <p:cTn id="13" fill="hold">
+                      <p:stCondLst>
+                        <p:cond delay="indefinite"/>
+                      </p:stCondLst>
+                      <p:childTnLst>
+                        <p:par>
+                          <p:cTn id="14" fill="hold">
+                            <p:stCondLst>
+                              <p:cond delay="0"/>
+                            </p:stCondLst>
+                            <p:childTnLst>
+                              <p:par>
+                                <p:cTn id="15" presetID="9" presetClass="entr" presetSubtype="0" fill="hold" grpId="0" nodeType="clickEffect">
+                                  <p:stCondLst>
+                                    <p:cond delay="0"/>
+                                  </p:stCondLst>
+                                  <p:childTnLst>
+                                    <p:set>
+                                      <p:cBhvr>
+                                        <p:cTn id="16" dur="1" fill="hold">
+                                          <p:stCondLst>
+                                            <p:cond delay="0"/>
+                                          </p:stCondLst>
+                                        </p:cTn>
+                                        <p:tgtEl>
+                                          <p:spTgt spid="4">
+                                            <p:txEl>
+                                              <p:pRg st="2" end="2"/>
+                                            </p:txEl>
+                                          </p:spTgt>
+                                        </p:tgtEl>
+                                        <p:attrNameLst>
+                                          <p:attrName>style.visibility</p:attrName>
+                                        </p:attrNameLst>
+                                      </p:cBhvr>
+                                      <p:to>
+                                        <p:strVal val="visible"/>
+                                      </p:to>
+                                    </p:set>
+                                    <p:animEffect transition="in" filter="dissolve">
+                                      <p:cBhvr>
+                                        <p:cTn id="17" dur="500"/>
+                                        <p:tgtEl>
+                                          <p:spTgt spid="4">
+                                            <p:txEl>
+                                              <p:pRg st="2" end="2"/>
+                                            </p:txEl>
+                                          </p:spTgt>
+                                        </p:tgtEl>
+                                      </p:cBhvr>
+                                    </p:animEffect>
+                                  </p:childTnLst>
+                                </p:cTn>
+                              </p:par>
+                            </p:childTnLst>
+                          </p:cTn>
+                        </p:par>
+                      </p:childTnLst>
+                    </p:cTn>
+                  </p:par>
+                  <p:par>
+                    <p:cTn id="18" fill="hold">
+                      <p:stCondLst>
+                        <p:cond delay="indefinite"/>
+                      </p:stCondLst>
+                      <p:childTnLst>
+                        <p:par>
+                          <p:cTn id="19" fill="hold">
+                            <p:stCondLst>
+                              <p:cond delay="0"/>
+                            </p:stCondLst>
+                            <p:childTnLst>
+                              <p:par>
+                                <p:cTn id="20" presetID="9" presetClass="entr" presetSubtype="0" fill="hold" grpId="0" nodeType="clickEffect">
+                                  <p:stCondLst>
+                                    <p:cond delay="0"/>
+                                  </p:stCondLst>
+                                  <p:childTnLst>
+                                    <p:set>
+                                      <p:cBhvr>
+                                        <p:cTn id="21" dur="1" fill="hold">
+                                          <p:stCondLst>
+                                            <p:cond delay="0"/>
+                                          </p:stCondLst>
+                                        </p:cTn>
+                                        <p:tgtEl>
+                                          <p:spTgt spid="4">
+                                            <p:txEl>
+                                              <p:pRg st="3" end="3"/>
+                                            </p:txEl>
+                                          </p:spTgt>
+                                        </p:tgtEl>
+                                        <p:attrNameLst>
+                                          <p:attrName>style.visibility</p:attrName>
+                                        </p:attrNameLst>
+                                      </p:cBhvr>
+                                      <p:to>
+                                        <p:strVal val="visible"/>
+                                      </p:to>
+                                    </p:set>
+                                    <p:animEffect transition="in" filter="dissolve">
+                                      <p:cBhvr>
+                                        <p:cTn id="22" dur="500"/>
+                                        <p:tgtEl>
+                                          <p:spTgt spid="4">
+                                            <p:txEl>
+                                              <p:pRg st="3" end="3"/>
+                                            </p:txEl>
+                                          </p:spTgt>
+                                        </p:tgtEl>
+                                      </p:cBhvr>
+                                    </p:animEffect>
+                                  </p:childTnLst>
+                                </p:cTn>
+                              </p:par>
+                              <p:par>
+                                <p:cTn id="23" presetID="9" presetClass="entr" presetSubtype="0" fill="hold" grpId="0" nodeType="withEffect">
+                                  <p:stCondLst>
+                                    <p:cond delay="0"/>
+                                  </p:stCondLst>
+                                  <p:childTnLst>
+                                    <p:set>
+                                      <p:cBhvr>
+                                        <p:cTn id="24" dur="1" fill="hold">
+                                          <p:stCondLst>
+                                            <p:cond delay="0"/>
+                                          </p:stCondLst>
+                                        </p:cTn>
+                                        <p:tgtEl>
+                                          <p:spTgt spid="4">
+                                            <p:txEl>
+                                              <p:pRg st="4" end="4"/>
+                                            </p:txEl>
+                                          </p:spTgt>
+                                        </p:tgtEl>
+                                        <p:attrNameLst>
+                                          <p:attrName>style.visibility</p:attrName>
+                                        </p:attrNameLst>
+                                      </p:cBhvr>
+                                      <p:to>
+                                        <p:strVal val="visible"/>
+                                      </p:to>
+                                    </p:set>
+                                    <p:animEffect transition="in" filter="dissolve">
+                                      <p:cBhvr>
+                                        <p:cTn id="25" dur="500"/>
+                                        <p:tgtEl>
+                                          <p:spTgt spid="4">
+                                            <p:txEl>
+                                              <p:pRg st="4" end="4"/>
+                                            </p:txEl>
+                                          </p:spTgt>
+                                        </p:tgtEl>
+                                      </p:cBhvr>
+                                    </p:animEffect>
+                                  </p:childTnLst>
+                                </p:cTn>
+                              </p:par>
+                            </p:childTnLst>
+                          </p:cTn>
+                        </p:par>
+                      </p:childTnLst>
+                    </p:cTn>
+                  </p:par>
+                </p:childTnLst>
+              </p:cTn>
+              <p:prevCondLst>
+                <p:cond evt="onPrev" delay="0">
+                  <p:tgtEl>
+                    <p:sldTgt/>
+                  </p:tgtEl>
+                </p:cond>
+              </p:prevCondLst>
+              <p:nextCondLst>
+                <p:cond evt="onNext" delay="0">
+                  <p:tgtEl>
+                    <p:sldTgt/>
+                  </p:tgtEl>
+                </p:cond>
+              </p:nextCondLst>
+            </p:seq>
+          </p:childTnLst>
+        </p:cTn>
+      </p:par>
+    </p:tnLst>
+    <p:bldLst>
+      <p:bldP spid="4" grpId="0" build="p"/>
+    </p:bldLst>
+  </p:timing>
+</p:sld>
+</file>
+
+<file path=ppt/slides/slide20.xml><?xml version="1.0" encoding="utf-8"?>
 <p:sld xmlns:a="http://schemas.openxmlformats.org/drawingml/2006/main" xmlns:r="http://schemas.openxmlformats.org/officeDocument/2006/relationships" xmlns:p="http://schemas.openxmlformats.org/presentationml/2006/main" show="0">
   <p:cSld>
     <p:spTree>
@@ -8588,7 +10525,7 @@
 </p:sld>
 </file>
 
-<file path=ppt/slides/slide18.xml><?xml version="1.0" encoding="utf-8"?>
+<file path=ppt/slides/slide21.xml><?xml version="1.0" encoding="utf-8"?>
 <p:sld xmlns:a="http://schemas.openxmlformats.org/drawingml/2006/main" xmlns:r="http://schemas.openxmlformats.org/officeDocument/2006/relationships" xmlns:p="http://schemas.openxmlformats.org/presentationml/2006/main" show="0">
   <p:cSld>
     <p:spTree>
@@ -9758,7 +11695,7 @@
 </p:sld>
 </file>
 
-<file path=ppt/slides/slide19.xml><?xml version="1.0" encoding="utf-8"?>
+<file path=ppt/slides/slide22.xml><?xml version="1.0" encoding="utf-8"?>
 <p:sld xmlns:a="http://schemas.openxmlformats.org/drawingml/2006/main" xmlns:r="http://schemas.openxmlformats.org/officeDocument/2006/relationships" xmlns:p="http://schemas.openxmlformats.org/presentationml/2006/main" show="0">
   <p:cSld>
     <p:spTree>
@@ -9920,620 +11857,7 @@
 </p:sld>
 </file>
 
-<file path=ppt/slides/slide2.xml><?xml version="1.0" encoding="utf-8"?>
-<p:sld xmlns:a="http://schemas.openxmlformats.org/drawingml/2006/main" xmlns:r="http://schemas.openxmlformats.org/officeDocument/2006/relationships" xmlns:p="http://schemas.openxmlformats.org/presentationml/2006/main" show="0">
-  <p:cSld>
-    <p:spTree>
-      <p:nvGrpSpPr>
-        <p:cNvPr id="1" name=""/>
-        <p:cNvGrpSpPr/>
-        <p:nvPr/>
-      </p:nvGrpSpPr>
-      <p:grpSpPr>
-        <a:xfrm>
-          <a:off x="0" y="0"/>
-          <a:ext cx="0" cy="0"/>
-          <a:chOff x="0" y="0"/>
-          <a:chExt cx="0" cy="0"/>
-        </a:xfrm>
-      </p:grpSpPr>
-      <p:sp>
-        <p:nvSpPr>
-          <p:cNvPr id="588802" name="Rectangle 2"/>
-          <p:cNvSpPr>
-            <a:spLocks noGrp="1" noChangeArrowheads="1"/>
-          </p:cNvSpPr>
-          <p:nvPr>
-            <p:ph type="title" idx="4294967295"/>
-          </p:nvPr>
-        </p:nvSpPr>
-        <p:spPr>
-          <a:xfrm>
-            <a:off x="1676400" y="381000"/>
-            <a:ext cx="7239000" cy="1143000"/>
-          </a:xfrm>
-          <a:prstGeom prst="rect">
-            <a:avLst/>
-          </a:prstGeom>
-          <a:noFill/>
-        </p:spPr>
-        <p:txBody>
-          <a:bodyPr>
-            <a:normAutofit/>
-          </a:bodyPr>
-          <a:lstStyle/>
-          <a:p>
-            <a:pPr algn="l"/>
-            <a:r>
-              <a:rPr lang="en-US" sz="4800" dirty="0" smtClean="0"/>
-              <a:t>the </a:t>
-            </a:r>
-            <a:r>
-              <a:rPr lang="en-US" sz="4800" b="1" dirty="0" smtClean="0">
-                <a:latin typeface="Comic Sans MS" pitchFamily="66" charset="0"/>
-              </a:rPr>
-              <a:t>subset relation </a:t>
-            </a:r>
-            <a:r>
-              <a:rPr lang="en-US" sz="5400" dirty="0" smtClean="0">
-                <a:solidFill>
-                  <a:srgbClr val="0000FF"/>
-                </a:solidFill>
-                <a:sym typeface="Euclid Symbol"/>
-              </a:rPr>
-              <a:t>⊆</a:t>
-            </a:r>
-            <a:endParaRPr lang="en-US" sz="4800" b="1" dirty="0">
-              <a:latin typeface="Comic Sans MS" pitchFamily="66" charset="0"/>
-            </a:endParaRPr>
-          </a:p>
-        </p:txBody>
-      </p:sp>
-      <p:sp>
-        <p:nvSpPr>
-          <p:cNvPr id="36" name="TextBox 35"/>
-          <p:cNvSpPr txBox="1"/>
-          <p:nvPr/>
-        </p:nvSpPr>
-        <p:spPr>
-          <a:xfrm>
-            <a:off x="838200" y="1600200"/>
-            <a:ext cx="7848600" cy="4800600"/>
-          </a:xfrm>
-          <a:prstGeom prst="rect">
-            <a:avLst/>
-          </a:prstGeom>
-          <a:noFill/>
-        </p:spPr>
-        <p:txBody>
-          <a:bodyPr wrap="none" rtlCol="0">
-            <a:noAutofit/>
-          </a:bodyPr>
-          <a:lstStyle/>
-          <a:p>
-            <a:r>
-              <a:rPr lang="en-US" sz="8000" dirty="0" smtClean="0">
-                <a:solidFill>
-                  <a:srgbClr val="0000FF"/>
-                </a:solidFill>
-                <a:latin typeface="Comic Sans MS" pitchFamily="66" charset="0"/>
-              </a:rPr>
-              <a:t>A</a:t>
-            </a:r>
-            <a:r>
-              <a:rPr lang="en-US" sz="8000" b="1" dirty="0" smtClean="0">
-                <a:solidFill>
-                  <a:srgbClr val="0000FF"/>
-                </a:solidFill>
-                <a:latin typeface="Comic Sans MS" pitchFamily="66" charset="0"/>
-                <a:sym typeface="Euclid Symbol"/>
-              </a:rPr>
-              <a:t>⊆</a:t>
-            </a:r>
-            <a:r>
-              <a:rPr lang="en-US" sz="8000" dirty="0" smtClean="0">
-                <a:solidFill>
-                  <a:srgbClr val="0000FF"/>
-                </a:solidFill>
-                <a:latin typeface="Comic Sans MS" pitchFamily="66" charset="0"/>
-                <a:sym typeface="Euclid Symbol"/>
-              </a:rPr>
-              <a:t>B   </a:t>
-            </a:r>
-            <a:r>
-              <a:rPr lang="en-US" sz="6000" dirty="0" smtClean="0">
-                <a:latin typeface="Comic Sans MS" pitchFamily="66" charset="0"/>
-                <a:sym typeface="Euclid Symbol"/>
-              </a:rPr>
-              <a:t>means</a:t>
-            </a:r>
-          </a:p>
-          <a:p>
-            <a:pPr lvl="2"/>
-            <a:r>
-              <a:rPr lang="en-US" sz="6600" dirty="0" smtClean="0">
-                <a:solidFill>
-                  <a:srgbClr val="0000FF"/>
-                </a:solidFill>
-                <a:latin typeface="Comic Sans MS" pitchFamily="66" charset="0"/>
-                <a:sym typeface="Euclid Symbol"/>
-              </a:rPr>
-              <a:t>B </a:t>
-            </a:r>
-            <a:r>
-              <a:rPr lang="en-US" sz="6600" dirty="0" smtClean="0">
-                <a:latin typeface="Comic Sans MS" pitchFamily="66" charset="0"/>
-                <a:sym typeface="Euclid Symbol"/>
-              </a:rPr>
-              <a:t>has everything</a:t>
-            </a:r>
-          </a:p>
-          <a:p>
-            <a:pPr lvl="2"/>
-            <a:r>
-              <a:rPr lang="en-US" sz="6600" dirty="0" smtClean="0">
-                <a:latin typeface="Comic Sans MS" pitchFamily="66" charset="0"/>
-                <a:sym typeface="Euclid Symbol"/>
-              </a:rPr>
-              <a:t>that </a:t>
-            </a:r>
-            <a:r>
-              <a:rPr lang="en-US" sz="6600" dirty="0" smtClean="0">
-                <a:solidFill>
-                  <a:srgbClr val="0000FF"/>
-                </a:solidFill>
-                <a:latin typeface="Comic Sans MS" pitchFamily="66" charset="0"/>
-                <a:sym typeface="Euclid Symbol"/>
-              </a:rPr>
-              <a:t>A </a:t>
-            </a:r>
-            <a:r>
-              <a:rPr lang="en-US" sz="6600" dirty="0" smtClean="0">
-                <a:latin typeface="Comic Sans MS" pitchFamily="66" charset="0"/>
-                <a:sym typeface="Euclid Symbol"/>
-              </a:rPr>
-              <a:t>has</a:t>
-            </a:r>
-          </a:p>
-          <a:p>
-            <a:pPr lvl="2"/>
-            <a:r>
-              <a:rPr lang="en-US" sz="6600" dirty="0" smtClean="0">
-                <a:latin typeface="Comic Sans MS" pitchFamily="66" charset="0"/>
-                <a:sym typeface="Euclid Symbol"/>
-              </a:rPr>
-              <a:t>and maybe </a:t>
-            </a:r>
-            <a:r>
-              <a:rPr lang="en-US" sz="6600" dirty="0" smtClean="0">
-                <a:solidFill>
-                  <a:srgbClr val="028822"/>
-                </a:solidFill>
-                <a:latin typeface="Comic Sans MS" pitchFamily="66" charset="0"/>
-                <a:sym typeface="Euclid Symbol"/>
-              </a:rPr>
-              <a:t>A=B</a:t>
-            </a:r>
-            <a:endParaRPr lang="en-US" sz="6600" dirty="0">
-              <a:latin typeface="Comic Sans MS" pitchFamily="66" charset="0"/>
-            </a:endParaRPr>
-          </a:p>
-        </p:txBody>
-      </p:sp>
-      <p:sp>
-        <p:nvSpPr>
-          <p:cNvPr id="39" name="Rectangle 2"/>
-          <p:cNvSpPr txBox="1">
-            <a:spLocks noChangeArrowheads="1"/>
-          </p:cNvSpPr>
-          <p:nvPr/>
-        </p:nvSpPr>
-        <p:spPr>
-          <a:xfrm>
-            <a:off x="1524000" y="381000"/>
-            <a:ext cx="7315200" cy="1143000"/>
-          </a:xfrm>
-          <a:prstGeom prst="rect">
-            <a:avLst/>
-          </a:prstGeom>
-          <a:solidFill>
-            <a:schemeClr val="tx2">
-              <a:lumMod val="20000"/>
-              <a:lumOff val="80000"/>
-            </a:schemeClr>
-          </a:solidFill>
-        </p:spPr>
-        <p:txBody>
-          <a:bodyPr vert="horz" lIns="91440" tIns="45720" rIns="91440" bIns="45720" rtlCol="0" anchor="ctr">
-            <a:normAutofit/>
-          </a:bodyPr>
-          <a:lstStyle/>
-          <a:p>
-            <a:pPr marL="0" marR="0" lvl="0" indent="0" defTabSz="914400" rtl="0" eaLnBrk="1" fontAlgn="auto" latinLnBrk="0" hangingPunct="1">
-              <a:lnSpc>
-                <a:spcPct val="100000"/>
-              </a:lnSpc>
-              <a:spcBef>
-                <a:spcPct val="0"/>
-              </a:spcBef>
-              <a:spcAft>
-                <a:spcPts val="0"/>
-              </a:spcAft>
-              <a:buClrTx/>
-              <a:buSzTx/>
-              <a:buFontTx/>
-              <a:buNone/>
-              <a:tabLst/>
-              <a:defRPr/>
-            </a:pPr>
-            <a:r>
-              <a:rPr kumimoji="0" lang="en-US" sz="4800" b="1" i="0" u="none" strike="noStrike" kern="1200" cap="none" spc="0" normalizeH="0" baseline="0" noProof="0" dirty="0" smtClean="0">
-                <a:ln>
-                  <a:noFill/>
-                </a:ln>
-                <a:solidFill>
-                  <a:srgbClr val="028822"/>
-                </a:solidFill>
-                <a:effectLst/>
-                <a:uLnTx/>
-                <a:uFillTx/>
-                <a:latin typeface="Comic Sans MS" pitchFamily="66" charset="0"/>
-                <a:ea typeface="+mj-ea"/>
-                <a:cs typeface="+mj-cs"/>
-              </a:rPr>
-              <a:t>    </a:t>
-            </a:r>
-            <a:r>
-              <a:rPr kumimoji="0" lang="en-US" sz="4800" b="1" u="none" strike="noStrike" kern="1200" cap="none" spc="0" normalizeH="0" baseline="0" noProof="0" dirty="0" smtClean="0">
-                <a:ln>
-                  <a:noFill/>
-                </a:ln>
-                <a:effectLst/>
-                <a:uLnTx/>
-                <a:uFillTx/>
-                <a:latin typeface="Comic Sans MS" pitchFamily="66" charset="0"/>
-                <a:ea typeface="+mj-ea"/>
-                <a:cs typeface="+mj-cs"/>
-              </a:rPr>
-              <a:t>improper</a:t>
-            </a:r>
-            <a:r>
-              <a:rPr kumimoji="0" lang="en-US" sz="4800" b="1" u="none" strike="noStrike" kern="1200" cap="none" spc="0" normalizeH="0" baseline="0" noProof="0" dirty="0" smtClean="0">
-                <a:ln>
-                  <a:noFill/>
-                </a:ln>
-                <a:solidFill>
-                  <a:schemeClr val="tx1"/>
-                </a:solidFill>
-                <a:effectLst/>
-                <a:uLnTx/>
-                <a:uFillTx/>
-                <a:latin typeface="Comic Sans MS" pitchFamily="66" charset="0"/>
-                <a:ea typeface="+mj-ea"/>
-                <a:cs typeface="+mj-cs"/>
-              </a:rPr>
-              <a:t> </a:t>
-            </a:r>
-            <a:r>
-              <a:rPr kumimoji="0" lang="en-US" sz="4800" b="1" i="0" u="none" strike="noStrike" kern="1200" cap="none" spc="0" normalizeH="0" baseline="0" noProof="0" dirty="0" smtClean="0">
-                <a:ln>
-                  <a:noFill/>
-                </a:ln>
-                <a:solidFill>
-                  <a:schemeClr val="tx1"/>
-                </a:solidFill>
-                <a:effectLst/>
-                <a:uLnTx/>
-                <a:uFillTx/>
-                <a:latin typeface="Comic Sans MS" pitchFamily="66" charset="0"/>
-                <a:ea typeface="+mj-ea"/>
-                <a:cs typeface="+mj-cs"/>
-              </a:rPr>
-              <a:t>subset </a:t>
-            </a:r>
-            <a:r>
-              <a:rPr kumimoji="0" lang="en-US" sz="5400" b="1" i="0" u="none" strike="noStrike" kern="1200" cap="none" spc="0" normalizeH="0" baseline="0" noProof="0" dirty="0" smtClean="0">
-                <a:ln>
-                  <a:noFill/>
-                </a:ln>
-                <a:solidFill>
-                  <a:srgbClr val="0000FF"/>
-                </a:solidFill>
-                <a:effectLst/>
-                <a:uLnTx/>
-                <a:uFillTx/>
-                <a:latin typeface="Comic Sans MS" pitchFamily="66" charset="0"/>
-                <a:ea typeface="+mj-ea"/>
-                <a:cs typeface="+mj-cs"/>
-                <a:sym typeface="Euclid Symbol"/>
-              </a:rPr>
-              <a:t>⊆</a:t>
-            </a:r>
-            <a:endParaRPr kumimoji="0" lang="en-US" sz="4800" b="1" i="0" u="none" strike="noStrike" kern="1200" cap="none" spc="0" normalizeH="0" baseline="0" noProof="0" dirty="0">
-              <a:ln>
-                <a:noFill/>
-              </a:ln>
-              <a:solidFill>
-                <a:schemeClr val="tx1"/>
-              </a:solidFill>
-              <a:effectLst/>
-              <a:uLnTx/>
-              <a:uFillTx/>
-              <a:latin typeface="Comic Sans MS" pitchFamily="66" charset="0"/>
-              <a:ea typeface="+mj-ea"/>
-              <a:cs typeface="+mj-cs"/>
-            </a:endParaRPr>
-          </a:p>
-        </p:txBody>
-      </p:sp>
-    </p:spTree>
-  </p:cSld>
-  <p:clrMapOvr>
-    <a:masterClrMapping/>
-  </p:clrMapOvr>
-  <p:transition xmlns:p14="http://schemas.microsoft.com/office/powerpoint/2010/main"/>
-  <p:timing>
-    <p:tnLst>
-      <p:par>
-        <p:cTn xmlns:p14="http://schemas.microsoft.com/office/powerpoint/2010/main" id="1" dur="indefinite" restart="never" nodeType="tmRoot">
-          <p:childTnLst>
-            <p:seq concurrent="1" nextAc="seek">
-              <p:cTn id="2" dur="indefinite" nodeType="mainSeq">
-                <p:childTnLst>
-                  <p:par>
-                    <p:cTn id="3" fill="hold">
-                      <p:stCondLst>
-                        <p:cond delay="indefinite"/>
-                      </p:stCondLst>
-                      <p:childTnLst>
-                        <p:par>
-                          <p:cTn id="4" fill="hold">
-                            <p:stCondLst>
-                              <p:cond delay="0"/>
-                            </p:stCondLst>
-                            <p:childTnLst>
-                              <p:par>
-                                <p:cTn id="5" presetID="1" presetClass="entr" presetSubtype="0" fill="hold" nodeType="clickEffect">
-                                  <p:stCondLst>
-                                    <p:cond delay="0"/>
-                                  </p:stCondLst>
-                                  <p:childTnLst>
-                                    <p:set>
-                                      <p:cBhvr>
-                                        <p:cTn id="6" dur="1" fill="hold">
-                                          <p:stCondLst>
-                                            <p:cond delay="0"/>
-                                          </p:stCondLst>
-                                        </p:cTn>
-                                        <p:tgtEl>
-                                          <p:spTgt spid="36">
-                                            <p:txEl>
-                                              <p:pRg st="0" end="0"/>
-                                            </p:txEl>
-                                          </p:spTgt>
-                                        </p:tgtEl>
-                                        <p:attrNameLst>
-                                          <p:attrName>style.visibility</p:attrName>
-                                        </p:attrNameLst>
-                                      </p:cBhvr>
-                                      <p:to>
-                                        <p:strVal val="visible"/>
-                                      </p:to>
-                                    </p:set>
-                                  </p:childTnLst>
-                                </p:cTn>
-                              </p:par>
-                              <p:par>
-                                <p:cTn id="7" presetID="1" presetClass="entr" presetSubtype="0" fill="hold" nodeType="withEffect">
-                                  <p:stCondLst>
-                                    <p:cond delay="0"/>
-                                  </p:stCondLst>
-                                  <p:childTnLst>
-                                    <p:set>
-                                      <p:cBhvr>
-                                        <p:cTn id="8" dur="1" fill="hold">
-                                          <p:stCondLst>
-                                            <p:cond delay="0"/>
-                                          </p:stCondLst>
-                                        </p:cTn>
-                                        <p:tgtEl>
-                                          <p:spTgt spid="36">
-                                            <p:txEl>
-                                              <p:pRg st="1" end="1"/>
-                                            </p:txEl>
-                                          </p:spTgt>
-                                        </p:tgtEl>
-                                        <p:attrNameLst>
-                                          <p:attrName>style.visibility</p:attrName>
-                                        </p:attrNameLst>
-                                      </p:cBhvr>
-                                      <p:to>
-                                        <p:strVal val="visible"/>
-                                      </p:to>
-                                    </p:set>
-                                  </p:childTnLst>
-                                </p:cTn>
-                              </p:par>
-                              <p:par>
-                                <p:cTn id="9" presetID="1" presetClass="entr" presetSubtype="0" fill="hold" nodeType="withEffect">
-                                  <p:stCondLst>
-                                    <p:cond delay="0"/>
-                                  </p:stCondLst>
-                                  <p:childTnLst>
-                                    <p:set>
-                                      <p:cBhvr>
-                                        <p:cTn id="10" dur="1" fill="hold">
-                                          <p:stCondLst>
-                                            <p:cond delay="0"/>
-                                          </p:stCondLst>
-                                        </p:cTn>
-                                        <p:tgtEl>
-                                          <p:spTgt spid="36">
-                                            <p:txEl>
-                                              <p:pRg st="2" end="2"/>
-                                            </p:txEl>
-                                          </p:spTgt>
-                                        </p:tgtEl>
-                                        <p:attrNameLst>
-                                          <p:attrName>style.visibility</p:attrName>
-                                        </p:attrNameLst>
-                                      </p:cBhvr>
-                                      <p:to>
-                                        <p:strVal val="visible"/>
-                                      </p:to>
-                                    </p:set>
-                                  </p:childTnLst>
-                                </p:cTn>
-                              </p:par>
-                            </p:childTnLst>
-                          </p:cTn>
-                        </p:par>
-                      </p:childTnLst>
-                    </p:cTn>
-                  </p:par>
-                  <p:par>
-                    <p:cTn id="11" fill="hold">
-                      <p:stCondLst>
-                        <p:cond delay="indefinite"/>
-                      </p:stCondLst>
-                      <p:childTnLst>
-                        <p:par>
-                          <p:cTn id="12" fill="hold">
-                            <p:stCondLst>
-                              <p:cond delay="0"/>
-                            </p:stCondLst>
-                            <p:childTnLst>
-                              <p:par>
-                                <p:cTn id="13" presetID="9" presetClass="entr" presetSubtype="0" fill="hold" nodeType="clickEffect">
-                                  <p:stCondLst>
-                                    <p:cond delay="0"/>
-                                  </p:stCondLst>
-                                  <p:childTnLst>
-                                    <p:set>
-                                      <p:cBhvr>
-                                        <p:cTn id="14" dur="1" fill="hold">
-                                          <p:stCondLst>
-                                            <p:cond delay="0"/>
-                                          </p:stCondLst>
-                                        </p:cTn>
-                                        <p:tgtEl>
-                                          <p:spTgt spid="36">
-                                            <p:txEl>
-                                              <p:pRg st="3" end="3"/>
-                                            </p:txEl>
-                                          </p:spTgt>
-                                        </p:tgtEl>
-                                        <p:attrNameLst>
-                                          <p:attrName>style.visibility</p:attrName>
-                                        </p:attrNameLst>
-                                      </p:cBhvr>
-                                      <p:to>
-                                        <p:strVal val="visible"/>
-                                      </p:to>
-                                    </p:set>
-                                    <p:animEffect transition="in" filter="dissolve">
-                                      <p:cBhvr>
-                                        <p:cTn id="15" dur="500"/>
-                                        <p:tgtEl>
-                                          <p:spTgt spid="36">
-                                            <p:txEl>
-                                              <p:pRg st="3" end="3"/>
-                                            </p:txEl>
-                                          </p:spTgt>
-                                        </p:tgtEl>
-                                      </p:cBhvr>
-                                    </p:animEffect>
-                                  </p:childTnLst>
-                                </p:cTn>
-                              </p:par>
-                            </p:childTnLst>
-                          </p:cTn>
-                        </p:par>
-                      </p:childTnLst>
-                    </p:cTn>
-                  </p:par>
-                  <p:par>
-                    <p:cTn id="16" fill="hold">
-                      <p:stCondLst>
-                        <p:cond delay="indefinite"/>
-                      </p:stCondLst>
-                      <p:childTnLst>
-                        <p:par>
-                          <p:cTn id="17" fill="hold">
-                            <p:stCondLst>
-                              <p:cond delay="0"/>
-                            </p:stCondLst>
-                            <p:childTnLst>
-                              <p:par>
-                                <p:cTn id="18" presetID="9" presetClass="entr" presetSubtype="0" fill="hold" grpId="0" nodeType="clickEffect">
-                                  <p:stCondLst>
-                                    <p:cond delay="0"/>
-                                  </p:stCondLst>
-                                  <p:childTnLst>
-                                    <p:set>
-                                      <p:cBhvr>
-                                        <p:cTn id="19" dur="1" fill="hold">
-                                          <p:stCondLst>
-                                            <p:cond delay="0"/>
-                                          </p:stCondLst>
-                                        </p:cTn>
-                                        <p:tgtEl>
-                                          <p:spTgt spid="39"/>
-                                        </p:tgtEl>
-                                        <p:attrNameLst>
-                                          <p:attrName>style.visibility</p:attrName>
-                                        </p:attrNameLst>
-                                      </p:cBhvr>
-                                      <p:to>
-                                        <p:strVal val="visible"/>
-                                      </p:to>
-                                    </p:set>
-                                    <p:animEffect transition="in" filter="dissolve">
-                                      <p:cBhvr>
-                                        <p:cTn id="20" dur="500"/>
-                                        <p:tgtEl>
-                                          <p:spTgt spid="39"/>
-                                        </p:tgtEl>
-                                      </p:cBhvr>
-                                    </p:animEffect>
-                                  </p:childTnLst>
-                                </p:cTn>
-                              </p:par>
-                            </p:childTnLst>
-                          </p:cTn>
-                        </p:par>
-                      </p:childTnLst>
-                    </p:cTn>
-                  </p:par>
-                </p:childTnLst>
-              </p:cTn>
-              <p:prevCondLst>
-                <p:cond evt="onPrev" delay="0">
-                  <p:tgtEl>
-                    <p:sldTgt/>
-                  </p:tgtEl>
-                </p:cond>
-              </p:prevCondLst>
-              <p:nextCondLst>
-                <p:cond evt="onNext" delay="0">
-                  <p:tgtEl>
-                    <p:sldTgt/>
-                  </p:tgtEl>
-                </p:cond>
-              </p:nextCondLst>
-            </p:seq>
-          </p:childTnLst>
-        </p:cTn>
-      </p:par>
-    </p:tnLst>
-    <p:bldLst>
-      <p:bldP spid="39" grpId="0" animBg="1"/>
-    </p:bldLst>
-  </p:timing>
-</p:sld>
-</file>
-
-<file path=ppt/slides/slide20.xml><?xml version="1.0" encoding="utf-8"?>
+<file path=ppt/slides/slide23.xml><?xml version="1.0" encoding="utf-8"?>
 <p:sld xmlns:a="http://schemas.openxmlformats.org/drawingml/2006/main" xmlns:r="http://schemas.openxmlformats.org/officeDocument/2006/relationships" xmlns:p="http://schemas.openxmlformats.org/presentationml/2006/main" show="0">
   <p:cSld>
     <p:spTree>
@@ -11624,7 +12948,7 @@
 </p:sld>
 </file>
 
-<file path=ppt/slides/slide21.xml><?xml version="1.0" encoding="utf-8"?>
+<file path=ppt/slides/slide24.xml><?xml version="1.0" encoding="utf-8"?>
 <p:sld xmlns:a="http://schemas.openxmlformats.org/drawingml/2006/main" xmlns:r="http://schemas.openxmlformats.org/officeDocument/2006/relationships" xmlns:p="http://schemas.openxmlformats.org/presentationml/2006/main" show="0">
   <p:cSld>
     <p:spTree>
@@ -12671,7 +13995,7 @@
 </p:sld>
 </file>
 
-<file path=ppt/slides/slide22.xml><?xml version="1.0" encoding="utf-8"?>
+<file path=ppt/slides/slide25.xml><?xml version="1.0" encoding="utf-8"?>
 <p:sld xmlns:a="http://schemas.openxmlformats.org/drawingml/2006/main" xmlns:r="http://schemas.openxmlformats.org/officeDocument/2006/relationships" xmlns:p="http://schemas.openxmlformats.org/presentationml/2006/main" show="0">
   <p:cSld>
     <p:spTree>
@@ -12939,7 +14263,7 @@
 </p:sld>
 </file>
 
-<file path=ppt/slides/slide23.xml><?xml version="1.0" encoding="utf-8"?>
+<file path=ppt/slides/slide26.xml><?xml version="1.0" encoding="utf-8"?>
 <p:sld xmlns:a="http://schemas.openxmlformats.org/drawingml/2006/main" xmlns:r="http://schemas.openxmlformats.org/officeDocument/2006/relationships" xmlns:p="http://schemas.openxmlformats.org/presentationml/2006/main" show="0">
   <p:cSld>
     <p:spTree>
@@ -13084,7 +14408,7 @@
 </p:sld>
 </file>
 
-<file path=ppt/slides/slide24.xml><?xml version="1.0" encoding="utf-8"?>
+<file path=ppt/slides/slide27.xml><?xml version="1.0" encoding="utf-8"?>
 <p:sld xmlns:a="http://schemas.openxmlformats.org/drawingml/2006/main" xmlns:r="http://schemas.openxmlformats.org/officeDocument/2006/relationships" xmlns:p="http://schemas.openxmlformats.org/presentationml/2006/main" show="0">
   <p:cSld>
     <p:spTree>
@@ -14257,7 +15581,7 @@
 </p:sld>
 </file>
 
-<file path=ppt/slides/slide25.xml><?xml version="1.0" encoding="utf-8"?>
+<file path=ppt/slides/slide28.xml><?xml version="1.0" encoding="utf-8"?>
 <p:sld xmlns:a="http://schemas.openxmlformats.org/drawingml/2006/main" xmlns:r="http://schemas.openxmlformats.org/officeDocument/2006/relationships" xmlns:p="http://schemas.openxmlformats.org/presentationml/2006/main" show="0">
   <p:cSld>
     <p:spTree>
@@ -14335,7 +15659,7 @@
           <a:graphicData uri="http://schemas.openxmlformats.org/presentationml/2006/ole">
             <mc:AlternateContent xmlns:mc="http://schemas.openxmlformats.org/markup-compatibility/2006">
               <mc:Choice xmlns:v="urn:schemas-microsoft-com:vml" Requires="v">
-                <p:oleObj spid="_x0000_s120839" name="Equation" r:id="rId3" imgW="1879600" imgH="482600" progId="Equation.DSMT4">
+                <p:oleObj spid="_x0000_s120843" name="Equation" r:id="rId3" imgW="1879600" imgH="482600" progId="Equation.DSMT4">
                   <p:embed/>
                 </p:oleObj>
               </mc:Choice>
@@ -14532,7 +15856,7 @@
 </p:sld>
 </file>
 
-<file path=ppt/slides/slide26.xml><?xml version="1.0" encoding="utf-8"?>
+<file path=ppt/slides/slide29.xml><?xml version="1.0" encoding="utf-8"?>
 <p:sld xmlns:a="http://schemas.openxmlformats.org/drawingml/2006/main" xmlns:r="http://schemas.openxmlformats.org/officeDocument/2006/relationships" xmlns:p="http://schemas.openxmlformats.org/presentationml/2006/main" show="0">
   <p:cSld>
     <p:spTree>
@@ -14911,7 +16235,853 @@
 </p:sld>
 </file>
 
-<file path=ppt/slides/slide27.xml><?xml version="1.0" encoding="utf-8"?>
+<file path=ppt/slides/slide3.xml><?xml version="1.0" encoding="utf-8"?>
+<p:sld xmlns:a="http://schemas.openxmlformats.org/drawingml/2006/main" xmlns:r="http://schemas.openxmlformats.org/officeDocument/2006/relationships" xmlns:p="http://schemas.openxmlformats.org/presentationml/2006/main">
+  <p:cSld>
+    <p:spTree>
+      <p:nvGrpSpPr>
+        <p:cNvPr id="1" name=""/>
+        <p:cNvGrpSpPr/>
+        <p:nvPr/>
+      </p:nvGrpSpPr>
+      <p:grpSpPr>
+        <a:xfrm>
+          <a:off x="0" y="0"/>
+          <a:ext cx="0" cy="0"/>
+          <a:chOff x="0" y="0"/>
+          <a:chExt cx="0" cy="0"/>
+        </a:xfrm>
+      </p:grpSpPr>
+      <p:sp>
+        <p:nvSpPr>
+          <p:cNvPr id="2" name="Rectangle 2"/>
+          <p:cNvSpPr txBox="1">
+            <a:spLocks noChangeArrowheads="1"/>
+          </p:cNvSpPr>
+          <p:nvPr/>
+        </p:nvSpPr>
+        <p:spPr>
+          <a:xfrm>
+            <a:off x="1752600" y="304800"/>
+            <a:ext cx="6172200" cy="1066800"/>
+          </a:xfrm>
+          <a:prstGeom prst="rect">
+            <a:avLst/>
+          </a:prstGeom>
+        </p:spPr>
+        <p:txBody>
+          <a:bodyPr/>
+          <a:lstStyle>
+            <a:lvl1pPr algn="ctr" defTabSz="914400" rtl="0" eaLnBrk="1" latinLnBrk="0" hangingPunct="1">
+              <a:spcBef>
+                <a:spcPct val="0"/>
+              </a:spcBef>
+              <a:buNone/>
+              <a:defRPr sz="4000" b="1" kern="1200">
+                <a:solidFill>
+                  <a:schemeClr val="tx1"/>
+                </a:solidFill>
+                <a:latin typeface="Comic Sans MS" pitchFamily="66" charset="0"/>
+                <a:ea typeface="+mj-ea"/>
+                <a:cs typeface="+mj-cs"/>
+              </a:defRPr>
+            </a:lvl1pPr>
+          </a:lstStyle>
+          <a:p>
+            <a:r>
+              <a:rPr lang="en-US" sz="4400" dirty="0" smtClean="0"/>
+              <a:t>Paths in diagraph </a:t>
+            </a:r>
+            <a:r>
+              <a:rPr lang="en-US" sz="4400" dirty="0" smtClean="0">
+                <a:solidFill>
+                  <a:srgbClr val="0000FF"/>
+                </a:solidFill>
+              </a:rPr>
+              <a:t>G</a:t>
+            </a:r>
+            <a:endParaRPr lang="en-US" sz="4400" dirty="0">
+              <a:solidFill>
+                <a:srgbClr val="0000FF"/>
+              </a:solidFill>
+            </a:endParaRPr>
+          </a:p>
+        </p:txBody>
+      </p:sp>
+      <p:sp>
+        <p:nvSpPr>
+          <p:cNvPr id="4" name="TextBox 3"/>
+          <p:cNvSpPr txBox="1"/>
+          <p:nvPr/>
+        </p:nvSpPr>
+        <p:spPr>
+          <a:xfrm>
+            <a:off x="800100" y="1371600"/>
+            <a:ext cx="7505700" cy="4114800"/>
+          </a:xfrm>
+          <a:prstGeom prst="rect">
+            <a:avLst/>
+          </a:prstGeom>
+          <a:noFill/>
+        </p:spPr>
+        <p:txBody>
+          <a:bodyPr wrap="none" rtlCol="0">
+            <a:noAutofit/>
+          </a:bodyPr>
+          <a:lstStyle/>
+          <a:p>
+            <a:pPr algn="ctr"/>
+            <a:r>
+              <a:rPr lang="en-US" sz="6000" dirty="0">
+                <a:solidFill>
+                  <a:srgbClr val="0000FF"/>
+                </a:solidFill>
+                <a:latin typeface="Comic Sans MS" pitchFamily="66" charset="0"/>
+              </a:rPr>
+              <a:t>G</a:t>
+            </a:r>
+            <a:r>
+              <a:rPr lang="en-US" sz="6000" baseline="30000" dirty="0" smtClean="0">
+                <a:solidFill>
+                  <a:srgbClr val="0000FF"/>
+                </a:solidFill>
+                <a:latin typeface="Comic Sans MS" pitchFamily="66" charset="0"/>
+              </a:rPr>
+              <a:t>+</a:t>
+            </a:r>
+            <a:r>
+              <a:rPr lang="en-US" sz="6000" dirty="0" smtClean="0">
+                <a:latin typeface="Comic Sans MS" pitchFamily="66" charset="0"/>
+              </a:rPr>
+              <a:t> is </a:t>
+            </a:r>
+            <a:r>
+              <a:rPr lang="en-US" sz="6000" dirty="0" smtClean="0">
+                <a:solidFill>
+                  <a:srgbClr val="8F008F"/>
+                </a:solidFill>
+                <a:latin typeface="Comic Sans MS" pitchFamily="66" charset="0"/>
+              </a:rPr>
+              <a:t>transitive</a:t>
+            </a:r>
+            <a:endParaRPr lang="en-US" sz="6000" dirty="0" smtClean="0">
+              <a:solidFill>
+                <a:srgbClr val="000000"/>
+              </a:solidFill>
+              <a:latin typeface="Comic Sans MS" pitchFamily="66" charset="0"/>
+            </a:endParaRPr>
+          </a:p>
+          <a:p>
+            <a:r>
+              <a:rPr lang="en-US" sz="6000" dirty="0">
+                <a:solidFill>
+                  <a:srgbClr val="000000"/>
+                </a:solidFill>
+                <a:latin typeface="Comic Sans MS" pitchFamily="66" charset="0"/>
+              </a:rPr>
+              <a:t>t</a:t>
+            </a:r>
+            <a:r>
+              <a:rPr lang="en-US" sz="6000" dirty="0" smtClean="0">
+                <a:solidFill>
+                  <a:srgbClr val="000000"/>
+                </a:solidFill>
+                <a:latin typeface="Comic Sans MS" pitchFamily="66" charset="0"/>
+              </a:rPr>
+              <a:t>ransitive </a:t>
+            </a:r>
+            <a:r>
+              <a:rPr lang="en-US" sz="6000" dirty="0">
+                <a:solidFill>
+                  <a:srgbClr val="000000"/>
+                </a:solidFill>
+                <a:latin typeface="Comic Sans MS" pitchFamily="66" charset="0"/>
+              </a:rPr>
+              <a:t>r</a:t>
+            </a:r>
+            <a:r>
+              <a:rPr lang="en-US" sz="6000" dirty="0" smtClean="0">
+                <a:solidFill>
+                  <a:srgbClr val="000000"/>
+                </a:solidFill>
+                <a:latin typeface="Comic Sans MS" pitchFamily="66" charset="0"/>
+              </a:rPr>
+              <a:t>elation </a:t>
+            </a:r>
+            <a:r>
+              <a:rPr lang="en-US" sz="6000" dirty="0" smtClean="0">
+                <a:solidFill>
+                  <a:srgbClr val="0033CC"/>
+                </a:solidFill>
+                <a:latin typeface="Comic Sans MS" pitchFamily="66" charset="0"/>
+              </a:rPr>
+              <a:t>R</a:t>
+            </a:r>
+            <a:r>
+              <a:rPr lang="en-US" sz="6000" dirty="0" smtClean="0">
+                <a:latin typeface="Comic Sans MS" pitchFamily="66" charset="0"/>
+              </a:rPr>
+              <a:t>:</a:t>
+            </a:r>
+          </a:p>
+          <a:p>
+            <a:r>
+              <a:rPr lang="en-US" sz="6000" dirty="0" smtClean="0">
+                <a:solidFill>
+                  <a:srgbClr val="0000FF"/>
+                </a:solidFill>
+                <a:latin typeface="Comic Sans MS" pitchFamily="66" charset="0"/>
+              </a:rPr>
+              <a:t>  u</a:t>
+            </a:r>
+            <a:r>
+              <a:rPr lang="en-US" sz="6000" baseline="-25000" dirty="0" smtClean="0">
+                <a:solidFill>
+                  <a:srgbClr val="0000FF"/>
+                </a:solidFill>
+                <a:latin typeface="Comic Sans MS" pitchFamily="66" charset="0"/>
+              </a:rPr>
+              <a:t> </a:t>
+            </a:r>
+            <a:r>
+              <a:rPr lang="en-US" sz="6000" dirty="0">
+                <a:solidFill>
+                  <a:srgbClr val="0000FF"/>
+                </a:solidFill>
+                <a:latin typeface="Comic Sans MS" pitchFamily="66" charset="0"/>
+              </a:rPr>
+              <a:t>R</a:t>
+            </a:r>
+            <a:r>
+              <a:rPr lang="en-US" sz="6000" baseline="-25000" dirty="0" smtClean="0">
+                <a:solidFill>
+                  <a:srgbClr val="0000FF"/>
+                </a:solidFill>
+                <a:latin typeface="Comic Sans MS" pitchFamily="66" charset="0"/>
+              </a:rPr>
+              <a:t> </a:t>
+            </a:r>
+            <a:r>
+              <a:rPr lang="en-US" sz="6000" dirty="0" smtClean="0">
+                <a:solidFill>
+                  <a:srgbClr val="0000FF"/>
+                </a:solidFill>
+                <a:latin typeface="Comic Sans MS" pitchFamily="66" charset="0"/>
+              </a:rPr>
+              <a:t>v</a:t>
+            </a:r>
+            <a:r>
+              <a:rPr lang="en-US" sz="6000" dirty="0" smtClean="0">
+                <a:latin typeface="Comic Sans MS" pitchFamily="66" charset="0"/>
+              </a:rPr>
+              <a:t> </a:t>
+            </a:r>
+            <a:r>
+              <a:rPr lang="en-US" sz="4400" dirty="0" smtClean="0">
+                <a:latin typeface="Comic Sans MS" pitchFamily="66" charset="0"/>
+              </a:rPr>
+              <a:t>AND</a:t>
+            </a:r>
+            <a:r>
+              <a:rPr lang="en-US" sz="6000" dirty="0" smtClean="0">
+                <a:latin typeface="Comic Sans MS" pitchFamily="66" charset="0"/>
+              </a:rPr>
+              <a:t> </a:t>
+            </a:r>
+            <a:r>
+              <a:rPr lang="en-US" sz="6000" dirty="0" smtClean="0">
+                <a:solidFill>
+                  <a:srgbClr val="0000FF"/>
+                </a:solidFill>
+                <a:latin typeface="Comic Sans MS" pitchFamily="66" charset="0"/>
+              </a:rPr>
+              <a:t>v</a:t>
+            </a:r>
+            <a:r>
+              <a:rPr lang="en-US" sz="6000" baseline="-25000" dirty="0" smtClean="0">
+                <a:solidFill>
+                  <a:srgbClr val="0000FF"/>
+                </a:solidFill>
+                <a:latin typeface="Comic Sans MS" pitchFamily="66" charset="0"/>
+              </a:rPr>
+              <a:t> </a:t>
+            </a:r>
+            <a:r>
+              <a:rPr lang="en-US" sz="6000" dirty="0" smtClean="0">
+                <a:solidFill>
+                  <a:srgbClr val="0000FF"/>
+                </a:solidFill>
+                <a:latin typeface="Comic Sans MS" pitchFamily="66" charset="0"/>
+              </a:rPr>
+              <a:t>R</a:t>
+            </a:r>
+            <a:r>
+              <a:rPr lang="en-US" sz="6000" baseline="-25000" dirty="0" smtClean="0">
+                <a:solidFill>
+                  <a:srgbClr val="0000FF"/>
+                </a:solidFill>
+                <a:latin typeface="Comic Sans MS" pitchFamily="66" charset="0"/>
+              </a:rPr>
+              <a:t> </a:t>
+            </a:r>
+            <a:r>
+              <a:rPr lang="en-US" sz="6000" dirty="0" smtClean="0">
+                <a:solidFill>
+                  <a:srgbClr val="0000FF"/>
+                </a:solidFill>
+                <a:latin typeface="Comic Sans MS" pitchFamily="66" charset="0"/>
+              </a:rPr>
+              <a:t>w</a:t>
+            </a:r>
+          </a:p>
+          <a:p>
+            <a:r>
+              <a:rPr lang="en-US" sz="4800" dirty="0" smtClean="0">
+                <a:latin typeface="Comic Sans MS" pitchFamily="66" charset="0"/>
+              </a:rPr>
+              <a:t>   IMPLIES</a:t>
+            </a:r>
+            <a:r>
+              <a:rPr lang="en-US" sz="6000" dirty="0" smtClean="0">
+                <a:solidFill>
+                  <a:srgbClr val="0000FF"/>
+                </a:solidFill>
+                <a:latin typeface="Comic Sans MS" pitchFamily="66" charset="0"/>
+              </a:rPr>
+              <a:t> </a:t>
+            </a:r>
+            <a:r>
+              <a:rPr lang="en-US" sz="6000" dirty="0">
+                <a:solidFill>
+                  <a:srgbClr val="0000FF"/>
+                </a:solidFill>
+                <a:latin typeface="Comic Sans MS" pitchFamily="66" charset="0"/>
+              </a:rPr>
+              <a:t>u</a:t>
+            </a:r>
+            <a:r>
+              <a:rPr lang="en-US" sz="6000" baseline="-25000" dirty="0">
+                <a:solidFill>
+                  <a:srgbClr val="0000FF"/>
+                </a:solidFill>
+                <a:latin typeface="Comic Sans MS" pitchFamily="66" charset="0"/>
+              </a:rPr>
+              <a:t> </a:t>
+            </a:r>
+            <a:r>
+              <a:rPr lang="en-US" sz="6000" dirty="0" smtClean="0">
+                <a:solidFill>
+                  <a:srgbClr val="0000FF"/>
+                </a:solidFill>
+                <a:latin typeface="Comic Sans MS" pitchFamily="66" charset="0"/>
+              </a:rPr>
+              <a:t>R</a:t>
+            </a:r>
+            <a:r>
+              <a:rPr lang="en-US" sz="6000" baseline="-25000" dirty="0" smtClean="0">
+                <a:solidFill>
+                  <a:srgbClr val="0000FF"/>
+                </a:solidFill>
+                <a:latin typeface="Comic Sans MS" pitchFamily="66" charset="0"/>
+              </a:rPr>
+              <a:t> </a:t>
+            </a:r>
+            <a:r>
+              <a:rPr lang="en-US" sz="6000" dirty="0" smtClean="0">
+                <a:solidFill>
+                  <a:srgbClr val="0000FF"/>
+                </a:solidFill>
+                <a:latin typeface="Comic Sans MS" pitchFamily="66" charset="0"/>
+              </a:rPr>
+              <a:t>w</a:t>
+            </a:r>
+            <a:endParaRPr lang="en-US" sz="6000" dirty="0" smtClean="0">
+              <a:latin typeface="Comic Sans MS" pitchFamily="66" charset="0"/>
+            </a:endParaRPr>
+          </a:p>
+        </p:txBody>
+      </p:sp>
+    </p:spTree>
+    <p:extLst>
+      <p:ext uri="{BB962C8B-B14F-4D97-AF65-F5344CB8AC3E}">
+        <p14:creationId xmlns:p14="http://schemas.microsoft.com/office/powerpoint/2010/main" val="4100313748"/>
+      </p:ext>
+    </p:extLst>
+  </p:cSld>
+  <p:clrMapOvr>
+    <a:masterClrMapping/>
+  </p:clrMapOvr>
+  <p:timing>
+    <p:tnLst>
+      <p:par>
+        <p:cTn xmlns:p14="http://schemas.microsoft.com/office/powerpoint/2010/main" id="1" dur="indefinite" restart="never" nodeType="tmRoot">
+          <p:childTnLst>
+            <p:seq concurrent="1" nextAc="seek">
+              <p:cTn id="2" dur="indefinite" nodeType="mainSeq">
+                <p:childTnLst>
+                  <p:par>
+                    <p:cTn id="3" fill="hold">
+                      <p:stCondLst>
+                        <p:cond delay="indefinite"/>
+                      </p:stCondLst>
+                      <p:childTnLst>
+                        <p:par>
+                          <p:cTn id="4" fill="hold">
+                            <p:stCondLst>
+                              <p:cond delay="0"/>
+                            </p:stCondLst>
+                            <p:childTnLst>
+                              <p:par>
+                                <p:cTn id="5" presetID="9" presetClass="entr" presetSubtype="0" fill="hold" grpId="0" nodeType="clickEffect">
+                                  <p:stCondLst>
+                                    <p:cond delay="0"/>
+                                  </p:stCondLst>
+                                  <p:childTnLst>
+                                    <p:set>
+                                      <p:cBhvr>
+                                        <p:cTn id="6" dur="1" fill="hold">
+                                          <p:stCondLst>
+                                            <p:cond delay="0"/>
+                                          </p:stCondLst>
+                                        </p:cTn>
+                                        <p:tgtEl>
+                                          <p:spTgt spid="4">
+                                            <p:txEl>
+                                              <p:pRg st="0" end="0"/>
+                                            </p:txEl>
+                                          </p:spTgt>
+                                        </p:tgtEl>
+                                        <p:attrNameLst>
+                                          <p:attrName>style.visibility</p:attrName>
+                                        </p:attrNameLst>
+                                      </p:cBhvr>
+                                      <p:to>
+                                        <p:strVal val="visible"/>
+                                      </p:to>
+                                    </p:set>
+                                    <p:animEffect transition="in" filter="dissolve">
+                                      <p:cBhvr>
+                                        <p:cTn id="7" dur="500"/>
+                                        <p:tgtEl>
+                                          <p:spTgt spid="4">
+                                            <p:txEl>
+                                              <p:pRg st="0" end="0"/>
+                                            </p:txEl>
+                                          </p:spTgt>
+                                        </p:tgtEl>
+                                      </p:cBhvr>
+                                    </p:animEffect>
+                                  </p:childTnLst>
+                                </p:cTn>
+                              </p:par>
+                            </p:childTnLst>
+                          </p:cTn>
+                        </p:par>
+                      </p:childTnLst>
+                    </p:cTn>
+                  </p:par>
+                  <p:par>
+                    <p:cTn id="8" fill="hold">
+                      <p:stCondLst>
+                        <p:cond delay="indefinite"/>
+                      </p:stCondLst>
+                      <p:childTnLst>
+                        <p:par>
+                          <p:cTn id="9" fill="hold">
+                            <p:stCondLst>
+                              <p:cond delay="0"/>
+                            </p:stCondLst>
+                            <p:childTnLst>
+                              <p:par>
+                                <p:cTn id="10" presetID="9" presetClass="entr" presetSubtype="0" fill="hold" grpId="0" nodeType="clickEffect">
+                                  <p:stCondLst>
+                                    <p:cond delay="0"/>
+                                  </p:stCondLst>
+                                  <p:childTnLst>
+                                    <p:set>
+                                      <p:cBhvr>
+                                        <p:cTn id="11" dur="1" fill="hold">
+                                          <p:stCondLst>
+                                            <p:cond delay="0"/>
+                                          </p:stCondLst>
+                                        </p:cTn>
+                                        <p:tgtEl>
+                                          <p:spTgt spid="4">
+                                            <p:txEl>
+                                              <p:pRg st="1" end="1"/>
+                                            </p:txEl>
+                                          </p:spTgt>
+                                        </p:tgtEl>
+                                        <p:attrNameLst>
+                                          <p:attrName>style.visibility</p:attrName>
+                                        </p:attrNameLst>
+                                      </p:cBhvr>
+                                      <p:to>
+                                        <p:strVal val="visible"/>
+                                      </p:to>
+                                    </p:set>
+                                    <p:animEffect transition="in" filter="dissolve">
+                                      <p:cBhvr>
+                                        <p:cTn id="12" dur="500"/>
+                                        <p:tgtEl>
+                                          <p:spTgt spid="4">
+                                            <p:txEl>
+                                              <p:pRg st="1" end="1"/>
+                                            </p:txEl>
+                                          </p:spTgt>
+                                        </p:tgtEl>
+                                      </p:cBhvr>
+                                    </p:animEffect>
+                                  </p:childTnLst>
+                                </p:cTn>
+                              </p:par>
+                            </p:childTnLst>
+                          </p:cTn>
+                        </p:par>
+                      </p:childTnLst>
+                    </p:cTn>
+                  </p:par>
+                  <p:par>
+                    <p:cTn id="13" fill="hold">
+                      <p:stCondLst>
+                        <p:cond delay="indefinite"/>
+                      </p:stCondLst>
+                      <p:childTnLst>
+                        <p:par>
+                          <p:cTn id="14" fill="hold">
+                            <p:stCondLst>
+                              <p:cond delay="0"/>
+                            </p:stCondLst>
+                            <p:childTnLst>
+                              <p:par>
+                                <p:cTn id="15" presetID="9" presetClass="entr" presetSubtype="0" fill="hold" grpId="0" nodeType="clickEffect">
+                                  <p:stCondLst>
+                                    <p:cond delay="0"/>
+                                  </p:stCondLst>
+                                  <p:childTnLst>
+                                    <p:set>
+                                      <p:cBhvr>
+                                        <p:cTn id="16" dur="1" fill="hold">
+                                          <p:stCondLst>
+                                            <p:cond delay="0"/>
+                                          </p:stCondLst>
+                                        </p:cTn>
+                                        <p:tgtEl>
+                                          <p:spTgt spid="4">
+                                            <p:txEl>
+                                              <p:pRg st="2" end="2"/>
+                                            </p:txEl>
+                                          </p:spTgt>
+                                        </p:tgtEl>
+                                        <p:attrNameLst>
+                                          <p:attrName>style.visibility</p:attrName>
+                                        </p:attrNameLst>
+                                      </p:cBhvr>
+                                      <p:to>
+                                        <p:strVal val="visible"/>
+                                      </p:to>
+                                    </p:set>
+                                    <p:animEffect transition="in" filter="dissolve">
+                                      <p:cBhvr>
+                                        <p:cTn id="17" dur="500"/>
+                                        <p:tgtEl>
+                                          <p:spTgt spid="4">
+                                            <p:txEl>
+                                              <p:pRg st="2" end="2"/>
+                                            </p:txEl>
+                                          </p:spTgt>
+                                        </p:tgtEl>
+                                      </p:cBhvr>
+                                    </p:animEffect>
+                                  </p:childTnLst>
+                                </p:cTn>
+                              </p:par>
+                              <p:par>
+                                <p:cTn id="18" presetID="9" presetClass="entr" presetSubtype="0" fill="hold" grpId="0" nodeType="withEffect">
+                                  <p:stCondLst>
+                                    <p:cond delay="0"/>
+                                  </p:stCondLst>
+                                  <p:childTnLst>
+                                    <p:set>
+                                      <p:cBhvr>
+                                        <p:cTn id="19" dur="1" fill="hold">
+                                          <p:stCondLst>
+                                            <p:cond delay="0"/>
+                                          </p:stCondLst>
+                                        </p:cTn>
+                                        <p:tgtEl>
+                                          <p:spTgt spid="4">
+                                            <p:txEl>
+                                              <p:pRg st="3" end="3"/>
+                                            </p:txEl>
+                                          </p:spTgt>
+                                        </p:tgtEl>
+                                        <p:attrNameLst>
+                                          <p:attrName>style.visibility</p:attrName>
+                                        </p:attrNameLst>
+                                      </p:cBhvr>
+                                      <p:to>
+                                        <p:strVal val="visible"/>
+                                      </p:to>
+                                    </p:set>
+                                    <p:animEffect transition="in" filter="dissolve">
+                                      <p:cBhvr>
+                                        <p:cTn id="20" dur="500"/>
+                                        <p:tgtEl>
+                                          <p:spTgt spid="4">
+                                            <p:txEl>
+                                              <p:pRg st="3" end="3"/>
+                                            </p:txEl>
+                                          </p:spTgt>
+                                        </p:tgtEl>
+                                      </p:cBhvr>
+                                    </p:animEffect>
+                                  </p:childTnLst>
+                                </p:cTn>
+                              </p:par>
+                            </p:childTnLst>
+                          </p:cTn>
+                        </p:par>
+                      </p:childTnLst>
+                    </p:cTn>
+                  </p:par>
+                </p:childTnLst>
+              </p:cTn>
+              <p:prevCondLst>
+                <p:cond evt="onPrev" delay="0">
+                  <p:tgtEl>
+                    <p:sldTgt/>
+                  </p:tgtEl>
+                </p:cond>
+              </p:prevCondLst>
+              <p:nextCondLst>
+                <p:cond evt="onNext" delay="0">
+                  <p:tgtEl>
+                    <p:sldTgt/>
+                  </p:tgtEl>
+                </p:cond>
+              </p:nextCondLst>
+            </p:seq>
+          </p:childTnLst>
+        </p:cTn>
+      </p:par>
+    </p:tnLst>
+    <p:bldLst>
+      <p:bldP spid="4" grpId="0" build="p"/>
+    </p:bldLst>
+  </p:timing>
+</p:sld>
+</file>
+
+<file path=ppt/slides/slide30.xml><?xml version="1.0" encoding="utf-8"?>
+<p:sld xmlns:a="http://schemas.openxmlformats.org/drawingml/2006/main" xmlns:r="http://schemas.openxmlformats.org/officeDocument/2006/relationships" xmlns:p="http://schemas.openxmlformats.org/presentationml/2006/main">
+  <p:cSld>
+    <p:spTree>
+      <p:nvGrpSpPr>
+        <p:cNvPr id="1" name=""/>
+        <p:cNvGrpSpPr/>
+        <p:nvPr/>
+      </p:nvGrpSpPr>
+      <p:grpSpPr>
+        <a:xfrm>
+          <a:off x="0" y="0"/>
+          <a:ext cx="0" cy="0"/>
+          <a:chOff x="0" y="0"/>
+          <a:chExt cx="0" cy="0"/>
+        </a:xfrm>
+      </p:grpSpPr>
+      <p:sp>
+        <p:nvSpPr>
+          <p:cNvPr id="680962" name="Rectangle 2"/>
+          <p:cNvSpPr>
+            <a:spLocks noGrp="1" noChangeArrowheads="1"/>
+          </p:cNvSpPr>
+          <p:nvPr>
+            <p:ph type="title"/>
+          </p:nvPr>
+        </p:nvSpPr>
+        <p:spPr>
+          <a:xfrm>
+            <a:off x="1264466" y="274638"/>
+            <a:ext cx="6662057" cy="1105126"/>
+          </a:xfrm>
+        </p:spPr>
+        <p:txBody>
+          <a:bodyPr>
+            <a:normAutofit/>
+          </a:bodyPr>
+          <a:lstStyle/>
+          <a:p>
+            <a:r>
+              <a:rPr lang="en-US" sz="4800" dirty="0" smtClean="0">
+                <a:solidFill>
+                  <a:srgbClr val="7030A0"/>
+                </a:solidFill>
+              </a:rPr>
+              <a:t>weak partial orders</a:t>
+            </a:r>
+            <a:endParaRPr lang="en-US" sz="4800" dirty="0">
+              <a:solidFill>
+                <a:srgbClr val="7030A0"/>
+              </a:solidFill>
+            </a:endParaRPr>
+          </a:p>
+        </p:txBody>
+      </p:sp>
+      <p:sp>
+        <p:nvSpPr>
+          <p:cNvPr id="680971" name="Text Box 11"/>
+          <p:cNvSpPr txBox="1">
+            <a:spLocks noChangeArrowheads="1"/>
+          </p:cNvSpPr>
+          <p:nvPr/>
+        </p:nvSpPr>
+        <p:spPr bwMode="auto">
+          <a:xfrm>
+            <a:off x="914400" y="1752600"/>
+            <a:ext cx="7162800" cy="3416320"/>
+          </a:xfrm>
+          <a:prstGeom prst="rect">
+            <a:avLst/>
+          </a:prstGeom>
+          <a:noFill/>
+          <a:ln w="9525" algn="ctr">
+            <a:noFill/>
+            <a:miter lim="800000"/>
+            <a:headEnd/>
+            <a:tailEnd/>
+          </a:ln>
+          <a:effectLst/>
+        </p:spPr>
+        <p:txBody>
+          <a:bodyPr wrap="square">
+            <a:spAutoFit/>
+          </a:bodyPr>
+          <a:lstStyle/>
+          <a:p>
+            <a:pPr marL="742950" indent="-285750" algn="ctr"/>
+            <a:r>
+              <a:rPr lang="en-US" sz="7200" dirty="0" smtClean="0">
+                <a:latin typeface="Comic Sans MS" pitchFamily="66" charset="0"/>
+              </a:rPr>
+              <a:t>transitive </a:t>
+            </a:r>
+            <a:r>
+              <a:rPr lang="en-US" sz="7200" dirty="0" err="1" smtClean="0">
+                <a:latin typeface="Comic Sans MS" pitchFamily="66" charset="0"/>
+              </a:rPr>
+              <a:t>antisymmetric</a:t>
+            </a:r>
+            <a:r>
+              <a:rPr lang="en-US" sz="7200" dirty="0" smtClean="0">
+                <a:latin typeface="Comic Sans MS" pitchFamily="66" charset="0"/>
+              </a:rPr>
+              <a:t> &amp; reflexive</a:t>
+            </a:r>
+            <a:endParaRPr lang="en-US" sz="7200" dirty="0">
+              <a:latin typeface="Comic Sans MS" pitchFamily="66" charset="0"/>
+            </a:endParaRPr>
+          </a:p>
+        </p:txBody>
+      </p:sp>
+    </p:spTree>
+  </p:cSld>
+  <p:clrMapOvr>
+    <a:masterClrMapping/>
+  </p:clrMapOvr>
+  <p:transition xmlns:p14="http://schemas.microsoft.com/office/powerpoint/2010/main" spd="med">
+    <p:fade thruBlk="1"/>
+  </p:transition>
+  <p:timing>
+    <p:tnLst>
+      <p:par>
+        <p:cTn xmlns:p14="http://schemas.microsoft.com/office/powerpoint/2010/main" id="1" dur="indefinite" restart="never" nodeType="tmRoot">
+          <p:childTnLst>
+            <p:seq concurrent="1" nextAc="seek">
+              <p:cTn id="2" dur="indefinite" nodeType="mainSeq">
+                <p:childTnLst>
+                  <p:par>
+                    <p:cTn id="3" fill="hold">
+                      <p:stCondLst>
+                        <p:cond delay="indefinite"/>
+                      </p:stCondLst>
+                      <p:childTnLst>
+                        <p:par>
+                          <p:cTn id="4" fill="hold">
+                            <p:stCondLst>
+                              <p:cond delay="0"/>
+                            </p:stCondLst>
+                            <p:childTnLst>
+                              <p:par>
+                                <p:cTn id="5" presetID="10" presetClass="entr" presetSubtype="0" fill="hold" grpId="0" nodeType="clickEffect">
+                                  <p:stCondLst>
+                                    <p:cond delay="0"/>
+                                  </p:stCondLst>
+                                  <p:childTnLst>
+                                    <p:set>
+                                      <p:cBhvr>
+                                        <p:cTn id="6" dur="1" fill="hold">
+                                          <p:stCondLst>
+                                            <p:cond delay="0"/>
+                                          </p:stCondLst>
+                                        </p:cTn>
+                                        <p:tgtEl>
+                                          <p:spTgt spid="680971"/>
+                                        </p:tgtEl>
+                                        <p:attrNameLst>
+                                          <p:attrName>style.visibility</p:attrName>
+                                        </p:attrNameLst>
+                                      </p:cBhvr>
+                                      <p:to>
+                                        <p:strVal val="visible"/>
+                                      </p:to>
+                                    </p:set>
+                                    <p:animEffect transition="in" filter="fade">
+                                      <p:cBhvr>
+                                        <p:cTn id="7" dur="1000"/>
+                                        <p:tgtEl>
+                                          <p:spTgt spid="680971"/>
+                                        </p:tgtEl>
+                                      </p:cBhvr>
+                                    </p:animEffect>
+                                  </p:childTnLst>
+                                </p:cTn>
+                              </p:par>
+                            </p:childTnLst>
+                          </p:cTn>
+                        </p:par>
+                      </p:childTnLst>
+                    </p:cTn>
+                  </p:par>
+                </p:childTnLst>
+              </p:cTn>
+              <p:prevCondLst>
+                <p:cond evt="onPrev" delay="0">
+                  <p:tgtEl>
+                    <p:sldTgt/>
+                  </p:tgtEl>
+                </p:cond>
+              </p:prevCondLst>
+              <p:nextCondLst>
+                <p:cond evt="onNext" delay="0">
+                  <p:tgtEl>
+                    <p:sldTgt/>
+                  </p:tgtEl>
+                </p:cond>
+              </p:nextCondLst>
+            </p:seq>
+          </p:childTnLst>
+        </p:cTn>
+      </p:par>
+    </p:tnLst>
+    <p:bldLst>
+      <p:bldP spid="680971" grpId="0"/>
+    </p:bldLst>
+  </p:timing>
+</p:sld>
+</file>
+
+<file path=ppt/slides/slide31.xml><?xml version="1.0" encoding="utf-8"?>
 <p:sld xmlns:a="http://schemas.openxmlformats.org/drawingml/2006/main" xmlns:r="http://schemas.openxmlformats.org/officeDocument/2006/relationships" xmlns:p="http://schemas.openxmlformats.org/presentationml/2006/main">
   <p:cSld>
     <p:spTree>
@@ -15311,7 +17481,7 @@
 </p:sld>
 </file>
 
-<file path=ppt/slides/slide28.xml><?xml version="1.0" encoding="utf-8"?>
+<file path=ppt/slides/slide32.xml><?xml version="1.0" encoding="utf-8"?>
 <p:sld xmlns:a="http://schemas.openxmlformats.org/drawingml/2006/main" xmlns:r="http://schemas.openxmlformats.org/officeDocument/2006/relationships" xmlns:p="http://schemas.openxmlformats.org/presentationml/2006/main">
   <p:cSld>
     <p:spTree>
@@ -15548,7 +17718,7 @@
 </p:sld>
 </file>
 
-<file path=ppt/slides/slide29.xml><?xml version="1.0" encoding="utf-8"?>
+<file path=ppt/slides/slide33.xml><?xml version="1.0" encoding="utf-8"?>
 <p:sld xmlns:a="http://schemas.openxmlformats.org/drawingml/2006/main" xmlns:r="http://schemas.openxmlformats.org/officeDocument/2006/relationships" xmlns:p="http://schemas.openxmlformats.org/presentationml/2006/main">
   <p:cSld>
     <p:spTree>
@@ -15812,1232 +17982,7 @@
 </p:sld>
 </file>
 
-<file path=ppt/slides/slide3.xml><?xml version="1.0" encoding="utf-8"?>
-<p:sld xmlns:a="http://schemas.openxmlformats.org/drawingml/2006/main" xmlns:r="http://schemas.openxmlformats.org/officeDocument/2006/relationships" xmlns:p="http://schemas.openxmlformats.org/presentationml/2006/main">
-  <p:cSld>
-    <p:spTree>
-      <p:nvGrpSpPr>
-        <p:cNvPr id="1" name=""/>
-        <p:cNvGrpSpPr/>
-        <p:nvPr/>
-      </p:nvGrpSpPr>
-      <p:grpSpPr>
-        <a:xfrm>
-          <a:off x="0" y="0"/>
-          <a:ext cx="0" cy="0"/>
-          <a:chOff x="0" y="0"/>
-          <a:chExt cx="0" cy="0"/>
-        </a:xfrm>
-      </p:grpSpPr>
-      <p:grpSp>
-        <p:nvGrpSpPr>
-          <p:cNvPr id="2" name="Group 41"/>
-          <p:cNvGrpSpPr/>
-          <p:nvPr/>
-        </p:nvGrpSpPr>
-        <p:grpSpPr>
-          <a:xfrm>
-            <a:off x="457200" y="1219200"/>
-            <a:ext cx="8153400" cy="4724400"/>
-            <a:chOff x="457200" y="1219200"/>
-            <a:chExt cx="8153400" cy="4724400"/>
-          </a:xfrm>
-        </p:grpSpPr>
-        <p:sp>
-          <p:nvSpPr>
-            <p:cNvPr id="588804" name="Text Box 4"/>
-            <p:cNvSpPr txBox="1">
-              <a:spLocks noChangeArrowheads="1"/>
-            </p:cNvSpPr>
-            <p:nvPr/>
-          </p:nvSpPr>
-          <p:spPr bwMode="auto">
-            <a:xfrm>
-              <a:off x="2889536" y="5278616"/>
-              <a:ext cx="732815" cy="664984"/>
-            </a:xfrm>
-            <a:prstGeom prst="rect">
-              <a:avLst/>
-            </a:prstGeom>
-            <a:noFill/>
-            <a:ln w="9525">
-              <a:noFill/>
-              <a:miter lim="800000"/>
-              <a:headEnd/>
-              <a:tailEnd type="none" w="lg" len="lg"/>
-            </a:ln>
-            <a:effectLst/>
-          </p:spPr>
-          <p:txBody>
-            <a:bodyPr wrap="none">
-              <a:spAutoFit/>
-            </a:bodyPr>
-            <a:lstStyle/>
-            <a:p>
-              <a:pPr algn="l">
-                <a:spcBef>
-                  <a:spcPct val="0"/>
-                </a:spcBef>
-              </a:pPr>
-              <a:r>
-                <a:rPr lang="en-US" sz="3600" dirty="0">
-                  <a:latin typeface="Comic Sans MS" pitchFamily="66" charset="0"/>
-                </a:rPr>
-                <a:t>{1}</a:t>
-              </a:r>
-            </a:p>
-          </p:txBody>
-        </p:sp>
-        <p:grpSp>
-          <p:nvGrpSpPr>
-            <p:cNvPr id="3" name="Group 40"/>
-            <p:cNvGrpSpPr/>
-            <p:nvPr/>
-          </p:nvGrpSpPr>
-          <p:grpSpPr>
-            <a:xfrm>
-              <a:off x="457200" y="1219200"/>
-              <a:ext cx="8153400" cy="4509655"/>
-              <a:chOff x="457200" y="1219200"/>
-              <a:chExt cx="8153400" cy="4509655"/>
-            </a:xfrm>
-          </p:grpSpPr>
-          <p:sp>
-            <p:nvSpPr>
-              <p:cNvPr id="588826" name="Text Box 26"/>
-              <p:cNvSpPr txBox="1">
-                <a:spLocks noChangeArrowheads="1"/>
-              </p:cNvSpPr>
-              <p:nvPr/>
-            </p:nvSpPr>
-            <p:spPr bwMode="auto">
-              <a:xfrm>
-                <a:off x="457200" y="2292927"/>
-                <a:ext cx="2212708" cy="664984"/>
-              </a:xfrm>
-              <a:prstGeom prst="rect">
-                <a:avLst/>
-              </a:prstGeom>
-              <a:noFill/>
-              <a:ln w="9525">
-                <a:noFill/>
-                <a:miter lim="800000"/>
-                <a:headEnd/>
-                <a:tailEnd type="none" w="lg" len="lg"/>
-              </a:ln>
-              <a:effectLst/>
-            </p:spPr>
-            <p:txBody>
-              <a:bodyPr wrap="none">
-                <a:spAutoFit/>
-              </a:bodyPr>
-              <a:lstStyle/>
-              <a:p>
-                <a:pPr algn="l">
-                  <a:spcBef>
-                    <a:spcPct val="0"/>
-                  </a:spcBef>
-                </a:pPr>
-                <a:r>
-                  <a:rPr lang="en-US" sz="3600" dirty="0">
-                    <a:latin typeface="Comic Sans MS" pitchFamily="66" charset="0"/>
-                  </a:rPr>
-                  <a:t>{1,3,5,15}</a:t>
-                </a:r>
-              </a:p>
-            </p:txBody>
-          </p:sp>
-          <p:grpSp>
-            <p:nvGrpSpPr>
-              <p:cNvPr id="4" name="Group 39"/>
-              <p:cNvGrpSpPr/>
-              <p:nvPr/>
-            </p:nvGrpSpPr>
-            <p:grpSpPr>
-              <a:xfrm>
-                <a:off x="1022243" y="2191521"/>
-                <a:ext cx="6415597" cy="3537334"/>
-                <a:chOff x="1022243" y="2191521"/>
-                <a:chExt cx="6415597" cy="3537334"/>
-              </a:xfrm>
-            </p:grpSpPr>
-            <p:grpSp>
-              <p:nvGrpSpPr>
-                <p:cNvPr id="5" name="Group 38"/>
-                <p:cNvGrpSpPr/>
-                <p:nvPr/>
-              </p:nvGrpSpPr>
-              <p:grpSpPr>
-                <a:xfrm>
-                  <a:off x="3965178" y="3581400"/>
-                  <a:ext cx="3415276" cy="2075873"/>
-                  <a:chOff x="3965178" y="3581400"/>
-                  <a:chExt cx="3415276" cy="2075873"/>
-                </a:xfrm>
-              </p:grpSpPr>
-              <p:grpSp>
-                <p:nvGrpSpPr>
-                  <p:cNvPr id="6" name="Group 37"/>
-                  <p:cNvGrpSpPr>
-                    <a:grpSpLocks/>
-                  </p:cNvGrpSpPr>
-                  <p:nvPr/>
-                </p:nvGrpSpPr>
-                <p:grpSpPr bwMode="auto">
-                  <a:xfrm>
-                    <a:off x="3965178" y="3939309"/>
-                    <a:ext cx="2260174" cy="1717964"/>
-                    <a:chOff x="2928" y="2400"/>
-                    <a:chExt cx="1536" cy="1152"/>
-                  </a:xfrm>
-                </p:grpSpPr>
-                <p:sp>
-                  <p:nvSpPr>
-                    <p:cNvPr id="588806" name="Oval 6"/>
-                    <p:cNvSpPr>
-                      <a:spLocks noChangeArrowheads="1"/>
-                    </p:cNvSpPr>
-                    <p:nvPr/>
-                  </p:nvSpPr>
-                  <p:spPr bwMode="auto">
-                    <a:xfrm>
-                      <a:off x="4368" y="2400"/>
-                      <a:ext cx="96" cy="96"/>
-                    </a:xfrm>
-                    <a:prstGeom prst="ellipse">
-                      <a:avLst/>
-                    </a:prstGeom>
-                    <a:solidFill>
-                      <a:srgbClr val="008000"/>
-                    </a:solidFill>
-                    <a:ln w="9525">
-                      <a:solidFill>
-                        <a:schemeClr val="tx1"/>
-                      </a:solidFill>
-                      <a:round/>
-                      <a:headEnd/>
-                      <a:tailEnd type="none" w="lg" len="lg"/>
-                    </a:ln>
-                    <a:effectLst/>
-                  </p:spPr>
-                  <p:txBody>
-                    <a:bodyPr wrap="none" anchor="ctr"/>
-                    <a:lstStyle/>
-                    <a:p>
-                      <a:endParaRPr lang="en-US" sz="3600">
-                        <a:latin typeface="Comic Sans MS" pitchFamily="66" charset="0"/>
-                      </a:endParaRPr>
-                    </a:p>
-                  </p:txBody>
-                </p:sp>
-                <p:cxnSp>
-                  <p:nvCxnSpPr>
-                    <p:cNvPr id="588807" name="AutoShape 7"/>
-                    <p:cNvCxnSpPr>
-                      <a:cxnSpLocks noChangeShapeType="1"/>
-                    </p:cNvCxnSpPr>
-                    <p:nvPr/>
-                  </p:nvCxnSpPr>
-                  <p:spPr bwMode="auto">
-                    <a:xfrm flipH="1">
-                      <a:off x="2928" y="2496"/>
-                      <a:ext cx="1488" cy="1056"/>
-                    </a:xfrm>
-                    <a:prstGeom prst="straightConnector1">
-                      <a:avLst/>
-                    </a:prstGeom>
-                    <a:noFill/>
-                    <a:ln w="25400">
-                      <a:solidFill>
-                        <a:schemeClr val="tx1"/>
-                      </a:solidFill>
-                      <a:round/>
-                      <a:headEnd/>
-                      <a:tailEnd type="none" w="lg" len="lg"/>
-                    </a:ln>
-                    <a:effectLst/>
-                  </p:spPr>
-                </p:cxnSp>
-              </p:grpSp>
-              <p:sp>
-                <p:nvSpPr>
-                  <p:cNvPr id="588808" name="Text Box 8"/>
-                  <p:cNvSpPr txBox="1">
-                    <a:spLocks noChangeArrowheads="1"/>
-                  </p:cNvSpPr>
-                  <p:nvPr/>
-                </p:nvSpPr>
-                <p:spPr bwMode="auto">
-                  <a:xfrm>
-                    <a:off x="6225352" y="3581400"/>
-                    <a:ext cx="1155102" cy="665114"/>
-                  </a:xfrm>
-                  <a:prstGeom prst="rect">
-                    <a:avLst/>
-                  </a:prstGeom>
-                  <a:noFill/>
-                  <a:ln w="9525">
-                    <a:noFill/>
-                    <a:miter lim="800000"/>
-                    <a:headEnd/>
-                    <a:tailEnd type="none" w="lg" len="lg"/>
-                  </a:ln>
-                  <a:effectLst/>
-                </p:spPr>
-                <p:txBody>
-                  <a:bodyPr wrap="none">
-                    <a:spAutoFit/>
-                  </a:bodyPr>
-                  <a:lstStyle/>
-                  <a:p>
-                    <a:pPr algn="l">
-                      <a:spcBef>
-                        <a:spcPct val="0"/>
-                      </a:spcBef>
-                    </a:pPr>
-                    <a:r>
-                      <a:rPr lang="en-US" sz="3600">
-                        <a:latin typeface="Comic Sans MS" pitchFamily="66" charset="0"/>
-                      </a:rPr>
-                      <a:t>{1,2}</a:t>
-                    </a:r>
-                  </a:p>
-                </p:txBody>
-              </p:sp>
-            </p:grpSp>
-            <p:sp>
-              <p:nvSpPr>
-                <p:cNvPr id="588803" name="Oval 3"/>
-                <p:cNvSpPr>
-                  <a:spLocks noChangeArrowheads="1"/>
-                </p:cNvSpPr>
-                <p:nvPr/>
-              </p:nvSpPr>
-              <p:spPr bwMode="auto">
-                <a:xfrm>
-                  <a:off x="3823917" y="5585691"/>
-                  <a:ext cx="141261" cy="143164"/>
-                </a:xfrm>
-                <a:prstGeom prst="ellipse">
-                  <a:avLst/>
-                </a:prstGeom>
-                <a:solidFill>
-                  <a:srgbClr val="008000"/>
-                </a:solidFill>
-                <a:ln w="9525">
-                  <a:solidFill>
-                    <a:schemeClr val="tx1"/>
-                  </a:solidFill>
-                  <a:round/>
-                  <a:headEnd/>
-                  <a:tailEnd type="none" w="lg" len="lg"/>
-                </a:ln>
-                <a:effectLst/>
-              </p:spPr>
-              <p:txBody>
-                <a:bodyPr wrap="none" anchor="ctr"/>
-                <a:lstStyle/>
-                <a:p>
-                  <a:endParaRPr lang="en-US" sz="3600">
-                    <a:latin typeface="Comic Sans MS" pitchFamily="66" charset="0"/>
-                  </a:endParaRPr>
-                </a:p>
-              </p:txBody>
-            </p:sp>
-            <p:grpSp>
-              <p:nvGrpSpPr>
-                <p:cNvPr id="7" name="Group 39"/>
-                <p:cNvGrpSpPr>
-                  <a:grpSpLocks/>
-                </p:cNvGrpSpPr>
-                <p:nvPr/>
-              </p:nvGrpSpPr>
-              <p:grpSpPr bwMode="auto">
-                <a:xfrm>
-                  <a:off x="1022243" y="3652982"/>
-                  <a:ext cx="2801674" cy="2004291"/>
-                  <a:chOff x="928" y="2208"/>
-                  <a:chExt cx="1904" cy="1344"/>
-                </a:xfrm>
-              </p:grpSpPr>
-              <p:sp>
-                <p:nvSpPr>
-                  <p:cNvPr id="588810" name="Oval 10"/>
-                  <p:cNvSpPr>
-                    <a:spLocks noChangeArrowheads="1"/>
-                  </p:cNvSpPr>
-                  <p:nvPr/>
-                </p:nvSpPr>
-                <p:spPr bwMode="auto">
-                  <a:xfrm>
-                    <a:off x="1632" y="2400"/>
-                    <a:ext cx="96" cy="96"/>
-                  </a:xfrm>
-                  <a:prstGeom prst="ellipse">
-                    <a:avLst/>
-                  </a:prstGeom>
-                  <a:solidFill>
-                    <a:srgbClr val="008000"/>
-                  </a:solidFill>
-                  <a:ln w="9525">
-                    <a:solidFill>
-                      <a:schemeClr val="tx1"/>
-                    </a:solidFill>
-                    <a:round/>
-                    <a:headEnd/>
-                    <a:tailEnd type="none" w="lg" len="lg"/>
-                  </a:ln>
-                  <a:effectLst/>
-                </p:spPr>
-                <p:txBody>
-                  <a:bodyPr wrap="none" anchor="ctr"/>
-                  <a:lstStyle/>
-                  <a:p>
-                    <a:endParaRPr lang="en-US" sz="3600">
-                      <a:latin typeface="Comic Sans MS" pitchFamily="66" charset="0"/>
-                    </a:endParaRPr>
-                  </a:p>
-                </p:txBody>
-              </p:sp>
-              <p:cxnSp>
-                <p:nvCxnSpPr>
-                  <p:cNvPr id="588811" name="AutoShape 11"/>
-                  <p:cNvCxnSpPr>
-                    <a:cxnSpLocks noChangeShapeType="1"/>
-                    <a:stCxn id="588810" idx="7"/>
-                    <a:endCxn id="588803" idx="2"/>
-                  </p:cNvCxnSpPr>
-                  <p:nvPr/>
-                </p:nvCxnSpPr>
-                <p:spPr bwMode="auto">
-                  <a:xfrm>
-                    <a:off x="1714" y="2414"/>
-                    <a:ext cx="1118" cy="1138"/>
-                  </a:xfrm>
-                  <a:prstGeom prst="straightConnector1">
-                    <a:avLst/>
-                  </a:prstGeom>
-                  <a:noFill/>
-                  <a:ln w="25400">
-                    <a:solidFill>
-                      <a:schemeClr val="tx1"/>
-                    </a:solidFill>
-                    <a:round/>
-                    <a:headEnd/>
-                    <a:tailEnd type="none" w="lg" len="lg"/>
-                  </a:ln>
-                  <a:effectLst/>
-                </p:spPr>
-              </p:cxnSp>
-              <p:sp>
-                <p:nvSpPr>
-                  <p:cNvPr id="588812" name="Text Box 12"/>
-                  <p:cNvSpPr txBox="1">
-                    <a:spLocks noChangeArrowheads="1"/>
-                  </p:cNvSpPr>
-                  <p:nvPr/>
-                </p:nvSpPr>
-                <p:spPr bwMode="auto">
-                  <a:xfrm>
-                    <a:off x="928" y="2208"/>
-                    <a:ext cx="785" cy="446"/>
-                  </a:xfrm>
-                  <a:prstGeom prst="rect">
-                    <a:avLst/>
-                  </a:prstGeom>
-                  <a:noFill/>
-                  <a:ln w="9525">
-                    <a:noFill/>
-                    <a:miter lim="800000"/>
-                    <a:headEnd/>
-                    <a:tailEnd type="none" w="lg" len="lg"/>
-                  </a:ln>
-                  <a:effectLst/>
-                </p:spPr>
-                <p:txBody>
-                  <a:bodyPr wrap="none">
-                    <a:spAutoFit/>
-                  </a:bodyPr>
-                  <a:lstStyle/>
-                  <a:p>
-                    <a:pPr algn="l">
-                      <a:spcBef>
-                        <a:spcPct val="0"/>
-                      </a:spcBef>
-                    </a:pPr>
-                    <a:r>
-                      <a:rPr lang="en-US" sz="3600">
-                        <a:latin typeface="Comic Sans MS" pitchFamily="66" charset="0"/>
-                      </a:rPr>
-                      <a:t>{1,3}</a:t>
-                    </a:r>
-                  </a:p>
-                </p:txBody>
-              </p:sp>
-            </p:grpSp>
-            <p:grpSp>
-              <p:nvGrpSpPr>
-                <p:cNvPr id="8" name="Group 40"/>
-                <p:cNvGrpSpPr>
-                  <a:grpSpLocks/>
-                </p:cNvGrpSpPr>
-                <p:nvPr/>
-              </p:nvGrpSpPr>
-              <p:grpSpPr bwMode="auto">
-                <a:xfrm>
-                  <a:off x="3823918" y="3652982"/>
-                  <a:ext cx="1225733" cy="1953587"/>
-                  <a:chOff x="2832" y="2208"/>
-                  <a:chExt cx="833" cy="1310"/>
-                </a:xfrm>
-              </p:grpSpPr>
-              <p:sp>
-                <p:nvSpPr>
-                  <p:cNvPr id="588815" name="Oval 15"/>
-                  <p:cNvSpPr>
-                    <a:spLocks noChangeArrowheads="1"/>
-                  </p:cNvSpPr>
-                  <p:nvPr/>
-                </p:nvSpPr>
-                <p:spPr bwMode="auto">
-                  <a:xfrm>
-                    <a:off x="2832" y="2400"/>
-                    <a:ext cx="96" cy="96"/>
-                  </a:xfrm>
-                  <a:prstGeom prst="ellipse">
-                    <a:avLst/>
-                  </a:prstGeom>
-                  <a:solidFill>
-                    <a:srgbClr val="008000"/>
-                  </a:solidFill>
-                  <a:ln w="9525">
-                    <a:solidFill>
-                      <a:schemeClr val="tx1"/>
-                    </a:solidFill>
-                    <a:round/>
-                    <a:headEnd/>
-                    <a:tailEnd type="none" w="lg" len="lg"/>
-                  </a:ln>
-                  <a:effectLst/>
-                </p:spPr>
-                <p:txBody>
-                  <a:bodyPr wrap="none" anchor="ctr"/>
-                  <a:lstStyle/>
-                  <a:p>
-                    <a:endParaRPr lang="en-US" sz="3600">
-                      <a:latin typeface="Comic Sans MS" pitchFamily="66" charset="0"/>
-                    </a:endParaRPr>
-                  </a:p>
-                </p:txBody>
-              </p:sp>
-              <p:cxnSp>
-                <p:nvCxnSpPr>
-                  <p:cNvPr id="588816" name="AutoShape 16"/>
-                  <p:cNvCxnSpPr>
-                    <a:cxnSpLocks noChangeShapeType="1"/>
-                    <a:stCxn id="588815" idx="4"/>
-                    <a:endCxn id="588803" idx="7"/>
-                  </p:cNvCxnSpPr>
-                  <p:nvPr/>
-                </p:nvCxnSpPr>
-                <p:spPr bwMode="auto">
-                  <a:xfrm>
-                    <a:off x="2880" y="2496"/>
-                    <a:ext cx="34" cy="1022"/>
-                  </a:xfrm>
-                  <a:prstGeom prst="straightConnector1">
-                    <a:avLst/>
-                  </a:prstGeom>
-                  <a:noFill/>
-                  <a:ln w="25400">
-                    <a:solidFill>
-                      <a:schemeClr val="tx1"/>
-                    </a:solidFill>
-                    <a:round/>
-                    <a:headEnd/>
-                    <a:tailEnd type="none" w="lg" len="lg"/>
-                  </a:ln>
-                  <a:effectLst/>
-                </p:spPr>
-              </p:cxnSp>
-              <p:sp>
-                <p:nvSpPr>
-                  <p:cNvPr id="588817" name="Text Box 17"/>
-                  <p:cNvSpPr txBox="1">
-                    <a:spLocks noChangeArrowheads="1"/>
-                  </p:cNvSpPr>
-                  <p:nvPr/>
-                </p:nvSpPr>
-                <p:spPr bwMode="auto">
-                  <a:xfrm>
-                    <a:off x="2880" y="2208"/>
-                    <a:ext cx="785" cy="446"/>
-                  </a:xfrm>
-                  <a:prstGeom prst="rect">
-                    <a:avLst/>
-                  </a:prstGeom>
-                  <a:noFill/>
-                  <a:ln w="9525">
-                    <a:noFill/>
-                    <a:miter lim="800000"/>
-                    <a:headEnd/>
-                    <a:tailEnd type="none" w="lg" len="lg"/>
-                  </a:ln>
-                  <a:effectLst/>
-                </p:spPr>
-                <p:txBody>
-                  <a:bodyPr wrap="none">
-                    <a:spAutoFit/>
-                  </a:bodyPr>
-                  <a:lstStyle/>
-                  <a:p>
-                    <a:pPr algn="l">
-                      <a:spcBef>
-                        <a:spcPct val="0"/>
-                      </a:spcBef>
-                    </a:pPr>
-                    <a:r>
-                      <a:rPr lang="en-US" sz="3600">
-                        <a:latin typeface="Comic Sans MS" pitchFamily="66" charset="0"/>
-                      </a:rPr>
-                      <a:t>{1,5}</a:t>
-                    </a:r>
-                  </a:p>
-                </p:txBody>
-              </p:sp>
-            </p:grpSp>
-            <p:sp>
-              <p:nvSpPr>
-                <p:cNvPr id="588825" name="Oval 25"/>
-                <p:cNvSpPr>
-                  <a:spLocks noChangeArrowheads="1"/>
-                </p:cNvSpPr>
-                <p:nvPr/>
-              </p:nvSpPr>
-              <p:spPr bwMode="auto">
-                <a:xfrm>
-                  <a:off x="2623199" y="2507673"/>
-                  <a:ext cx="141261" cy="143164"/>
-                </a:xfrm>
-                <a:prstGeom prst="ellipse">
-                  <a:avLst/>
-                </a:prstGeom>
-                <a:solidFill>
-                  <a:srgbClr val="008000"/>
-                </a:solidFill>
-                <a:ln w="9525">
-                  <a:solidFill>
-                    <a:schemeClr val="tx1"/>
-                  </a:solidFill>
-                  <a:round/>
-                  <a:headEnd/>
-                  <a:tailEnd type="none" w="lg" len="lg"/>
-                </a:ln>
-                <a:effectLst/>
-              </p:spPr>
-              <p:txBody>
-                <a:bodyPr wrap="none" anchor="ctr"/>
-                <a:lstStyle/>
-                <a:p>
-                  <a:endParaRPr lang="en-US" sz="3600">
-                    <a:latin typeface="Comic Sans MS" pitchFamily="66" charset="0"/>
-                  </a:endParaRPr>
-                </a:p>
-              </p:txBody>
-            </p:sp>
-            <p:cxnSp>
-              <p:nvCxnSpPr>
-                <p:cNvPr id="588827" name="AutoShape 27"/>
-                <p:cNvCxnSpPr>
-                  <a:cxnSpLocks noChangeShapeType="1"/>
-                  <a:stCxn id="588825" idx="5"/>
-                  <a:endCxn id="588810" idx="7"/>
-                </p:cNvCxnSpPr>
-                <p:nvPr/>
-              </p:nvCxnSpPr>
-              <p:spPr bwMode="auto">
-                <a:xfrm flipH="1">
-                  <a:off x="2178816" y="2629959"/>
-                  <a:ext cx="565043" cy="1330229"/>
-                </a:xfrm>
-                <a:prstGeom prst="straightConnector1">
-                  <a:avLst/>
-                </a:prstGeom>
-                <a:noFill/>
-                <a:ln w="25400">
-                  <a:solidFill>
-                    <a:schemeClr val="tx1"/>
-                  </a:solidFill>
-                  <a:round/>
-                  <a:headEnd/>
-                  <a:tailEnd type="none" w="lg" len="lg"/>
-                </a:ln>
-                <a:effectLst/>
-              </p:spPr>
-            </p:cxnSp>
-            <p:cxnSp>
-              <p:nvCxnSpPr>
-                <p:cNvPr id="588828" name="AutoShape 28"/>
-                <p:cNvCxnSpPr>
-                  <a:cxnSpLocks noChangeShapeType="1"/>
-                  <a:stCxn id="588825" idx="6"/>
-                  <a:endCxn id="588815" idx="2"/>
-                </p:cNvCxnSpPr>
-                <p:nvPr/>
-              </p:nvCxnSpPr>
-              <p:spPr bwMode="auto">
-                <a:xfrm>
-                  <a:off x="2764460" y="2579255"/>
-                  <a:ext cx="1059456" cy="1431636"/>
-                </a:xfrm>
-                <a:prstGeom prst="straightConnector1">
-                  <a:avLst/>
-                </a:prstGeom>
-                <a:noFill/>
-                <a:ln w="25400">
-                  <a:solidFill>
-                    <a:schemeClr val="tx1"/>
-                  </a:solidFill>
-                  <a:round/>
-                  <a:headEnd/>
-                  <a:tailEnd type="none" w="lg" len="lg"/>
-                </a:ln>
-                <a:effectLst/>
-              </p:spPr>
-            </p:cxnSp>
-            <p:grpSp>
-              <p:nvGrpSpPr>
-                <p:cNvPr id="9" name="Group 45"/>
-                <p:cNvGrpSpPr>
-                  <a:grpSpLocks/>
-                </p:cNvGrpSpPr>
-                <p:nvPr/>
-              </p:nvGrpSpPr>
-              <p:grpSpPr bwMode="auto">
-                <a:xfrm>
-                  <a:off x="3894547" y="2191521"/>
-                  <a:ext cx="3543293" cy="1794020"/>
-                  <a:chOff x="2880" y="1228"/>
-                  <a:chExt cx="2408" cy="1203"/>
-                </a:xfrm>
-              </p:grpSpPr>
-              <p:sp>
-                <p:nvSpPr>
-                  <p:cNvPr id="588821" name="Text Box 21"/>
-                  <p:cNvSpPr txBox="1">
-                    <a:spLocks noChangeArrowheads="1"/>
-                  </p:cNvSpPr>
-                  <p:nvPr/>
-                </p:nvSpPr>
-                <p:spPr bwMode="auto">
-                  <a:xfrm>
-                    <a:off x="3784" y="1228"/>
-                    <a:ext cx="1504" cy="446"/>
-                  </a:xfrm>
-                  <a:prstGeom prst="rect">
-                    <a:avLst/>
-                  </a:prstGeom>
-                  <a:noFill/>
-                  <a:ln w="9525">
-                    <a:noFill/>
-                    <a:miter lim="800000"/>
-                    <a:headEnd/>
-                    <a:tailEnd type="none" w="lg" len="lg"/>
-                  </a:ln>
-                  <a:effectLst/>
-                </p:spPr>
-                <p:txBody>
-                  <a:bodyPr wrap="none">
-                    <a:spAutoFit/>
-                  </a:bodyPr>
-                  <a:lstStyle/>
-                  <a:p>
-                    <a:pPr algn="l">
-                      <a:spcBef>
-                        <a:spcPct val="0"/>
-                      </a:spcBef>
-                    </a:pPr>
-                    <a:r>
-                      <a:rPr lang="en-US" sz="3600" dirty="0">
-                        <a:latin typeface="Comic Sans MS" pitchFamily="66" charset="0"/>
-                      </a:rPr>
-                      <a:t>{1,2,5,10}</a:t>
-                    </a:r>
-                  </a:p>
-                </p:txBody>
-              </p:sp>
-              <p:cxnSp>
-                <p:nvCxnSpPr>
-                  <p:cNvPr id="588823" name="AutoShape 23"/>
-                  <p:cNvCxnSpPr>
-                    <a:cxnSpLocks noChangeShapeType="1"/>
-                    <a:stCxn id="588806" idx="1"/>
-                  </p:cNvCxnSpPr>
-                  <p:nvPr/>
-                </p:nvCxnSpPr>
-                <p:spPr bwMode="auto">
-                  <a:xfrm flipH="1" flipV="1">
-                    <a:off x="3696" y="1536"/>
-                    <a:ext cx="686" cy="878"/>
-                  </a:xfrm>
-                  <a:prstGeom prst="straightConnector1">
-                    <a:avLst/>
-                  </a:prstGeom>
-                  <a:noFill/>
-                  <a:ln w="25400">
-                    <a:solidFill>
-                      <a:schemeClr val="tx1"/>
-                    </a:solidFill>
-                    <a:round/>
-                    <a:headEnd/>
-                    <a:tailEnd type="none" w="lg" len="lg"/>
-                  </a:ln>
-                  <a:effectLst/>
-                </p:spPr>
-              </p:cxnSp>
-              <p:sp>
-                <p:nvSpPr>
-                  <p:cNvPr id="588843" name="Oval 43"/>
-                  <p:cNvSpPr>
-                    <a:spLocks noChangeArrowheads="1"/>
-                  </p:cNvSpPr>
-                  <p:nvPr/>
-                </p:nvSpPr>
-                <p:spPr bwMode="auto">
-                  <a:xfrm>
-                    <a:off x="3600" y="1440"/>
-                    <a:ext cx="96" cy="96"/>
-                  </a:xfrm>
-                  <a:prstGeom prst="ellipse">
-                    <a:avLst/>
-                  </a:prstGeom>
-                  <a:solidFill>
-                    <a:srgbClr val="008000"/>
-                  </a:solidFill>
-                  <a:ln w="9525">
-                    <a:solidFill>
-                      <a:schemeClr val="tx1"/>
-                    </a:solidFill>
-                    <a:round/>
-                    <a:headEnd/>
-                    <a:tailEnd type="none" w="lg" len="lg"/>
-                  </a:ln>
-                  <a:effectLst/>
-                </p:spPr>
-                <p:txBody>
-                  <a:bodyPr wrap="none" anchor="ctr"/>
-                  <a:lstStyle/>
-                  <a:p>
-                    <a:endParaRPr lang="en-US" sz="3600">
-                      <a:latin typeface="Comic Sans MS" pitchFamily="66" charset="0"/>
-                    </a:endParaRPr>
-                  </a:p>
-                </p:txBody>
-              </p:sp>
-              <p:cxnSp>
-                <p:nvCxnSpPr>
-                  <p:cNvPr id="588844" name="AutoShape 44"/>
-                  <p:cNvCxnSpPr>
-                    <a:cxnSpLocks noChangeShapeType="1"/>
-                    <a:stCxn id="588817" idx="1"/>
-                    <a:endCxn id="588843" idx="3"/>
-                  </p:cNvCxnSpPr>
-                  <p:nvPr/>
-                </p:nvCxnSpPr>
-                <p:spPr bwMode="auto">
-                  <a:xfrm rot="10800000" flipH="1">
-                    <a:off x="2880" y="1522"/>
-                    <a:ext cx="734" cy="909"/>
-                  </a:xfrm>
-                  <a:prstGeom prst="straightConnector1">
-                    <a:avLst/>
-                  </a:prstGeom>
-                  <a:noFill/>
-                  <a:ln w="25400">
-                    <a:solidFill>
-                      <a:schemeClr val="tx1"/>
-                    </a:solidFill>
-                    <a:round/>
-                    <a:headEnd/>
-                    <a:tailEnd/>
-                  </a:ln>
-                  <a:effectLst/>
-                </p:spPr>
-              </p:cxnSp>
-            </p:grpSp>
-          </p:grpSp>
-          <p:grpSp>
-            <p:nvGrpSpPr>
-              <p:cNvPr id="10" name="Group 50"/>
-              <p:cNvGrpSpPr>
-                <a:grpSpLocks/>
-              </p:cNvGrpSpPr>
-              <p:nvPr/>
-            </p:nvGrpSpPr>
-            <p:grpSpPr bwMode="auto">
-              <a:xfrm>
-                <a:off x="2693830" y="1219200"/>
-                <a:ext cx="5916770" cy="1360055"/>
-                <a:chOff x="1568" y="672"/>
-                <a:chExt cx="4021" cy="912"/>
-              </a:xfrm>
-            </p:grpSpPr>
-            <p:grpSp>
-              <p:nvGrpSpPr>
-                <p:cNvPr id="11" name="Group 47"/>
-                <p:cNvGrpSpPr>
-                  <a:grpSpLocks/>
-                </p:cNvGrpSpPr>
-                <p:nvPr/>
-              </p:nvGrpSpPr>
-              <p:grpSpPr bwMode="auto">
-                <a:xfrm>
-                  <a:off x="1568" y="864"/>
-                  <a:ext cx="1550" cy="720"/>
-                  <a:chOff x="2064" y="768"/>
-                  <a:chExt cx="1550" cy="720"/>
-                </a:xfrm>
-              </p:grpSpPr>
-              <p:sp>
-                <p:nvSpPr>
-                  <p:cNvPr id="588820" name="Oval 20"/>
-                  <p:cNvSpPr>
-                    <a:spLocks noChangeArrowheads="1"/>
-                  </p:cNvSpPr>
-                  <p:nvPr/>
-                </p:nvSpPr>
-                <p:spPr bwMode="auto">
-                  <a:xfrm>
-                    <a:off x="3168" y="768"/>
-                    <a:ext cx="96" cy="96"/>
-                  </a:xfrm>
-                  <a:prstGeom prst="ellipse">
-                    <a:avLst/>
-                  </a:prstGeom>
-                  <a:solidFill>
-                    <a:srgbClr val="008000"/>
-                  </a:solidFill>
-                  <a:ln w="9525">
-                    <a:solidFill>
-                      <a:schemeClr val="tx1"/>
-                    </a:solidFill>
-                    <a:round/>
-                    <a:headEnd/>
-                    <a:tailEnd type="none" w="lg" len="lg"/>
-                  </a:ln>
-                  <a:effectLst/>
-                </p:spPr>
-                <p:txBody>
-                  <a:bodyPr wrap="none" anchor="ctr"/>
-                  <a:lstStyle/>
-                  <a:p>
-                    <a:endParaRPr lang="en-US" sz="3600">
-                      <a:latin typeface="Comic Sans MS" pitchFamily="66" charset="0"/>
-                    </a:endParaRPr>
-                  </a:p>
-                </p:txBody>
-              </p:sp>
-              <p:cxnSp>
-                <p:nvCxnSpPr>
-                  <p:cNvPr id="588830" name="AutoShape 30"/>
-                  <p:cNvCxnSpPr>
-                    <a:cxnSpLocks noChangeShapeType="1"/>
-                    <a:stCxn id="588825" idx="6"/>
-                    <a:endCxn id="588820" idx="2"/>
-                  </p:cNvCxnSpPr>
-                  <p:nvPr/>
-                </p:nvCxnSpPr>
-                <p:spPr bwMode="auto">
-                  <a:xfrm flipV="1">
-                    <a:off x="2064" y="816"/>
-                    <a:ext cx="1104" cy="672"/>
-                  </a:xfrm>
-                  <a:prstGeom prst="straightConnector1">
-                    <a:avLst/>
-                  </a:prstGeom>
-                  <a:noFill/>
-                  <a:ln w="25400">
-                    <a:solidFill>
-                      <a:schemeClr val="tx1"/>
-                    </a:solidFill>
-                    <a:round/>
-                    <a:headEnd/>
-                    <a:tailEnd/>
-                  </a:ln>
-                  <a:effectLst/>
-                </p:spPr>
-              </p:cxnSp>
-              <p:cxnSp>
-                <p:nvCxnSpPr>
-                  <p:cNvPr id="588846" name="AutoShape 46"/>
-                  <p:cNvCxnSpPr>
-                    <a:cxnSpLocks noChangeShapeType="1"/>
-                    <a:stCxn id="588820" idx="5"/>
-                    <a:endCxn id="588843" idx="1"/>
-                  </p:cNvCxnSpPr>
-                  <p:nvPr/>
-                </p:nvCxnSpPr>
-                <p:spPr bwMode="auto">
-                  <a:xfrm>
-                    <a:off x="3250" y="850"/>
-                    <a:ext cx="364" cy="604"/>
-                  </a:xfrm>
-                  <a:prstGeom prst="straightConnector1">
-                    <a:avLst/>
-                  </a:prstGeom>
-                  <a:noFill/>
-                  <a:ln w="25400">
-                    <a:solidFill>
-                      <a:schemeClr val="tx1"/>
-                    </a:solidFill>
-                    <a:round/>
-                    <a:headEnd/>
-                    <a:tailEnd/>
-                  </a:ln>
-                  <a:effectLst/>
-                </p:spPr>
-              </p:cxnSp>
-            </p:grpSp>
-            <p:sp>
-              <p:nvSpPr>
-                <p:cNvPr id="588848" name="Text Box 48"/>
-                <p:cNvSpPr txBox="1">
-                  <a:spLocks noChangeArrowheads="1"/>
-                </p:cNvSpPr>
-                <p:nvPr/>
-              </p:nvSpPr>
-              <p:spPr bwMode="auto">
-                <a:xfrm>
-                  <a:off x="2592" y="672"/>
-                  <a:ext cx="2997" cy="446"/>
-                </a:xfrm>
-                <a:prstGeom prst="rect">
-                  <a:avLst/>
-                </a:prstGeom>
-                <a:noFill/>
-                <a:ln w="9525" algn="ctr">
-                  <a:noFill/>
-                  <a:miter lim="800000"/>
-                  <a:headEnd/>
-                  <a:tailEnd/>
-                </a:ln>
-                <a:effectLst/>
-              </p:spPr>
-              <p:txBody>
-                <a:bodyPr wrap="none">
-                  <a:spAutoFit/>
-                </a:bodyPr>
-                <a:lstStyle/>
-                <a:p>
-                  <a:pPr marL="742950" indent="-285750" algn="l"/>
-                  <a:r>
-                    <a:rPr lang="en-US" sz="3600" dirty="0">
-                      <a:latin typeface="Comic Sans MS" pitchFamily="66" charset="0"/>
-                    </a:rPr>
-                    <a:t>{1,2,3,5,10,15,30}</a:t>
-                  </a:r>
-                </a:p>
-              </p:txBody>
-            </p:sp>
-          </p:grpSp>
-        </p:grpSp>
-      </p:grpSp>
-      <p:sp>
-        <p:nvSpPr>
-          <p:cNvPr id="37" name="Rectangle 2"/>
-          <p:cNvSpPr txBox="1">
-            <a:spLocks noChangeArrowheads="1"/>
-          </p:cNvSpPr>
-          <p:nvPr/>
-        </p:nvSpPr>
-        <p:spPr>
-          <a:xfrm>
-            <a:off x="1524000" y="381000"/>
-            <a:ext cx="7086600" cy="1219200"/>
-          </a:xfrm>
-          <a:prstGeom prst="rect">
-            <a:avLst/>
-          </a:prstGeom>
-          <a:noFill/>
-        </p:spPr>
-        <p:txBody>
-          <a:bodyPr vert="horz" lIns="91440" tIns="45720" rIns="91440" bIns="45720" rtlCol="0" anchor="ctr">
-            <a:noAutofit/>
-          </a:bodyPr>
-          <a:lstStyle/>
-          <a:p>
-            <a:pPr lvl="0">
-              <a:spcBef>
-                <a:spcPct val="0"/>
-              </a:spcBef>
-            </a:pPr>
-            <a:r>
-              <a:rPr kumimoji="0" lang="en-US" sz="4800" b="1" u="none" strike="noStrike" kern="1200" cap="none" spc="0" normalizeH="0" baseline="0" noProof="0" dirty="0" smtClean="0">
-                <a:ln>
-                  <a:noFill/>
-                </a:ln>
-                <a:solidFill>
-                  <a:srgbClr val="0033CC"/>
-                </a:solidFill>
-                <a:effectLst/>
-                <a:uLnTx/>
-                <a:uFillTx/>
-                <a:latin typeface="Comic Sans MS" pitchFamily="66" charset="0"/>
-                <a:ea typeface="+mj-ea"/>
-                <a:cs typeface="+mj-cs"/>
-              </a:rPr>
-              <a:t>proper</a:t>
-            </a:r>
-            <a:r>
-              <a:rPr kumimoji="0" lang="en-US" sz="4800" b="1" i="0" u="none" strike="noStrike" kern="1200" cap="none" spc="0" normalizeH="0" baseline="0" noProof="0" dirty="0" smtClean="0">
-                <a:ln>
-                  <a:noFill/>
-                </a:ln>
-                <a:solidFill>
-                  <a:srgbClr val="0033CC"/>
-                </a:solidFill>
-                <a:effectLst/>
-                <a:uLnTx/>
-                <a:uFillTx/>
-                <a:latin typeface="Comic Sans MS" pitchFamily="66" charset="0"/>
-                <a:ea typeface="+mj-ea"/>
-                <a:cs typeface="+mj-cs"/>
-              </a:rPr>
-              <a:t> subset</a:t>
-            </a:r>
-            <a:r>
-              <a:rPr kumimoji="0" lang="en-US" sz="4800" b="1" i="0" u="none" strike="noStrike" kern="1200" cap="none" spc="0" normalizeH="0" baseline="0" noProof="0" dirty="0" smtClean="0">
-                <a:ln>
-                  <a:noFill/>
-                </a:ln>
-                <a:solidFill>
-                  <a:schemeClr val="tx1"/>
-                </a:solidFill>
-                <a:effectLst/>
-                <a:uLnTx/>
-                <a:uFillTx/>
-                <a:latin typeface="Comic Sans MS" pitchFamily="66" charset="0"/>
-                <a:ea typeface="+mj-ea"/>
-                <a:cs typeface="+mj-cs"/>
-              </a:rPr>
-              <a:t> </a:t>
-            </a:r>
-            <a:r>
-              <a:rPr lang="en-US" sz="4800" b="1" dirty="0" smtClean="0">
-                <a:latin typeface="Comic Sans MS" pitchFamily="66" charset="0"/>
-                <a:sym typeface="Euclid Symbol"/>
-              </a:rPr>
-              <a:t>relation</a:t>
-            </a:r>
-            <a:endParaRPr kumimoji="0" lang="en-US" sz="4800" b="1" i="0" u="none" strike="noStrike" kern="1200" cap="none" spc="0" normalizeH="0" baseline="0" noProof="0" dirty="0">
-              <a:ln>
-                <a:noFill/>
-              </a:ln>
-              <a:effectLst/>
-              <a:uLnTx/>
-              <a:uFillTx/>
-              <a:latin typeface="Comic Sans MS" pitchFamily="66" charset="0"/>
-              <a:ea typeface="+mj-ea"/>
-              <a:cs typeface="+mj-cs"/>
-            </a:endParaRPr>
-          </a:p>
-        </p:txBody>
-      </p:sp>
-    </p:spTree>
-  </p:cSld>
-  <p:clrMapOvr>
-    <a:masterClrMapping/>
-  </p:clrMapOvr>
-  <p:transition xmlns:p14="http://schemas.microsoft.com/office/powerpoint/2010/main">
-    <p:fade thruBlk="1"/>
-  </p:transition>
-  <p:timing>
-    <p:tnLst>
-      <p:par>
-        <p:cTn xmlns:p14="http://schemas.microsoft.com/office/powerpoint/2010/main" id="1" dur="indefinite" restart="never" nodeType="tmRoot">
-          <p:childTnLst>
-            <p:seq concurrent="1" nextAc="seek">
-              <p:cTn id="2" dur="indefinite" nodeType="mainSeq">
-                <p:childTnLst>
-                  <p:par>
-                    <p:cTn id="3" fill="hold">
-                      <p:stCondLst>
-                        <p:cond delay="indefinite"/>
-                      </p:stCondLst>
-                      <p:childTnLst>
-                        <p:par>
-                          <p:cTn id="4" fill="hold">
-                            <p:stCondLst>
-                              <p:cond delay="0"/>
-                            </p:stCondLst>
-                            <p:childTnLst>
-                              <p:par>
-                                <p:cTn id="5" presetID="10" presetClass="entr" presetSubtype="0" fill="hold" nodeType="clickEffect">
-                                  <p:stCondLst>
-                                    <p:cond delay="0"/>
-                                  </p:stCondLst>
-                                  <p:childTnLst>
-                                    <p:set>
-                                      <p:cBhvr>
-                                        <p:cTn id="6" dur="1" fill="hold">
-                                          <p:stCondLst>
-                                            <p:cond delay="0"/>
-                                          </p:stCondLst>
-                                        </p:cTn>
-                                        <p:tgtEl>
-                                          <p:spTgt spid="2"/>
-                                        </p:tgtEl>
-                                        <p:attrNameLst>
-                                          <p:attrName>style.visibility</p:attrName>
-                                        </p:attrNameLst>
-                                      </p:cBhvr>
-                                      <p:to>
-                                        <p:strVal val="visible"/>
-                                      </p:to>
-                                    </p:set>
-                                    <p:animEffect transition="in" filter="fade">
-                                      <p:cBhvr>
-                                        <p:cTn id="7" dur="1000"/>
-                                        <p:tgtEl>
-                                          <p:spTgt spid="2"/>
-                                        </p:tgtEl>
-                                      </p:cBhvr>
-                                    </p:animEffect>
-                                  </p:childTnLst>
-                                </p:cTn>
-                              </p:par>
-                            </p:childTnLst>
-                          </p:cTn>
-                        </p:par>
-                      </p:childTnLst>
-                    </p:cTn>
-                  </p:par>
-                </p:childTnLst>
-              </p:cTn>
-              <p:prevCondLst>
-                <p:cond evt="onPrev" delay="0">
-                  <p:tgtEl>
-                    <p:sldTgt/>
-                  </p:tgtEl>
-                </p:cond>
-              </p:prevCondLst>
-              <p:nextCondLst>
-                <p:cond evt="onNext" delay="0">
-                  <p:tgtEl>
-                    <p:sldTgt/>
-                  </p:tgtEl>
-                </p:cond>
-              </p:nextCondLst>
-            </p:seq>
-          </p:childTnLst>
-        </p:cTn>
-      </p:par>
-    </p:tnLst>
-  </p:timing>
-</p:sld>
-</file>
-
-<file path=ppt/slides/slide30.xml><?xml version="1.0" encoding="utf-8"?>
+<file path=ppt/slides/slide34.xml><?xml version="1.0" encoding="utf-8"?>
 <p:sld xmlns:a="http://schemas.openxmlformats.org/drawingml/2006/main" xmlns:r="http://schemas.openxmlformats.org/officeDocument/2006/relationships" xmlns:p="http://schemas.openxmlformats.org/presentationml/2006/main" show="0">
   <p:cSld>
     <p:spTree>
@@ -17683,7 +18628,7 @@
 </p:sld>
 </file>
 
-<file path=ppt/slides/slide31.xml><?xml version="1.0" encoding="utf-8"?>
+<file path=ppt/slides/slide35.xml><?xml version="1.0" encoding="utf-8"?>
 <p:sld xmlns:a="http://schemas.openxmlformats.org/drawingml/2006/main" xmlns:r="http://schemas.openxmlformats.org/officeDocument/2006/relationships" xmlns:p="http://schemas.openxmlformats.org/presentationml/2006/main" show="0">
   <p:cSld>
     <p:spTree>
@@ -18195,7 +19140,7 @@
 </p:sld>
 </file>
 
-<file path=ppt/slides/slide32.xml><?xml version="1.0" encoding="utf-8"?>
+<file path=ppt/slides/slide36.xml><?xml version="1.0" encoding="utf-8"?>
 <p:sld xmlns:a="http://schemas.openxmlformats.org/drawingml/2006/main" xmlns:r="http://schemas.openxmlformats.org/officeDocument/2006/relationships" xmlns:p="http://schemas.openxmlformats.org/presentationml/2006/main" show="0">
   <p:cSld>
     <p:spTree>
@@ -18382,7 +19327,7 @@
 </p:sld>
 </file>
 
-<file path=ppt/slides/slide33.xml><?xml version="1.0" encoding="utf-8"?>
+<file path=ppt/slides/slide37.xml><?xml version="1.0" encoding="utf-8"?>
 <p:sld xmlns:a="http://schemas.openxmlformats.org/drawingml/2006/main" xmlns:r="http://schemas.openxmlformats.org/officeDocument/2006/relationships" xmlns:p="http://schemas.openxmlformats.org/presentationml/2006/main">
   <p:cSld>
     <p:spTree>
@@ -18401,7 +19346,7 @@
       </p:grpSpPr>
       <p:sp>
         <p:nvSpPr>
-          <p:cNvPr id="680962" name="Rectangle 2"/>
+          <p:cNvPr id="34819" name="Rectangle 2"/>
           <p:cNvSpPr>
             <a:spLocks noGrp="1" noChangeArrowheads="1"/>
           </p:cNvSpPr>
@@ -18409,12 +19354,114 @@
             <p:ph type="title"/>
           </p:nvPr>
         </p:nvSpPr>
+        <p:spPr/>
+        <p:txBody>
+          <a:bodyPr/>
+          <a:lstStyle/>
+          <a:p>
+            <a:r>
+              <a:rPr lang="en-US" sz="4800" dirty="0" smtClean="0"/>
+              <a:t>Team Problems</a:t>
+            </a:r>
+          </a:p>
+        </p:txBody>
+      </p:sp>
+      <p:sp>
+        <p:nvSpPr>
+          <p:cNvPr id="34820" name="Rectangle 3"/>
+          <p:cNvSpPr>
+            <a:spLocks noGrp="1" noChangeArrowheads="1"/>
+          </p:cNvSpPr>
+          <p:nvPr>
+            <p:ph type="body" idx="1"/>
+          </p:nvPr>
+        </p:nvSpPr>
         <p:spPr>
           <a:xfrm>
-            <a:off x="1264466" y="274638"/>
-            <a:ext cx="6662057" cy="1105126"/>
+            <a:off x="502510" y="1479035"/>
+            <a:ext cx="8130746" cy="3900272"/>
           </a:xfrm>
         </p:spPr>
+        <p:txBody>
+          <a:bodyPr/>
+          <a:lstStyle/>
+          <a:p>
+            <a:pPr algn="ctr">
+              <a:spcBef>
+                <a:spcPts val="1200"/>
+              </a:spcBef>
+              <a:buFontTx/>
+              <a:buNone/>
+            </a:pPr>
+            <a:r>
+              <a:rPr lang="en-US" sz="11500" dirty="0" smtClean="0"/>
+              <a:t>Problems</a:t>
+            </a:r>
+          </a:p>
+          <a:p>
+            <a:pPr algn="ctr">
+              <a:spcBef>
+                <a:spcPts val="1200"/>
+              </a:spcBef>
+              <a:buFontTx/>
+              <a:buNone/>
+            </a:pPr>
+            <a:r>
+              <a:rPr lang="en-US" sz="11500" dirty="0" smtClean="0">
+                <a:sym typeface="Euclid Symbol"/>
+              </a:rPr>
+              <a:t>1−4</a:t>
+            </a:r>
+            <a:endParaRPr lang="en-US" sz="12700" dirty="0" smtClean="0"/>
+          </a:p>
+        </p:txBody>
+      </p:sp>
+    </p:spTree>
+  </p:cSld>
+  <p:clrMapOvr>
+    <a:masterClrMapping/>
+  </p:clrMapOvr>
+  <p:transition xmlns:p14="http://schemas.microsoft.com/office/powerpoint/2010/main">
+    <p:fade thruBlk="1"/>
+  </p:transition>
+  <p:timing>
+    <p:tnLst>
+      <p:par>
+        <p:cTn xmlns:p14="http://schemas.microsoft.com/office/powerpoint/2010/main" id="1" dur="indefinite" restart="never" nodeType="tmRoot"/>
+      </p:par>
+    </p:tnLst>
+  </p:timing>
+</p:sld>
+</file>
+
+<file path=ppt/slides/slide38.xml><?xml version="1.0" encoding="utf-8"?>
+<p:sld xmlns:a="http://schemas.openxmlformats.org/drawingml/2006/main" xmlns:r="http://schemas.openxmlformats.org/officeDocument/2006/relationships" xmlns:p="http://schemas.openxmlformats.org/presentationml/2006/main" show="0">
+  <p:cSld>
+    <p:spTree>
+      <p:nvGrpSpPr>
+        <p:cNvPr id="1" name=""/>
+        <p:cNvGrpSpPr/>
+        <p:nvPr/>
+      </p:nvGrpSpPr>
+      <p:grpSpPr>
+        <a:xfrm>
+          <a:off x="0" y="0"/>
+          <a:ext cx="0" cy="0"/>
+          <a:chOff x="0" y="0"/>
+          <a:chExt cx="0" cy="0"/>
+        </a:xfrm>
+      </p:grpSpPr>
+      <p:sp>
+        <p:nvSpPr>
+          <p:cNvPr id="559106" name="Rectangle 2"/>
+          <p:cNvSpPr>
+            <a:spLocks noGrp="1" noChangeArrowheads="1"/>
+          </p:cNvSpPr>
+          <p:nvPr>
+            <p:ph type="title"/>
+          </p:nvPr>
+        </p:nvSpPr>
+        <p:spPr/>
         <p:txBody>
           <a:bodyPr>
             <a:normAutofit/>
@@ -18422,14 +19469,30 @@
           <a:lstStyle/>
           <a:p>
             <a:r>
-              <a:rPr lang="en-US" sz="4800" dirty="0" smtClean="0">
+              <a:rPr lang="en-US" sz="4000" dirty="0" smtClean="0">
                 <a:solidFill>
                   <a:srgbClr val="7030A0"/>
                 </a:solidFill>
               </a:rPr>
-              <a:t>weak partial orders</a:t>
-            </a:r>
-            <a:endParaRPr lang="en-US" sz="4800" dirty="0">
+              <a:t>total </a:t>
+            </a:r>
+            <a:r>
+              <a:rPr lang="en-US" sz="4000" dirty="0">
+                <a:solidFill>
+                  <a:srgbClr val="7030A0"/>
+                </a:solidFill>
+              </a:rPr>
+              <a:t>o</a:t>
+            </a:r>
+            <a:r>
+              <a:rPr lang="en-US" sz="4000" dirty="0" smtClean="0">
+                <a:solidFill>
+                  <a:srgbClr val="7030A0"/>
+                </a:solidFill>
+              </a:rPr>
+              <a:t>rders</a:t>
+            </a:r>
+            <a:endParaRPr lang="en-US" sz="4000" dirty="0">
               <a:solidFill>
                 <a:srgbClr val="7030A0"/>
               </a:solidFill>
@@ -18439,55 +19502,202 @@
       </p:sp>
       <p:sp>
         <p:nvSpPr>
-          <p:cNvPr id="680971" name="Text Box 11"/>
-          <p:cNvSpPr txBox="1">
-            <a:spLocks noChangeArrowheads="1"/>
+          <p:cNvPr id="559107" name="Rectangle 3"/>
+          <p:cNvSpPr>
+            <a:spLocks noGrp="1" noChangeArrowheads="1"/>
           </p:cNvSpPr>
+          <p:nvPr>
+            <p:ph type="body" idx="1"/>
+          </p:nvPr>
+        </p:nvSpPr>
+        <p:spPr>
+          <a:xfrm>
+            <a:off x="537252" y="1676400"/>
+            <a:ext cx="8069495" cy="2571974"/>
+          </a:xfrm>
+        </p:spPr>
+        <p:txBody>
+          <a:bodyPr>
+            <a:noAutofit/>
+          </a:bodyPr>
+          <a:lstStyle/>
+          <a:p>
+            <a:pPr>
+              <a:lnSpc>
+                <a:spcPct val="90000"/>
+              </a:lnSpc>
+            </a:pPr>
+            <a:r>
+              <a:rPr lang="en-US" sz="4800" dirty="0">
+                <a:cs typeface="Times New Roman" pitchFamily="18" charset="0"/>
+              </a:rPr>
+              <a:t> </a:t>
+            </a:r>
+            <a:r>
+              <a:rPr lang="en-US" sz="5400" b="1" dirty="0" smtClean="0">
+                <a:solidFill>
+                  <a:srgbClr val="0033CC"/>
+                </a:solidFill>
+                <a:latin typeface="Symbol" pitchFamily="18" charset="2"/>
+                <a:cs typeface="Times New Roman" pitchFamily="18" charset="0"/>
+              </a:rPr>
+              <a:t>&lt;</a:t>
+            </a:r>
+            <a:r>
+              <a:rPr lang="en-US" sz="5400" dirty="0" smtClean="0">
+                <a:cs typeface="Times New Roman" pitchFamily="18" charset="0"/>
+              </a:rPr>
+              <a:t>  on </a:t>
+            </a:r>
+            <a:r>
+              <a:rPr lang="en-US" sz="5400" dirty="0">
+                <a:cs typeface="Times New Roman" pitchFamily="18" charset="0"/>
+              </a:rPr>
+              <a:t>the </a:t>
+            </a:r>
+            <a:r>
+              <a:rPr lang="en-US" sz="5400" dirty="0" err="1" smtClean="0">
+                <a:cs typeface="Times New Roman" pitchFamily="18" charset="0"/>
+              </a:rPr>
+              <a:t>Reals</a:t>
+            </a:r>
+            <a:endParaRPr lang="en-US" sz="5400" dirty="0" smtClean="0">
+              <a:cs typeface="Times New Roman" pitchFamily="18" charset="0"/>
+            </a:endParaRPr>
+          </a:p>
+          <a:p>
+            <a:pPr>
+              <a:lnSpc>
+                <a:spcPct val="90000"/>
+              </a:lnSpc>
+            </a:pPr>
+            <a:r>
+              <a:rPr lang="en-US" sz="5400" i="1" dirty="0" smtClean="0">
+                <a:cs typeface="Times New Roman" pitchFamily="18" charset="0"/>
+                <a:sym typeface="Symbol" pitchFamily="18" charset="2"/>
+              </a:rPr>
+              <a:t>“</a:t>
+            </a:r>
+            <a:r>
+              <a:rPr lang="en-US" sz="5400" i="1" dirty="0" smtClean="0">
+                <a:solidFill>
+                  <a:srgbClr val="0033CC"/>
+                </a:solidFill>
+                <a:cs typeface="Times New Roman" pitchFamily="18" charset="0"/>
+                <a:sym typeface="Symbol" pitchFamily="18" charset="2"/>
+              </a:rPr>
+              <a:t>ranks below</a:t>
+            </a:r>
+            <a:r>
+              <a:rPr lang="en-US" sz="5400" i="1" dirty="0" smtClean="0">
+                <a:cs typeface="Times New Roman" pitchFamily="18" charset="0"/>
+                <a:sym typeface="Symbol" pitchFamily="18" charset="2"/>
+              </a:rPr>
+              <a:t>” </a:t>
+            </a:r>
+            <a:r>
+              <a:rPr lang="en-US" sz="5400" i="1" dirty="0" smtClean="0">
+                <a:solidFill>
+                  <a:srgbClr val="0070C0"/>
+                </a:solidFill>
+                <a:cs typeface="Times New Roman" pitchFamily="18" charset="0"/>
+                <a:sym typeface="Symbol" pitchFamily="18" charset="2"/>
+              </a:rPr>
+              <a:t> </a:t>
+            </a:r>
+            <a:r>
+              <a:rPr lang="en-US" sz="5400" dirty="0" smtClean="0">
+                <a:cs typeface="Times New Roman" pitchFamily="18" charset="0"/>
+                <a:sym typeface="Symbol" pitchFamily="18" charset="2"/>
+              </a:rPr>
+              <a:t>(</a:t>
+            </a:r>
+            <a:r>
+              <a:rPr lang="en-US" sz="5400" dirty="0" smtClean="0">
+                <a:sym typeface="Symbol" pitchFamily="18" charset="2"/>
+              </a:rPr>
+              <a:t>“</a:t>
+            </a:r>
+            <a:r>
+              <a:rPr lang="en-US" sz="5400" b="1" dirty="0" smtClean="0">
+                <a:solidFill>
+                  <a:srgbClr val="0033CC"/>
+                </a:solidFill>
+                <a:latin typeface="cmsy10"/>
+                <a:sym typeface="Symbol" pitchFamily="18" charset="2"/>
+              </a:rPr>
+              <a:t>Á</a:t>
+            </a:r>
+            <a:r>
+              <a:rPr lang="en-US" sz="5400" dirty="0" smtClean="0">
+                <a:cs typeface="Times New Roman" pitchFamily="18" charset="0"/>
+                <a:sym typeface="Symbol" pitchFamily="18" charset="2"/>
+              </a:rPr>
+              <a:t>“) on</a:t>
+            </a:r>
+          </a:p>
+          <a:p>
+            <a:pPr>
+              <a:lnSpc>
+                <a:spcPct val="90000"/>
+              </a:lnSpc>
+              <a:buNone/>
+            </a:pPr>
+            <a:r>
+              <a:rPr lang="en-US" sz="5400" dirty="0">
+                <a:cs typeface="Times New Roman" pitchFamily="18" charset="0"/>
+                <a:sym typeface="Symbol" pitchFamily="18" charset="2"/>
+              </a:rPr>
+              <a:t> </a:t>
+            </a:r>
+            <a:r>
+              <a:rPr lang="en-US" sz="5400" dirty="0" smtClean="0">
+                <a:cs typeface="Times New Roman" pitchFamily="18" charset="0"/>
+                <a:sym typeface="Symbol" pitchFamily="18" charset="2"/>
+              </a:rPr>
+              <a:t>      tournament players</a:t>
+            </a:r>
+            <a:endParaRPr lang="en-US" sz="5400" dirty="0">
+              <a:sym typeface="Symbol" pitchFamily="18" charset="2"/>
+            </a:endParaRPr>
+          </a:p>
+        </p:txBody>
+      </p:sp>
+      <p:sp>
+        <p:nvSpPr>
+          <p:cNvPr id="10" name="TextBox 9"/>
+          <p:cNvSpPr txBox="1"/>
           <p:nvPr/>
         </p:nvSpPr>
-        <p:spPr bwMode="auto">
+        <p:spPr>
           <a:xfrm>
-            <a:off x="914400" y="1752600"/>
-            <a:ext cx="7162800" cy="3416320"/>
+            <a:off x="338899" y="4791670"/>
+            <a:ext cx="8424101" cy="923330"/>
           </a:xfrm>
           <a:prstGeom prst="rect">
             <a:avLst/>
           </a:prstGeom>
           <a:noFill/>
-          <a:ln w="9525" algn="ctr">
-            <a:noFill/>
-            <a:miter lim="800000"/>
-            <a:headEnd/>
-            <a:tailEnd/>
-          </a:ln>
-          <a:effectLst/>
         </p:spPr>
         <p:txBody>
-          <a:bodyPr wrap="square">
+          <a:bodyPr wrap="none" rtlCol="0">
             <a:spAutoFit/>
           </a:bodyPr>
           <a:lstStyle/>
           <a:p>
-            <a:pPr marL="742950" indent="-285750" algn="ctr"/>
-            <a:r>
-              <a:rPr lang="en-US" sz="7200" dirty="0" smtClean="0">
-                <a:latin typeface="Comic Sans MS" pitchFamily="66" charset="0"/>
-              </a:rPr>
-              <a:t>transitive </a:t>
-            </a:r>
-            <a:r>
-              <a:rPr lang="en-US" sz="7200" dirty="0" err="1" smtClean="0">
-                <a:latin typeface="Comic Sans MS" pitchFamily="66" charset="0"/>
-              </a:rPr>
-              <a:t>antisymmetric</a:t>
-            </a:r>
-            <a:r>
-              <a:rPr lang="en-US" sz="7200" dirty="0" smtClean="0">
-                <a:latin typeface="Comic Sans MS" pitchFamily="66" charset="0"/>
-              </a:rPr>
-              <a:t> &amp; reflexive</a:t>
-            </a:r>
-            <a:endParaRPr lang="en-US" sz="7200" dirty="0">
+            <a:r>
+              <a:rPr lang="en-US" sz="5400" i="1" dirty="0" smtClean="0">
+                <a:solidFill>
+                  <a:srgbClr val="7030A0"/>
+                </a:solidFill>
+                <a:latin typeface="Comic Sans MS" pitchFamily="66" charset="0"/>
+              </a:rPr>
+              <a:t>no incomparable elements</a:t>
+            </a:r>
+            <a:endParaRPr lang="en-US" sz="5400" i="1" dirty="0">
+              <a:solidFill>
+                <a:srgbClr val="7030A0"/>
+              </a:solidFill>
               <a:latin typeface="Comic Sans MS" pitchFamily="66" charset="0"/>
             </a:endParaRPr>
           </a:p>
@@ -18498,9 +19708,7 @@
   <p:clrMapOvr>
     <a:masterClrMapping/>
   </p:clrMapOvr>
-  <p:transition xmlns:p14="http://schemas.microsoft.com/office/powerpoint/2010/main" spd="med">
-    <p:fade thruBlk="1"/>
-  </p:transition>
+  <p:transition xmlns:p14="http://schemas.microsoft.com/office/powerpoint/2010/main"/>
   <p:timing>
     <p:tnLst>
       <p:par>
@@ -18522,7 +19730,7 @@
                             </p:stCondLst>
                             <p:childTnLst>
                               <p:par>
-                                <p:cTn id="5" presetID="10" presetClass="entr" presetSubtype="0" fill="hold" grpId="0" nodeType="clickEffect">
+                                <p:cTn id="5" presetID="1" presetClass="entr" presetSubtype="0" fill="hold" grpId="0" nodeType="clickEffect">
                                   <p:stCondLst>
                                     <p:cond delay="0"/>
                                   </p:stCondLst>
@@ -18535,7 +19743,7 @@
                                           </p:stCondLst>
                                         </p:cTn>
                                         <p:tgtEl>
-                                          <p:spTgt spid="680971"/>
+                                          <p:spTgt spid="559106"/>
                                         </p:tgtEl>
                                         <p:attrNameLst>
                                           <p:attrName>style.visibility</p:attrName>
@@ -18545,14 +19753,6 @@
                                         <p:strVal val="visible"/>
                                       </p:to>
                                     </p:set>
-                                    <p:animEffect transition="in" filter="fade">
-                                      <p:cBhvr>
-                                        <p:cTn id="7" dur="1000"/>
-                                        <p:tgtEl>
-                                          <p:spTgt spid="680971"/>
-                                        </p:tgtEl>
-                                      </p:cBhvr>
-                                    </p:animEffect>
                                   </p:childTnLst>
                                 </p:cTn>
                               </p:par>
@@ -18584,13 +19784,13 @@
       </p:par>
     </p:tnLst>
     <p:bldLst>
-      <p:bldP spid="680971" grpId="0"/>
+      <p:bldP spid="559106" grpId="0"/>
     </p:bldLst>
   </p:timing>
 </p:sld>
 </file>
 
-<file path=ppt/slides/slide34.xml><?xml version="1.0" encoding="utf-8"?>
+<file path=ppt/slides/slide4.xml><?xml version="1.0" encoding="utf-8"?>
 <p:sld xmlns:a="http://schemas.openxmlformats.org/drawingml/2006/main" xmlns:r="http://schemas.openxmlformats.org/officeDocument/2006/relationships" xmlns:p="http://schemas.openxmlformats.org/presentationml/2006/main">
   <p:cSld>
     <p:spTree>
@@ -20258,6 +21458,11 @@
         </p:sp>
       </p:grpSp>
     </p:spTree>
+    <p:extLst>
+      <p:ext uri="{BB962C8B-B14F-4D97-AF65-F5344CB8AC3E}">
+        <p14:creationId xmlns:p14="http://schemas.microsoft.com/office/powerpoint/2010/main" val="1960183550"/>
+      </p:ext>
+    </p:extLst>
   </p:cSld>
   <p:clrMapOvr>
     <a:masterClrMapping/>
@@ -20766,7 +21971,7 @@
 </p:sld>
 </file>
 
-<file path=ppt/slides/slide35.xml><?xml version="1.0" encoding="utf-8"?>
+<file path=ppt/slides/slide5.xml><?xml version="1.0" encoding="utf-8"?>
 <p:sld xmlns:a="http://schemas.openxmlformats.org/drawingml/2006/main" xmlns:r="http://schemas.openxmlformats.org/officeDocument/2006/relationships" xmlns:p="http://schemas.openxmlformats.org/presentationml/2006/main">
   <p:cSld>
     <p:spTree>
@@ -20968,7 +22173,7 @@
             <a:graphicData uri="http://schemas.openxmlformats.org/presentationml/2006/ole">
               <mc:AlternateContent xmlns:mc="http://schemas.openxmlformats.org/markup-compatibility/2006">
                 <mc:Choice xmlns:v="urn:schemas-microsoft-com:vml" Requires="v">
-                  <p:oleObj spid="_x0000_s217101" name="Equation" r:id="rId3" imgW="76200" imgH="165100" progId="Equation.DSMT4">
+                  <p:oleObj spid="_x0000_s1031" name="Equation" r:id="rId3" imgW="76200" imgH="165100" progId="Equation.DSMT4">
                     <p:embed/>
                   </p:oleObj>
                 </mc:Choice>
@@ -20977,7 +22182,7 @@
                     <p:embed/>
                     <p:pic>
                       <p:nvPicPr>
-                        <p:cNvPr id="0" name="Picture 2"/>
+                        <p:cNvPr id="0" name=""/>
                         <p:cNvPicPr>
                           <a:picLocks noChangeAspect="1" noChangeArrowheads="1"/>
                         </p:cNvPicPr>
@@ -21134,7 +22339,7 @@
             <a:graphicData uri="http://schemas.openxmlformats.org/presentationml/2006/ole">
               <mc:AlternateContent xmlns:mc="http://schemas.openxmlformats.org/markup-compatibility/2006">
                 <mc:Choice xmlns:v="urn:schemas-microsoft-com:vml" Requires="v">
-                  <p:oleObj spid="_x0000_s217102" name="Equation" r:id="rId5" imgW="76200" imgH="165100" progId="Equation.DSMT4">
+                  <p:oleObj spid="_x0000_s1032" name="Equation" r:id="rId5" imgW="76200" imgH="165100" progId="Equation.DSMT4">
                     <p:embed/>
                   </p:oleObj>
                 </mc:Choice>
@@ -21143,7 +22348,7 @@
                     <p:embed/>
                     <p:pic>
                       <p:nvPicPr>
-                        <p:cNvPr id="0" name="Picture 3"/>
+                        <p:cNvPr id="0" name=""/>
                         <p:cNvPicPr>
                           <a:picLocks noChangeAspect="1" noChangeArrowheads="1"/>
                         </p:cNvPicPr>
@@ -21300,7 +22505,7 @@
             <a:graphicData uri="http://schemas.openxmlformats.org/presentationml/2006/ole">
               <mc:AlternateContent xmlns:mc="http://schemas.openxmlformats.org/markup-compatibility/2006">
                 <mc:Choice xmlns:v="urn:schemas-microsoft-com:vml" Requires="v">
-                  <p:oleObj spid="_x0000_s217103" name="Equation" r:id="rId7" imgW="76200" imgH="165100" progId="Equation.DSMT4">
+                  <p:oleObj spid="_x0000_s1033" name="Equation" r:id="rId7" imgW="76200" imgH="165100" progId="Equation.DSMT4">
                     <p:embed/>
                   </p:oleObj>
                 </mc:Choice>
@@ -21309,7 +22514,7 @@
                     <p:embed/>
                     <p:pic>
                       <p:nvPicPr>
-                        <p:cNvPr id="0" name="Picture 4"/>
+                        <p:cNvPr id="0" name=""/>
                         <p:cNvPicPr>
                           <a:picLocks noChangeAspect="1" noChangeArrowheads="1"/>
                         </p:cNvPicPr>
@@ -21356,6 +22561,11 @@
         </p:graphicFrame>
       </p:grpSp>
     </p:spTree>
+    <p:extLst>
+      <p:ext uri="{BB962C8B-B14F-4D97-AF65-F5344CB8AC3E}">
+        <p14:creationId xmlns:p14="http://schemas.microsoft.com/office/powerpoint/2010/main" val="1174998748"/>
+      </p:ext>
+    </p:extLst>
   </p:cSld>
   <p:clrMapOvr>
     <a:masterClrMapping/>
@@ -21537,7 +22747,7 @@
 </p:sld>
 </file>
 
-<file path=ppt/slides/slide36.xml><?xml version="1.0" encoding="utf-8"?>
+<file path=ppt/slides/slide6.xml><?xml version="1.0" encoding="utf-8"?>
 <p:sld xmlns:a="http://schemas.openxmlformats.org/drawingml/2006/main" xmlns:r="http://schemas.openxmlformats.org/officeDocument/2006/relationships" xmlns:p="http://schemas.openxmlformats.org/presentationml/2006/main">
   <p:cSld>
     <p:spTree>
@@ -21554,75 +22764,1117 @@
           <a:chExt cx="0" cy="0"/>
         </a:xfrm>
       </p:grpSpPr>
+      <p:grpSp>
+        <p:nvGrpSpPr>
+          <p:cNvPr id="2" name="Group 41"/>
+          <p:cNvGrpSpPr/>
+          <p:nvPr/>
+        </p:nvGrpSpPr>
+        <p:grpSpPr>
+          <a:xfrm>
+            <a:off x="457200" y="1219200"/>
+            <a:ext cx="8153400" cy="4724400"/>
+            <a:chOff x="457200" y="1219200"/>
+            <a:chExt cx="8153400" cy="4724400"/>
+          </a:xfrm>
+        </p:grpSpPr>
+        <p:sp>
+          <p:nvSpPr>
+            <p:cNvPr id="588804" name="Text Box 4"/>
+            <p:cNvSpPr txBox="1">
+              <a:spLocks noChangeArrowheads="1"/>
+            </p:cNvSpPr>
+            <p:nvPr/>
+          </p:nvSpPr>
+          <p:spPr bwMode="auto">
+            <a:xfrm>
+              <a:off x="2889536" y="5278616"/>
+              <a:ext cx="732815" cy="664984"/>
+            </a:xfrm>
+            <a:prstGeom prst="rect">
+              <a:avLst/>
+            </a:prstGeom>
+            <a:noFill/>
+            <a:ln w="9525">
+              <a:noFill/>
+              <a:miter lim="800000"/>
+              <a:headEnd/>
+              <a:tailEnd type="none" w="lg" len="lg"/>
+            </a:ln>
+            <a:effectLst/>
+          </p:spPr>
+          <p:txBody>
+            <a:bodyPr wrap="none">
+              <a:spAutoFit/>
+            </a:bodyPr>
+            <a:lstStyle/>
+            <a:p>
+              <a:pPr algn="l">
+                <a:spcBef>
+                  <a:spcPct val="0"/>
+                </a:spcBef>
+              </a:pPr>
+              <a:r>
+                <a:rPr lang="en-US" sz="3600" dirty="0">
+                  <a:latin typeface="Comic Sans MS" pitchFamily="66" charset="0"/>
+                </a:rPr>
+                <a:t>{1}</a:t>
+              </a:r>
+            </a:p>
+          </p:txBody>
+        </p:sp>
+        <p:grpSp>
+          <p:nvGrpSpPr>
+            <p:cNvPr id="3" name="Group 40"/>
+            <p:cNvGrpSpPr/>
+            <p:nvPr/>
+          </p:nvGrpSpPr>
+          <p:grpSpPr>
+            <a:xfrm>
+              <a:off x="457200" y="1219200"/>
+              <a:ext cx="8153400" cy="4509655"/>
+              <a:chOff x="457200" y="1219200"/>
+              <a:chExt cx="8153400" cy="4509655"/>
+            </a:xfrm>
+          </p:grpSpPr>
+          <p:sp>
+            <p:nvSpPr>
+              <p:cNvPr id="588826" name="Text Box 26"/>
+              <p:cNvSpPr txBox="1">
+                <a:spLocks noChangeArrowheads="1"/>
+              </p:cNvSpPr>
+              <p:nvPr/>
+            </p:nvSpPr>
+            <p:spPr bwMode="auto">
+              <a:xfrm>
+                <a:off x="457200" y="2292927"/>
+                <a:ext cx="2212708" cy="664984"/>
+              </a:xfrm>
+              <a:prstGeom prst="rect">
+                <a:avLst/>
+              </a:prstGeom>
+              <a:noFill/>
+              <a:ln w="9525">
+                <a:noFill/>
+                <a:miter lim="800000"/>
+                <a:headEnd/>
+                <a:tailEnd type="none" w="lg" len="lg"/>
+              </a:ln>
+              <a:effectLst/>
+            </p:spPr>
+            <p:txBody>
+              <a:bodyPr wrap="none">
+                <a:spAutoFit/>
+              </a:bodyPr>
+              <a:lstStyle/>
+              <a:p>
+                <a:pPr algn="l">
+                  <a:spcBef>
+                    <a:spcPct val="0"/>
+                  </a:spcBef>
+                </a:pPr>
+                <a:r>
+                  <a:rPr lang="en-US" sz="3600" dirty="0">
+                    <a:latin typeface="Comic Sans MS" pitchFamily="66" charset="0"/>
+                  </a:rPr>
+                  <a:t>{1,3,5,15}</a:t>
+                </a:r>
+              </a:p>
+            </p:txBody>
+          </p:sp>
+          <p:grpSp>
+            <p:nvGrpSpPr>
+              <p:cNvPr id="4" name="Group 39"/>
+              <p:cNvGrpSpPr/>
+              <p:nvPr/>
+            </p:nvGrpSpPr>
+            <p:grpSpPr>
+              <a:xfrm>
+                <a:off x="1022243" y="2191521"/>
+                <a:ext cx="6415597" cy="3537334"/>
+                <a:chOff x="1022243" y="2191521"/>
+                <a:chExt cx="6415597" cy="3537334"/>
+              </a:xfrm>
+            </p:grpSpPr>
+            <p:grpSp>
+              <p:nvGrpSpPr>
+                <p:cNvPr id="5" name="Group 38"/>
+                <p:cNvGrpSpPr/>
+                <p:nvPr/>
+              </p:nvGrpSpPr>
+              <p:grpSpPr>
+                <a:xfrm>
+                  <a:off x="3965178" y="3581400"/>
+                  <a:ext cx="3415276" cy="2075873"/>
+                  <a:chOff x="3965178" y="3581400"/>
+                  <a:chExt cx="3415276" cy="2075873"/>
+                </a:xfrm>
+              </p:grpSpPr>
+              <p:grpSp>
+                <p:nvGrpSpPr>
+                  <p:cNvPr id="6" name="Group 37"/>
+                  <p:cNvGrpSpPr>
+                    <a:grpSpLocks/>
+                  </p:cNvGrpSpPr>
+                  <p:nvPr/>
+                </p:nvGrpSpPr>
+                <p:grpSpPr bwMode="auto">
+                  <a:xfrm>
+                    <a:off x="3965178" y="3939309"/>
+                    <a:ext cx="2260174" cy="1717964"/>
+                    <a:chOff x="2928" y="2400"/>
+                    <a:chExt cx="1536" cy="1152"/>
+                  </a:xfrm>
+                </p:grpSpPr>
+                <p:sp>
+                  <p:nvSpPr>
+                    <p:cNvPr id="588806" name="Oval 6"/>
+                    <p:cNvSpPr>
+                      <a:spLocks noChangeArrowheads="1"/>
+                    </p:cNvSpPr>
+                    <p:nvPr/>
+                  </p:nvSpPr>
+                  <p:spPr bwMode="auto">
+                    <a:xfrm>
+                      <a:off x="4368" y="2400"/>
+                      <a:ext cx="96" cy="96"/>
+                    </a:xfrm>
+                    <a:prstGeom prst="ellipse">
+                      <a:avLst/>
+                    </a:prstGeom>
+                    <a:solidFill>
+                      <a:srgbClr val="008000"/>
+                    </a:solidFill>
+                    <a:ln w="9525">
+                      <a:solidFill>
+                        <a:schemeClr val="tx1"/>
+                      </a:solidFill>
+                      <a:round/>
+                      <a:headEnd/>
+                      <a:tailEnd type="none" w="lg" len="lg"/>
+                    </a:ln>
+                    <a:effectLst/>
+                  </p:spPr>
+                  <p:txBody>
+                    <a:bodyPr wrap="none" anchor="ctr"/>
+                    <a:lstStyle/>
+                    <a:p>
+                      <a:endParaRPr lang="en-US" sz="3600">
+                        <a:latin typeface="Comic Sans MS" pitchFamily="66" charset="0"/>
+                      </a:endParaRPr>
+                    </a:p>
+                  </p:txBody>
+                </p:sp>
+                <p:cxnSp>
+                  <p:nvCxnSpPr>
+                    <p:cNvPr id="588807" name="AutoShape 7"/>
+                    <p:cNvCxnSpPr>
+                      <a:cxnSpLocks noChangeShapeType="1"/>
+                    </p:cNvCxnSpPr>
+                    <p:nvPr/>
+                  </p:nvCxnSpPr>
+                  <p:spPr bwMode="auto">
+                    <a:xfrm flipH="1">
+                      <a:off x="2928" y="2496"/>
+                      <a:ext cx="1488" cy="1056"/>
+                    </a:xfrm>
+                    <a:prstGeom prst="straightConnector1">
+                      <a:avLst/>
+                    </a:prstGeom>
+                    <a:noFill/>
+                    <a:ln w="25400">
+                      <a:solidFill>
+                        <a:schemeClr val="tx1"/>
+                      </a:solidFill>
+                      <a:round/>
+                      <a:headEnd/>
+                      <a:tailEnd type="none" w="lg" len="lg"/>
+                    </a:ln>
+                    <a:effectLst/>
+                  </p:spPr>
+                </p:cxnSp>
+              </p:grpSp>
+              <p:sp>
+                <p:nvSpPr>
+                  <p:cNvPr id="588808" name="Text Box 8"/>
+                  <p:cNvSpPr txBox="1">
+                    <a:spLocks noChangeArrowheads="1"/>
+                  </p:cNvSpPr>
+                  <p:nvPr/>
+                </p:nvSpPr>
+                <p:spPr bwMode="auto">
+                  <a:xfrm>
+                    <a:off x="6225352" y="3581400"/>
+                    <a:ext cx="1155102" cy="665114"/>
+                  </a:xfrm>
+                  <a:prstGeom prst="rect">
+                    <a:avLst/>
+                  </a:prstGeom>
+                  <a:noFill/>
+                  <a:ln w="9525">
+                    <a:noFill/>
+                    <a:miter lim="800000"/>
+                    <a:headEnd/>
+                    <a:tailEnd type="none" w="lg" len="lg"/>
+                  </a:ln>
+                  <a:effectLst/>
+                </p:spPr>
+                <p:txBody>
+                  <a:bodyPr wrap="none">
+                    <a:spAutoFit/>
+                  </a:bodyPr>
+                  <a:lstStyle/>
+                  <a:p>
+                    <a:pPr algn="l">
+                      <a:spcBef>
+                        <a:spcPct val="0"/>
+                      </a:spcBef>
+                    </a:pPr>
+                    <a:r>
+                      <a:rPr lang="en-US" sz="3600">
+                        <a:latin typeface="Comic Sans MS" pitchFamily="66" charset="0"/>
+                      </a:rPr>
+                      <a:t>{1,2}</a:t>
+                    </a:r>
+                  </a:p>
+                </p:txBody>
+              </p:sp>
+            </p:grpSp>
+            <p:sp>
+              <p:nvSpPr>
+                <p:cNvPr id="588803" name="Oval 3"/>
+                <p:cNvSpPr>
+                  <a:spLocks noChangeArrowheads="1"/>
+                </p:cNvSpPr>
+                <p:nvPr/>
+              </p:nvSpPr>
+              <p:spPr bwMode="auto">
+                <a:xfrm>
+                  <a:off x="3823917" y="5585691"/>
+                  <a:ext cx="141261" cy="143164"/>
+                </a:xfrm>
+                <a:prstGeom prst="ellipse">
+                  <a:avLst/>
+                </a:prstGeom>
+                <a:solidFill>
+                  <a:srgbClr val="008000"/>
+                </a:solidFill>
+                <a:ln w="9525">
+                  <a:solidFill>
+                    <a:schemeClr val="tx1"/>
+                  </a:solidFill>
+                  <a:round/>
+                  <a:headEnd/>
+                  <a:tailEnd type="none" w="lg" len="lg"/>
+                </a:ln>
+                <a:effectLst/>
+              </p:spPr>
+              <p:txBody>
+                <a:bodyPr wrap="none" anchor="ctr"/>
+                <a:lstStyle/>
+                <a:p>
+                  <a:endParaRPr lang="en-US" sz="3600">
+                    <a:latin typeface="Comic Sans MS" pitchFamily="66" charset="0"/>
+                  </a:endParaRPr>
+                </a:p>
+              </p:txBody>
+            </p:sp>
+            <p:grpSp>
+              <p:nvGrpSpPr>
+                <p:cNvPr id="7" name="Group 39"/>
+                <p:cNvGrpSpPr>
+                  <a:grpSpLocks/>
+                </p:cNvGrpSpPr>
+                <p:nvPr/>
+              </p:nvGrpSpPr>
+              <p:grpSpPr bwMode="auto">
+                <a:xfrm>
+                  <a:off x="1022243" y="3652982"/>
+                  <a:ext cx="2801674" cy="2004291"/>
+                  <a:chOff x="928" y="2208"/>
+                  <a:chExt cx="1904" cy="1344"/>
+                </a:xfrm>
+              </p:grpSpPr>
+              <p:sp>
+                <p:nvSpPr>
+                  <p:cNvPr id="588810" name="Oval 10"/>
+                  <p:cNvSpPr>
+                    <a:spLocks noChangeArrowheads="1"/>
+                  </p:cNvSpPr>
+                  <p:nvPr/>
+                </p:nvSpPr>
+                <p:spPr bwMode="auto">
+                  <a:xfrm>
+                    <a:off x="1632" y="2400"/>
+                    <a:ext cx="96" cy="96"/>
+                  </a:xfrm>
+                  <a:prstGeom prst="ellipse">
+                    <a:avLst/>
+                  </a:prstGeom>
+                  <a:solidFill>
+                    <a:srgbClr val="008000"/>
+                  </a:solidFill>
+                  <a:ln w="9525">
+                    <a:solidFill>
+                      <a:schemeClr val="tx1"/>
+                    </a:solidFill>
+                    <a:round/>
+                    <a:headEnd/>
+                    <a:tailEnd type="none" w="lg" len="lg"/>
+                  </a:ln>
+                  <a:effectLst/>
+                </p:spPr>
+                <p:txBody>
+                  <a:bodyPr wrap="none" anchor="ctr"/>
+                  <a:lstStyle/>
+                  <a:p>
+                    <a:endParaRPr lang="en-US" sz="3600">
+                      <a:latin typeface="Comic Sans MS" pitchFamily="66" charset="0"/>
+                    </a:endParaRPr>
+                  </a:p>
+                </p:txBody>
+              </p:sp>
+              <p:cxnSp>
+                <p:nvCxnSpPr>
+                  <p:cNvPr id="588811" name="AutoShape 11"/>
+                  <p:cNvCxnSpPr>
+                    <a:cxnSpLocks noChangeShapeType="1"/>
+                    <a:stCxn id="588810" idx="7"/>
+                    <a:endCxn id="588803" idx="2"/>
+                  </p:cNvCxnSpPr>
+                  <p:nvPr/>
+                </p:nvCxnSpPr>
+                <p:spPr bwMode="auto">
+                  <a:xfrm>
+                    <a:off x="1714" y="2414"/>
+                    <a:ext cx="1118" cy="1138"/>
+                  </a:xfrm>
+                  <a:prstGeom prst="straightConnector1">
+                    <a:avLst/>
+                  </a:prstGeom>
+                  <a:noFill/>
+                  <a:ln w="25400">
+                    <a:solidFill>
+                      <a:schemeClr val="tx1"/>
+                    </a:solidFill>
+                    <a:round/>
+                    <a:headEnd/>
+                    <a:tailEnd type="none" w="lg" len="lg"/>
+                  </a:ln>
+                  <a:effectLst/>
+                </p:spPr>
+              </p:cxnSp>
+              <p:sp>
+                <p:nvSpPr>
+                  <p:cNvPr id="588812" name="Text Box 12"/>
+                  <p:cNvSpPr txBox="1">
+                    <a:spLocks noChangeArrowheads="1"/>
+                  </p:cNvSpPr>
+                  <p:nvPr/>
+                </p:nvSpPr>
+                <p:spPr bwMode="auto">
+                  <a:xfrm>
+                    <a:off x="928" y="2208"/>
+                    <a:ext cx="785" cy="446"/>
+                  </a:xfrm>
+                  <a:prstGeom prst="rect">
+                    <a:avLst/>
+                  </a:prstGeom>
+                  <a:noFill/>
+                  <a:ln w="9525">
+                    <a:noFill/>
+                    <a:miter lim="800000"/>
+                    <a:headEnd/>
+                    <a:tailEnd type="none" w="lg" len="lg"/>
+                  </a:ln>
+                  <a:effectLst/>
+                </p:spPr>
+                <p:txBody>
+                  <a:bodyPr wrap="none">
+                    <a:spAutoFit/>
+                  </a:bodyPr>
+                  <a:lstStyle/>
+                  <a:p>
+                    <a:pPr algn="l">
+                      <a:spcBef>
+                        <a:spcPct val="0"/>
+                      </a:spcBef>
+                    </a:pPr>
+                    <a:r>
+                      <a:rPr lang="en-US" sz="3600">
+                        <a:latin typeface="Comic Sans MS" pitchFamily="66" charset="0"/>
+                      </a:rPr>
+                      <a:t>{1,3}</a:t>
+                    </a:r>
+                  </a:p>
+                </p:txBody>
+              </p:sp>
+            </p:grpSp>
+            <p:grpSp>
+              <p:nvGrpSpPr>
+                <p:cNvPr id="8" name="Group 40"/>
+                <p:cNvGrpSpPr>
+                  <a:grpSpLocks/>
+                </p:cNvGrpSpPr>
+                <p:nvPr/>
+              </p:nvGrpSpPr>
+              <p:grpSpPr bwMode="auto">
+                <a:xfrm>
+                  <a:off x="3823918" y="3652982"/>
+                  <a:ext cx="1225733" cy="1953587"/>
+                  <a:chOff x="2832" y="2208"/>
+                  <a:chExt cx="833" cy="1310"/>
+                </a:xfrm>
+              </p:grpSpPr>
+              <p:sp>
+                <p:nvSpPr>
+                  <p:cNvPr id="588815" name="Oval 15"/>
+                  <p:cNvSpPr>
+                    <a:spLocks noChangeArrowheads="1"/>
+                  </p:cNvSpPr>
+                  <p:nvPr/>
+                </p:nvSpPr>
+                <p:spPr bwMode="auto">
+                  <a:xfrm>
+                    <a:off x="2832" y="2400"/>
+                    <a:ext cx="96" cy="96"/>
+                  </a:xfrm>
+                  <a:prstGeom prst="ellipse">
+                    <a:avLst/>
+                  </a:prstGeom>
+                  <a:solidFill>
+                    <a:srgbClr val="008000"/>
+                  </a:solidFill>
+                  <a:ln w="9525">
+                    <a:solidFill>
+                      <a:schemeClr val="tx1"/>
+                    </a:solidFill>
+                    <a:round/>
+                    <a:headEnd/>
+                    <a:tailEnd type="none" w="lg" len="lg"/>
+                  </a:ln>
+                  <a:effectLst/>
+                </p:spPr>
+                <p:txBody>
+                  <a:bodyPr wrap="none" anchor="ctr"/>
+                  <a:lstStyle/>
+                  <a:p>
+                    <a:endParaRPr lang="en-US" sz="3600">
+                      <a:latin typeface="Comic Sans MS" pitchFamily="66" charset="0"/>
+                    </a:endParaRPr>
+                  </a:p>
+                </p:txBody>
+              </p:sp>
+              <p:cxnSp>
+                <p:nvCxnSpPr>
+                  <p:cNvPr id="588816" name="AutoShape 16"/>
+                  <p:cNvCxnSpPr>
+                    <a:cxnSpLocks noChangeShapeType="1"/>
+                    <a:stCxn id="588815" idx="4"/>
+                    <a:endCxn id="588803" idx="7"/>
+                  </p:cNvCxnSpPr>
+                  <p:nvPr/>
+                </p:nvCxnSpPr>
+                <p:spPr bwMode="auto">
+                  <a:xfrm>
+                    <a:off x="2880" y="2496"/>
+                    <a:ext cx="34" cy="1022"/>
+                  </a:xfrm>
+                  <a:prstGeom prst="straightConnector1">
+                    <a:avLst/>
+                  </a:prstGeom>
+                  <a:noFill/>
+                  <a:ln w="25400">
+                    <a:solidFill>
+                      <a:schemeClr val="tx1"/>
+                    </a:solidFill>
+                    <a:round/>
+                    <a:headEnd/>
+                    <a:tailEnd type="none" w="lg" len="lg"/>
+                  </a:ln>
+                  <a:effectLst/>
+                </p:spPr>
+              </p:cxnSp>
+              <p:sp>
+                <p:nvSpPr>
+                  <p:cNvPr id="588817" name="Text Box 17"/>
+                  <p:cNvSpPr txBox="1">
+                    <a:spLocks noChangeArrowheads="1"/>
+                  </p:cNvSpPr>
+                  <p:nvPr/>
+                </p:nvSpPr>
+                <p:spPr bwMode="auto">
+                  <a:xfrm>
+                    <a:off x="2880" y="2208"/>
+                    <a:ext cx="785" cy="446"/>
+                  </a:xfrm>
+                  <a:prstGeom prst="rect">
+                    <a:avLst/>
+                  </a:prstGeom>
+                  <a:noFill/>
+                  <a:ln w="9525">
+                    <a:noFill/>
+                    <a:miter lim="800000"/>
+                    <a:headEnd/>
+                    <a:tailEnd type="none" w="lg" len="lg"/>
+                  </a:ln>
+                  <a:effectLst/>
+                </p:spPr>
+                <p:txBody>
+                  <a:bodyPr wrap="none">
+                    <a:spAutoFit/>
+                  </a:bodyPr>
+                  <a:lstStyle/>
+                  <a:p>
+                    <a:pPr algn="l">
+                      <a:spcBef>
+                        <a:spcPct val="0"/>
+                      </a:spcBef>
+                    </a:pPr>
+                    <a:r>
+                      <a:rPr lang="en-US" sz="3600">
+                        <a:latin typeface="Comic Sans MS" pitchFamily="66" charset="0"/>
+                      </a:rPr>
+                      <a:t>{1,5}</a:t>
+                    </a:r>
+                  </a:p>
+                </p:txBody>
+              </p:sp>
+            </p:grpSp>
+            <p:sp>
+              <p:nvSpPr>
+                <p:cNvPr id="588825" name="Oval 25"/>
+                <p:cNvSpPr>
+                  <a:spLocks noChangeArrowheads="1"/>
+                </p:cNvSpPr>
+                <p:nvPr/>
+              </p:nvSpPr>
+              <p:spPr bwMode="auto">
+                <a:xfrm>
+                  <a:off x="2623199" y="2507673"/>
+                  <a:ext cx="141261" cy="143164"/>
+                </a:xfrm>
+                <a:prstGeom prst="ellipse">
+                  <a:avLst/>
+                </a:prstGeom>
+                <a:solidFill>
+                  <a:srgbClr val="008000"/>
+                </a:solidFill>
+                <a:ln w="9525">
+                  <a:solidFill>
+                    <a:schemeClr val="tx1"/>
+                  </a:solidFill>
+                  <a:round/>
+                  <a:headEnd/>
+                  <a:tailEnd type="none" w="lg" len="lg"/>
+                </a:ln>
+                <a:effectLst/>
+              </p:spPr>
+              <p:txBody>
+                <a:bodyPr wrap="none" anchor="ctr"/>
+                <a:lstStyle/>
+                <a:p>
+                  <a:endParaRPr lang="en-US" sz="3600">
+                    <a:latin typeface="Comic Sans MS" pitchFamily="66" charset="0"/>
+                  </a:endParaRPr>
+                </a:p>
+              </p:txBody>
+            </p:sp>
+            <p:cxnSp>
+              <p:nvCxnSpPr>
+                <p:cNvPr id="588827" name="AutoShape 27"/>
+                <p:cNvCxnSpPr>
+                  <a:cxnSpLocks noChangeShapeType="1"/>
+                  <a:stCxn id="588825" idx="5"/>
+                  <a:endCxn id="588810" idx="7"/>
+                </p:cNvCxnSpPr>
+                <p:nvPr/>
+              </p:nvCxnSpPr>
+              <p:spPr bwMode="auto">
+                <a:xfrm flipH="1">
+                  <a:off x="2178816" y="2629959"/>
+                  <a:ext cx="565043" cy="1330229"/>
+                </a:xfrm>
+                <a:prstGeom prst="straightConnector1">
+                  <a:avLst/>
+                </a:prstGeom>
+                <a:noFill/>
+                <a:ln w="25400">
+                  <a:solidFill>
+                    <a:schemeClr val="tx1"/>
+                  </a:solidFill>
+                  <a:round/>
+                  <a:headEnd/>
+                  <a:tailEnd type="none" w="lg" len="lg"/>
+                </a:ln>
+                <a:effectLst/>
+              </p:spPr>
+            </p:cxnSp>
+            <p:cxnSp>
+              <p:nvCxnSpPr>
+                <p:cNvPr id="588828" name="AutoShape 28"/>
+                <p:cNvCxnSpPr>
+                  <a:cxnSpLocks noChangeShapeType="1"/>
+                  <a:stCxn id="588825" idx="6"/>
+                  <a:endCxn id="588815" idx="2"/>
+                </p:cNvCxnSpPr>
+                <p:nvPr/>
+              </p:nvCxnSpPr>
+              <p:spPr bwMode="auto">
+                <a:xfrm>
+                  <a:off x="2764460" y="2579255"/>
+                  <a:ext cx="1059456" cy="1431636"/>
+                </a:xfrm>
+                <a:prstGeom prst="straightConnector1">
+                  <a:avLst/>
+                </a:prstGeom>
+                <a:noFill/>
+                <a:ln w="25400">
+                  <a:solidFill>
+                    <a:schemeClr val="tx1"/>
+                  </a:solidFill>
+                  <a:round/>
+                  <a:headEnd/>
+                  <a:tailEnd type="none" w="lg" len="lg"/>
+                </a:ln>
+                <a:effectLst/>
+              </p:spPr>
+            </p:cxnSp>
+            <p:grpSp>
+              <p:nvGrpSpPr>
+                <p:cNvPr id="9" name="Group 45"/>
+                <p:cNvGrpSpPr>
+                  <a:grpSpLocks/>
+                </p:cNvGrpSpPr>
+                <p:nvPr/>
+              </p:nvGrpSpPr>
+              <p:grpSpPr bwMode="auto">
+                <a:xfrm>
+                  <a:off x="3894547" y="2191521"/>
+                  <a:ext cx="3543293" cy="1794020"/>
+                  <a:chOff x="2880" y="1228"/>
+                  <a:chExt cx="2408" cy="1203"/>
+                </a:xfrm>
+              </p:grpSpPr>
+              <p:sp>
+                <p:nvSpPr>
+                  <p:cNvPr id="588821" name="Text Box 21"/>
+                  <p:cNvSpPr txBox="1">
+                    <a:spLocks noChangeArrowheads="1"/>
+                  </p:cNvSpPr>
+                  <p:nvPr/>
+                </p:nvSpPr>
+                <p:spPr bwMode="auto">
+                  <a:xfrm>
+                    <a:off x="3784" y="1228"/>
+                    <a:ext cx="1504" cy="446"/>
+                  </a:xfrm>
+                  <a:prstGeom prst="rect">
+                    <a:avLst/>
+                  </a:prstGeom>
+                  <a:noFill/>
+                  <a:ln w="9525">
+                    <a:noFill/>
+                    <a:miter lim="800000"/>
+                    <a:headEnd/>
+                    <a:tailEnd type="none" w="lg" len="lg"/>
+                  </a:ln>
+                  <a:effectLst/>
+                </p:spPr>
+                <p:txBody>
+                  <a:bodyPr wrap="none">
+                    <a:spAutoFit/>
+                  </a:bodyPr>
+                  <a:lstStyle/>
+                  <a:p>
+                    <a:pPr algn="l">
+                      <a:spcBef>
+                        <a:spcPct val="0"/>
+                      </a:spcBef>
+                    </a:pPr>
+                    <a:r>
+                      <a:rPr lang="en-US" sz="3600" dirty="0">
+                        <a:latin typeface="Comic Sans MS" pitchFamily="66" charset="0"/>
+                      </a:rPr>
+                      <a:t>{1,2,5,10}</a:t>
+                    </a:r>
+                  </a:p>
+                </p:txBody>
+              </p:sp>
+              <p:cxnSp>
+                <p:nvCxnSpPr>
+                  <p:cNvPr id="588823" name="AutoShape 23"/>
+                  <p:cNvCxnSpPr>
+                    <a:cxnSpLocks noChangeShapeType="1"/>
+                    <a:stCxn id="588806" idx="1"/>
+                  </p:cNvCxnSpPr>
+                  <p:nvPr/>
+                </p:nvCxnSpPr>
+                <p:spPr bwMode="auto">
+                  <a:xfrm flipH="1" flipV="1">
+                    <a:off x="3696" y="1536"/>
+                    <a:ext cx="686" cy="878"/>
+                  </a:xfrm>
+                  <a:prstGeom prst="straightConnector1">
+                    <a:avLst/>
+                  </a:prstGeom>
+                  <a:noFill/>
+                  <a:ln w="25400">
+                    <a:solidFill>
+                      <a:schemeClr val="tx1"/>
+                    </a:solidFill>
+                    <a:round/>
+                    <a:headEnd/>
+                    <a:tailEnd type="none" w="lg" len="lg"/>
+                  </a:ln>
+                  <a:effectLst/>
+                </p:spPr>
+              </p:cxnSp>
+              <p:sp>
+                <p:nvSpPr>
+                  <p:cNvPr id="588843" name="Oval 43"/>
+                  <p:cNvSpPr>
+                    <a:spLocks noChangeArrowheads="1"/>
+                  </p:cNvSpPr>
+                  <p:nvPr/>
+                </p:nvSpPr>
+                <p:spPr bwMode="auto">
+                  <a:xfrm>
+                    <a:off x="3600" y="1440"/>
+                    <a:ext cx="96" cy="96"/>
+                  </a:xfrm>
+                  <a:prstGeom prst="ellipse">
+                    <a:avLst/>
+                  </a:prstGeom>
+                  <a:solidFill>
+                    <a:srgbClr val="008000"/>
+                  </a:solidFill>
+                  <a:ln w="9525">
+                    <a:solidFill>
+                      <a:schemeClr val="tx1"/>
+                    </a:solidFill>
+                    <a:round/>
+                    <a:headEnd/>
+                    <a:tailEnd type="none" w="lg" len="lg"/>
+                  </a:ln>
+                  <a:effectLst/>
+                </p:spPr>
+                <p:txBody>
+                  <a:bodyPr wrap="none" anchor="ctr"/>
+                  <a:lstStyle/>
+                  <a:p>
+                    <a:endParaRPr lang="en-US" sz="3600">
+                      <a:latin typeface="Comic Sans MS" pitchFamily="66" charset="0"/>
+                    </a:endParaRPr>
+                  </a:p>
+                </p:txBody>
+              </p:sp>
+              <p:cxnSp>
+                <p:nvCxnSpPr>
+                  <p:cNvPr id="588844" name="AutoShape 44"/>
+                  <p:cNvCxnSpPr>
+                    <a:cxnSpLocks noChangeShapeType="1"/>
+                    <a:stCxn id="588817" idx="1"/>
+                    <a:endCxn id="588843" idx="3"/>
+                  </p:cNvCxnSpPr>
+                  <p:nvPr/>
+                </p:nvCxnSpPr>
+                <p:spPr bwMode="auto">
+                  <a:xfrm rot="10800000" flipH="1">
+                    <a:off x="2880" y="1522"/>
+                    <a:ext cx="734" cy="909"/>
+                  </a:xfrm>
+                  <a:prstGeom prst="straightConnector1">
+                    <a:avLst/>
+                  </a:prstGeom>
+                  <a:noFill/>
+                  <a:ln w="25400">
+                    <a:solidFill>
+                      <a:schemeClr val="tx1"/>
+                    </a:solidFill>
+                    <a:round/>
+                    <a:headEnd/>
+                    <a:tailEnd/>
+                  </a:ln>
+                  <a:effectLst/>
+                </p:spPr>
+              </p:cxnSp>
+            </p:grpSp>
+          </p:grpSp>
+          <p:grpSp>
+            <p:nvGrpSpPr>
+              <p:cNvPr id="10" name="Group 50"/>
+              <p:cNvGrpSpPr>
+                <a:grpSpLocks/>
+              </p:cNvGrpSpPr>
+              <p:nvPr/>
+            </p:nvGrpSpPr>
+            <p:grpSpPr bwMode="auto">
+              <a:xfrm>
+                <a:off x="2693830" y="1219200"/>
+                <a:ext cx="5916770" cy="1360055"/>
+                <a:chOff x="1568" y="672"/>
+                <a:chExt cx="4021" cy="912"/>
+              </a:xfrm>
+            </p:grpSpPr>
+            <p:grpSp>
+              <p:nvGrpSpPr>
+                <p:cNvPr id="11" name="Group 47"/>
+                <p:cNvGrpSpPr>
+                  <a:grpSpLocks/>
+                </p:cNvGrpSpPr>
+                <p:nvPr/>
+              </p:nvGrpSpPr>
+              <p:grpSpPr bwMode="auto">
+                <a:xfrm>
+                  <a:off x="1568" y="864"/>
+                  <a:ext cx="1550" cy="720"/>
+                  <a:chOff x="2064" y="768"/>
+                  <a:chExt cx="1550" cy="720"/>
+                </a:xfrm>
+              </p:grpSpPr>
+              <p:sp>
+                <p:nvSpPr>
+                  <p:cNvPr id="588820" name="Oval 20"/>
+                  <p:cNvSpPr>
+                    <a:spLocks noChangeArrowheads="1"/>
+                  </p:cNvSpPr>
+                  <p:nvPr/>
+                </p:nvSpPr>
+                <p:spPr bwMode="auto">
+                  <a:xfrm>
+                    <a:off x="3168" y="768"/>
+                    <a:ext cx="96" cy="96"/>
+                  </a:xfrm>
+                  <a:prstGeom prst="ellipse">
+                    <a:avLst/>
+                  </a:prstGeom>
+                  <a:solidFill>
+                    <a:srgbClr val="008000"/>
+                  </a:solidFill>
+                  <a:ln w="9525">
+                    <a:solidFill>
+                      <a:schemeClr val="tx1"/>
+                    </a:solidFill>
+                    <a:round/>
+                    <a:headEnd/>
+                    <a:tailEnd type="none" w="lg" len="lg"/>
+                  </a:ln>
+                  <a:effectLst/>
+                </p:spPr>
+                <p:txBody>
+                  <a:bodyPr wrap="none" anchor="ctr"/>
+                  <a:lstStyle/>
+                  <a:p>
+                    <a:endParaRPr lang="en-US" sz="3600">
+                      <a:latin typeface="Comic Sans MS" pitchFamily="66" charset="0"/>
+                    </a:endParaRPr>
+                  </a:p>
+                </p:txBody>
+              </p:sp>
+              <p:cxnSp>
+                <p:nvCxnSpPr>
+                  <p:cNvPr id="588830" name="AutoShape 30"/>
+                  <p:cNvCxnSpPr>
+                    <a:cxnSpLocks noChangeShapeType="1"/>
+                    <a:stCxn id="588825" idx="6"/>
+                    <a:endCxn id="588820" idx="2"/>
+                  </p:cNvCxnSpPr>
+                  <p:nvPr/>
+                </p:nvCxnSpPr>
+                <p:spPr bwMode="auto">
+                  <a:xfrm flipV="1">
+                    <a:off x="2064" y="816"/>
+                    <a:ext cx="1104" cy="672"/>
+                  </a:xfrm>
+                  <a:prstGeom prst="straightConnector1">
+                    <a:avLst/>
+                  </a:prstGeom>
+                  <a:noFill/>
+                  <a:ln w="25400">
+                    <a:solidFill>
+                      <a:schemeClr val="tx1"/>
+                    </a:solidFill>
+                    <a:round/>
+                    <a:headEnd/>
+                    <a:tailEnd/>
+                  </a:ln>
+                  <a:effectLst/>
+                </p:spPr>
+              </p:cxnSp>
+              <p:cxnSp>
+                <p:nvCxnSpPr>
+                  <p:cNvPr id="588846" name="AutoShape 46"/>
+                  <p:cNvCxnSpPr>
+                    <a:cxnSpLocks noChangeShapeType="1"/>
+                    <a:stCxn id="588820" idx="5"/>
+                    <a:endCxn id="588843" idx="1"/>
+                  </p:cNvCxnSpPr>
+                  <p:nvPr/>
+                </p:nvCxnSpPr>
+                <p:spPr bwMode="auto">
+                  <a:xfrm>
+                    <a:off x="3250" y="850"/>
+                    <a:ext cx="364" cy="604"/>
+                  </a:xfrm>
+                  <a:prstGeom prst="straightConnector1">
+                    <a:avLst/>
+                  </a:prstGeom>
+                  <a:noFill/>
+                  <a:ln w="25400">
+                    <a:solidFill>
+                      <a:schemeClr val="tx1"/>
+                    </a:solidFill>
+                    <a:round/>
+                    <a:headEnd/>
+                    <a:tailEnd/>
+                  </a:ln>
+                  <a:effectLst/>
+                </p:spPr>
+              </p:cxnSp>
+            </p:grpSp>
+            <p:sp>
+              <p:nvSpPr>
+                <p:cNvPr id="588848" name="Text Box 48"/>
+                <p:cNvSpPr txBox="1">
+                  <a:spLocks noChangeArrowheads="1"/>
+                </p:cNvSpPr>
+                <p:nvPr/>
+              </p:nvSpPr>
+              <p:spPr bwMode="auto">
+                <a:xfrm>
+                  <a:off x="2592" y="672"/>
+                  <a:ext cx="2997" cy="446"/>
+                </a:xfrm>
+                <a:prstGeom prst="rect">
+                  <a:avLst/>
+                </a:prstGeom>
+                <a:noFill/>
+                <a:ln w="9525" algn="ctr">
+                  <a:noFill/>
+                  <a:miter lim="800000"/>
+                  <a:headEnd/>
+                  <a:tailEnd/>
+                </a:ln>
+                <a:effectLst/>
+              </p:spPr>
+              <p:txBody>
+                <a:bodyPr wrap="none">
+                  <a:spAutoFit/>
+                </a:bodyPr>
+                <a:lstStyle/>
+                <a:p>
+                  <a:pPr marL="742950" indent="-285750" algn="l"/>
+                  <a:r>
+                    <a:rPr lang="en-US" sz="3600" dirty="0">
+                      <a:latin typeface="Comic Sans MS" pitchFamily="66" charset="0"/>
+                    </a:rPr>
+                    <a:t>{1,2,3,5,10,15,30}</a:t>
+                  </a:r>
+                </a:p>
+              </p:txBody>
+            </p:sp>
+          </p:grpSp>
+        </p:grpSp>
+      </p:grpSp>
       <p:sp>
         <p:nvSpPr>
-          <p:cNvPr id="34819" name="Rectangle 2"/>
-          <p:cNvSpPr>
-            <a:spLocks noGrp="1" noChangeArrowheads="1"/>
+          <p:cNvPr id="37" name="Rectangle 2"/>
+          <p:cNvSpPr txBox="1">
+            <a:spLocks noChangeArrowheads="1"/>
           </p:cNvSpPr>
-          <p:nvPr>
-            <p:ph type="title"/>
-          </p:nvPr>
-        </p:nvSpPr>
-        <p:spPr/>
-        <p:txBody>
-          <a:bodyPr/>
-          <a:lstStyle/>
-          <a:p>
-            <a:r>
-              <a:rPr lang="en-US" sz="4800" dirty="0" smtClean="0"/>
-              <a:t>Team Problems</a:t>
-            </a:r>
-          </a:p>
-        </p:txBody>
-      </p:sp>
-      <p:sp>
-        <p:nvSpPr>
-          <p:cNvPr id="34820" name="Rectangle 3"/>
-          <p:cNvSpPr>
-            <a:spLocks noGrp="1" noChangeArrowheads="1"/>
-          </p:cNvSpPr>
-          <p:nvPr>
-            <p:ph type="body" idx="1"/>
-          </p:nvPr>
+          <p:nvPr/>
         </p:nvSpPr>
         <p:spPr>
           <a:xfrm>
-            <a:off x="502510" y="1479035"/>
-            <a:ext cx="8130746" cy="3900272"/>
+            <a:off x="1524000" y="381000"/>
+            <a:ext cx="7086600" cy="1219200"/>
           </a:xfrm>
+          <a:prstGeom prst="rect">
+            <a:avLst/>
+          </a:prstGeom>
+          <a:noFill/>
         </p:spPr>
         <p:txBody>
-          <a:bodyPr/>
+          <a:bodyPr vert="horz" lIns="91440" tIns="45720" rIns="91440" bIns="45720" rtlCol="0" anchor="ctr">
+            <a:noAutofit/>
+          </a:bodyPr>
           <a:lstStyle/>
           <a:p>
-            <a:pPr algn="ctr">
+            <a:pPr lvl="0">
               <a:spcBef>
-                <a:spcPts val="1200"/>
+                <a:spcPct val="0"/>
               </a:spcBef>
-              <a:buFontTx/>
-              <a:buNone/>
             </a:pPr>
             <a:r>
-              <a:rPr lang="en-US" sz="11500" dirty="0" smtClean="0"/>
-              <a:t>Problems</a:t>
-            </a:r>
-          </a:p>
-          <a:p>
-            <a:pPr algn="ctr">
-              <a:spcBef>
-                <a:spcPts val="1200"/>
-              </a:spcBef>
-              <a:buFontTx/>
-              <a:buNone/>
-            </a:pPr>
-            <a:r>
-              <a:rPr lang="en-US" sz="11500" dirty="0" smtClean="0">
+              <a:rPr kumimoji="0" lang="en-US" sz="4800" b="1" u="none" strike="noStrike" kern="1200" cap="none" spc="0" normalizeH="0" baseline="0" noProof="0" dirty="0" smtClean="0">
+                <a:ln>
+                  <a:noFill/>
+                </a:ln>
+                <a:solidFill>
+                  <a:srgbClr val="0033CC"/>
+                </a:solidFill>
+                <a:effectLst/>
+                <a:uLnTx/>
+                <a:uFillTx/>
+                <a:latin typeface="Comic Sans MS" pitchFamily="66" charset="0"/>
+                <a:ea typeface="+mj-ea"/>
+                <a:cs typeface="+mj-cs"/>
+              </a:rPr>
+              <a:t>proper</a:t>
+            </a:r>
+            <a:r>
+              <a:rPr kumimoji="0" lang="en-US" sz="4800" b="1" i="0" u="none" strike="noStrike" kern="1200" cap="none" spc="0" normalizeH="0" baseline="0" noProof="0" dirty="0" smtClean="0">
+                <a:ln>
+                  <a:noFill/>
+                </a:ln>
+                <a:solidFill>
+                  <a:srgbClr val="0033CC"/>
+                </a:solidFill>
+                <a:effectLst/>
+                <a:uLnTx/>
+                <a:uFillTx/>
+                <a:latin typeface="Comic Sans MS" pitchFamily="66" charset="0"/>
+                <a:ea typeface="+mj-ea"/>
+                <a:cs typeface="+mj-cs"/>
+              </a:rPr>
+              <a:t> subset</a:t>
+            </a:r>
+            <a:r>
+              <a:rPr kumimoji="0" lang="en-US" sz="4800" b="1" i="0" u="none" strike="noStrike" kern="1200" cap="none" spc="0" normalizeH="0" baseline="0" noProof="0" dirty="0" smtClean="0">
+                <a:ln>
+                  <a:noFill/>
+                </a:ln>
+                <a:solidFill>
+                  <a:schemeClr val="tx1"/>
+                </a:solidFill>
+                <a:effectLst/>
+                <a:uLnTx/>
+                <a:uFillTx/>
+                <a:latin typeface="Comic Sans MS" pitchFamily="66" charset="0"/>
+                <a:ea typeface="+mj-ea"/>
+                <a:cs typeface="+mj-cs"/>
+              </a:rPr>
+              <a:t> </a:t>
+            </a:r>
+            <a:r>
+              <a:rPr lang="en-US" sz="4800" b="1" dirty="0" smtClean="0">
+                <a:latin typeface="Comic Sans MS" pitchFamily="66" charset="0"/>
                 <a:sym typeface="Euclid Symbol"/>
               </a:rPr>
-              <a:t>1−4</a:t>
-            </a:r>
-            <a:endParaRPr lang="en-US" sz="12700" dirty="0" smtClean="0"/>
+              <a:t>relation</a:t>
+            </a:r>
+            <a:endParaRPr kumimoji="0" lang="en-US" sz="4800" b="1" i="0" u="none" strike="noStrike" kern="1200" cap="none" spc="0" normalizeH="0" baseline="0" noProof="0" dirty="0">
+              <a:ln>
+                <a:noFill/>
+              </a:ln>
+              <a:effectLst/>
+              <a:uLnTx/>
+              <a:uFillTx/>
+              <a:latin typeface="Comic Sans MS" pitchFamily="66" charset="0"/>
+              <a:ea typeface="+mj-ea"/>
+              <a:cs typeface="+mj-cs"/>
+            </a:endParaRPr>
           </a:p>
         </p:txBody>
       </p:sp>
@@ -21634,291 +23886,6 @@
   <p:transition xmlns:p14="http://schemas.microsoft.com/office/powerpoint/2010/main">
     <p:fade thruBlk="1"/>
   </p:transition>
-  <p:timing>
-    <p:tnLst>
-      <p:par>
-        <p:cTn xmlns:p14="http://schemas.microsoft.com/office/powerpoint/2010/main" id="1" dur="indefinite" restart="never" nodeType="tmRoot"/>
-      </p:par>
-    </p:tnLst>
-  </p:timing>
-</p:sld>
-</file>
-
-<file path=ppt/slides/slide37.xml><?xml version="1.0" encoding="utf-8"?>
-<p:sld xmlns:a="http://schemas.openxmlformats.org/drawingml/2006/main" xmlns:r="http://schemas.openxmlformats.org/officeDocument/2006/relationships" xmlns:p="http://schemas.openxmlformats.org/presentationml/2006/main" show="0">
-  <p:cSld>
-    <p:spTree>
-      <p:nvGrpSpPr>
-        <p:cNvPr id="1" name=""/>
-        <p:cNvGrpSpPr/>
-        <p:nvPr/>
-      </p:nvGrpSpPr>
-      <p:grpSpPr>
-        <a:xfrm>
-          <a:off x="0" y="0"/>
-          <a:ext cx="0" cy="0"/>
-          <a:chOff x="0" y="0"/>
-          <a:chExt cx="0" cy="0"/>
-        </a:xfrm>
-      </p:grpSpPr>
-      <p:sp>
-        <p:nvSpPr>
-          <p:cNvPr id="559106" name="Rectangle 2"/>
-          <p:cNvSpPr>
-            <a:spLocks noGrp="1" noChangeArrowheads="1"/>
-          </p:cNvSpPr>
-          <p:nvPr>
-            <p:ph type="title"/>
-          </p:nvPr>
-        </p:nvSpPr>
-        <p:spPr/>
-        <p:txBody>
-          <a:bodyPr>
-            <a:normAutofit/>
-          </a:bodyPr>
-          <a:lstStyle/>
-          <a:p>
-            <a:r>
-              <a:rPr lang="en-US" sz="4000" dirty="0" smtClean="0">
-                <a:solidFill>
-                  <a:srgbClr val="7030A0"/>
-                </a:solidFill>
-              </a:rPr>
-              <a:t>total </a:t>
-            </a:r>
-            <a:r>
-              <a:rPr lang="en-US" sz="4000" dirty="0">
-                <a:solidFill>
-                  <a:srgbClr val="7030A0"/>
-                </a:solidFill>
-              </a:rPr>
-              <a:t>o</a:t>
-            </a:r>
-            <a:r>
-              <a:rPr lang="en-US" sz="4000" dirty="0" smtClean="0">
-                <a:solidFill>
-                  <a:srgbClr val="7030A0"/>
-                </a:solidFill>
-              </a:rPr>
-              <a:t>rders</a:t>
-            </a:r>
-            <a:endParaRPr lang="en-US" sz="4000" dirty="0">
-              <a:solidFill>
-                <a:srgbClr val="7030A0"/>
-              </a:solidFill>
-            </a:endParaRPr>
-          </a:p>
-        </p:txBody>
-      </p:sp>
-      <p:sp>
-        <p:nvSpPr>
-          <p:cNvPr id="559107" name="Rectangle 3"/>
-          <p:cNvSpPr>
-            <a:spLocks noGrp="1" noChangeArrowheads="1"/>
-          </p:cNvSpPr>
-          <p:nvPr>
-            <p:ph type="body" idx="1"/>
-          </p:nvPr>
-        </p:nvSpPr>
-        <p:spPr>
-          <a:xfrm>
-            <a:off x="537252" y="1676400"/>
-            <a:ext cx="8069495" cy="2571974"/>
-          </a:xfrm>
-        </p:spPr>
-        <p:txBody>
-          <a:bodyPr>
-            <a:noAutofit/>
-          </a:bodyPr>
-          <a:lstStyle/>
-          <a:p>
-            <a:pPr>
-              <a:lnSpc>
-                <a:spcPct val="90000"/>
-              </a:lnSpc>
-            </a:pPr>
-            <a:r>
-              <a:rPr lang="en-US" sz="4800" dirty="0">
-                <a:cs typeface="Times New Roman" pitchFamily="18" charset="0"/>
-              </a:rPr>
-              <a:t> </a:t>
-            </a:r>
-            <a:r>
-              <a:rPr lang="en-US" sz="5400" b="1" dirty="0" smtClean="0">
-                <a:solidFill>
-                  <a:srgbClr val="0033CC"/>
-                </a:solidFill>
-                <a:latin typeface="Symbol" pitchFamily="18" charset="2"/>
-                <a:cs typeface="Times New Roman" pitchFamily="18" charset="0"/>
-              </a:rPr>
-              <a:t>&lt;</a:t>
-            </a:r>
-            <a:r>
-              <a:rPr lang="en-US" sz="5400" dirty="0" smtClean="0">
-                <a:cs typeface="Times New Roman" pitchFamily="18" charset="0"/>
-              </a:rPr>
-              <a:t>  on </a:t>
-            </a:r>
-            <a:r>
-              <a:rPr lang="en-US" sz="5400" dirty="0">
-                <a:cs typeface="Times New Roman" pitchFamily="18" charset="0"/>
-              </a:rPr>
-              <a:t>the </a:t>
-            </a:r>
-            <a:r>
-              <a:rPr lang="en-US" sz="5400" dirty="0" err="1" smtClean="0">
-                <a:cs typeface="Times New Roman" pitchFamily="18" charset="0"/>
-              </a:rPr>
-              <a:t>Reals</a:t>
-            </a:r>
-            <a:endParaRPr lang="en-US" sz="5400" dirty="0" smtClean="0">
-              <a:cs typeface="Times New Roman" pitchFamily="18" charset="0"/>
-            </a:endParaRPr>
-          </a:p>
-          <a:p>
-            <a:pPr>
-              <a:lnSpc>
-                <a:spcPct val="90000"/>
-              </a:lnSpc>
-            </a:pPr>
-            <a:r>
-              <a:rPr lang="en-US" sz="5400" i="1" dirty="0" smtClean="0">
-                <a:cs typeface="Times New Roman" pitchFamily="18" charset="0"/>
-                <a:sym typeface="Symbol" pitchFamily="18" charset="2"/>
-              </a:rPr>
-              <a:t>“</a:t>
-            </a:r>
-            <a:r>
-              <a:rPr lang="en-US" sz="5400" i="1" dirty="0" smtClean="0">
-                <a:solidFill>
-                  <a:srgbClr val="0033CC"/>
-                </a:solidFill>
-                <a:cs typeface="Times New Roman" pitchFamily="18" charset="0"/>
-                <a:sym typeface="Symbol" pitchFamily="18" charset="2"/>
-              </a:rPr>
-              <a:t>ranks below</a:t>
-            </a:r>
-            <a:r>
-              <a:rPr lang="en-US" sz="5400" i="1" dirty="0" smtClean="0">
-                <a:cs typeface="Times New Roman" pitchFamily="18" charset="0"/>
-                <a:sym typeface="Symbol" pitchFamily="18" charset="2"/>
-              </a:rPr>
-              <a:t>” </a:t>
-            </a:r>
-            <a:r>
-              <a:rPr lang="en-US" sz="5400" i="1" dirty="0" smtClean="0">
-                <a:solidFill>
-                  <a:srgbClr val="0070C0"/>
-                </a:solidFill>
-                <a:cs typeface="Times New Roman" pitchFamily="18" charset="0"/>
-                <a:sym typeface="Symbol" pitchFamily="18" charset="2"/>
-              </a:rPr>
-              <a:t> </a:t>
-            </a:r>
-            <a:r>
-              <a:rPr lang="en-US" sz="5400" dirty="0" smtClean="0">
-                <a:cs typeface="Times New Roman" pitchFamily="18" charset="0"/>
-                <a:sym typeface="Symbol" pitchFamily="18" charset="2"/>
-              </a:rPr>
-              <a:t>(</a:t>
-            </a:r>
-            <a:r>
-              <a:rPr lang="en-US" sz="5400" dirty="0" smtClean="0">
-                <a:sym typeface="Symbol" pitchFamily="18" charset="2"/>
-              </a:rPr>
-              <a:t>“</a:t>
-            </a:r>
-            <a:r>
-              <a:rPr lang="en-US" sz="5400" b="1" dirty="0" smtClean="0">
-                <a:solidFill>
-                  <a:srgbClr val="0033CC"/>
-                </a:solidFill>
-                <a:latin typeface="cmsy10"/>
-                <a:sym typeface="Symbol" pitchFamily="18" charset="2"/>
-              </a:rPr>
-              <a:t>Á</a:t>
-            </a:r>
-            <a:r>
-              <a:rPr lang="en-US" sz="5400" dirty="0" smtClean="0">
-                <a:cs typeface="Times New Roman" pitchFamily="18" charset="0"/>
-                <a:sym typeface="Symbol" pitchFamily="18" charset="2"/>
-              </a:rPr>
-              <a:t>“) on</a:t>
-            </a:r>
-          </a:p>
-          <a:p>
-            <a:pPr>
-              <a:lnSpc>
-                <a:spcPct val="90000"/>
-              </a:lnSpc>
-              <a:buNone/>
-            </a:pPr>
-            <a:r>
-              <a:rPr lang="en-US" sz="5400" dirty="0">
-                <a:cs typeface="Times New Roman" pitchFamily="18" charset="0"/>
-                <a:sym typeface="Symbol" pitchFamily="18" charset="2"/>
-              </a:rPr>
-              <a:t> </a:t>
-            </a:r>
-            <a:r>
-              <a:rPr lang="en-US" sz="5400" dirty="0" smtClean="0">
-                <a:cs typeface="Times New Roman" pitchFamily="18" charset="0"/>
-                <a:sym typeface="Symbol" pitchFamily="18" charset="2"/>
-              </a:rPr>
-              <a:t>      tournament players</a:t>
-            </a:r>
-            <a:endParaRPr lang="en-US" sz="5400" dirty="0">
-              <a:sym typeface="Symbol" pitchFamily="18" charset="2"/>
-            </a:endParaRPr>
-          </a:p>
-        </p:txBody>
-      </p:sp>
-      <p:sp>
-        <p:nvSpPr>
-          <p:cNvPr id="10" name="TextBox 9"/>
-          <p:cNvSpPr txBox="1"/>
-          <p:nvPr/>
-        </p:nvSpPr>
-        <p:spPr>
-          <a:xfrm>
-            <a:off x="338899" y="4791670"/>
-            <a:ext cx="8424101" cy="923330"/>
-          </a:xfrm>
-          <a:prstGeom prst="rect">
-            <a:avLst/>
-          </a:prstGeom>
-          <a:noFill/>
-        </p:spPr>
-        <p:txBody>
-          <a:bodyPr wrap="none" rtlCol="0">
-            <a:spAutoFit/>
-          </a:bodyPr>
-          <a:lstStyle/>
-          <a:p>
-            <a:r>
-              <a:rPr lang="en-US" sz="5400" i="1" dirty="0" smtClean="0">
-                <a:solidFill>
-                  <a:srgbClr val="7030A0"/>
-                </a:solidFill>
-                <a:latin typeface="Comic Sans MS" pitchFamily="66" charset="0"/>
-              </a:rPr>
-              <a:t>no incomparable elements</a:t>
-            </a:r>
-            <a:endParaRPr lang="en-US" sz="5400" i="1" dirty="0">
-              <a:solidFill>
-                <a:srgbClr val="7030A0"/>
-              </a:solidFill>
-              <a:latin typeface="Comic Sans MS" pitchFamily="66" charset="0"/>
-            </a:endParaRPr>
-          </a:p>
-        </p:txBody>
-      </p:sp>
-    </p:spTree>
-  </p:cSld>
-  <p:clrMapOvr>
-    <a:masterClrMapping/>
-  </p:clrMapOvr>
-  <p:transition xmlns:p14="http://schemas.microsoft.com/office/powerpoint/2010/main"/>
   <p:timing>
     <p:tnLst>
       <p:par>
@@ -21940,7 +23907,7 @@
                             </p:stCondLst>
                             <p:childTnLst>
                               <p:par>
-                                <p:cTn id="5" presetID="1" presetClass="entr" presetSubtype="0" fill="hold" grpId="0" nodeType="clickEffect">
+                                <p:cTn id="5" presetID="10" presetClass="entr" presetSubtype="0" fill="hold" nodeType="clickEffect">
                                   <p:stCondLst>
                                     <p:cond delay="0"/>
                                   </p:stCondLst>
@@ -21953,7 +23920,7 @@
                                           </p:stCondLst>
                                         </p:cTn>
                                         <p:tgtEl>
-                                          <p:spTgt spid="559106"/>
+                                          <p:spTgt spid="2"/>
                                         </p:tgtEl>
                                         <p:attrNameLst>
                                           <p:attrName>style.visibility</p:attrName>
@@ -21963,6 +23930,14 @@
                                         <p:strVal val="visible"/>
                                       </p:to>
                                     </p:set>
+                                    <p:animEffect transition="in" filter="fade">
+                                      <p:cBhvr>
+                                        <p:cTn id="7" dur="1000"/>
+                                        <p:tgtEl>
+                                          <p:spTgt spid="2"/>
+                                        </p:tgtEl>
+                                      </p:cBhvr>
+                                    </p:animEffect>
                                   </p:childTnLst>
                                 </p:cTn>
                               </p:par>
@@ -21993,14 +23968,11 @@
         </p:cTn>
       </p:par>
     </p:tnLst>
-    <p:bldLst>
-      <p:bldP spid="559106" grpId="0"/>
-    </p:bldLst>
   </p:timing>
 </p:sld>
 </file>
 
-<file path=ppt/slides/slide4.xml><?xml version="1.0" encoding="utf-8"?>
+<file path=ppt/slides/slide7.xml><?xml version="1.0" encoding="utf-8"?>
 <p:sld xmlns:a="http://schemas.openxmlformats.org/drawingml/2006/main" xmlns:r="http://schemas.openxmlformats.org/officeDocument/2006/relationships" xmlns:p="http://schemas.openxmlformats.org/presentationml/2006/main">
   <p:cSld>
     <p:spTree>
@@ -22239,7 +24211,7 @@
           <a:graphicData uri="http://schemas.openxmlformats.org/presentationml/2006/ole">
             <mc:AlternateContent xmlns:mc="http://schemas.openxmlformats.org/markup-compatibility/2006">
               <mc:Choice xmlns:v="urn:schemas-microsoft-com:vml" Requires="v">
-                <p:oleObj spid="_x0000_s24583" name="Equation" r:id="rId4" imgW="419100" imgH="177800" progId="Equation.DSMT4">
+                <p:oleObj spid="_x0000_s24587" name="Equation" r:id="rId4" imgW="419100" imgH="177800" progId="Equation.DSMT4">
                   <p:embed/>
                 </p:oleObj>
               </mc:Choice>
@@ -22572,7 +24544,7 @@
 </p:sld>
 </file>
 
-<file path=ppt/slides/slide5.xml><?xml version="1.0" encoding="utf-8"?>
+<file path=ppt/slides/slide8.xml><?xml version="1.0" encoding="utf-8"?>
 <p:sld xmlns:a="http://schemas.openxmlformats.org/drawingml/2006/main" xmlns:r="http://schemas.openxmlformats.org/officeDocument/2006/relationships" xmlns:p="http://schemas.openxmlformats.org/presentationml/2006/main">
   <p:cSld>
     <p:spTree>
@@ -22962,7 +24934,7 @@
 </p:sld>
 </file>
 
-<file path=ppt/slides/slide6.xml><?xml version="1.0" encoding="utf-8"?>
+<file path=ppt/slides/slide9.xml><?xml version="1.0" encoding="utf-8"?>
 <p:sld xmlns:a="http://schemas.openxmlformats.org/drawingml/2006/main" xmlns:r="http://schemas.openxmlformats.org/officeDocument/2006/relationships" xmlns:p="http://schemas.openxmlformats.org/presentationml/2006/main">
   <p:cSld>
     <p:spTree>
@@ -23419,1311 +25391,6 @@
         </p:cTn>
       </p:par>
     </p:tnLst>
-  </p:timing>
-</p:sld>
-</file>
-
-<file path=ppt/slides/slide7.xml><?xml version="1.0" encoding="utf-8"?>
-<p:sld xmlns:a="http://schemas.openxmlformats.org/drawingml/2006/main" xmlns:r="http://schemas.openxmlformats.org/officeDocument/2006/relationships" xmlns:p="http://schemas.openxmlformats.org/presentationml/2006/main">
-  <p:cSld>
-    <p:spTree>
-      <p:nvGrpSpPr>
-        <p:cNvPr id="1" name=""/>
-        <p:cNvGrpSpPr/>
-        <p:nvPr/>
-      </p:nvGrpSpPr>
-      <p:grpSpPr>
-        <a:xfrm>
-          <a:off x="0" y="0"/>
-          <a:ext cx="0" cy="0"/>
-          <a:chOff x="0" y="0"/>
-          <a:chExt cx="0" cy="0"/>
-        </a:xfrm>
-      </p:grpSpPr>
-      <p:sp>
-        <p:nvSpPr>
-          <p:cNvPr id="507906" name="Rectangle 2"/>
-          <p:cNvSpPr>
-            <a:spLocks noGrp="1" noChangeArrowheads="1"/>
-          </p:cNvSpPr>
-          <p:nvPr>
-            <p:ph type="title"/>
-          </p:nvPr>
-        </p:nvSpPr>
-        <p:spPr>
-          <a:xfrm>
-            <a:off x="2057400" y="304800"/>
-            <a:ext cx="5638800" cy="1143000"/>
-          </a:xfrm>
-        </p:spPr>
-        <p:txBody>
-          <a:bodyPr>
-            <a:noAutofit/>
-          </a:bodyPr>
-          <a:lstStyle/>
-          <a:p>
-            <a:r>
-              <a:rPr lang="en-US" sz="5400" dirty="0" smtClean="0"/>
-              <a:t>properties of </a:t>
-            </a:r>
-            <a:r>
-              <a:rPr lang="en-US" sz="5400" dirty="0" smtClean="0">
-                <a:solidFill>
-                  <a:srgbClr val="0033CC"/>
-                </a:solidFill>
-                <a:latin typeface="Euclid Symbol" charset="2"/>
-                <a:ea typeface="+mn-ea"/>
-                <a:cs typeface="Euclid Symbol" charset="2"/>
-                <a:sym typeface="Euclid Symbol"/>
-              </a:rPr>
-              <a:t>⊂</a:t>
-            </a:r>
-            <a:r>
-              <a:rPr lang="en-US" sz="6000" dirty="0" smtClean="0">
-                <a:solidFill>
-                  <a:srgbClr val="0033CC"/>
-                </a:solidFill>
-                <a:latin typeface="Euclid Symbol" charset="2"/>
-                <a:ea typeface="+mn-ea"/>
-                <a:cs typeface="Euclid Symbol" charset="2"/>
-                <a:sym typeface="Symbol" pitchFamily="18" charset="2"/>
-              </a:rPr>
-              <a:t> </a:t>
-            </a:r>
-            <a:endParaRPr lang="en-US" sz="5400" dirty="0">
-              <a:solidFill>
-                <a:srgbClr val="0000FF"/>
-              </a:solidFill>
-              <a:latin typeface="Euclid Symbol" charset="2"/>
-              <a:cs typeface="Euclid Symbol" charset="2"/>
-              <a:sym typeface="Symbol" pitchFamily="18" charset="2"/>
-            </a:endParaRPr>
-          </a:p>
-        </p:txBody>
-      </p:sp>
-      <p:sp>
-        <p:nvSpPr>
-          <p:cNvPr id="507910" name="Text Box 6"/>
-          <p:cNvSpPr txBox="1">
-            <a:spLocks noChangeArrowheads="1"/>
-          </p:cNvSpPr>
-          <p:nvPr/>
-        </p:nvSpPr>
-        <p:spPr bwMode="auto">
-          <a:xfrm>
-            <a:off x="762000" y="1783140"/>
-            <a:ext cx="7467600" cy="3246060"/>
-          </a:xfrm>
-          <a:prstGeom prst="rect">
-            <a:avLst/>
-          </a:prstGeom>
-          <a:noFill/>
-          <a:ln w="9525">
-            <a:noFill/>
-            <a:miter lim="800000"/>
-            <a:headEnd/>
-            <a:tailEnd type="none" w="lg" len="lg"/>
-          </a:ln>
-          <a:effectLst/>
-        </p:spPr>
-        <p:txBody>
-          <a:bodyPr wrap="square">
-            <a:spAutoFit/>
-          </a:bodyPr>
-          <a:lstStyle/>
-          <a:p>
-            <a:pPr>
-              <a:spcBef>
-                <a:spcPct val="0"/>
-              </a:spcBef>
-            </a:pPr>
-            <a:r>
-              <a:rPr lang="en-US" sz="6000" dirty="0">
-                <a:latin typeface="Comic Sans MS" pitchFamily="66" charset="0"/>
-              </a:rPr>
-              <a:t>[</a:t>
-            </a:r>
-            <a:r>
-              <a:rPr lang="en-US" sz="6000" dirty="0">
-                <a:solidFill>
-                  <a:srgbClr val="0033CC"/>
-                </a:solidFill>
-                <a:latin typeface="Comic Sans MS" pitchFamily="66" charset="0"/>
-              </a:rPr>
-              <a:t>A</a:t>
-            </a:r>
-            <a:r>
-              <a:rPr lang="en-US" sz="6000" dirty="0" smtClean="0">
-                <a:solidFill>
-                  <a:srgbClr val="0033CC"/>
-                </a:solidFill>
-                <a:latin typeface="Comic Sans MS" pitchFamily="66" charset="0"/>
-                <a:sym typeface="Symbol" pitchFamily="18" charset="2"/>
-              </a:rPr>
-              <a:t> </a:t>
-            </a:r>
-            <a:r>
-              <a:rPr lang="en-US" sz="6000" b="1" dirty="0" smtClean="0">
-                <a:solidFill>
-                  <a:srgbClr val="0033CC"/>
-                </a:solidFill>
-                <a:latin typeface="Euclid Symbol" charset="2"/>
-                <a:cs typeface="Euclid Symbol" charset="2"/>
-                <a:sym typeface="Euclid Symbol"/>
-              </a:rPr>
-              <a:t>⊂</a:t>
-            </a:r>
-            <a:r>
-              <a:rPr lang="en-US" sz="6000" dirty="0" smtClean="0">
-                <a:solidFill>
-                  <a:srgbClr val="0033CC"/>
-                </a:solidFill>
-                <a:latin typeface="Comic Sans MS" pitchFamily="66" charset="0"/>
-                <a:sym typeface="Symbol" pitchFamily="18" charset="2"/>
-              </a:rPr>
-              <a:t> </a:t>
-            </a:r>
-            <a:r>
-              <a:rPr lang="en-US" sz="6000" dirty="0">
-                <a:solidFill>
-                  <a:srgbClr val="0033CC"/>
-                </a:solidFill>
-                <a:latin typeface="Comic Sans MS" pitchFamily="66" charset="0"/>
-                <a:sym typeface="Symbol" pitchFamily="18" charset="2"/>
-              </a:rPr>
-              <a:t>B</a:t>
-            </a:r>
-            <a:r>
-              <a:rPr lang="en-US" sz="6000" dirty="0">
-                <a:solidFill>
-                  <a:schemeClr val="tx2"/>
-                </a:solidFill>
-                <a:latin typeface="Comic Sans MS" pitchFamily="66" charset="0"/>
-                <a:sym typeface="Symbol" pitchFamily="18" charset="2"/>
-              </a:rPr>
-              <a:t> </a:t>
-            </a:r>
-            <a:r>
-              <a:rPr lang="en-US" sz="6000" dirty="0" smtClean="0">
-                <a:latin typeface="Comic Sans MS" pitchFamily="66" charset="0"/>
-                <a:sym typeface="Symbol" pitchFamily="18" charset="2"/>
-              </a:rPr>
-              <a:t>and </a:t>
-            </a:r>
-            <a:r>
-              <a:rPr lang="en-US" sz="6000" dirty="0" smtClean="0">
-                <a:solidFill>
-                  <a:srgbClr val="0033CC"/>
-                </a:solidFill>
-                <a:latin typeface="Comic Sans MS" pitchFamily="66" charset="0"/>
-                <a:sym typeface="Symbol" pitchFamily="18" charset="2"/>
-              </a:rPr>
-              <a:t>B </a:t>
-            </a:r>
-            <a:r>
-              <a:rPr lang="en-US" sz="6000" b="1" dirty="0" smtClean="0">
-                <a:solidFill>
-                  <a:srgbClr val="0033CC"/>
-                </a:solidFill>
-                <a:latin typeface="Euclid Symbol" charset="2"/>
-                <a:cs typeface="Euclid Symbol" charset="2"/>
-                <a:sym typeface="Euclid Symbol"/>
-              </a:rPr>
-              <a:t>⊂</a:t>
-            </a:r>
-            <a:r>
-              <a:rPr lang="en-US" sz="6000" dirty="0" smtClean="0">
-                <a:solidFill>
-                  <a:srgbClr val="0033CC"/>
-                </a:solidFill>
-                <a:latin typeface="Comic Sans MS" pitchFamily="66" charset="0"/>
-                <a:sym typeface="Symbol" pitchFamily="18" charset="2"/>
-              </a:rPr>
-              <a:t> C</a:t>
-            </a:r>
-            <a:r>
-              <a:rPr lang="en-US" sz="6000" dirty="0" smtClean="0">
-                <a:latin typeface="Comic Sans MS" pitchFamily="66" charset="0"/>
-                <a:sym typeface="Symbol" pitchFamily="18" charset="2"/>
-              </a:rPr>
-              <a:t>]</a:t>
-            </a:r>
-            <a:endParaRPr lang="en-US" sz="6000" dirty="0">
-              <a:solidFill>
-                <a:schemeClr val="tx2"/>
-              </a:solidFill>
-              <a:latin typeface="Comic Sans MS" pitchFamily="66" charset="0"/>
-              <a:sym typeface="Symbol" pitchFamily="18" charset="2"/>
-            </a:endParaRPr>
-          </a:p>
-          <a:p>
-            <a:pPr>
-              <a:spcBef>
-                <a:spcPct val="0"/>
-              </a:spcBef>
-            </a:pPr>
-            <a:r>
-              <a:rPr lang="en-US" sz="6000" dirty="0" smtClean="0">
-                <a:latin typeface="Comic Sans MS" pitchFamily="66" charset="0"/>
-                <a:sym typeface="Symbol" pitchFamily="18" charset="2"/>
-              </a:rPr>
-              <a:t>         implies</a:t>
-            </a:r>
-            <a:r>
-              <a:rPr lang="en-US" sz="6000" dirty="0" smtClean="0">
-                <a:latin typeface="Comic Sans MS" pitchFamily="66" charset="0"/>
-              </a:rPr>
-              <a:t> </a:t>
-            </a:r>
-            <a:r>
-              <a:rPr lang="en-US" sz="6000" dirty="0">
-                <a:solidFill>
-                  <a:srgbClr val="0033CC"/>
-                </a:solidFill>
-                <a:latin typeface="Comic Sans MS" pitchFamily="66" charset="0"/>
-              </a:rPr>
-              <a:t>A</a:t>
-            </a:r>
-            <a:r>
-              <a:rPr lang="en-US" sz="6000" dirty="0" smtClean="0">
-                <a:solidFill>
-                  <a:srgbClr val="0033CC"/>
-                </a:solidFill>
-                <a:latin typeface="Comic Sans MS" pitchFamily="66" charset="0"/>
-              </a:rPr>
-              <a:t> </a:t>
-            </a:r>
-            <a:r>
-              <a:rPr lang="en-US" sz="6000" b="1" dirty="0" smtClean="0">
-                <a:solidFill>
-                  <a:srgbClr val="0033CC"/>
-                </a:solidFill>
-                <a:latin typeface="Euclid Symbol" charset="2"/>
-                <a:cs typeface="Euclid Symbol" charset="2"/>
-                <a:sym typeface="Euclid Symbol"/>
-              </a:rPr>
-              <a:t>⊂</a:t>
-            </a:r>
-            <a:r>
-              <a:rPr lang="en-US" sz="6000" dirty="0" smtClean="0">
-                <a:solidFill>
-                  <a:srgbClr val="0033CC"/>
-                </a:solidFill>
-                <a:latin typeface="Comic Sans MS" pitchFamily="66" charset="0"/>
-                <a:sym typeface="Symbol" pitchFamily="18" charset="2"/>
-              </a:rPr>
-              <a:t> C</a:t>
-            </a:r>
-          </a:p>
-          <a:p>
-            <a:pPr algn="ctr">
-              <a:spcBef>
-                <a:spcPct val="0"/>
-              </a:spcBef>
-            </a:pPr>
-            <a:r>
-              <a:rPr lang="en-US" sz="8000" dirty="0" smtClean="0">
-                <a:solidFill>
-                  <a:srgbClr val="7030A0"/>
-                </a:solidFill>
-                <a:latin typeface="Comic Sans MS" pitchFamily="66" charset="0"/>
-              </a:rPr>
-              <a:t>transitivity</a:t>
-            </a:r>
-          </a:p>
-        </p:txBody>
-      </p:sp>
-    </p:spTree>
-  </p:cSld>
-  <p:clrMapOvr>
-    <a:masterClrMapping/>
-  </p:clrMapOvr>
-  <p:transition xmlns:p14="http://schemas.microsoft.com/office/powerpoint/2010/main" spd="slow">
-    <p:fade thruBlk="1"/>
-  </p:transition>
-  <p:timing>
-    <p:tnLst>
-      <p:par>
-        <p:cTn xmlns:p14="http://schemas.microsoft.com/office/powerpoint/2010/main" id="1" dur="indefinite" restart="never" nodeType="tmRoot">
-          <p:childTnLst>
-            <p:seq concurrent="1" nextAc="seek">
-              <p:cTn id="2" dur="indefinite" nodeType="mainSeq">
-                <p:childTnLst>
-                  <p:par>
-                    <p:cTn id="3" fill="hold">
-                      <p:stCondLst>
-                        <p:cond delay="indefinite"/>
-                        <p:cond evt="onBegin" delay="0">
-                          <p:tn val="2"/>
-                        </p:cond>
-                      </p:stCondLst>
-                      <p:childTnLst>
-                        <p:par>
-                          <p:cTn id="4" fill="hold">
-                            <p:stCondLst>
-                              <p:cond delay="0"/>
-                            </p:stCondLst>
-                            <p:childTnLst>
-                              <p:par>
-                                <p:cTn id="5" presetID="22" presetClass="entr" presetSubtype="8" fill="hold" nodeType="afterEffect">
-                                  <p:stCondLst>
-                                    <p:cond delay="0"/>
-                                  </p:stCondLst>
-                                  <p:childTnLst>
-                                    <p:set>
-                                      <p:cBhvr>
-                                        <p:cTn id="6" dur="1" fill="hold">
-                                          <p:stCondLst>
-                                            <p:cond delay="0"/>
-                                          </p:stCondLst>
-                                        </p:cTn>
-                                        <p:tgtEl>
-                                          <p:spTgt spid="507910">
-                                            <p:txEl>
-                                              <p:pRg st="0" end="0"/>
-                                            </p:txEl>
-                                          </p:spTgt>
-                                        </p:tgtEl>
-                                        <p:attrNameLst>
-                                          <p:attrName>style.visibility</p:attrName>
-                                        </p:attrNameLst>
-                                      </p:cBhvr>
-                                      <p:to>
-                                        <p:strVal val="visible"/>
-                                      </p:to>
-                                    </p:set>
-                                    <p:animEffect transition="in" filter="wipe(left)">
-                                      <p:cBhvr>
-                                        <p:cTn id="7" dur="500"/>
-                                        <p:tgtEl>
-                                          <p:spTgt spid="507910">
-                                            <p:txEl>
-                                              <p:pRg st="0" end="0"/>
-                                            </p:txEl>
-                                          </p:spTgt>
-                                        </p:tgtEl>
-                                      </p:cBhvr>
-                                    </p:animEffect>
-                                  </p:childTnLst>
-                                </p:cTn>
-                              </p:par>
-                            </p:childTnLst>
-                          </p:cTn>
-                        </p:par>
-                        <p:par>
-                          <p:cTn id="8" fill="hold">
-                            <p:stCondLst>
-                              <p:cond delay="500"/>
-                            </p:stCondLst>
-                            <p:childTnLst>
-                              <p:par>
-                                <p:cTn id="9" presetID="22" presetClass="entr" presetSubtype="8" fill="hold" nodeType="afterEffect">
-                                  <p:stCondLst>
-                                    <p:cond delay="0"/>
-                                  </p:stCondLst>
-                                  <p:childTnLst>
-                                    <p:set>
-                                      <p:cBhvr>
-                                        <p:cTn id="10" dur="1" fill="hold">
-                                          <p:stCondLst>
-                                            <p:cond delay="0"/>
-                                          </p:stCondLst>
-                                        </p:cTn>
-                                        <p:tgtEl>
-                                          <p:spTgt spid="507910">
-                                            <p:txEl>
-                                              <p:pRg st="1" end="1"/>
-                                            </p:txEl>
-                                          </p:spTgt>
-                                        </p:tgtEl>
-                                        <p:attrNameLst>
-                                          <p:attrName>style.visibility</p:attrName>
-                                        </p:attrNameLst>
-                                      </p:cBhvr>
-                                      <p:to>
-                                        <p:strVal val="visible"/>
-                                      </p:to>
-                                    </p:set>
-                                    <p:animEffect transition="in" filter="wipe(left)">
-                                      <p:cBhvr>
-                                        <p:cTn id="11" dur="500"/>
-                                        <p:tgtEl>
-                                          <p:spTgt spid="507910">
-                                            <p:txEl>
-                                              <p:pRg st="1" end="1"/>
-                                            </p:txEl>
-                                          </p:spTgt>
-                                        </p:tgtEl>
-                                      </p:cBhvr>
-                                    </p:animEffect>
-                                  </p:childTnLst>
-                                </p:cTn>
-                              </p:par>
-                            </p:childTnLst>
-                          </p:cTn>
-                        </p:par>
-                      </p:childTnLst>
-                    </p:cTn>
-                  </p:par>
-                  <p:par>
-                    <p:cTn id="12" fill="hold">
-                      <p:stCondLst>
-                        <p:cond delay="indefinite"/>
-                      </p:stCondLst>
-                      <p:childTnLst>
-                        <p:par>
-                          <p:cTn id="13" fill="hold">
-                            <p:stCondLst>
-                              <p:cond delay="0"/>
-                            </p:stCondLst>
-                            <p:childTnLst>
-                              <p:par>
-                                <p:cTn id="14" presetID="15" presetClass="entr" presetSubtype="0" fill="hold" nodeType="clickEffect">
-                                  <p:stCondLst>
-                                    <p:cond delay="0"/>
-                                  </p:stCondLst>
-                                  <p:childTnLst>
-                                    <p:set>
-                                      <p:cBhvr>
-                                        <p:cTn id="15" dur="1" fill="hold">
-                                          <p:stCondLst>
-                                            <p:cond delay="0"/>
-                                          </p:stCondLst>
-                                        </p:cTn>
-                                        <p:tgtEl>
-                                          <p:spTgt spid="507910">
-                                            <p:txEl>
-                                              <p:pRg st="2" end="2"/>
-                                            </p:txEl>
-                                          </p:spTgt>
-                                        </p:tgtEl>
-                                        <p:attrNameLst>
-                                          <p:attrName>style.visibility</p:attrName>
-                                        </p:attrNameLst>
-                                      </p:cBhvr>
-                                      <p:to>
-                                        <p:strVal val="visible"/>
-                                      </p:to>
-                                    </p:set>
-                                    <p:anim calcmode="lin" valueType="num">
-                                      <p:cBhvr>
-                                        <p:cTn id="16" dur="1000" fill="hold"/>
-                                        <p:tgtEl>
-                                          <p:spTgt spid="507910">
-                                            <p:txEl>
-                                              <p:pRg st="2" end="2"/>
-                                            </p:txEl>
-                                          </p:spTgt>
-                                        </p:tgtEl>
-                                        <p:attrNameLst>
-                                          <p:attrName>ppt_w</p:attrName>
-                                        </p:attrNameLst>
-                                      </p:cBhvr>
-                                      <p:tavLst>
-                                        <p:tav tm="0">
-                                          <p:val>
-                                            <p:fltVal val="0"/>
-                                          </p:val>
-                                        </p:tav>
-                                        <p:tav tm="100000">
-                                          <p:val>
-                                            <p:strVal val="#ppt_w"/>
-                                          </p:val>
-                                        </p:tav>
-                                      </p:tavLst>
-                                    </p:anim>
-                                    <p:anim calcmode="lin" valueType="num">
-                                      <p:cBhvr>
-                                        <p:cTn id="17" dur="1000" fill="hold"/>
-                                        <p:tgtEl>
-                                          <p:spTgt spid="507910">
-                                            <p:txEl>
-                                              <p:pRg st="2" end="2"/>
-                                            </p:txEl>
-                                          </p:spTgt>
-                                        </p:tgtEl>
-                                        <p:attrNameLst>
-                                          <p:attrName>ppt_h</p:attrName>
-                                        </p:attrNameLst>
-                                      </p:cBhvr>
-                                      <p:tavLst>
-                                        <p:tav tm="0">
-                                          <p:val>
-                                            <p:fltVal val="0"/>
-                                          </p:val>
-                                        </p:tav>
-                                        <p:tav tm="100000">
-                                          <p:val>
-                                            <p:strVal val="#ppt_h"/>
-                                          </p:val>
-                                        </p:tav>
-                                      </p:tavLst>
-                                    </p:anim>
-                                    <p:anim calcmode="lin" valueType="num">
-                                      <p:cBhvr>
-                                        <p:cTn id="18" dur="1000" fill="hold"/>
-                                        <p:tgtEl>
-                                          <p:spTgt spid="507910">
-                                            <p:txEl>
-                                              <p:pRg st="2" end="2"/>
-                                            </p:txEl>
-                                          </p:spTgt>
-                                        </p:tgtEl>
-                                        <p:attrNameLst>
-                                          <p:attrName>ppt_x</p:attrName>
-                                        </p:attrNameLst>
-                                      </p:cBhvr>
-                                      <p:tavLst>
-                                        <p:tav tm="0" fmla="#ppt_x+(cos(-2*pi*(1-$))*-#ppt_x-sin(-2*pi*(1-$))*(1-#ppt_y))*(1-$)">
-                                          <p:val>
-                                            <p:fltVal val="0"/>
-                                          </p:val>
-                                        </p:tav>
-                                        <p:tav tm="100000">
-                                          <p:val>
-                                            <p:fltVal val="1"/>
-                                          </p:val>
-                                        </p:tav>
-                                      </p:tavLst>
-                                    </p:anim>
-                                    <p:anim calcmode="lin" valueType="num">
-                                      <p:cBhvr>
-                                        <p:cTn id="19" dur="1000" fill="hold"/>
-                                        <p:tgtEl>
-                                          <p:spTgt spid="507910">
-                                            <p:txEl>
-                                              <p:pRg st="2" end="2"/>
-                                            </p:txEl>
-                                          </p:spTgt>
-                                        </p:tgtEl>
-                                        <p:attrNameLst>
-                                          <p:attrName>ppt_y</p:attrName>
-                                        </p:attrNameLst>
-                                      </p:cBhvr>
-                                      <p:tavLst>
-                                        <p:tav tm="0" fmla="#ppt_y+(sin(-2*pi*(1-$))*-#ppt_x+cos(-2*pi*(1-$))*(1-#ppt_y))*(1-$)">
-                                          <p:val>
-                                            <p:fltVal val="0"/>
-                                          </p:val>
-                                        </p:tav>
-                                        <p:tav tm="100000">
-                                          <p:val>
-                                            <p:fltVal val="1"/>
-                                          </p:val>
-                                        </p:tav>
-                                      </p:tavLst>
-                                    </p:anim>
-                                  </p:childTnLst>
-                                </p:cTn>
-                              </p:par>
-                            </p:childTnLst>
-                          </p:cTn>
-                        </p:par>
-                      </p:childTnLst>
-                    </p:cTn>
-                  </p:par>
-                </p:childTnLst>
-              </p:cTn>
-              <p:prevCondLst>
-                <p:cond evt="onPrev" delay="0">
-                  <p:tgtEl>
-                    <p:sldTgt/>
-                  </p:tgtEl>
-                </p:cond>
-              </p:prevCondLst>
-              <p:nextCondLst>
-                <p:cond evt="onNext" delay="0">
-                  <p:tgtEl>
-                    <p:sldTgt/>
-                  </p:tgtEl>
-                </p:cond>
-              </p:nextCondLst>
-            </p:seq>
-          </p:childTnLst>
-        </p:cTn>
-      </p:par>
-    </p:tnLst>
-  </p:timing>
-</p:sld>
-</file>
-
-<file path=ppt/slides/slide8.xml><?xml version="1.0" encoding="utf-8"?>
-<p:sld xmlns:a="http://schemas.openxmlformats.org/drawingml/2006/main" xmlns:r="http://schemas.openxmlformats.org/officeDocument/2006/relationships" xmlns:p="http://schemas.openxmlformats.org/presentationml/2006/main">
-  <p:cSld>
-    <p:spTree>
-      <p:nvGrpSpPr>
-        <p:cNvPr id="1" name=""/>
-        <p:cNvGrpSpPr/>
-        <p:nvPr/>
-      </p:nvGrpSpPr>
-      <p:grpSpPr>
-        <a:xfrm>
-          <a:off x="0" y="0"/>
-          <a:ext cx="0" cy="0"/>
-          <a:chOff x="0" y="0"/>
-          <a:chExt cx="0" cy="0"/>
-        </a:xfrm>
-      </p:grpSpPr>
-      <p:sp>
-        <p:nvSpPr>
-          <p:cNvPr id="679939" name="Text Box 3"/>
-          <p:cNvSpPr txBox="1">
-            <a:spLocks noChangeArrowheads="1"/>
-          </p:cNvSpPr>
-          <p:nvPr/>
-        </p:nvSpPr>
-        <p:spPr bwMode="auto">
-          <a:xfrm>
-            <a:off x="76200" y="1524000"/>
-            <a:ext cx="8915400" cy="3693319"/>
-          </a:xfrm>
-          <a:prstGeom prst="rect">
-            <a:avLst/>
-          </a:prstGeom>
-          <a:noFill/>
-          <a:ln w="9525" algn="ctr">
-            <a:noFill/>
-            <a:miter lim="800000"/>
-            <a:headEnd/>
-            <a:tailEnd/>
-          </a:ln>
-          <a:effectLst/>
-        </p:spPr>
-        <p:txBody>
-          <a:bodyPr wrap="square">
-            <a:spAutoFit/>
-          </a:bodyPr>
-          <a:lstStyle/>
-          <a:p>
-            <a:pPr marL="742950" indent="-285750" algn="l"/>
-            <a:r>
-              <a:rPr lang="en-US" sz="5400" dirty="0" smtClean="0">
-                <a:latin typeface="Comic Sans MS" pitchFamily="66" charset="0"/>
-              </a:rPr>
-              <a:t>binary relation </a:t>
-            </a:r>
-            <a:r>
-              <a:rPr lang="en-US" sz="5400" dirty="0" smtClean="0">
-                <a:solidFill>
-                  <a:srgbClr val="0033CC"/>
-                </a:solidFill>
-                <a:latin typeface="Comic Sans MS" pitchFamily="66" charset="0"/>
-              </a:rPr>
-              <a:t>R</a:t>
-            </a:r>
-            <a:r>
-              <a:rPr lang="en-US" sz="5400" dirty="0" smtClean="0">
-                <a:latin typeface="Comic Sans MS" pitchFamily="66" charset="0"/>
-              </a:rPr>
-              <a:t> </a:t>
-            </a:r>
-            <a:r>
-              <a:rPr lang="en-US" sz="5400" dirty="0">
-                <a:latin typeface="Comic Sans MS" pitchFamily="66" charset="0"/>
-              </a:rPr>
-              <a:t>on set </a:t>
-            </a:r>
-            <a:r>
-              <a:rPr lang="en-US" sz="5400" dirty="0" smtClean="0">
-                <a:solidFill>
-                  <a:srgbClr val="1E03BD"/>
-                </a:solidFill>
-                <a:latin typeface="Comic Sans MS" pitchFamily="66" charset="0"/>
-              </a:rPr>
-              <a:t>A</a:t>
-            </a:r>
-            <a:endParaRPr lang="en-US" sz="5400" dirty="0">
-              <a:latin typeface="Comic Sans MS" pitchFamily="66" charset="0"/>
-            </a:endParaRPr>
-          </a:p>
-          <a:p>
-            <a:pPr marL="742950" indent="-285750" algn="l"/>
-            <a:r>
-              <a:rPr lang="en-US" sz="5400" dirty="0">
-                <a:latin typeface="Comic Sans MS" pitchFamily="66" charset="0"/>
-              </a:rPr>
-              <a:t>is </a:t>
-            </a:r>
-            <a:r>
-              <a:rPr lang="en-US" sz="5400" dirty="0">
-                <a:solidFill>
-                  <a:srgbClr val="7030A0"/>
-                </a:solidFill>
-                <a:latin typeface="Comic Sans MS" pitchFamily="66" charset="0"/>
-              </a:rPr>
-              <a:t>transitive</a:t>
-            </a:r>
-            <a:r>
-              <a:rPr lang="en-US" sz="5400" dirty="0">
-                <a:latin typeface="Comic Sans MS" pitchFamily="66" charset="0"/>
-              </a:rPr>
-              <a:t>:</a:t>
-            </a:r>
-          </a:p>
-          <a:p>
-            <a:pPr marL="742950" indent="-285750" algn="l"/>
-            <a:r>
-              <a:rPr lang="en-US" sz="5600" dirty="0" err="1" smtClean="0">
-                <a:solidFill>
-                  <a:srgbClr val="1E03BD"/>
-                </a:solidFill>
-                <a:latin typeface="Comic Sans MS" pitchFamily="66" charset="0"/>
-              </a:rPr>
-              <a:t>aRb</a:t>
-            </a:r>
-            <a:r>
-              <a:rPr lang="en-US" sz="5600" dirty="0" smtClean="0">
-                <a:solidFill>
-                  <a:srgbClr val="0033CC"/>
-                </a:solidFill>
-                <a:latin typeface="Comic Sans MS" pitchFamily="66" charset="0"/>
-              </a:rPr>
-              <a:t> </a:t>
-            </a:r>
-            <a:r>
-              <a:rPr lang="en-US" sz="5600" dirty="0">
-                <a:latin typeface="Comic Sans MS" pitchFamily="66" charset="0"/>
-                <a:sym typeface="Symbol" pitchFamily="18" charset="2"/>
-              </a:rPr>
-              <a:t>and</a:t>
-            </a:r>
-            <a:r>
-              <a:rPr lang="en-US" sz="5600" dirty="0">
-                <a:solidFill>
-                  <a:srgbClr val="008000"/>
-                </a:solidFill>
-                <a:latin typeface="Comic Sans MS" pitchFamily="66" charset="0"/>
-                <a:sym typeface="Symbol" pitchFamily="18" charset="2"/>
-              </a:rPr>
-              <a:t> </a:t>
-            </a:r>
-            <a:r>
-              <a:rPr lang="en-US" sz="5600" dirty="0" err="1">
-                <a:solidFill>
-                  <a:srgbClr val="1E03BD"/>
-                </a:solidFill>
-                <a:latin typeface="Comic Sans MS" pitchFamily="66" charset="0"/>
-              </a:rPr>
-              <a:t>bRc</a:t>
-            </a:r>
-            <a:r>
-              <a:rPr lang="en-US" sz="5600" dirty="0">
-                <a:solidFill>
-                  <a:srgbClr val="008000"/>
-                </a:solidFill>
-                <a:latin typeface="Comic Sans MS" pitchFamily="66" charset="0"/>
-              </a:rPr>
-              <a:t> </a:t>
-            </a:r>
-            <a:r>
-              <a:rPr lang="en-US" sz="5600" dirty="0">
-                <a:latin typeface="Comic Sans MS" pitchFamily="66" charset="0"/>
-              </a:rPr>
-              <a:t>implies</a:t>
-            </a:r>
-            <a:r>
-              <a:rPr lang="en-US" sz="5600" dirty="0">
-                <a:solidFill>
-                  <a:srgbClr val="0033CC"/>
-                </a:solidFill>
-                <a:latin typeface="Comic Sans MS" pitchFamily="66" charset="0"/>
-              </a:rPr>
-              <a:t> </a:t>
-            </a:r>
-            <a:r>
-              <a:rPr lang="en-US" sz="5600" dirty="0" err="1">
-                <a:solidFill>
-                  <a:srgbClr val="1E03BD"/>
-                </a:solidFill>
-                <a:latin typeface="Comic Sans MS" pitchFamily="66" charset="0"/>
-              </a:rPr>
-              <a:t>aRc</a:t>
-            </a:r>
-            <a:endParaRPr lang="en-US" sz="5600" dirty="0">
-              <a:solidFill>
-                <a:srgbClr val="1E03BD"/>
-              </a:solidFill>
-              <a:latin typeface="Comic Sans MS" pitchFamily="66" charset="0"/>
-            </a:endParaRPr>
-          </a:p>
-          <a:p>
-            <a:pPr marL="742950" indent="-285750">
-              <a:spcBef>
-                <a:spcPts val="1200"/>
-              </a:spcBef>
-            </a:pPr>
-            <a:r>
-              <a:rPr lang="en-US" sz="6000" dirty="0" smtClean="0">
-                <a:latin typeface="Comic Sans MS" pitchFamily="66" charset="0"/>
-              </a:rPr>
-              <a:t>  for </a:t>
-            </a:r>
-            <a:r>
-              <a:rPr lang="en-US" sz="6000" dirty="0">
-                <a:latin typeface="Comic Sans MS" pitchFamily="66" charset="0"/>
-              </a:rPr>
-              <a:t>all</a:t>
-            </a:r>
-            <a:r>
-              <a:rPr lang="en-US" sz="6000" dirty="0">
-                <a:solidFill>
-                  <a:srgbClr val="008000"/>
-                </a:solidFill>
-                <a:latin typeface="Comic Sans MS" pitchFamily="66" charset="0"/>
-              </a:rPr>
-              <a:t> </a:t>
-            </a:r>
-            <a:r>
-              <a:rPr lang="en-US" sz="6000" dirty="0" err="1" smtClean="0">
-                <a:solidFill>
-                  <a:srgbClr val="1E03BD"/>
-                </a:solidFill>
-                <a:latin typeface="Comic Sans MS" pitchFamily="66" charset="0"/>
-              </a:rPr>
-              <a:t>a,b,c</a:t>
-            </a:r>
-            <a:r>
-              <a:rPr lang="en-US" sz="6000" dirty="0" smtClean="0">
-                <a:solidFill>
-                  <a:srgbClr val="1E03BD"/>
-                </a:solidFill>
-                <a:latin typeface="Comic Sans MS" pitchFamily="66" charset="0"/>
-              </a:rPr>
-              <a:t> </a:t>
-            </a:r>
-            <a:r>
-              <a:rPr lang="en-US" sz="6000" b="1" dirty="0" smtClean="0">
-                <a:latin typeface="Symbol" charset="2"/>
-                <a:cs typeface="Symbol" charset="2"/>
-                <a:sym typeface="Euclid Symbol"/>
-              </a:rPr>
-              <a:t>∈</a:t>
-            </a:r>
-            <a:r>
-              <a:rPr lang="en-US" sz="6000" dirty="0" smtClean="0">
-                <a:solidFill>
-                  <a:srgbClr val="1E03BD"/>
-                </a:solidFill>
-                <a:latin typeface="Comic Sans MS" pitchFamily="66" charset="0"/>
-              </a:rPr>
-              <a:t>A</a:t>
-            </a:r>
-            <a:endParaRPr lang="en-US" sz="6000" dirty="0">
-              <a:solidFill>
-                <a:srgbClr val="1E03BD"/>
-              </a:solidFill>
-              <a:latin typeface="Comic Sans MS" pitchFamily="66" charset="0"/>
-            </a:endParaRPr>
-          </a:p>
-        </p:txBody>
-      </p:sp>
-      <p:sp>
-        <p:nvSpPr>
-          <p:cNvPr id="5" name="Rectangle 2"/>
-          <p:cNvSpPr>
-            <a:spLocks noGrp="1" noChangeArrowheads="1"/>
-          </p:cNvSpPr>
-          <p:nvPr>
-            <p:ph type="title"/>
-          </p:nvPr>
-        </p:nvSpPr>
-        <p:spPr>
-          <a:xfrm>
-            <a:off x="2057400" y="304800"/>
-            <a:ext cx="5638800" cy="1143000"/>
-          </a:xfrm>
-        </p:spPr>
-        <p:txBody>
-          <a:bodyPr>
-            <a:noAutofit/>
-          </a:bodyPr>
-          <a:lstStyle/>
-          <a:p>
-            <a:r>
-              <a:rPr lang="en-US" sz="4800" dirty="0" smtClean="0">
-                <a:solidFill>
-                  <a:srgbClr val="0033CC"/>
-                </a:solidFill>
-                <a:latin typeface="Euclid Symbol" charset="2"/>
-                <a:cs typeface="Euclid Symbol" charset="2"/>
-                <a:sym typeface="Euclid Symbol"/>
-              </a:rPr>
-              <a:t>⊂</a:t>
-            </a:r>
-            <a:r>
-              <a:rPr lang="en-US" sz="4800" dirty="0" smtClean="0">
-                <a:solidFill>
-                  <a:srgbClr val="0000FF"/>
-                </a:solidFill>
-                <a:sym typeface="Euclid Symbol"/>
-              </a:rPr>
-              <a:t> </a:t>
-            </a:r>
-            <a:r>
-              <a:rPr lang="en-US" sz="4800" dirty="0" smtClean="0">
-                <a:solidFill>
-                  <a:schemeClr val="tx1">
-                    <a:lumMod val="85000"/>
-                    <a:lumOff val="15000"/>
-                  </a:schemeClr>
-                </a:solidFill>
-                <a:sym typeface="Euclid Symbol"/>
-              </a:rPr>
-              <a:t>is</a:t>
-            </a:r>
-            <a:r>
-              <a:rPr lang="en-US" sz="4800" dirty="0" smtClean="0">
-                <a:solidFill>
-                  <a:srgbClr val="0000FF"/>
-                </a:solidFill>
-                <a:sym typeface="Euclid Symbol"/>
-              </a:rPr>
-              <a:t> transitive</a:t>
-            </a:r>
-            <a:endParaRPr lang="en-US" sz="4800" dirty="0">
-              <a:solidFill>
-                <a:srgbClr val="0000FF"/>
-              </a:solidFill>
-              <a:latin typeface="cmsy10"/>
-              <a:sym typeface="Symbol" pitchFamily="18" charset="2"/>
-            </a:endParaRPr>
-          </a:p>
-        </p:txBody>
-      </p:sp>
-    </p:spTree>
-  </p:cSld>
-  <p:clrMapOvr>
-    <a:masterClrMapping/>
-  </p:clrMapOvr>
-  <p:transition xmlns:p14="http://schemas.microsoft.com/office/powerpoint/2010/main">
-    <p:fade/>
-  </p:transition>
-  <p:timing>
-    <p:tnLst>
-      <p:par>
-        <p:cTn xmlns:p14="http://schemas.microsoft.com/office/powerpoint/2010/main" id="1" dur="indefinite" restart="never" nodeType="tmRoot">
-          <p:childTnLst>
-            <p:seq concurrent="1" nextAc="seek">
-              <p:cTn id="2" dur="indefinite" nodeType="mainSeq">
-                <p:childTnLst>
-                  <p:par>
-                    <p:cTn id="3" fill="hold">
-                      <p:stCondLst>
-                        <p:cond delay="indefinite"/>
-                      </p:stCondLst>
-                      <p:childTnLst>
-                        <p:par>
-                          <p:cTn id="4" fill="hold">
-                            <p:stCondLst>
-                              <p:cond delay="0"/>
-                            </p:stCondLst>
-                            <p:childTnLst>
-                              <p:par>
-                                <p:cTn id="5" presetID="22" presetClass="entr" presetSubtype="8" fill="hold" nodeType="clickEffect">
-                                  <p:stCondLst>
-                                    <p:cond delay="0"/>
-                                  </p:stCondLst>
-                                  <p:childTnLst>
-                                    <p:set>
-                                      <p:cBhvr>
-                                        <p:cTn id="6" dur="1" fill="hold">
-                                          <p:stCondLst>
-                                            <p:cond delay="0"/>
-                                          </p:stCondLst>
-                                        </p:cTn>
-                                        <p:tgtEl>
-                                          <p:spTgt spid="679939">
-                                            <p:txEl>
-                                              <p:pRg st="2" end="2"/>
-                                            </p:txEl>
-                                          </p:spTgt>
-                                        </p:tgtEl>
-                                        <p:attrNameLst>
-                                          <p:attrName>style.visibility</p:attrName>
-                                        </p:attrNameLst>
-                                      </p:cBhvr>
-                                      <p:to>
-                                        <p:strVal val="visible"/>
-                                      </p:to>
-                                    </p:set>
-                                    <p:animEffect transition="in" filter="wipe(left)">
-                                      <p:cBhvr>
-                                        <p:cTn id="7" dur="1000"/>
-                                        <p:tgtEl>
-                                          <p:spTgt spid="679939">
-                                            <p:txEl>
-                                              <p:pRg st="2" end="2"/>
-                                            </p:txEl>
-                                          </p:spTgt>
-                                        </p:tgtEl>
-                                      </p:cBhvr>
-                                    </p:animEffect>
-                                  </p:childTnLst>
-                                </p:cTn>
-                              </p:par>
-                            </p:childTnLst>
-                          </p:cTn>
-                        </p:par>
-                        <p:par>
-                          <p:cTn id="8" fill="hold">
-                            <p:stCondLst>
-                              <p:cond delay="1000"/>
-                            </p:stCondLst>
-                            <p:childTnLst>
-                              <p:par>
-                                <p:cTn id="9" presetID="1" presetClass="entr" presetSubtype="0" fill="hold" nodeType="afterEffect">
-                                  <p:stCondLst>
-                                    <p:cond delay="0"/>
-                                  </p:stCondLst>
-                                  <p:childTnLst>
-                                    <p:set>
-                                      <p:cBhvr>
-                                        <p:cTn id="10" dur="1" fill="hold">
-                                          <p:stCondLst>
-                                            <p:cond delay="0"/>
-                                          </p:stCondLst>
-                                        </p:cTn>
-                                        <p:tgtEl>
-                                          <p:spTgt spid="679939">
-                                            <p:txEl>
-                                              <p:pRg st="3" end="3"/>
-                                            </p:txEl>
-                                          </p:spTgt>
-                                        </p:tgtEl>
-                                        <p:attrNameLst>
-                                          <p:attrName>style.visibility</p:attrName>
-                                        </p:attrNameLst>
-                                      </p:cBhvr>
-                                      <p:to>
-                                        <p:strVal val="visible"/>
-                                      </p:to>
-                                    </p:set>
-                                  </p:childTnLst>
-                                </p:cTn>
-                              </p:par>
-                            </p:childTnLst>
-                          </p:cTn>
-                        </p:par>
-                      </p:childTnLst>
-                    </p:cTn>
-                  </p:par>
-                </p:childTnLst>
-              </p:cTn>
-              <p:prevCondLst>
-                <p:cond evt="onPrev" delay="0">
-                  <p:tgtEl>
-                    <p:sldTgt/>
-                  </p:tgtEl>
-                </p:cond>
-              </p:prevCondLst>
-              <p:nextCondLst>
-                <p:cond evt="onNext" delay="0">
-                  <p:tgtEl>
-                    <p:sldTgt/>
-                  </p:tgtEl>
-                </p:cond>
-              </p:nextCondLst>
-            </p:seq>
-          </p:childTnLst>
-        </p:cTn>
-      </p:par>
-    </p:tnLst>
-  </p:timing>
-</p:sld>
-</file>
-
-<file path=ppt/slides/slide9.xml><?xml version="1.0" encoding="utf-8"?>
-<p:sld xmlns:a="http://schemas.openxmlformats.org/drawingml/2006/main" xmlns:r="http://schemas.openxmlformats.org/officeDocument/2006/relationships" xmlns:p="http://schemas.openxmlformats.org/presentationml/2006/main">
-  <p:cSld>
-    <p:spTree>
-      <p:nvGrpSpPr>
-        <p:cNvPr id="1" name=""/>
-        <p:cNvGrpSpPr/>
-        <p:nvPr/>
-      </p:nvGrpSpPr>
-      <p:grpSpPr>
-        <a:xfrm>
-          <a:off x="0" y="0"/>
-          <a:ext cx="0" cy="0"/>
-          <a:chOff x="0" y="0"/>
-          <a:chExt cx="0" cy="0"/>
-        </a:xfrm>
-      </p:grpSpPr>
-      <p:sp>
-        <p:nvSpPr>
-          <p:cNvPr id="680962" name="Rectangle 2"/>
-          <p:cNvSpPr>
-            <a:spLocks noGrp="1" noChangeArrowheads="1"/>
-          </p:cNvSpPr>
-          <p:nvPr>
-            <p:ph type="title"/>
-          </p:nvPr>
-        </p:nvSpPr>
-        <p:spPr>
-          <a:xfrm>
-            <a:off x="1264466" y="274638"/>
-            <a:ext cx="6662057" cy="1105126"/>
-          </a:xfrm>
-        </p:spPr>
-        <p:txBody>
-          <a:bodyPr>
-            <a:normAutofit/>
-          </a:bodyPr>
-          <a:lstStyle/>
-          <a:p>
-            <a:r>
-              <a:rPr lang="en-US" sz="4800" dirty="0" smtClean="0">
-                <a:solidFill>
-                  <a:srgbClr val="7030A0"/>
-                </a:solidFill>
-              </a:rPr>
-              <a:t>strict partial orders</a:t>
-            </a:r>
-            <a:endParaRPr lang="en-US" sz="4800" dirty="0">
-              <a:solidFill>
-                <a:srgbClr val="7030A0"/>
-              </a:solidFill>
-            </a:endParaRPr>
-          </a:p>
-        </p:txBody>
-      </p:sp>
-      <p:sp>
-        <p:nvSpPr>
-          <p:cNvPr id="680971" name="Text Box 11"/>
-          <p:cNvSpPr txBox="1">
-            <a:spLocks noChangeArrowheads="1"/>
-          </p:cNvSpPr>
-          <p:nvPr/>
-        </p:nvSpPr>
-        <p:spPr bwMode="auto">
-          <a:xfrm>
-            <a:off x="914400" y="2274838"/>
-            <a:ext cx="7162800" cy="2308324"/>
-          </a:xfrm>
-          <a:prstGeom prst="rect">
-            <a:avLst/>
-          </a:prstGeom>
-          <a:noFill/>
-          <a:ln w="9525" algn="ctr">
-            <a:noFill/>
-            <a:miter lim="800000"/>
-            <a:headEnd/>
-            <a:tailEnd/>
-          </a:ln>
-          <a:effectLst/>
-        </p:spPr>
-        <p:txBody>
-          <a:bodyPr wrap="square">
-            <a:spAutoFit/>
-          </a:bodyPr>
-          <a:lstStyle/>
-          <a:p>
-            <a:pPr marL="742950" indent="-285750" algn="ctr"/>
-            <a:r>
-              <a:rPr lang="en-US" sz="7200" dirty="0" smtClean="0">
-                <a:latin typeface="Comic Sans MS" pitchFamily="66" charset="0"/>
-              </a:rPr>
-              <a:t>transitive &amp; asymmetric</a:t>
-            </a:r>
-            <a:endParaRPr lang="en-US" sz="7200" dirty="0">
-              <a:latin typeface="Comic Sans MS" pitchFamily="66" charset="0"/>
-            </a:endParaRPr>
-          </a:p>
-        </p:txBody>
-      </p:sp>
-    </p:spTree>
-  </p:cSld>
-  <p:clrMapOvr>
-    <a:masterClrMapping/>
-  </p:clrMapOvr>
-  <p:transition xmlns:p14="http://schemas.microsoft.com/office/powerpoint/2010/main" spd="med">
-    <p:fade thruBlk="1"/>
-  </p:transition>
-  <p:timing>
-    <p:tnLst>
-      <p:par>
-        <p:cTn xmlns:p14="http://schemas.microsoft.com/office/powerpoint/2010/main" id="1" dur="indefinite" restart="never" nodeType="tmRoot">
-          <p:childTnLst>
-            <p:seq concurrent="1" nextAc="seek">
-              <p:cTn id="2" dur="indefinite" nodeType="mainSeq">
-                <p:childTnLst>
-                  <p:par>
-                    <p:cTn id="3" fill="hold">
-                      <p:stCondLst>
-                        <p:cond delay="indefinite"/>
-                      </p:stCondLst>
-                      <p:childTnLst>
-                        <p:par>
-                          <p:cTn id="4" fill="hold">
-                            <p:stCondLst>
-                              <p:cond delay="0"/>
-                            </p:stCondLst>
-                            <p:childTnLst>
-                              <p:par>
-                                <p:cTn id="5" presetID="10" presetClass="entr" presetSubtype="0" fill="hold" grpId="0" nodeType="clickEffect">
-                                  <p:stCondLst>
-                                    <p:cond delay="0"/>
-                                  </p:stCondLst>
-                                  <p:childTnLst>
-                                    <p:set>
-                                      <p:cBhvr>
-                                        <p:cTn id="6" dur="1" fill="hold">
-                                          <p:stCondLst>
-                                            <p:cond delay="0"/>
-                                          </p:stCondLst>
-                                        </p:cTn>
-                                        <p:tgtEl>
-                                          <p:spTgt spid="680971"/>
-                                        </p:tgtEl>
-                                        <p:attrNameLst>
-                                          <p:attrName>style.visibility</p:attrName>
-                                        </p:attrNameLst>
-                                      </p:cBhvr>
-                                      <p:to>
-                                        <p:strVal val="visible"/>
-                                      </p:to>
-                                    </p:set>
-                                    <p:animEffect transition="in" filter="fade">
-                                      <p:cBhvr>
-                                        <p:cTn id="7" dur="1000"/>
-                                        <p:tgtEl>
-                                          <p:spTgt spid="680971"/>
-                                        </p:tgtEl>
-                                      </p:cBhvr>
-                                    </p:animEffect>
-                                  </p:childTnLst>
-                                </p:cTn>
-                              </p:par>
-                            </p:childTnLst>
-                          </p:cTn>
-                        </p:par>
-                      </p:childTnLst>
-                    </p:cTn>
-                  </p:par>
-                </p:childTnLst>
-              </p:cTn>
-              <p:prevCondLst>
-                <p:cond evt="onPrev" delay="0">
-                  <p:tgtEl>
-                    <p:sldTgt/>
-                  </p:tgtEl>
-                </p:cond>
-              </p:prevCondLst>
-              <p:nextCondLst>
-                <p:cond evt="onNext" delay="0">
-                  <p:tgtEl>
-                    <p:sldTgt/>
-                  </p:tgtEl>
-                </p:cond>
-              </p:nextCondLst>
-            </p:seq>
-          </p:childTnLst>
-        </p:cTn>
-      </p:par>
-    </p:tnLst>
-    <p:bldLst>
-      <p:bldP spid="680971" grpId="0"/>
-    </p:bldLst>
   </p:timing>
 </p:sld>
 </file>

--- a/fall11/slidesF11/slides7f.pptx
+++ b/fall11/slidesF11/slides7f.pptx
@@ -5,52 +5,53 @@
     <p:sldMasterId id="2147483648" r:id="rId1"/>
   </p:sldMasterIdLst>
   <p:notesMasterIdLst>
-    <p:notesMasterId r:id="rId37"/>
+    <p:notesMasterId r:id="rId38"/>
   </p:notesMasterIdLst>
   <p:handoutMasterIdLst>
-    <p:handoutMasterId r:id="rId38"/>
+    <p:handoutMasterId r:id="rId39"/>
   </p:handoutMasterIdLst>
   <p:sldIdLst>
     <p:sldId id="276" r:id="rId2"/>
     <p:sldId id="457" r:id="rId3"/>
     <p:sldId id="436" r:id="rId4"/>
     <p:sldId id="439" r:id="rId5"/>
-    <p:sldId id="440" r:id="rId6"/>
-    <p:sldId id="442" r:id="rId7"/>
-    <p:sldId id="279" r:id="rId8"/>
-    <p:sldId id="445" r:id="rId9"/>
-    <p:sldId id="443" r:id="rId10"/>
-    <p:sldId id="395" r:id="rId11"/>
-    <p:sldId id="446" r:id="rId12"/>
-    <p:sldId id="447" r:id="rId13"/>
-    <p:sldId id="448" r:id="rId14"/>
-    <p:sldId id="449" r:id="rId15"/>
-    <p:sldId id="450" r:id="rId16"/>
-    <p:sldId id="444" r:id="rId17"/>
-    <p:sldId id="451" r:id="rId18"/>
-    <p:sldId id="452" r:id="rId19"/>
-    <p:sldId id="453" r:id="rId20"/>
-    <p:sldId id="454" r:id="rId21"/>
-    <p:sldId id="455" r:id="rId22"/>
-    <p:sldId id="437" r:id="rId23"/>
-    <p:sldId id="438" r:id="rId24"/>
-    <p:sldId id="392" r:id="rId25"/>
-    <p:sldId id="417" r:id="rId26"/>
-    <p:sldId id="418" r:id="rId27"/>
-    <p:sldId id="419" r:id="rId28"/>
-    <p:sldId id="432" r:id="rId29"/>
-    <p:sldId id="421" r:id="rId30"/>
-    <p:sldId id="420" r:id="rId31"/>
-    <p:sldId id="424" r:id="rId32"/>
-    <p:sldId id="422" r:id="rId33"/>
-    <p:sldId id="429" r:id="rId34"/>
-    <p:sldId id="412" r:id="rId35"/>
-    <p:sldId id="259" r:id="rId36"/>
+    <p:sldId id="458" r:id="rId6"/>
+    <p:sldId id="440" r:id="rId7"/>
+    <p:sldId id="442" r:id="rId8"/>
+    <p:sldId id="279" r:id="rId9"/>
+    <p:sldId id="445" r:id="rId10"/>
+    <p:sldId id="443" r:id="rId11"/>
+    <p:sldId id="395" r:id="rId12"/>
+    <p:sldId id="446" r:id="rId13"/>
+    <p:sldId id="447" r:id="rId14"/>
+    <p:sldId id="448" r:id="rId15"/>
+    <p:sldId id="449" r:id="rId16"/>
+    <p:sldId id="450" r:id="rId17"/>
+    <p:sldId id="444" r:id="rId18"/>
+    <p:sldId id="451" r:id="rId19"/>
+    <p:sldId id="452" r:id="rId20"/>
+    <p:sldId id="453" r:id="rId21"/>
+    <p:sldId id="454" r:id="rId22"/>
+    <p:sldId id="455" r:id="rId23"/>
+    <p:sldId id="437" r:id="rId24"/>
+    <p:sldId id="438" r:id="rId25"/>
+    <p:sldId id="392" r:id="rId26"/>
+    <p:sldId id="417" r:id="rId27"/>
+    <p:sldId id="418" r:id="rId28"/>
+    <p:sldId id="419" r:id="rId29"/>
+    <p:sldId id="432" r:id="rId30"/>
+    <p:sldId id="421" r:id="rId31"/>
+    <p:sldId id="420" r:id="rId32"/>
+    <p:sldId id="424" r:id="rId33"/>
+    <p:sldId id="422" r:id="rId34"/>
+    <p:sldId id="429" r:id="rId35"/>
+    <p:sldId id="412" r:id="rId36"/>
+    <p:sldId id="259" r:id="rId37"/>
   </p:sldIdLst>
   <p:sldSz cx="9144000" cy="6858000" type="screen4x3"/>
   <p:notesSz cx="7315200" cy="9601200"/>
   <p:custDataLst>
-    <p:tags r:id="rId40"/>
+    <p:tags r:id="rId41"/>
   </p:custDataLst>
   <p:defaultTextStyle>
     <a:defPPr>
@@ -789,7 +790,7 @@
           <a:bodyPr/>
           <a:lstStyle/>
           <a:p>
-            <a:fld id="{03FFB934-EACA-4282-936B-EFCFE70EF514}" type="slidenum">
+            <a:fld id="{9885A2D2-EAA3-4553-820E-BF7714AE554C}" type="slidenum">
               <a:rPr lang="en-US"/>
               <a:pPr/>
               <a:t>15</a:t>
@@ -800,7 +801,7 @@
       </p:sp>
       <p:sp>
         <p:nvSpPr>
-          <p:cNvPr id="733186" name="Rectangle 2"/>
+          <p:cNvPr id="732162" name="Rectangle 2"/>
           <p:cNvSpPr>
             <a:spLocks noGrp="1" noRot="1" noChangeAspect="1" noChangeArrowheads="1" noTextEdit="1"/>
           </p:cNvSpPr>
@@ -814,7 +815,7 @@
       </p:sp>
       <p:sp>
         <p:nvSpPr>
-          <p:cNvPr id="733187" name="Rectangle 3"/>
+          <p:cNvPr id="732163" name="Rectangle 3"/>
           <p:cNvSpPr>
             <a:spLocks noGrp="1" noChangeArrowheads="1"/>
           </p:cNvSpPr>
@@ -957,10 +958,10 @@
           <a:bodyPr/>
           <a:lstStyle/>
           <a:p>
-            <a:fld id="{03024885-B15F-4841-833A-C5A00D806DA7}" type="slidenum">
+            <a:fld id="{03FFB934-EACA-4282-936B-EFCFE70EF514}" type="slidenum">
               <a:rPr lang="en-US"/>
               <a:pPr/>
-              <a:t>18</a:t>
+              <a:t>17</a:t>
             </a:fld>
             <a:endParaRPr lang="en-US"/>
           </a:p>
@@ -968,7 +969,7 @@
       </p:sp>
       <p:sp>
         <p:nvSpPr>
-          <p:cNvPr id="735234" name="Rectangle 2"/>
+          <p:cNvPr id="733186" name="Rectangle 2"/>
           <p:cNvSpPr>
             <a:spLocks noGrp="1" noRot="1" noChangeAspect="1" noChangeArrowheads="1" noTextEdit="1"/>
           </p:cNvSpPr>
@@ -982,7 +983,7 @@
       </p:sp>
       <p:sp>
         <p:nvSpPr>
-          <p:cNvPr id="735235" name="Rectangle 3"/>
+          <p:cNvPr id="733187" name="Rectangle 3"/>
           <p:cNvSpPr>
             <a:spLocks noGrp="1" noChangeArrowheads="1"/>
           </p:cNvSpPr>
@@ -1041,7 +1042,7 @@
           <a:bodyPr/>
           <a:lstStyle/>
           <a:p>
-            <a:fld id="{03FFB934-EACA-4282-936B-EFCFE70EF514}" type="slidenum">
+            <a:fld id="{03024885-B15F-4841-833A-C5A00D806DA7}" type="slidenum">
               <a:rPr lang="en-US"/>
               <a:pPr/>
               <a:t>19</a:t>
@@ -1052,7 +1053,7 @@
       </p:sp>
       <p:sp>
         <p:nvSpPr>
-          <p:cNvPr id="733186" name="Rectangle 2"/>
+          <p:cNvPr id="735234" name="Rectangle 2"/>
           <p:cNvSpPr>
             <a:spLocks noGrp="1" noRot="1" noChangeAspect="1" noChangeArrowheads="1" noTextEdit="1"/>
           </p:cNvSpPr>
@@ -1066,7 +1067,7 @@
       </p:sp>
       <p:sp>
         <p:nvSpPr>
-          <p:cNvPr id="733187" name="Rectangle 3"/>
+          <p:cNvPr id="735235" name="Rectangle 3"/>
           <p:cNvSpPr>
             <a:spLocks noGrp="1" noChangeArrowheads="1"/>
           </p:cNvSpPr>
@@ -1209,10 +1210,10 @@
           <a:bodyPr/>
           <a:lstStyle/>
           <a:p>
-            <a:fld id="{2E254194-A2EE-4DB4-B2A1-83E0952B5054}" type="slidenum">
+            <a:fld id="{03FFB934-EACA-4282-936B-EFCFE70EF514}" type="slidenum">
               <a:rPr lang="en-US"/>
               <a:pPr/>
-              <a:t>24</a:t>
+              <a:t>21</a:t>
             </a:fld>
             <a:endParaRPr lang="en-US"/>
           </a:p>
@@ -1220,7 +1221,7 @@
       </p:sp>
       <p:sp>
         <p:nvSpPr>
-          <p:cNvPr id="739330" name="Rectangle 2"/>
+          <p:cNvPr id="733186" name="Rectangle 2"/>
           <p:cNvSpPr>
             <a:spLocks noGrp="1" noRot="1" noChangeAspect="1" noChangeArrowheads="1" noTextEdit="1"/>
           </p:cNvSpPr>
@@ -1234,7 +1235,7 @@
       </p:sp>
       <p:sp>
         <p:nvSpPr>
-          <p:cNvPr id="739331" name="Rectangle 3"/>
+          <p:cNvPr id="733187" name="Rectangle 3"/>
           <p:cNvSpPr>
             <a:spLocks noGrp="1" noChangeArrowheads="1"/>
           </p:cNvSpPr>
@@ -1293,7 +1294,7 @@
           <a:bodyPr/>
           <a:lstStyle/>
           <a:p>
-            <a:fld id="{A4DBDA39-025B-4392-9FB8-FDD920679165}" type="slidenum">
+            <a:fld id="{2E254194-A2EE-4DB4-B2A1-83E0952B5054}" type="slidenum">
               <a:rPr lang="en-US"/>
               <a:pPr/>
               <a:t>25</a:t>
@@ -1304,7 +1305,7 @@
       </p:sp>
       <p:sp>
         <p:nvSpPr>
-          <p:cNvPr id="741378" name="Rectangle 2"/>
+          <p:cNvPr id="739330" name="Rectangle 2"/>
           <p:cNvSpPr>
             <a:spLocks noGrp="1" noRot="1" noChangeAspect="1" noChangeArrowheads="1" noTextEdit="1"/>
           </p:cNvSpPr>
@@ -1318,7 +1319,7 @@
       </p:sp>
       <p:sp>
         <p:nvSpPr>
-          <p:cNvPr id="741379" name="Rectangle 3"/>
+          <p:cNvPr id="739331" name="Rectangle 3"/>
           <p:cNvSpPr>
             <a:spLocks noGrp="1" noChangeArrowheads="1"/>
           </p:cNvSpPr>
@@ -1377,7 +1378,7 @@
           <a:bodyPr/>
           <a:lstStyle/>
           <a:p>
-            <a:fld id="{8C1000FD-81A5-4DEA-B6E7-C7006B6DE16D}" type="slidenum">
+            <a:fld id="{A4DBDA39-025B-4392-9FB8-FDD920679165}" type="slidenum">
               <a:rPr lang="en-US"/>
               <a:pPr/>
               <a:t>26</a:t>
@@ -1388,7 +1389,7 @@
       </p:sp>
       <p:sp>
         <p:nvSpPr>
-          <p:cNvPr id="743426" name="Rectangle 2"/>
+          <p:cNvPr id="741378" name="Rectangle 2"/>
           <p:cNvSpPr>
             <a:spLocks noGrp="1" noRot="1" noChangeAspect="1" noChangeArrowheads="1" noTextEdit="1"/>
           </p:cNvSpPr>
@@ -1402,7 +1403,7 @@
       </p:sp>
       <p:sp>
         <p:nvSpPr>
-          <p:cNvPr id="743427" name="Rectangle 3"/>
+          <p:cNvPr id="741379" name="Rectangle 3"/>
           <p:cNvSpPr>
             <a:spLocks noGrp="1" noChangeArrowheads="1"/>
           </p:cNvSpPr>
@@ -1461,7 +1462,7 @@
           <a:bodyPr/>
           <a:lstStyle/>
           <a:p>
-            <a:fld id="{2E254194-A2EE-4DB4-B2A1-83E0952B5054}" type="slidenum">
+            <a:fld id="{8C1000FD-81A5-4DEA-B6E7-C7006B6DE16D}" type="slidenum">
               <a:rPr lang="en-US"/>
               <a:pPr/>
               <a:t>27</a:t>
@@ -1472,7 +1473,7 @@
       </p:sp>
       <p:sp>
         <p:nvSpPr>
-          <p:cNvPr id="739330" name="Rectangle 2"/>
+          <p:cNvPr id="743426" name="Rectangle 2"/>
           <p:cNvSpPr>
             <a:spLocks noGrp="1" noRot="1" noChangeAspect="1" noChangeArrowheads="1" noTextEdit="1"/>
           </p:cNvSpPr>
@@ -1486,7 +1487,7 @@
       </p:sp>
       <p:sp>
         <p:nvSpPr>
-          <p:cNvPr id="739331" name="Rectangle 3"/>
+          <p:cNvPr id="743427" name="Rectangle 3"/>
           <p:cNvSpPr>
             <a:spLocks noGrp="1" noChangeArrowheads="1"/>
           </p:cNvSpPr>
@@ -1545,7 +1546,7 @@
           <a:bodyPr/>
           <a:lstStyle/>
           <a:p>
-            <a:fld id="{A4DBDA39-025B-4392-9FB8-FDD920679165}" type="slidenum">
+            <a:fld id="{2E254194-A2EE-4DB4-B2A1-83E0952B5054}" type="slidenum">
               <a:rPr lang="en-US"/>
               <a:pPr/>
               <a:t>28</a:t>
@@ -1556,7 +1557,7 @@
       </p:sp>
       <p:sp>
         <p:nvSpPr>
-          <p:cNvPr id="741378" name="Rectangle 2"/>
+          <p:cNvPr id="739330" name="Rectangle 2"/>
           <p:cNvSpPr>
             <a:spLocks noGrp="1" noRot="1" noChangeAspect="1" noChangeArrowheads="1" noTextEdit="1"/>
           </p:cNvSpPr>
@@ -1570,7 +1571,7 @@
       </p:sp>
       <p:sp>
         <p:nvSpPr>
-          <p:cNvPr id="741379" name="Rectangle 3"/>
+          <p:cNvPr id="739331" name="Rectangle 3"/>
           <p:cNvSpPr>
             <a:spLocks noGrp="1" noChangeArrowheads="1"/>
           </p:cNvSpPr>
@@ -1632,7 +1633,7 @@
             <a:fld id="{03FFB934-EACA-4282-936B-EFCFE70EF514}" type="slidenum">
               <a:rPr lang="en-US"/>
               <a:pPr/>
-              <a:t>7</a:t>
+              <a:t>5</a:t>
             </a:fld>
             <a:endParaRPr lang="en-US"/>
           </a:p>
@@ -1713,10 +1714,94 @@
           <a:bodyPr/>
           <a:lstStyle/>
           <a:p>
+            <a:fld id="{A4DBDA39-025B-4392-9FB8-FDD920679165}" type="slidenum">
+              <a:rPr lang="en-US"/>
+              <a:pPr/>
+              <a:t>29</a:t>
+            </a:fld>
+            <a:endParaRPr lang="en-US"/>
+          </a:p>
+        </p:txBody>
+      </p:sp>
+      <p:sp>
+        <p:nvSpPr>
+          <p:cNvPr id="741378" name="Rectangle 2"/>
+          <p:cNvSpPr>
+            <a:spLocks noGrp="1" noRot="1" noChangeAspect="1" noChangeArrowheads="1" noTextEdit="1"/>
+          </p:cNvSpPr>
+          <p:nvPr>
+            <p:ph type="sldImg"/>
+          </p:nvPr>
+        </p:nvSpPr>
+        <p:spPr>
+          <a:ln/>
+        </p:spPr>
+      </p:sp>
+      <p:sp>
+        <p:nvSpPr>
+          <p:cNvPr id="741379" name="Rectangle 3"/>
+          <p:cNvSpPr>
+            <a:spLocks noGrp="1" noChangeArrowheads="1"/>
+          </p:cNvSpPr>
+          <p:nvPr>
+            <p:ph type="body" idx="1"/>
+          </p:nvPr>
+        </p:nvSpPr>
+        <p:spPr/>
+        <p:txBody>
+          <a:bodyPr/>
+          <a:lstStyle/>
+          <a:p>
+            <a:endParaRPr lang="en-US"/>
+          </a:p>
+        </p:txBody>
+      </p:sp>
+    </p:spTree>
+  </p:cSld>
+  <p:clrMapOvr>
+    <a:masterClrMapping/>
+  </p:clrMapOvr>
+</p:notes>
+</file>
+
+<file path=ppt/notesSlides/notesSlide21.xml><?xml version="1.0" encoding="utf-8"?>
+<p:notes xmlns:a="http://schemas.openxmlformats.org/drawingml/2006/main" xmlns:r="http://schemas.openxmlformats.org/officeDocument/2006/relationships" xmlns:p="http://schemas.openxmlformats.org/presentationml/2006/main">
+  <p:cSld>
+    <p:spTree>
+      <p:nvGrpSpPr>
+        <p:cNvPr id="1" name=""/>
+        <p:cNvGrpSpPr/>
+        <p:nvPr/>
+      </p:nvGrpSpPr>
+      <p:grpSpPr>
+        <a:xfrm>
+          <a:off x="0" y="0"/>
+          <a:ext cx="0" cy="0"/>
+          <a:chOff x="0" y="0"/>
+          <a:chExt cx="0" cy="0"/>
+        </a:xfrm>
+      </p:grpSpPr>
+      <p:sp>
+        <p:nvSpPr>
+          <p:cNvPr id="7" name="Rectangle 7"/>
+          <p:cNvSpPr>
+            <a:spLocks noGrp="1" noChangeArrowheads="1"/>
+          </p:cNvSpPr>
+          <p:nvPr>
+            <p:ph type="sldNum" sz="quarter" idx="5"/>
+          </p:nvPr>
+        </p:nvSpPr>
+        <p:spPr>
+          <a:ln/>
+        </p:spPr>
+        <p:txBody>
+          <a:bodyPr/>
+          <a:lstStyle/>
+          <a:p>
             <a:fld id="{8C1000FD-81A5-4DEA-B6E7-C7006B6DE16D}" type="slidenum">
               <a:rPr lang="en-US"/>
               <a:pPr/>
-              <a:t>29</a:t>
+              <a:t>30</a:t>
             </a:fld>
             <a:endParaRPr lang="en-US"/>
           </a:p>
@@ -1763,7 +1848,7 @@
 </p:notes>
 </file>
 
-<file path=ppt/notesSlides/notesSlide21.xml><?xml version="1.0" encoding="utf-8"?>
+<file path=ppt/notesSlides/notesSlide22.xml><?xml version="1.0" encoding="utf-8"?>
 <p:notes xmlns:a="http://schemas.openxmlformats.org/drawingml/2006/main" xmlns:r="http://schemas.openxmlformats.org/officeDocument/2006/relationships" xmlns:p="http://schemas.openxmlformats.org/presentationml/2006/main">
   <p:cSld>
     <p:spTree>
@@ -1831,7 +1916,7 @@
             <a:fld id="{4E59DC59-ED3D-4108-AF3A-3AFD1215876E}" type="slidenum">
               <a:rPr lang="en-US" smtClean="0"/>
               <a:pPr/>
-              <a:t>30</a:t>
+              <a:t>31</a:t>
             </a:fld>
             <a:endParaRPr lang="en-US"/>
           </a:p>
@@ -1845,7 +1930,7 @@
 </p:notes>
 </file>
 
-<file path=ppt/notesSlides/notesSlide22.xml><?xml version="1.0" encoding="utf-8"?>
+<file path=ppt/notesSlides/notesSlide23.xml><?xml version="1.0" encoding="utf-8"?>
 <p:notes xmlns:a="http://schemas.openxmlformats.org/drawingml/2006/main" xmlns:r="http://schemas.openxmlformats.org/officeDocument/2006/relationships" xmlns:p="http://schemas.openxmlformats.org/presentationml/2006/main">
   <p:cSld>
     <p:spTree>
@@ -1882,7 +1967,7 @@
             <a:fld id="{E52C0FD9-01BA-49C9-862B-3DBB9ED90316}" type="slidenum">
               <a:rPr lang="en-US"/>
               <a:pPr/>
-              <a:t>31</a:t>
+              <a:t>32</a:t>
             </a:fld>
             <a:endParaRPr lang="en-US"/>
           </a:p>
@@ -1929,7 +2014,7 @@
 </p:notes>
 </file>
 
-<file path=ppt/notesSlides/notesSlide23.xml><?xml version="1.0" encoding="utf-8"?>
+<file path=ppt/notesSlides/notesSlide24.xml><?xml version="1.0" encoding="utf-8"?>
 <p:notes xmlns:a="http://schemas.openxmlformats.org/drawingml/2006/main" xmlns:r="http://schemas.openxmlformats.org/officeDocument/2006/relationships" xmlns:p="http://schemas.openxmlformats.org/presentationml/2006/main">
   <p:cSld>
     <p:spTree>
@@ -1966,7 +2051,7 @@
             <a:fld id="{93063D89-1BEB-44C7-9D60-7D34E53ADAED}" type="slidenum">
               <a:rPr lang="en-US"/>
               <a:pPr/>
-              <a:t>33</a:t>
+              <a:t>34</a:t>
             </a:fld>
             <a:endParaRPr lang="en-US"/>
           </a:p>
@@ -2013,7 +2098,7 @@
 </p:notes>
 </file>
 
-<file path=ppt/notesSlides/notesSlide24.xml><?xml version="1.0" encoding="utf-8"?>
+<file path=ppt/notesSlides/notesSlide25.xml><?xml version="1.0" encoding="utf-8"?>
 <p:notes xmlns:a="http://schemas.openxmlformats.org/drawingml/2006/main" xmlns:r="http://schemas.openxmlformats.org/officeDocument/2006/relationships" xmlns:p="http://schemas.openxmlformats.org/presentationml/2006/main">
   <p:cSld>
     <p:spTree>
@@ -2050,7 +2135,7 @@
             <a:fld id="{6653F924-F418-411E-8C35-24F3766CE997}" type="slidenum">
               <a:rPr lang="en-US" smtClean="0"/>
               <a:pPr/>
-              <a:t>34</a:t>
+              <a:t>35</a:t>
             </a:fld>
             <a:endParaRPr lang="en-US" smtClean="0"/>
           </a:p>
@@ -2100,7 +2185,7 @@
 </p:notes>
 </file>
 
-<file path=ppt/notesSlides/notesSlide25.xml><?xml version="1.0" encoding="utf-8"?>
+<file path=ppt/notesSlides/notesSlide26.xml><?xml version="1.0" encoding="utf-8"?>
 <p:notes xmlns:a="http://schemas.openxmlformats.org/drawingml/2006/main" xmlns:r="http://schemas.openxmlformats.org/officeDocument/2006/relationships" xmlns:p="http://schemas.openxmlformats.org/presentationml/2006/main">
   <p:cSld>
     <p:spTree>
@@ -2137,7 +2222,7 @@
             <a:fld id="{C34230E7-CC69-451E-AB82-0768BECFB6F3}" type="slidenum">
               <a:rPr lang="en-US"/>
               <a:pPr/>
-              <a:t>35</a:t>
+              <a:t>36</a:t>
             </a:fld>
             <a:endParaRPr lang="en-US"/>
           </a:p>
@@ -2386,7 +2471,7 @@
           <a:bodyPr/>
           <a:lstStyle/>
           <a:p>
-            <a:fld id="{2E254194-A2EE-4DB4-B2A1-83E0952B5054}" type="slidenum">
+            <a:fld id="{03FFB934-EACA-4282-936B-EFCFE70EF514}" type="slidenum">
               <a:rPr lang="en-US"/>
               <a:pPr/>
               <a:t>10</a:t>
@@ -2397,7 +2482,7 @@
       </p:sp>
       <p:sp>
         <p:nvSpPr>
-          <p:cNvPr id="739330" name="Rectangle 2"/>
+          <p:cNvPr id="733186" name="Rectangle 2"/>
           <p:cNvSpPr>
             <a:spLocks noGrp="1" noRot="1" noChangeAspect="1" noChangeArrowheads="1" noTextEdit="1"/>
           </p:cNvSpPr>
@@ -2411,7 +2496,7 @@
       </p:sp>
       <p:sp>
         <p:nvSpPr>
-          <p:cNvPr id="739331" name="Rectangle 3"/>
+          <p:cNvPr id="733187" name="Rectangle 3"/>
           <p:cNvSpPr>
             <a:spLocks noGrp="1" noChangeArrowheads="1"/>
           </p:cNvSpPr>
@@ -2470,7 +2555,7 @@
           <a:bodyPr/>
           <a:lstStyle/>
           <a:p>
-            <a:fld id="{03FFB934-EACA-4282-936B-EFCFE70EF514}" type="slidenum">
+            <a:fld id="{2E254194-A2EE-4DB4-B2A1-83E0952B5054}" type="slidenum">
               <a:rPr lang="en-US"/>
               <a:pPr/>
               <a:t>11</a:t>
@@ -2481,7 +2566,7 @@
       </p:sp>
       <p:sp>
         <p:nvSpPr>
-          <p:cNvPr id="733186" name="Rectangle 2"/>
+          <p:cNvPr id="739330" name="Rectangle 2"/>
           <p:cNvSpPr>
             <a:spLocks noGrp="1" noRot="1" noChangeAspect="1" noChangeArrowheads="1" noTextEdit="1"/>
           </p:cNvSpPr>
@@ -2495,7 +2580,7 @@
       </p:sp>
       <p:sp>
         <p:nvSpPr>
-          <p:cNvPr id="733187" name="Rectangle 3"/>
+          <p:cNvPr id="739331" name="Rectangle 3"/>
           <p:cNvSpPr>
             <a:spLocks noGrp="1" noChangeArrowheads="1"/>
           </p:cNvSpPr>
@@ -2554,7 +2639,7 @@
           <a:bodyPr/>
           <a:lstStyle/>
           <a:p>
-            <a:fld id="{03024885-B15F-4841-833A-C5A00D806DA7}" type="slidenum">
+            <a:fld id="{03FFB934-EACA-4282-936B-EFCFE70EF514}" type="slidenum">
               <a:rPr lang="en-US"/>
               <a:pPr/>
               <a:t>12</a:t>
@@ -2565,7 +2650,7 @@
       </p:sp>
       <p:sp>
         <p:nvSpPr>
-          <p:cNvPr id="735234" name="Rectangle 2"/>
+          <p:cNvPr id="733186" name="Rectangle 2"/>
           <p:cNvSpPr>
             <a:spLocks noGrp="1" noRot="1" noChangeAspect="1" noChangeArrowheads="1" noTextEdit="1"/>
           </p:cNvSpPr>
@@ -2579,7 +2664,7 @@
       </p:sp>
       <p:sp>
         <p:nvSpPr>
-          <p:cNvPr id="735235" name="Rectangle 3"/>
+          <p:cNvPr id="733187" name="Rectangle 3"/>
           <p:cNvSpPr>
             <a:spLocks noGrp="1" noChangeArrowheads="1"/>
           </p:cNvSpPr>
@@ -2638,7 +2723,7 @@
           <a:bodyPr/>
           <a:lstStyle/>
           <a:p>
-            <a:fld id="{9885A2D2-EAA3-4553-820E-BF7714AE554C}" type="slidenum">
+            <a:fld id="{03024885-B15F-4841-833A-C5A00D806DA7}" type="slidenum">
               <a:rPr lang="en-US"/>
               <a:pPr/>
               <a:t>13</a:t>
@@ -2649,7 +2734,7 @@
       </p:sp>
       <p:sp>
         <p:nvSpPr>
-          <p:cNvPr id="732162" name="Rectangle 2"/>
+          <p:cNvPr id="735234" name="Rectangle 2"/>
           <p:cNvSpPr>
             <a:spLocks noGrp="1" noRot="1" noChangeAspect="1" noChangeArrowheads="1" noTextEdit="1"/>
           </p:cNvSpPr>
@@ -2663,7 +2748,7 @@
       </p:sp>
       <p:sp>
         <p:nvSpPr>
-          <p:cNvPr id="732163" name="Rectangle 3"/>
+          <p:cNvPr id="735235" name="Rectangle 3"/>
           <p:cNvSpPr>
             <a:spLocks noGrp="1" noChangeArrowheads="1"/>
           </p:cNvSpPr>
@@ -4393,6 +4478,340 @@
 </file>
 
 <file path=ppt/slides/slide10.xml><?xml version="1.0" encoding="utf-8"?>
+<p:sld xmlns:a="http://schemas.openxmlformats.org/drawingml/2006/main" xmlns:r="http://schemas.openxmlformats.org/officeDocument/2006/relationships" xmlns:p="http://schemas.openxmlformats.org/presentationml/2006/main">
+  <p:cSld>
+    <p:spTree>
+      <p:nvGrpSpPr>
+        <p:cNvPr id="1" name=""/>
+        <p:cNvGrpSpPr/>
+        <p:nvPr/>
+      </p:nvGrpSpPr>
+      <p:grpSpPr>
+        <a:xfrm>
+          <a:off x="0" y="0"/>
+          <a:ext cx="0" cy="0"/>
+          <a:chOff x="0" y="0"/>
+          <a:chExt cx="0" cy="0"/>
+        </a:xfrm>
+      </p:grpSpPr>
+      <p:sp>
+        <p:nvSpPr>
+          <p:cNvPr id="2" name="TextBox 1"/>
+          <p:cNvSpPr txBox="1"/>
+          <p:nvPr/>
+        </p:nvSpPr>
+        <p:spPr>
+          <a:xfrm>
+            <a:off x="609600" y="1371600"/>
+            <a:ext cx="7772400" cy="3962400"/>
+          </a:xfrm>
+          <a:prstGeom prst="rect">
+            <a:avLst/>
+          </a:prstGeom>
+          <a:noFill/>
+        </p:spPr>
+        <p:txBody>
+          <a:bodyPr wrap="square" rtlCol="0">
+            <a:noAutofit/>
+          </a:bodyPr>
+          <a:lstStyle/>
+          <a:p>
+            <a:r>
+              <a:rPr lang="en-US" sz="4800" i="1" dirty="0" smtClean="0">
+                <a:latin typeface="Comic Sans MS" pitchFamily="66" charset="0"/>
+              </a:rPr>
+              <a:t>Theorem:</a:t>
+            </a:r>
+          </a:p>
+          <a:p>
+            <a:r>
+              <a:rPr lang="en-US" sz="6000" dirty="0" smtClean="0">
+                <a:solidFill>
+                  <a:srgbClr val="0000FF"/>
+                </a:solidFill>
+                <a:latin typeface="Comic Sans MS" pitchFamily="66" charset="0"/>
+              </a:rPr>
+              <a:t>R</a:t>
+            </a:r>
+            <a:r>
+              <a:rPr lang="en-US" sz="6000" dirty="0" smtClean="0">
+                <a:latin typeface="Comic Sans MS" pitchFamily="66" charset="0"/>
+              </a:rPr>
+              <a:t> is a SPO </a:t>
+            </a:r>
+            <a:r>
+              <a:rPr lang="en-US" sz="6000" dirty="0" err="1" smtClean="0">
+                <a:latin typeface="Comic Sans MS" pitchFamily="66" charset="0"/>
+              </a:rPr>
+              <a:t>iff</a:t>
+            </a:r>
+            <a:endParaRPr lang="en-US" sz="6000" dirty="0">
+              <a:latin typeface="Comic Sans MS" pitchFamily="66" charset="0"/>
+            </a:endParaRPr>
+          </a:p>
+          <a:p>
+            <a:r>
+              <a:rPr lang="en-US" sz="6000" dirty="0" smtClean="0">
+                <a:solidFill>
+                  <a:srgbClr val="0000FF"/>
+                </a:solidFill>
+                <a:latin typeface="Comic Sans MS" pitchFamily="66" charset="0"/>
+              </a:rPr>
+              <a:t>R = D</a:t>
+            </a:r>
+            <a:r>
+              <a:rPr lang="en-US" sz="6600" dirty="0" smtClean="0">
+                <a:solidFill>
+                  <a:srgbClr val="0000FF"/>
+                </a:solidFill>
+                <a:latin typeface="Comic Sans MS" pitchFamily="66" charset="0"/>
+              </a:rPr>
+              <a:t>+</a:t>
+            </a:r>
+            <a:r>
+              <a:rPr lang="en-US" sz="6600" dirty="0" smtClean="0">
+                <a:latin typeface="Comic Sans MS" pitchFamily="66" charset="0"/>
+              </a:rPr>
+              <a:t> for some    </a:t>
+            </a:r>
+          </a:p>
+          <a:p>
+            <a:r>
+              <a:rPr lang="en-US" sz="6600" dirty="0">
+                <a:latin typeface="Comic Sans MS" pitchFamily="66" charset="0"/>
+              </a:rPr>
+              <a:t> </a:t>
+            </a:r>
+            <a:r>
+              <a:rPr lang="en-US" sz="6600" dirty="0" smtClean="0">
+                <a:latin typeface="Comic Sans MS" pitchFamily="66" charset="0"/>
+              </a:rPr>
+              <a:t>         DAG </a:t>
+            </a:r>
+            <a:r>
+              <a:rPr lang="en-US" sz="6600" dirty="0" smtClean="0">
+                <a:solidFill>
+                  <a:srgbClr val="0000FF"/>
+                </a:solidFill>
+                <a:latin typeface="Comic Sans MS" pitchFamily="66" charset="0"/>
+              </a:rPr>
+              <a:t>D</a:t>
+            </a:r>
+            <a:endParaRPr lang="en-US" sz="6000" dirty="0" smtClean="0">
+              <a:solidFill>
+                <a:srgbClr val="0000FF"/>
+              </a:solidFill>
+              <a:latin typeface="Comic Sans MS" pitchFamily="66" charset="0"/>
+            </a:endParaRPr>
+          </a:p>
+        </p:txBody>
+      </p:sp>
+      <p:sp>
+        <p:nvSpPr>
+          <p:cNvPr id="5" name="Rectangle 2"/>
+          <p:cNvSpPr txBox="1">
+            <a:spLocks noChangeArrowheads="1"/>
+          </p:cNvSpPr>
+          <p:nvPr/>
+        </p:nvSpPr>
+        <p:spPr>
+          <a:xfrm>
+            <a:off x="1264466" y="274638"/>
+            <a:ext cx="7422334" cy="1096962"/>
+          </a:xfrm>
+          <a:prstGeom prst="rect">
+            <a:avLst/>
+          </a:prstGeom>
+        </p:spPr>
+        <p:txBody>
+          <a:bodyPr vert="horz" lIns="91440" tIns="45720" rIns="91440" bIns="45720" rtlCol="0" anchor="ctr">
+            <a:noAutofit/>
+          </a:bodyPr>
+          <a:lstStyle>
+            <a:lvl1pPr algn="ctr" defTabSz="914400" rtl="0" eaLnBrk="1" latinLnBrk="0" hangingPunct="1">
+              <a:spcBef>
+                <a:spcPct val="0"/>
+              </a:spcBef>
+              <a:buNone/>
+              <a:defRPr sz="3200" b="1" kern="1200">
+                <a:solidFill>
+                  <a:schemeClr val="tx1"/>
+                </a:solidFill>
+                <a:latin typeface="Comic Sans MS" pitchFamily="66" charset="0"/>
+                <a:ea typeface="+mj-ea"/>
+                <a:cs typeface="+mj-cs"/>
+              </a:defRPr>
+            </a:lvl1pPr>
+          </a:lstStyle>
+          <a:p>
+            <a:r>
+              <a:rPr lang="en-US" sz="5400" dirty="0" smtClean="0"/>
+              <a:t>strict partial orders</a:t>
+            </a:r>
+            <a:endParaRPr lang="en-US" sz="5400" dirty="0"/>
+          </a:p>
+        </p:txBody>
+      </p:sp>
+    </p:spTree>
+    <p:extLst>
+      <p:ext uri="{BB962C8B-B14F-4D97-AF65-F5344CB8AC3E}">
+        <p14:creationId xmlns:p14="http://schemas.microsoft.com/office/powerpoint/2010/main" val="2403809534"/>
+      </p:ext>
+    </p:extLst>
+  </p:cSld>
+  <p:clrMapOvr>
+    <a:masterClrMapping/>
+  </p:clrMapOvr>
+  <mc:AlternateContent xmlns:mc="http://schemas.openxmlformats.org/markup-compatibility/2006" xmlns:p14="http://schemas.microsoft.com/office/powerpoint/2010/main">
+    <mc:Choice Requires="p14">
+      <p:transition spd="med" p14:dur="700">
+        <p:fade thruBlk="1"/>
+      </p:transition>
+    </mc:Choice>
+    <mc:Fallback xmlns="">
+      <p:transition xmlns:p14="http://schemas.microsoft.com/office/powerpoint/2010/main" spd="med">
+        <p:fade thruBlk="1"/>
+      </p:transition>
+    </mc:Fallback>
+  </mc:AlternateContent>
+  <p:timing>
+    <p:tnLst>
+      <p:par>
+        <p:cTn xmlns:p14="http://schemas.microsoft.com/office/powerpoint/2010/main" id="1" dur="indefinite" restart="never" nodeType="tmRoot">
+          <p:childTnLst>
+            <p:seq concurrent="1" nextAc="seek">
+              <p:cTn id="2" dur="indefinite" nodeType="mainSeq">
+                <p:childTnLst>
+                  <p:par>
+                    <p:cTn id="3" fill="hold">
+                      <p:stCondLst>
+                        <p:cond delay="indefinite"/>
+                      </p:stCondLst>
+                      <p:childTnLst>
+                        <p:par>
+                          <p:cTn id="4" fill="hold">
+                            <p:stCondLst>
+                              <p:cond delay="0"/>
+                            </p:stCondLst>
+                            <p:childTnLst>
+                              <p:par>
+                                <p:cTn id="5" presetID="9" presetClass="entr" presetSubtype="0" fill="hold" nodeType="clickEffect">
+                                  <p:stCondLst>
+                                    <p:cond delay="0"/>
+                                  </p:stCondLst>
+                                  <p:childTnLst>
+                                    <p:set>
+                                      <p:cBhvr>
+                                        <p:cTn id="6" dur="1" fill="hold">
+                                          <p:stCondLst>
+                                            <p:cond delay="0"/>
+                                          </p:stCondLst>
+                                        </p:cTn>
+                                        <p:tgtEl>
+                                          <p:spTgt spid="2">
+                                            <p:txEl>
+                                              <p:pRg st="2" end="2"/>
+                                            </p:txEl>
+                                          </p:spTgt>
+                                        </p:tgtEl>
+                                        <p:attrNameLst>
+                                          <p:attrName>style.visibility</p:attrName>
+                                        </p:attrNameLst>
+                                      </p:cBhvr>
+                                      <p:to>
+                                        <p:strVal val="visible"/>
+                                      </p:to>
+                                    </p:set>
+                                    <p:animEffect transition="in" filter="dissolve">
+                                      <p:cBhvr>
+                                        <p:cTn id="7" dur="500"/>
+                                        <p:tgtEl>
+                                          <p:spTgt spid="2">
+                                            <p:txEl>
+                                              <p:pRg st="2" end="2"/>
+                                            </p:txEl>
+                                          </p:spTgt>
+                                        </p:tgtEl>
+                                      </p:cBhvr>
+                                    </p:animEffect>
+                                  </p:childTnLst>
+                                </p:cTn>
+                              </p:par>
+                              <p:par>
+                                <p:cTn id="8" presetID="9" presetClass="entr" presetSubtype="0" fill="hold" nodeType="withEffect">
+                                  <p:stCondLst>
+                                    <p:cond delay="0"/>
+                                  </p:stCondLst>
+                                  <p:childTnLst>
+                                    <p:set>
+                                      <p:cBhvr>
+                                        <p:cTn id="9" dur="1" fill="hold">
+                                          <p:stCondLst>
+                                            <p:cond delay="0"/>
+                                          </p:stCondLst>
+                                        </p:cTn>
+                                        <p:tgtEl>
+                                          <p:spTgt spid="2">
+                                            <p:txEl>
+                                              <p:pRg st="3" end="3"/>
+                                            </p:txEl>
+                                          </p:spTgt>
+                                        </p:tgtEl>
+                                        <p:attrNameLst>
+                                          <p:attrName>style.visibility</p:attrName>
+                                        </p:attrNameLst>
+                                      </p:cBhvr>
+                                      <p:to>
+                                        <p:strVal val="visible"/>
+                                      </p:to>
+                                    </p:set>
+                                    <p:animEffect transition="in" filter="dissolve">
+                                      <p:cBhvr>
+                                        <p:cTn id="10" dur="500"/>
+                                        <p:tgtEl>
+                                          <p:spTgt spid="2">
+                                            <p:txEl>
+                                              <p:pRg st="3" end="3"/>
+                                            </p:txEl>
+                                          </p:spTgt>
+                                        </p:tgtEl>
+                                      </p:cBhvr>
+                                    </p:animEffect>
+                                  </p:childTnLst>
+                                </p:cTn>
+                              </p:par>
+                            </p:childTnLst>
+                          </p:cTn>
+                        </p:par>
+                      </p:childTnLst>
+                    </p:cTn>
+                  </p:par>
+                </p:childTnLst>
+              </p:cTn>
+              <p:prevCondLst>
+                <p:cond evt="onPrev" delay="0">
+                  <p:tgtEl>
+                    <p:sldTgt/>
+                  </p:tgtEl>
+                </p:cond>
+              </p:prevCondLst>
+              <p:nextCondLst>
+                <p:cond evt="onNext" delay="0">
+                  <p:tgtEl>
+                    <p:sldTgt/>
+                  </p:tgtEl>
+                </p:cond>
+              </p:nextCondLst>
+            </p:seq>
+          </p:childTnLst>
+        </p:cTn>
+      </p:par>
+    </p:tnLst>
+  </p:timing>
+</p:sld>
+</file>
+
+<file path=ppt/slides/slide11.xml><?xml version="1.0" encoding="utf-8"?>
 <p:sld xmlns:a="http://schemas.openxmlformats.org/drawingml/2006/main" xmlns:r="http://schemas.openxmlformats.org/officeDocument/2006/relationships" xmlns:p="http://schemas.openxmlformats.org/presentationml/2006/main" show="0">
   <p:cSld>
     <p:spTree>
@@ -4620,7 +5039,7 @@
           <a:graphicData uri="http://schemas.openxmlformats.org/presentationml/2006/ole">
             <mc:AlternateContent xmlns:mc="http://schemas.openxmlformats.org/markup-compatibility/2006">
               <mc:Choice xmlns:v="urn:schemas-microsoft-com:vml" Requires="v">
-                <p:oleObj spid="_x0000_s24610" name="Equation" r:id="rId4" imgW="419100" imgH="177800" progId="Equation.DSMT4">
+                <p:oleObj spid="_x0000_s24613" name="Equation" r:id="rId4" imgW="419100" imgH="177800" progId="Equation.DSMT4">
                   <p:embed/>
                 </p:oleObj>
               </mc:Choice>
@@ -4989,7 +5408,7 @@
 </p:sld>
 </file>
 
-<file path=ppt/slides/slide11.xml><?xml version="1.0" encoding="utf-8"?>
+<file path=ppt/slides/slide12.xml><?xml version="1.0" encoding="utf-8"?>
 <p:sld xmlns:a="http://schemas.openxmlformats.org/drawingml/2006/main" xmlns:r="http://schemas.openxmlformats.org/officeDocument/2006/relationships" xmlns:p="http://schemas.openxmlformats.org/presentationml/2006/main">
   <p:cSld>
     <p:spTree>
@@ -5607,7 +6026,7 @@
 </p:sld>
 </file>
 
-<file path=ppt/slides/slide12.xml><?xml version="1.0" encoding="utf-8"?>
+<file path=ppt/slides/slide13.xml><?xml version="1.0" encoding="utf-8"?>
 <p:sld xmlns:a="http://schemas.openxmlformats.org/drawingml/2006/main" xmlns:r="http://schemas.openxmlformats.org/officeDocument/2006/relationships" xmlns:p="http://schemas.openxmlformats.org/presentationml/2006/main">
   <p:cSld>
     <p:spTree>
@@ -5664,8 +6083,8 @@
         </p:nvSpPr>
         <p:spPr bwMode="auto">
           <a:xfrm>
-            <a:off x="817549" y="1600200"/>
-            <a:ext cx="6898117" cy="2862322"/>
+            <a:off x="685800" y="1470660"/>
+            <a:ext cx="7869251" cy="3939540"/>
           </a:xfrm>
           <a:prstGeom prst="rect">
             <a:avLst/>
@@ -5680,7 +6099,7 @@
           <a:effectLst/>
         </p:spPr>
         <p:txBody>
-          <a:bodyPr wrap="none">
+          <a:bodyPr wrap="square">
             <a:spAutoFit/>
           </a:bodyPr>
           <a:lstStyle/>
@@ -5760,7 +6179,11 @@
             </a:endParaRPr>
           </a:p>
           <a:p>
-            <a:pPr marL="742950" indent="-285750"/>
+            <a:pPr marL="742950" indent="-285750">
+              <a:spcAft>
+                <a:spcPts val="1200"/>
+              </a:spcAft>
+            </a:pPr>
             <a:r>
               <a:rPr lang="en-US" sz="6000" dirty="0" smtClean="0">
                 <a:solidFill>
@@ -5856,6 +6279,55 @@
               </a:rPr>
               <a:t>A</a:t>
             </a:r>
+          </a:p>
+          <a:p>
+            <a:pPr marL="742950" indent="-285750">
+              <a:spcAft>
+                <a:spcPts val="1200"/>
+              </a:spcAft>
+            </a:pPr>
+            <a:r>
+              <a:rPr lang="en-US" sz="6000" dirty="0" smtClean="0">
+                <a:solidFill>
+                  <a:srgbClr val="0000FF"/>
+                </a:solidFill>
+                <a:latin typeface="Comic Sans MS" pitchFamily="66" charset="0"/>
+              </a:rPr>
+              <a:t>G</a:t>
+            </a:r>
+            <a:r>
+              <a:rPr lang="en-US" sz="6000" baseline="30000" dirty="0" smtClean="0">
+                <a:solidFill>
+                  <a:srgbClr val="0000FF"/>
+                </a:solidFill>
+                <a:latin typeface="Comic Sans MS" pitchFamily="66" charset="0"/>
+              </a:rPr>
+              <a:t>*</a:t>
+            </a:r>
+            <a:r>
+              <a:rPr lang="en-US" sz="6000" dirty="0" smtClean="0">
+                <a:latin typeface="Comic Sans MS" pitchFamily="66" charset="0"/>
+              </a:rPr>
+              <a:t> </a:t>
+            </a:r>
+            <a:r>
+              <a:rPr lang="en-US" sz="6000" dirty="0">
+                <a:latin typeface="Comic Sans MS" pitchFamily="66" charset="0"/>
+              </a:rPr>
+              <a:t>is </a:t>
+            </a:r>
+            <a:r>
+              <a:rPr lang="en-US" sz="6000" dirty="0" smtClean="0">
+                <a:latin typeface="Comic Sans MS" pitchFamily="66" charset="0"/>
+              </a:rPr>
+              <a:t>reflexive</a:t>
+            </a:r>
+            <a:endParaRPr lang="en-US" sz="6000" dirty="0" smtClean="0">
+              <a:solidFill>
+                <a:srgbClr val="1E03BD"/>
+              </a:solidFill>
+              <a:latin typeface="Comic Sans MS" pitchFamily="66" charset="0"/>
+            </a:endParaRPr>
           </a:p>
         </p:txBody>
       </p:sp>
@@ -5873,14 +6345,98 @@
   <p:timing>
     <p:tnLst>
       <p:par>
-        <p:cTn xmlns:p14="http://schemas.microsoft.com/office/powerpoint/2010/main" id="1" dur="indefinite" restart="never" nodeType="tmRoot"/>
+        <p:cTn xmlns:p14="http://schemas.microsoft.com/office/powerpoint/2010/main" id="1" dur="indefinite" restart="never" nodeType="tmRoot">
+          <p:childTnLst>
+            <p:seq concurrent="1" nextAc="seek">
+              <p:cTn id="2" dur="indefinite" nodeType="mainSeq">
+                <p:childTnLst>
+                  <p:par>
+                    <p:cTn id="3" fill="hold">
+                      <p:stCondLst>
+                        <p:cond delay="indefinite"/>
+                      </p:stCondLst>
+                      <p:childTnLst>
+                        <p:par>
+                          <p:cTn id="4" fill="hold">
+                            <p:stCondLst>
+                              <p:cond delay="0"/>
+                            </p:stCondLst>
+                            <p:childTnLst>
+                              <p:par>
+                                <p:cTn id="5" presetID="9" presetClass="entr" presetSubtype="0" fill="hold" nodeType="clickEffect">
+                                  <p:stCondLst>
+                                    <p:cond delay="0"/>
+                                  </p:stCondLst>
+                                  <p:childTnLst>
+                                    <p:set>
+                                      <p:cBhvr>
+                                        <p:cTn id="6" dur="1" fill="hold">
+                                          <p:stCondLst>
+                                            <p:cond delay="0"/>
+                                          </p:stCondLst>
+                                        </p:cTn>
+                                        <p:tgtEl>
+                                          <p:spTgt spid="681987">
+                                            <p:txEl>
+                                              <p:pRg st="3" end="3"/>
+                                            </p:txEl>
+                                          </p:spTgt>
+                                        </p:tgtEl>
+                                        <p:attrNameLst>
+                                          <p:attrName>style.visibility</p:attrName>
+                                        </p:attrNameLst>
+                                      </p:cBhvr>
+                                      <p:to>
+                                        <p:strVal val="visible"/>
+                                      </p:to>
+                                    </p:set>
+                                    <p:animEffect transition="in" filter="dissolve">
+                                      <p:cBhvr>
+                                        <p:cTn id="7" dur="500"/>
+                                        <p:tgtEl>
+                                          <p:spTgt spid="681987">
+                                            <p:txEl>
+                                              <p:pRg st="3" end="3"/>
+                                            </p:txEl>
+                                          </p:spTgt>
+                                        </p:tgtEl>
+                                      </p:cBhvr>
+                                    </p:animEffect>
+                                  </p:childTnLst>
+                                </p:cTn>
+                              </p:par>
+                            </p:childTnLst>
+                          </p:cTn>
+                        </p:par>
+                      </p:childTnLst>
+                    </p:cTn>
+                  </p:par>
+                </p:childTnLst>
+              </p:cTn>
+              <p:prevCondLst>
+                <p:cond evt="onPrev" delay="0">
+                  <p:tgtEl>
+                    <p:sldTgt/>
+                  </p:tgtEl>
+                </p:cond>
+              </p:prevCondLst>
+              <p:nextCondLst>
+                <p:cond evt="onNext" delay="0">
+                  <p:tgtEl>
+                    <p:sldTgt/>
+                  </p:tgtEl>
+                </p:cond>
+              </p:nextCondLst>
+            </p:seq>
+          </p:childTnLst>
+        </p:cTn>
       </p:par>
     </p:tnLst>
   </p:timing>
 </p:sld>
 </file>
 
-<file path=ppt/slides/slide13.xml><?xml version="1.0" encoding="utf-8"?>
+<file path=ppt/slides/slide14.xml><?xml version="1.0" encoding="utf-8"?>
 <p:sld xmlns:a="http://schemas.openxmlformats.org/drawingml/2006/main" xmlns:r="http://schemas.openxmlformats.org/officeDocument/2006/relationships" xmlns:p="http://schemas.openxmlformats.org/presentationml/2006/main">
   <p:cSld>
     <p:spTree>
@@ -5993,13 +6549,7 @@
               <a:rPr lang="en-US" sz="5400" dirty="0" smtClean="0">
                 <a:latin typeface="Comic Sans MS" pitchFamily="66" charset="0"/>
               </a:rPr>
-              <a:t>except </a:t>
-            </a:r>
-            <a:r>
-              <a:rPr lang="en-US" sz="5400" dirty="0" smtClean="0">
-                <a:latin typeface="Comic Sans MS" pitchFamily="66" charset="0"/>
-              </a:rPr>
-              <a:t>for </a:t>
+              <a:t>except for </a:t>
             </a:r>
             <a:r>
               <a:rPr lang="en-US" sz="5400" dirty="0" smtClean="0">
@@ -6142,11 +6692,11 @@
   <p:clrMapOvr>
     <a:masterClrMapping/>
   </p:clrMapOvr>
-  <mc:AlternateContent xmlns:mc="http://schemas.openxmlformats.org/markup-compatibility/2006">
-    <mc:Choice xmlns:p14="http://schemas.microsoft.com/office/powerpoint/2010/main" Requires="p14">
+  <mc:AlternateContent xmlns:mc="http://schemas.openxmlformats.org/markup-compatibility/2006" xmlns:p14="http://schemas.microsoft.com/office/powerpoint/2010/main">
+    <mc:Choice Requires="p14">
       <p:transition p14:dur="0"/>
     </mc:Choice>
-    <mc:Fallback>
+    <mc:Fallback xmlns="">
       <p:transition xmlns:p14="http://schemas.microsoft.com/office/powerpoint/2010/main"/>
     </mc:Fallback>
   </mc:AlternateContent>
@@ -6391,7 +6941,7 @@
 </p:sld>
 </file>
 
-<file path=ppt/slides/slide14.xml><?xml version="1.0" encoding="utf-8"?>
+<file path=ppt/slides/slide15.xml><?xml version="1.0" encoding="utf-8"?>
 <p:sld xmlns:a="http://schemas.openxmlformats.org/drawingml/2006/main" xmlns:r="http://schemas.openxmlformats.org/officeDocument/2006/relationships" xmlns:p="http://schemas.openxmlformats.org/presentationml/2006/main">
   <p:cSld>
     <p:spTree>
@@ -7136,7 +7686,7 @@
 </p:sld>
 </file>
 
-<file path=ppt/slides/slide15.xml><?xml version="1.0" encoding="utf-8"?>
+<file path=ppt/slides/slide16.xml><?xml version="1.0" encoding="utf-8"?>
 <p:sld xmlns:a="http://schemas.openxmlformats.org/drawingml/2006/main" xmlns:r="http://schemas.openxmlformats.org/officeDocument/2006/relationships" xmlns:p="http://schemas.openxmlformats.org/presentationml/2006/main">
   <p:cSld>
     <p:spTree>
@@ -7266,11 +7816,11 @@
   <p:clrMapOvr>
     <a:masterClrMapping/>
   </p:clrMapOvr>
-  <mc:AlternateContent xmlns:mc="http://schemas.openxmlformats.org/markup-compatibility/2006">
-    <mc:Choice xmlns:p14="http://schemas.microsoft.com/office/powerpoint/2010/main" Requires="p14">
+  <mc:AlternateContent xmlns:mc="http://schemas.openxmlformats.org/markup-compatibility/2006" xmlns:p14="http://schemas.microsoft.com/office/powerpoint/2010/main">
+    <mc:Choice Requires="p14">
       <p:transition p14:dur="0"/>
     </mc:Choice>
-    <mc:Fallback>
+    <mc:Fallback xmlns="">
       <p:transition xmlns:p14="http://schemas.microsoft.com/office/powerpoint/2010/main"/>
     </mc:Fallback>
   </mc:AlternateContent>
@@ -7363,7 +7913,7 @@
 </p:sld>
 </file>
 
-<file path=ppt/slides/slide16.xml><?xml version="1.0" encoding="utf-8"?>
+<file path=ppt/slides/slide17.xml><?xml version="1.0" encoding="utf-8"?>
 <p:sld xmlns:a="http://schemas.openxmlformats.org/drawingml/2006/main" xmlns:r="http://schemas.openxmlformats.org/officeDocument/2006/relationships" xmlns:p="http://schemas.openxmlformats.org/presentationml/2006/main">
   <p:cSld>
     <p:spTree>
@@ -7571,11 +8121,11 @@
   <p:clrMapOvr>
     <a:masterClrMapping/>
   </p:clrMapOvr>
-  <mc:AlternateContent xmlns:mc="http://schemas.openxmlformats.org/markup-compatibility/2006">
-    <mc:Choice xmlns:p14="http://schemas.microsoft.com/office/powerpoint/2010/main" Requires="p14">
+  <mc:AlternateContent xmlns:mc="http://schemas.openxmlformats.org/markup-compatibility/2006" xmlns:p14="http://schemas.microsoft.com/office/powerpoint/2010/main">
+    <mc:Choice Requires="p14">
       <p:transition p14:dur="0"/>
     </mc:Choice>
-    <mc:Fallback>
+    <mc:Fallback xmlns="">
       <p:transition xmlns:p14="http://schemas.microsoft.com/office/powerpoint/2010/main"/>
     </mc:Fallback>
   </mc:AlternateContent>
@@ -7777,7 +8327,7 @@
 </p:sld>
 </file>
 
-<file path=ppt/slides/slide17.xml><?xml version="1.0" encoding="utf-8"?>
+<file path=ppt/slides/slide18.xml><?xml version="1.0" encoding="utf-8"?>
 <p:sld xmlns:a="http://schemas.openxmlformats.org/drawingml/2006/main" xmlns:r="http://schemas.openxmlformats.org/officeDocument/2006/relationships" xmlns:p="http://schemas.openxmlformats.org/presentationml/2006/main">
   <p:cSld>
     <p:spTree>
@@ -8611,7 +9161,7 @@
 </p:sld>
 </file>
 
-<file path=ppt/slides/slide18.xml><?xml version="1.0" encoding="utf-8"?>
+<file path=ppt/slides/slide19.xml><?xml version="1.0" encoding="utf-8"?>
 <p:sld xmlns:a="http://schemas.openxmlformats.org/drawingml/2006/main" xmlns:r="http://schemas.openxmlformats.org/officeDocument/2006/relationships" xmlns:p="http://schemas.openxmlformats.org/presentationml/2006/main">
   <p:cSld>
     <p:spTree>
@@ -9164,232 +9714,6 @@
 </p:sld>
 </file>
 
-<file path=ppt/slides/slide19.xml><?xml version="1.0" encoding="utf-8"?>
-<p:sld xmlns:a="http://schemas.openxmlformats.org/drawingml/2006/main" xmlns:r="http://schemas.openxmlformats.org/officeDocument/2006/relationships" xmlns:p="http://schemas.openxmlformats.org/presentationml/2006/main">
-  <p:cSld>
-    <p:spTree>
-      <p:nvGrpSpPr>
-        <p:cNvPr id="1" name=""/>
-        <p:cNvGrpSpPr/>
-        <p:nvPr/>
-      </p:nvGrpSpPr>
-      <p:grpSpPr>
-        <a:xfrm>
-          <a:off x="0" y="0"/>
-          <a:ext cx="0" cy="0"/>
-          <a:chOff x="0" y="0"/>
-          <a:chExt cx="0" cy="0"/>
-        </a:xfrm>
-      </p:grpSpPr>
-      <p:sp>
-        <p:nvSpPr>
-          <p:cNvPr id="680971" name="Text Box 11"/>
-          <p:cNvSpPr txBox="1">
-            <a:spLocks noChangeArrowheads="1"/>
-          </p:cNvSpPr>
-          <p:nvPr/>
-        </p:nvSpPr>
-        <p:spPr bwMode="auto">
-          <a:xfrm>
-            <a:off x="457200" y="1676400"/>
-            <a:ext cx="8077200" cy="3416320"/>
-          </a:xfrm>
-          <a:prstGeom prst="rect">
-            <a:avLst/>
-          </a:prstGeom>
-          <a:noFill/>
-          <a:ln w="9525" algn="ctr">
-            <a:noFill/>
-            <a:miter lim="800000"/>
-            <a:headEnd/>
-            <a:tailEnd/>
-          </a:ln>
-          <a:effectLst/>
-        </p:spPr>
-        <p:txBody>
-          <a:bodyPr wrap="square">
-            <a:spAutoFit/>
-          </a:bodyPr>
-          <a:lstStyle/>
-          <a:p>
-            <a:pPr marL="742950" indent="-285750" algn="ctr"/>
-            <a:r>
-              <a:rPr lang="en-US" sz="7200" dirty="0" smtClean="0">
-                <a:latin typeface="Comic Sans MS" pitchFamily="66" charset="0"/>
-              </a:rPr>
-              <a:t>transitive, symmetric &amp;</a:t>
-            </a:r>
-          </a:p>
-          <a:p>
-            <a:pPr marL="742950" indent="-285750" algn="ctr"/>
-            <a:r>
-              <a:rPr lang="en-US" sz="7200" dirty="0" smtClean="0">
-                <a:latin typeface="Comic Sans MS" pitchFamily="66" charset="0"/>
-              </a:rPr>
-              <a:t>reflexive</a:t>
-            </a:r>
-            <a:endParaRPr lang="en-US" sz="7200" dirty="0">
-              <a:latin typeface="Comic Sans MS" pitchFamily="66" charset="0"/>
-            </a:endParaRPr>
-          </a:p>
-        </p:txBody>
-      </p:sp>
-      <p:sp>
-        <p:nvSpPr>
-          <p:cNvPr id="5" name="Rectangle 2"/>
-          <p:cNvSpPr txBox="1">
-            <a:spLocks noChangeArrowheads="1"/>
-          </p:cNvSpPr>
-          <p:nvPr/>
-        </p:nvSpPr>
-        <p:spPr>
-          <a:xfrm>
-            <a:off x="1264466" y="274638"/>
-            <a:ext cx="7422334" cy="1096962"/>
-          </a:xfrm>
-          <a:prstGeom prst="rect">
-            <a:avLst/>
-          </a:prstGeom>
-        </p:spPr>
-        <p:txBody>
-          <a:bodyPr vert="horz" lIns="91440" tIns="45720" rIns="91440" bIns="45720" rtlCol="0" anchor="ctr">
-            <a:noAutofit/>
-          </a:bodyPr>
-          <a:lstStyle>
-            <a:lvl1pPr algn="ctr" defTabSz="914400" rtl="0" eaLnBrk="1" latinLnBrk="0" hangingPunct="1">
-              <a:spcBef>
-                <a:spcPct val="0"/>
-              </a:spcBef>
-              <a:buNone/>
-              <a:defRPr sz="3200" b="1" kern="1200">
-                <a:solidFill>
-                  <a:schemeClr val="tx1"/>
-                </a:solidFill>
-                <a:latin typeface="Comic Sans MS" pitchFamily="66" charset="0"/>
-                <a:ea typeface="+mj-ea"/>
-                <a:cs typeface="+mj-cs"/>
-              </a:defRPr>
-            </a:lvl1pPr>
-          </a:lstStyle>
-          <a:p>
-            <a:r>
-              <a:rPr lang="en-US" sz="5400" smtClean="0">
-                <a:solidFill>
-                  <a:srgbClr val="7030A0"/>
-                </a:solidFill>
-              </a:rPr>
-              <a:t>equivalence relations</a:t>
-            </a:r>
-            <a:endParaRPr lang="en-US" sz="5400" dirty="0">
-              <a:solidFill>
-                <a:srgbClr val="7030A0"/>
-              </a:solidFill>
-            </a:endParaRPr>
-          </a:p>
-        </p:txBody>
-      </p:sp>
-    </p:spTree>
-    <p:extLst>
-      <p:ext uri="{BB962C8B-B14F-4D97-AF65-F5344CB8AC3E}">
-        <p14:creationId xmlns:p14="http://schemas.microsoft.com/office/powerpoint/2010/main" val="2651532759"/>
-      </p:ext>
-    </p:extLst>
-  </p:cSld>
-  <p:clrMapOvr>
-    <a:masterClrMapping/>
-  </p:clrMapOvr>
-  <p:transition xmlns:p14="http://schemas.microsoft.com/office/powerpoint/2010/main" spd="med">
-    <p:fade thruBlk="1"/>
-  </p:transition>
-  <p:timing>
-    <p:tnLst>
-      <p:par>
-        <p:cTn xmlns:p14="http://schemas.microsoft.com/office/powerpoint/2010/main" id="1" dur="indefinite" restart="never" nodeType="tmRoot">
-          <p:childTnLst>
-            <p:seq concurrent="1" nextAc="seek">
-              <p:cTn id="2" dur="indefinite" nodeType="mainSeq">
-                <p:childTnLst>
-                  <p:par>
-                    <p:cTn id="3" fill="hold">
-                      <p:stCondLst>
-                        <p:cond delay="indefinite"/>
-                      </p:stCondLst>
-                      <p:childTnLst>
-                        <p:par>
-                          <p:cTn id="4" fill="hold">
-                            <p:stCondLst>
-                              <p:cond delay="0"/>
-                            </p:stCondLst>
-                            <p:childTnLst>
-                              <p:par>
-                                <p:cTn id="5" presetID="10" presetClass="entr" presetSubtype="0" fill="hold" grpId="0" nodeType="clickEffect">
-                                  <p:stCondLst>
-                                    <p:cond delay="0"/>
-                                  </p:stCondLst>
-                                  <p:childTnLst>
-                                    <p:set>
-                                      <p:cBhvr>
-                                        <p:cTn id="6" dur="1" fill="hold">
-                                          <p:stCondLst>
-                                            <p:cond delay="0"/>
-                                          </p:stCondLst>
-                                        </p:cTn>
-                                        <p:tgtEl>
-                                          <p:spTgt spid="680971"/>
-                                        </p:tgtEl>
-                                        <p:attrNameLst>
-                                          <p:attrName>style.visibility</p:attrName>
-                                        </p:attrNameLst>
-                                      </p:cBhvr>
-                                      <p:to>
-                                        <p:strVal val="visible"/>
-                                      </p:to>
-                                    </p:set>
-                                    <p:animEffect transition="in" filter="fade">
-                                      <p:cBhvr>
-                                        <p:cTn id="7" dur="1000"/>
-                                        <p:tgtEl>
-                                          <p:spTgt spid="680971"/>
-                                        </p:tgtEl>
-                                      </p:cBhvr>
-                                    </p:animEffect>
-                                  </p:childTnLst>
-                                </p:cTn>
-                              </p:par>
-                            </p:childTnLst>
-                          </p:cTn>
-                        </p:par>
-                      </p:childTnLst>
-                    </p:cTn>
-                  </p:par>
-                </p:childTnLst>
-              </p:cTn>
-              <p:prevCondLst>
-                <p:cond evt="onPrev" delay="0">
-                  <p:tgtEl>
-                    <p:sldTgt/>
-                  </p:tgtEl>
-                </p:cond>
-              </p:prevCondLst>
-              <p:nextCondLst>
-                <p:cond evt="onNext" delay="0">
-                  <p:tgtEl>
-                    <p:sldTgt/>
-                  </p:tgtEl>
-                </p:cond>
-              </p:nextCondLst>
-            </p:seq>
-          </p:childTnLst>
-        </p:cTn>
-      </p:par>
-    </p:tnLst>
-    <p:bldLst>
-      <p:bldP spid="680971" grpId="0"/>
-    </p:bldLst>
-  </p:timing>
-</p:sld>
-</file>
-
 <file path=ppt/slides/slide2.xml><?xml version="1.0" encoding="utf-8"?>
 <p:sld xmlns:a="http://schemas.openxmlformats.org/drawingml/2006/main" xmlns:r="http://schemas.openxmlformats.org/officeDocument/2006/relationships" xmlns:p="http://schemas.openxmlformats.org/presentationml/2006/main">
   <p:cSld>
@@ -9610,12 +9934,6 @@
               </a:rPr>
               <a:t>w</a:t>
             </a:r>
-            <a:endParaRPr lang="en-US" sz="5400" dirty="0" smtClean="0">
-              <a:solidFill>
-                <a:srgbClr val="0000FF"/>
-              </a:solidFill>
-              <a:latin typeface="Comic Sans MS" pitchFamily="66" charset="0"/>
-            </a:endParaRPr>
           </a:p>
         </p:txBody>
       </p:sp>
@@ -9715,12 +10033,6 @@
                 </a:rPr>
                 <a:t>u</a:t>
               </a:r>
-              <a:endParaRPr lang="en-US" sz="3200" dirty="0" smtClean="0">
-                <a:solidFill>
-                  <a:srgbClr val="0000FF"/>
-                </a:solidFill>
-                <a:latin typeface="Comic Sans MS" pitchFamily="66" charset="0"/>
-              </a:endParaRPr>
             </a:p>
           </p:txBody>
         </p:sp>
@@ -9893,12 +10205,6 @@
                 </a:rPr>
                 <a:t>v</a:t>
               </a:r>
-              <a:endParaRPr lang="en-US" sz="3200" dirty="0" smtClean="0">
-                <a:solidFill>
-                  <a:srgbClr val="0000FF"/>
-                </a:solidFill>
-                <a:latin typeface="Comic Sans MS" pitchFamily="66" charset="0"/>
-              </a:endParaRPr>
             </a:p>
           </p:txBody>
         </p:sp>
@@ -9999,12 +10305,6 @@
                 </a:rPr>
                 <a:t>w</a:t>
               </a:r>
-              <a:endParaRPr lang="en-US" sz="3200" dirty="0" smtClean="0">
-                <a:solidFill>
-                  <a:srgbClr val="0000FF"/>
-                </a:solidFill>
-                <a:latin typeface="Comic Sans MS" pitchFamily="66" charset="0"/>
-              </a:endParaRPr>
             </a:p>
           </p:txBody>
         </p:sp>
@@ -10019,13 +10319,13 @@
   <p:clrMapOvr>
     <a:masterClrMapping/>
   </p:clrMapOvr>
-  <mc:AlternateContent xmlns:mc="http://schemas.openxmlformats.org/markup-compatibility/2006">
-    <mc:Choice xmlns:p14="http://schemas.microsoft.com/office/powerpoint/2010/main" Requires="p14">
+  <mc:AlternateContent xmlns:mc="http://schemas.openxmlformats.org/markup-compatibility/2006" xmlns:p14="http://schemas.microsoft.com/office/powerpoint/2010/main">
+    <mc:Choice Requires="p14">
       <p:transition spd="med" p14:dur="700">
         <p:fade thruBlk="1"/>
       </p:transition>
     </mc:Choice>
-    <mc:Fallback>
+    <mc:Fallback xmlns="">
       <p:transition xmlns:p14="http://schemas.microsoft.com/office/powerpoint/2010/main" spd="med">
         <p:fade thruBlk="1"/>
       </p:transition>
@@ -10465,6 +10765,232 @@
       </p:grpSpPr>
       <p:sp>
         <p:nvSpPr>
+          <p:cNvPr id="680971" name="Text Box 11"/>
+          <p:cNvSpPr txBox="1">
+            <a:spLocks noChangeArrowheads="1"/>
+          </p:cNvSpPr>
+          <p:nvPr/>
+        </p:nvSpPr>
+        <p:spPr bwMode="auto">
+          <a:xfrm>
+            <a:off x="457200" y="1676400"/>
+            <a:ext cx="8077200" cy="3416320"/>
+          </a:xfrm>
+          <a:prstGeom prst="rect">
+            <a:avLst/>
+          </a:prstGeom>
+          <a:noFill/>
+          <a:ln w="9525" algn="ctr">
+            <a:noFill/>
+            <a:miter lim="800000"/>
+            <a:headEnd/>
+            <a:tailEnd/>
+          </a:ln>
+          <a:effectLst/>
+        </p:spPr>
+        <p:txBody>
+          <a:bodyPr wrap="square">
+            <a:spAutoFit/>
+          </a:bodyPr>
+          <a:lstStyle/>
+          <a:p>
+            <a:pPr marL="742950" indent="-285750" algn="ctr"/>
+            <a:r>
+              <a:rPr lang="en-US" sz="7200" dirty="0" smtClean="0">
+                <a:latin typeface="Comic Sans MS" pitchFamily="66" charset="0"/>
+              </a:rPr>
+              <a:t>transitive, symmetric &amp;</a:t>
+            </a:r>
+          </a:p>
+          <a:p>
+            <a:pPr marL="742950" indent="-285750" algn="ctr"/>
+            <a:r>
+              <a:rPr lang="en-US" sz="7200" dirty="0" smtClean="0">
+                <a:latin typeface="Comic Sans MS" pitchFamily="66" charset="0"/>
+              </a:rPr>
+              <a:t>reflexive</a:t>
+            </a:r>
+            <a:endParaRPr lang="en-US" sz="7200" dirty="0">
+              <a:latin typeface="Comic Sans MS" pitchFamily="66" charset="0"/>
+            </a:endParaRPr>
+          </a:p>
+        </p:txBody>
+      </p:sp>
+      <p:sp>
+        <p:nvSpPr>
+          <p:cNvPr id="5" name="Rectangle 2"/>
+          <p:cNvSpPr txBox="1">
+            <a:spLocks noChangeArrowheads="1"/>
+          </p:cNvSpPr>
+          <p:nvPr/>
+        </p:nvSpPr>
+        <p:spPr>
+          <a:xfrm>
+            <a:off x="1264466" y="274638"/>
+            <a:ext cx="7422334" cy="1096962"/>
+          </a:xfrm>
+          <a:prstGeom prst="rect">
+            <a:avLst/>
+          </a:prstGeom>
+        </p:spPr>
+        <p:txBody>
+          <a:bodyPr vert="horz" lIns="91440" tIns="45720" rIns="91440" bIns="45720" rtlCol="0" anchor="ctr">
+            <a:noAutofit/>
+          </a:bodyPr>
+          <a:lstStyle>
+            <a:lvl1pPr algn="ctr" defTabSz="914400" rtl="0" eaLnBrk="1" latinLnBrk="0" hangingPunct="1">
+              <a:spcBef>
+                <a:spcPct val="0"/>
+              </a:spcBef>
+              <a:buNone/>
+              <a:defRPr sz="3200" b="1" kern="1200">
+                <a:solidFill>
+                  <a:schemeClr val="tx1"/>
+                </a:solidFill>
+                <a:latin typeface="Comic Sans MS" pitchFamily="66" charset="0"/>
+                <a:ea typeface="+mj-ea"/>
+                <a:cs typeface="+mj-cs"/>
+              </a:defRPr>
+            </a:lvl1pPr>
+          </a:lstStyle>
+          <a:p>
+            <a:r>
+              <a:rPr lang="en-US" sz="5400" smtClean="0">
+                <a:solidFill>
+                  <a:srgbClr val="7030A0"/>
+                </a:solidFill>
+              </a:rPr>
+              <a:t>equivalence relations</a:t>
+            </a:r>
+            <a:endParaRPr lang="en-US" sz="5400" dirty="0">
+              <a:solidFill>
+                <a:srgbClr val="7030A0"/>
+              </a:solidFill>
+            </a:endParaRPr>
+          </a:p>
+        </p:txBody>
+      </p:sp>
+    </p:spTree>
+    <p:extLst>
+      <p:ext uri="{BB962C8B-B14F-4D97-AF65-F5344CB8AC3E}">
+        <p14:creationId xmlns:p14="http://schemas.microsoft.com/office/powerpoint/2010/main" val="2651532759"/>
+      </p:ext>
+    </p:extLst>
+  </p:cSld>
+  <p:clrMapOvr>
+    <a:masterClrMapping/>
+  </p:clrMapOvr>
+  <p:transition xmlns:p14="http://schemas.microsoft.com/office/powerpoint/2010/main" spd="med">
+    <p:fade thruBlk="1"/>
+  </p:transition>
+  <p:timing>
+    <p:tnLst>
+      <p:par>
+        <p:cTn xmlns:p14="http://schemas.microsoft.com/office/powerpoint/2010/main" id="1" dur="indefinite" restart="never" nodeType="tmRoot">
+          <p:childTnLst>
+            <p:seq concurrent="1" nextAc="seek">
+              <p:cTn id="2" dur="indefinite" nodeType="mainSeq">
+                <p:childTnLst>
+                  <p:par>
+                    <p:cTn id="3" fill="hold">
+                      <p:stCondLst>
+                        <p:cond delay="indefinite"/>
+                      </p:stCondLst>
+                      <p:childTnLst>
+                        <p:par>
+                          <p:cTn id="4" fill="hold">
+                            <p:stCondLst>
+                              <p:cond delay="0"/>
+                            </p:stCondLst>
+                            <p:childTnLst>
+                              <p:par>
+                                <p:cTn id="5" presetID="10" presetClass="entr" presetSubtype="0" fill="hold" grpId="0" nodeType="clickEffect">
+                                  <p:stCondLst>
+                                    <p:cond delay="0"/>
+                                  </p:stCondLst>
+                                  <p:childTnLst>
+                                    <p:set>
+                                      <p:cBhvr>
+                                        <p:cTn id="6" dur="1" fill="hold">
+                                          <p:stCondLst>
+                                            <p:cond delay="0"/>
+                                          </p:stCondLst>
+                                        </p:cTn>
+                                        <p:tgtEl>
+                                          <p:spTgt spid="680971"/>
+                                        </p:tgtEl>
+                                        <p:attrNameLst>
+                                          <p:attrName>style.visibility</p:attrName>
+                                        </p:attrNameLst>
+                                      </p:cBhvr>
+                                      <p:to>
+                                        <p:strVal val="visible"/>
+                                      </p:to>
+                                    </p:set>
+                                    <p:animEffect transition="in" filter="fade">
+                                      <p:cBhvr>
+                                        <p:cTn id="7" dur="1000"/>
+                                        <p:tgtEl>
+                                          <p:spTgt spid="680971"/>
+                                        </p:tgtEl>
+                                      </p:cBhvr>
+                                    </p:animEffect>
+                                  </p:childTnLst>
+                                </p:cTn>
+                              </p:par>
+                            </p:childTnLst>
+                          </p:cTn>
+                        </p:par>
+                      </p:childTnLst>
+                    </p:cTn>
+                  </p:par>
+                </p:childTnLst>
+              </p:cTn>
+              <p:prevCondLst>
+                <p:cond evt="onPrev" delay="0">
+                  <p:tgtEl>
+                    <p:sldTgt/>
+                  </p:tgtEl>
+                </p:cond>
+              </p:prevCondLst>
+              <p:nextCondLst>
+                <p:cond evt="onNext" delay="0">
+                  <p:tgtEl>
+                    <p:sldTgt/>
+                  </p:tgtEl>
+                </p:cond>
+              </p:nextCondLst>
+            </p:seq>
+          </p:childTnLst>
+        </p:cTn>
+      </p:par>
+    </p:tnLst>
+    <p:bldLst>
+      <p:bldP spid="680971" grpId="0"/>
+    </p:bldLst>
+  </p:timing>
+</p:sld>
+</file>
+
+<file path=ppt/slides/slide21.xml><?xml version="1.0" encoding="utf-8"?>
+<p:sld xmlns:a="http://schemas.openxmlformats.org/drawingml/2006/main" xmlns:r="http://schemas.openxmlformats.org/officeDocument/2006/relationships" xmlns:p="http://schemas.openxmlformats.org/presentationml/2006/main">
+  <p:cSld>
+    <p:spTree>
+      <p:nvGrpSpPr>
+        <p:cNvPr id="1" name=""/>
+        <p:cNvGrpSpPr/>
+        <p:nvPr/>
+      </p:nvGrpSpPr>
+      <p:grpSpPr>
+        <a:xfrm>
+          <a:off x="0" y="0"/>
+          <a:ext cx="0" cy="0"/>
+          <a:chOff x="0" y="0"/>
+          <a:chExt cx="0" cy="0"/>
+        </a:xfrm>
+      </p:grpSpPr>
+      <p:sp>
+        <p:nvSpPr>
           <p:cNvPr id="2" name="TextBox 1"/>
           <p:cNvSpPr txBox="1"/>
           <p:nvPr/>
@@ -10667,11 +11193,11 @@
   <p:clrMapOvr>
     <a:masterClrMapping/>
   </p:clrMapOvr>
-  <mc:AlternateContent xmlns:mc="http://schemas.openxmlformats.org/markup-compatibility/2006">
-    <mc:Choice xmlns:p14="http://schemas.microsoft.com/office/powerpoint/2010/main" Requires="p14">
+  <mc:AlternateContent xmlns:mc="http://schemas.openxmlformats.org/markup-compatibility/2006" xmlns:p14="http://schemas.microsoft.com/office/powerpoint/2010/main">
+    <mc:Choice Requires="p14">
       <p:transition p14:dur="0"/>
     </mc:Choice>
-    <mc:Fallback>
+    <mc:Fallback xmlns="">
       <p:transition xmlns:p14="http://schemas.microsoft.com/office/powerpoint/2010/main"/>
     </mc:Fallback>
   </mc:AlternateContent>
@@ -10916,7 +11442,7 @@
 </p:sld>
 </file>
 
-<file path=ppt/slides/slide21.xml><?xml version="1.0" encoding="utf-8"?>
+<file path=ppt/slides/slide22.xml><?xml version="1.0" encoding="utf-8"?>
 <p:sld xmlns:a="http://schemas.openxmlformats.org/drawingml/2006/main" xmlns:r="http://schemas.openxmlformats.org/officeDocument/2006/relationships" xmlns:p="http://schemas.openxmlformats.org/presentationml/2006/main">
   <p:cSld>
     <p:spTree>
@@ -11352,7 +11878,7 @@
 </p:sld>
 </file>
 
-<file path=ppt/slides/slide22.xml><?xml version="1.0" encoding="utf-8"?>
+<file path=ppt/slides/slide23.xml><?xml version="1.0" encoding="utf-8"?>
 <p:sld xmlns:a="http://schemas.openxmlformats.org/drawingml/2006/main" xmlns:r="http://schemas.openxmlformats.org/officeDocument/2006/relationships" xmlns:p="http://schemas.openxmlformats.org/presentationml/2006/main">
   <p:cSld>
     <p:spTree>
@@ -13601,7 +14127,7 @@
 </p:sld>
 </file>
 
-<file path=ppt/slides/slide23.xml><?xml version="1.0" encoding="utf-8"?>
+<file path=ppt/slides/slide24.xml><?xml version="1.0" encoding="utf-8"?>
 <p:sld xmlns:a="http://schemas.openxmlformats.org/drawingml/2006/main" xmlns:r="http://schemas.openxmlformats.org/officeDocument/2006/relationships" xmlns:p="http://schemas.openxmlformats.org/presentationml/2006/main">
   <p:cSld>
     <p:spTree>
@@ -13813,7 +14339,7 @@
             <a:graphicData uri="http://schemas.openxmlformats.org/presentationml/2006/ole">
               <mc:AlternateContent xmlns:mc="http://schemas.openxmlformats.org/markup-compatibility/2006">
                 <mc:Choice xmlns:v="urn:schemas-microsoft-com:vml" Requires="v">
-                  <p:oleObj spid="_x0000_s1079" name="Equation" r:id="rId3" imgW="76200" imgH="165100" progId="Equation.DSMT4">
+                  <p:oleObj spid="_x0000_s1086" name="Equation" r:id="rId3" imgW="76200" imgH="165100" progId="Equation.DSMT4">
                     <p:embed/>
                   </p:oleObj>
                 </mc:Choice>
@@ -13979,7 +14505,7 @@
             <a:graphicData uri="http://schemas.openxmlformats.org/presentationml/2006/ole">
               <mc:AlternateContent xmlns:mc="http://schemas.openxmlformats.org/markup-compatibility/2006">
                 <mc:Choice xmlns:v="urn:schemas-microsoft-com:vml" Requires="v">
-                  <p:oleObj spid="_x0000_s1080" name="Equation" r:id="rId5" imgW="76200" imgH="165100" progId="Equation.DSMT4">
+                  <p:oleObj spid="_x0000_s1087" name="Equation" r:id="rId5" imgW="76200" imgH="165100" progId="Equation.DSMT4">
                     <p:embed/>
                   </p:oleObj>
                 </mc:Choice>
@@ -14145,7 +14671,7 @@
             <a:graphicData uri="http://schemas.openxmlformats.org/presentationml/2006/ole">
               <mc:AlternateContent xmlns:mc="http://schemas.openxmlformats.org/markup-compatibility/2006">
                 <mc:Choice xmlns:v="urn:schemas-microsoft-com:vml" Requires="v">
-                  <p:oleObj spid="_x0000_s1081" name="Equation" r:id="rId7" imgW="76200" imgH="165100" progId="Equation.DSMT4">
+                  <p:oleObj spid="_x0000_s1088" name="Equation" r:id="rId7" imgW="76200" imgH="165100" progId="Equation.DSMT4">
                     <p:embed/>
                   </p:oleObj>
                 </mc:Choice>
@@ -14210,11 +14736,11 @@
   <p:clrMapOvr>
     <a:masterClrMapping/>
   </p:clrMapOvr>
-  <mc:AlternateContent xmlns:mc="http://schemas.openxmlformats.org/markup-compatibility/2006">
-    <mc:Choice xmlns:p14="http://schemas.microsoft.com/office/powerpoint/2010/main" Requires="p14">
+  <mc:AlternateContent xmlns:mc="http://schemas.openxmlformats.org/markup-compatibility/2006" xmlns:p14="http://schemas.microsoft.com/office/powerpoint/2010/main">
+    <mc:Choice Requires="p14">
       <p:transition p14:dur="0"/>
     </mc:Choice>
-    <mc:Fallback>
+    <mc:Fallback xmlns="">
       <p:transition xmlns:p14="http://schemas.microsoft.com/office/powerpoint/2010/main"/>
     </mc:Fallback>
   </mc:AlternateContent>
@@ -14392,7 +14918,7 @@
 </p:sld>
 </file>
 
-<file path=ppt/slides/slide24.xml><?xml version="1.0" encoding="utf-8"?>
+<file path=ppt/slides/slide25.xml><?xml version="1.0" encoding="utf-8"?>
 <p:sld xmlns:a="http://schemas.openxmlformats.org/drawingml/2006/main" xmlns:r="http://schemas.openxmlformats.org/officeDocument/2006/relationships" xmlns:p="http://schemas.openxmlformats.org/presentationml/2006/main" show="0">
   <p:cSld>
     <p:spTree>
@@ -15617,7 +16143,7 @@
 </p:sld>
 </file>
 
-<file path=ppt/slides/slide25.xml><?xml version="1.0" encoding="utf-8"?>
+<file path=ppt/slides/slide26.xml><?xml version="1.0" encoding="utf-8"?>
 <p:sld xmlns:a="http://schemas.openxmlformats.org/drawingml/2006/main" xmlns:r="http://schemas.openxmlformats.org/officeDocument/2006/relationships" xmlns:p="http://schemas.openxmlformats.org/presentationml/2006/main" show="0">
   <p:cSld>
     <p:spTree>
@@ -16787,7 +17313,7 @@
 </p:sld>
 </file>
 
-<file path=ppt/slides/slide26.xml><?xml version="1.0" encoding="utf-8"?>
+<file path=ppt/slides/slide27.xml><?xml version="1.0" encoding="utf-8"?>
 <p:sld xmlns:a="http://schemas.openxmlformats.org/drawingml/2006/main" xmlns:r="http://schemas.openxmlformats.org/officeDocument/2006/relationships" xmlns:p="http://schemas.openxmlformats.org/presentationml/2006/main" show="0">
   <p:cSld>
     <p:spTree>
@@ -16949,7 +17475,7 @@
 </p:sld>
 </file>
 
-<file path=ppt/slides/slide27.xml><?xml version="1.0" encoding="utf-8"?>
+<file path=ppt/slides/slide28.xml><?xml version="1.0" encoding="utf-8"?>
 <p:sld xmlns:a="http://schemas.openxmlformats.org/drawingml/2006/main" xmlns:r="http://schemas.openxmlformats.org/officeDocument/2006/relationships" xmlns:p="http://schemas.openxmlformats.org/presentationml/2006/main" show="0">
   <p:cSld>
     <p:spTree>
@@ -18040,7 +18566,7 @@
 </p:sld>
 </file>
 
-<file path=ppt/slides/slide28.xml><?xml version="1.0" encoding="utf-8"?>
+<file path=ppt/slides/slide29.xml><?xml version="1.0" encoding="utf-8"?>
 <p:sld xmlns:a="http://schemas.openxmlformats.org/drawingml/2006/main" xmlns:r="http://schemas.openxmlformats.org/officeDocument/2006/relationships" xmlns:p="http://schemas.openxmlformats.org/presentationml/2006/main" show="0">
   <p:cSld>
     <p:spTree>
@@ -19087,274 +19613,6 @@
 </p:sld>
 </file>
 
-<file path=ppt/slides/slide29.xml><?xml version="1.0" encoding="utf-8"?>
-<p:sld xmlns:a="http://schemas.openxmlformats.org/drawingml/2006/main" xmlns:r="http://schemas.openxmlformats.org/officeDocument/2006/relationships" xmlns:p="http://schemas.openxmlformats.org/presentationml/2006/main" show="0">
-  <p:cSld>
-    <p:spTree>
-      <p:nvGrpSpPr>
-        <p:cNvPr id="1" name=""/>
-        <p:cNvGrpSpPr/>
-        <p:nvPr/>
-      </p:nvGrpSpPr>
-      <p:grpSpPr>
-        <a:xfrm>
-          <a:off x="0" y="0"/>
-          <a:ext cx="0" cy="0"/>
-          <a:chOff x="0" y="0"/>
-          <a:chExt cx="0" cy="0"/>
-        </a:xfrm>
-      </p:grpSpPr>
-      <p:sp>
-        <p:nvSpPr>
-          <p:cNvPr id="506882" name="Rectangle 2"/>
-          <p:cNvSpPr>
-            <a:spLocks noGrp="1" noChangeArrowheads="1"/>
-          </p:cNvSpPr>
-          <p:nvPr>
-            <p:ph type="title"/>
-          </p:nvPr>
-        </p:nvSpPr>
-        <p:spPr>
-          <a:xfrm>
-            <a:off x="1219200" y="304800"/>
-            <a:ext cx="7543800" cy="1143000"/>
-          </a:xfrm>
-        </p:spPr>
-        <p:txBody>
-          <a:bodyPr/>
-          <a:lstStyle/>
-          <a:p>
-            <a:r>
-              <a:rPr lang="en-US" sz="6600" b="0" dirty="0" smtClean="0">
-                <a:solidFill>
-                  <a:srgbClr val="006600"/>
-                </a:solidFill>
-                <a:ea typeface="+mn-ea"/>
-                <a:cs typeface="+mn-cs"/>
-              </a:rPr>
-              <a:t>same shape</a:t>
-            </a:r>
-            <a:endParaRPr lang="en-US" sz="4800" b="0" dirty="0"/>
-          </a:p>
-        </p:txBody>
-      </p:sp>
-      <p:sp>
-        <p:nvSpPr>
-          <p:cNvPr id="506883" name="Rectangle 3"/>
-          <p:cNvSpPr>
-            <a:spLocks noGrp="1" noChangeArrowheads="1"/>
-          </p:cNvSpPr>
-          <p:nvPr>
-            <p:ph type="body" idx="1"/>
-          </p:nvPr>
-        </p:nvSpPr>
-        <p:spPr>
-          <a:xfrm>
-            <a:off x="609600" y="1447800"/>
-            <a:ext cx="7924800" cy="3955032"/>
-          </a:xfrm>
-          <a:ln/>
-        </p:spPr>
-        <p:txBody>
-          <a:bodyPr/>
-          <a:lstStyle/>
-          <a:p>
-            <a:pPr>
-              <a:buFontTx/>
-              <a:buNone/>
-            </a:pPr>
-            <a:r>
-              <a:rPr lang="en-US" sz="6600" dirty="0" smtClean="0">
-                <a:solidFill>
-                  <a:srgbClr val="0033CC"/>
-                </a:solidFill>
-              </a:rPr>
-              <a:t> </a:t>
-            </a:r>
-            <a:r>
-              <a:rPr lang="en-US" sz="6600" dirty="0" smtClean="0">
-                <a:solidFill>
-                  <a:srgbClr val="006600"/>
-                </a:solidFill>
-              </a:rPr>
-              <a:t> as </a:t>
-            </a:r>
-            <a:r>
-              <a:rPr lang="en-US" sz="6600" b="1" dirty="0" smtClean="0">
-                <a:solidFill>
-                  <a:srgbClr val="006600"/>
-                </a:solidFill>
-                <a:latin typeface="Euclid Symbol" charset="2"/>
-                <a:cs typeface="Euclid Symbol" charset="2"/>
-              </a:rPr>
-              <a:t>⊂</a:t>
-            </a:r>
-            <a:r>
-              <a:rPr lang="en-US" sz="6600" dirty="0" smtClean="0">
-                <a:solidFill>
-                  <a:srgbClr val="006600"/>
-                </a:solidFill>
-              </a:rPr>
-              <a:t> example</a:t>
-            </a:r>
-          </a:p>
-          <a:p>
-            <a:pPr algn="ctr">
-              <a:buFontTx/>
-              <a:buNone/>
-            </a:pPr>
-            <a:r>
-              <a:rPr lang="en-US" sz="8800" dirty="0" smtClean="0">
-                <a:solidFill>
-                  <a:srgbClr val="8F008F"/>
-                </a:solidFill>
-              </a:rPr>
-              <a:t>isomorphic</a:t>
-            </a:r>
-          </a:p>
-          <a:p>
-            <a:pPr>
-              <a:buFontTx/>
-              <a:buNone/>
-            </a:pPr>
-            <a:endParaRPr lang="en-US" sz="8800" dirty="0" smtClean="0">
-              <a:solidFill>
-                <a:srgbClr val="006600"/>
-              </a:solidFill>
-            </a:endParaRPr>
-          </a:p>
-          <a:p>
-            <a:pPr>
-              <a:buFontTx/>
-              <a:buNone/>
-            </a:pPr>
-            <a:endParaRPr lang="en-US" sz="8800" dirty="0" smtClean="0">
-              <a:solidFill>
-                <a:srgbClr val="006600"/>
-              </a:solidFill>
-            </a:endParaRPr>
-          </a:p>
-          <a:p>
-            <a:pPr>
-              <a:buFontTx/>
-              <a:buNone/>
-            </a:pPr>
-            <a:endParaRPr lang="en-US" sz="8800" dirty="0">
-              <a:solidFill>
-                <a:srgbClr val="006600"/>
-              </a:solidFill>
-            </a:endParaRPr>
-          </a:p>
-        </p:txBody>
-      </p:sp>
-    </p:spTree>
-  </p:cSld>
-  <p:clrMapOvr>
-    <a:masterClrMapping/>
-  </p:clrMapOvr>
-  <p:transition xmlns:p14="http://schemas.microsoft.com/office/powerpoint/2010/main">
-    <p:fade/>
-  </p:transition>
-  <p:timing>
-    <p:tnLst>
-      <p:par>
-        <p:cTn xmlns:p14="http://schemas.microsoft.com/office/powerpoint/2010/main" id="1" dur="indefinite" restart="never" nodeType="tmRoot">
-          <p:childTnLst>
-            <p:seq concurrent="1" nextAc="seek">
-              <p:cTn id="2" dur="indefinite" nodeType="mainSeq">
-                <p:childTnLst>
-                  <p:par>
-                    <p:cTn id="3" fill="hold">
-                      <p:stCondLst>
-                        <p:cond delay="indefinite"/>
-                        <p:cond evt="onBegin" delay="0">
-                          <p:tn val="2"/>
-                        </p:cond>
-                      </p:stCondLst>
-                      <p:childTnLst>
-                        <p:par>
-                          <p:cTn id="4" fill="hold">
-                            <p:stCondLst>
-                              <p:cond delay="0"/>
-                            </p:stCondLst>
-                            <p:childTnLst>
-                              <p:par>
-                                <p:cTn id="5" presetID="9" presetClass="entr" presetSubtype="0" fill="hold" grpId="0" nodeType="withEffect">
-                                  <p:stCondLst>
-                                    <p:cond delay="0"/>
-                                  </p:stCondLst>
-                                  <p:childTnLst>
-                                    <p:set>
-                                      <p:cBhvr>
-                                        <p:cTn id="6" dur="1" fill="hold">
-                                          <p:stCondLst>
-                                            <p:cond delay="0"/>
-                                          </p:stCondLst>
-                                        </p:cTn>
-                                        <p:tgtEl>
-                                          <p:spTgt spid="506883">
-                                            <p:txEl>
-                                              <p:pRg st="1" end="1"/>
-                                            </p:txEl>
-                                          </p:spTgt>
-                                        </p:tgtEl>
-                                        <p:attrNameLst>
-                                          <p:attrName>style.visibility</p:attrName>
-                                        </p:attrNameLst>
-                                      </p:cBhvr>
-                                      <p:to>
-                                        <p:strVal val="visible"/>
-                                      </p:to>
-                                    </p:set>
-                                    <p:animEffect transition="in" filter="dissolve">
-                                      <p:cBhvr>
-                                        <p:cTn id="7" dur="500"/>
-                                        <p:tgtEl>
-                                          <p:spTgt spid="506883">
-                                            <p:txEl>
-                                              <p:pRg st="1" end="1"/>
-                                            </p:txEl>
-                                          </p:spTgt>
-                                        </p:tgtEl>
-                                      </p:cBhvr>
-                                    </p:animEffect>
-                                  </p:childTnLst>
-                                </p:cTn>
-                              </p:par>
-                            </p:childTnLst>
-                          </p:cTn>
-                        </p:par>
-                      </p:childTnLst>
-                    </p:cTn>
-                  </p:par>
-                </p:childTnLst>
-              </p:cTn>
-              <p:prevCondLst>
-                <p:cond evt="onPrev" delay="0">
-                  <p:tgtEl>
-                    <p:sldTgt/>
-                  </p:tgtEl>
-                </p:cond>
-              </p:prevCondLst>
-              <p:nextCondLst>
-                <p:cond evt="onNext" delay="0">
-                  <p:tgtEl>
-                    <p:sldTgt/>
-                  </p:tgtEl>
-                </p:cond>
-              </p:nextCondLst>
-            </p:seq>
-          </p:childTnLst>
-        </p:cTn>
-      </p:par>
-    </p:tnLst>
-    <p:bldLst>
-      <p:bldP spid="506883" grpId="0" uiExpand="1" build="p"/>
-    </p:bldLst>
-  </p:timing>
-</p:sld>
-</file>
-
 <file path=ppt/slides/slide3.xml><?xml version="1.0" encoding="utf-8"?>
 <p:sld xmlns:a="http://schemas.openxmlformats.org/drawingml/2006/main" xmlns:r="http://schemas.openxmlformats.org/officeDocument/2006/relationships" xmlns:p="http://schemas.openxmlformats.org/presentationml/2006/main">
   <p:cSld>
@@ -19568,9 +19826,6 @@
               </a:rPr>
               <a:t>:</a:t>
             </a:r>
-            <a:endParaRPr lang="en-US" sz="5400" dirty="0" smtClean="0">
-              <a:latin typeface="Comic Sans MS" pitchFamily="66" charset="0"/>
-            </a:endParaRPr>
           </a:p>
           <a:p>
             <a:r>
@@ -19831,11 +20086,11 @@
   <p:clrMapOvr>
     <a:masterClrMapping/>
   </p:clrMapOvr>
-  <mc:AlternateContent xmlns:mc="http://schemas.openxmlformats.org/markup-compatibility/2006">
-    <mc:Choice xmlns:p14="http://schemas.microsoft.com/office/powerpoint/2010/main" Requires="p14">
+  <mc:AlternateContent xmlns:mc="http://schemas.openxmlformats.org/markup-compatibility/2006" xmlns:p14="http://schemas.microsoft.com/office/powerpoint/2010/main">
+    <mc:Choice Requires="p14">
       <p:transition p14:dur="0"/>
     </mc:Choice>
-    <mc:Fallback>
+    <mc:Fallback xmlns="">
       <p:transition xmlns:p14="http://schemas.microsoft.com/office/powerpoint/2010/main"/>
     </mc:Fallback>
   </mc:AlternateContent>
@@ -20090,6 +20345,274 @@
       </p:grpSpPr>
       <p:sp>
         <p:nvSpPr>
+          <p:cNvPr id="506882" name="Rectangle 2"/>
+          <p:cNvSpPr>
+            <a:spLocks noGrp="1" noChangeArrowheads="1"/>
+          </p:cNvSpPr>
+          <p:nvPr>
+            <p:ph type="title"/>
+          </p:nvPr>
+        </p:nvSpPr>
+        <p:spPr>
+          <a:xfrm>
+            <a:off x="1219200" y="304800"/>
+            <a:ext cx="7543800" cy="1143000"/>
+          </a:xfrm>
+        </p:spPr>
+        <p:txBody>
+          <a:bodyPr/>
+          <a:lstStyle/>
+          <a:p>
+            <a:r>
+              <a:rPr lang="en-US" sz="6600" b="0" dirty="0" smtClean="0">
+                <a:solidFill>
+                  <a:srgbClr val="006600"/>
+                </a:solidFill>
+                <a:ea typeface="+mn-ea"/>
+                <a:cs typeface="+mn-cs"/>
+              </a:rPr>
+              <a:t>same shape</a:t>
+            </a:r>
+            <a:endParaRPr lang="en-US" sz="4800" b="0" dirty="0"/>
+          </a:p>
+        </p:txBody>
+      </p:sp>
+      <p:sp>
+        <p:nvSpPr>
+          <p:cNvPr id="506883" name="Rectangle 3"/>
+          <p:cNvSpPr>
+            <a:spLocks noGrp="1" noChangeArrowheads="1"/>
+          </p:cNvSpPr>
+          <p:nvPr>
+            <p:ph type="body" idx="1"/>
+          </p:nvPr>
+        </p:nvSpPr>
+        <p:spPr>
+          <a:xfrm>
+            <a:off x="609600" y="1447800"/>
+            <a:ext cx="7924800" cy="3955032"/>
+          </a:xfrm>
+          <a:ln/>
+        </p:spPr>
+        <p:txBody>
+          <a:bodyPr/>
+          <a:lstStyle/>
+          <a:p>
+            <a:pPr>
+              <a:buFontTx/>
+              <a:buNone/>
+            </a:pPr>
+            <a:r>
+              <a:rPr lang="en-US" sz="6600" dirty="0" smtClean="0">
+                <a:solidFill>
+                  <a:srgbClr val="0033CC"/>
+                </a:solidFill>
+              </a:rPr>
+              <a:t> </a:t>
+            </a:r>
+            <a:r>
+              <a:rPr lang="en-US" sz="6600" dirty="0" smtClean="0">
+                <a:solidFill>
+                  <a:srgbClr val="006600"/>
+                </a:solidFill>
+              </a:rPr>
+              <a:t> as </a:t>
+            </a:r>
+            <a:r>
+              <a:rPr lang="en-US" sz="6600" b="1" dirty="0" smtClean="0">
+                <a:solidFill>
+                  <a:srgbClr val="006600"/>
+                </a:solidFill>
+                <a:latin typeface="Euclid Symbol" charset="2"/>
+                <a:cs typeface="Euclid Symbol" charset="2"/>
+              </a:rPr>
+              <a:t>⊂</a:t>
+            </a:r>
+            <a:r>
+              <a:rPr lang="en-US" sz="6600" dirty="0" smtClean="0">
+                <a:solidFill>
+                  <a:srgbClr val="006600"/>
+                </a:solidFill>
+              </a:rPr>
+              <a:t> example</a:t>
+            </a:r>
+          </a:p>
+          <a:p>
+            <a:pPr algn="ctr">
+              <a:buFontTx/>
+              <a:buNone/>
+            </a:pPr>
+            <a:r>
+              <a:rPr lang="en-US" sz="8800" dirty="0" smtClean="0">
+                <a:solidFill>
+                  <a:srgbClr val="8F008F"/>
+                </a:solidFill>
+              </a:rPr>
+              <a:t>isomorphic</a:t>
+            </a:r>
+          </a:p>
+          <a:p>
+            <a:pPr>
+              <a:buFontTx/>
+              <a:buNone/>
+            </a:pPr>
+            <a:endParaRPr lang="en-US" sz="8800" dirty="0" smtClean="0">
+              <a:solidFill>
+                <a:srgbClr val="006600"/>
+              </a:solidFill>
+            </a:endParaRPr>
+          </a:p>
+          <a:p>
+            <a:pPr>
+              <a:buFontTx/>
+              <a:buNone/>
+            </a:pPr>
+            <a:endParaRPr lang="en-US" sz="8800" dirty="0" smtClean="0">
+              <a:solidFill>
+                <a:srgbClr val="006600"/>
+              </a:solidFill>
+            </a:endParaRPr>
+          </a:p>
+          <a:p>
+            <a:pPr>
+              <a:buFontTx/>
+              <a:buNone/>
+            </a:pPr>
+            <a:endParaRPr lang="en-US" sz="8800" dirty="0">
+              <a:solidFill>
+                <a:srgbClr val="006600"/>
+              </a:solidFill>
+            </a:endParaRPr>
+          </a:p>
+        </p:txBody>
+      </p:sp>
+    </p:spTree>
+  </p:cSld>
+  <p:clrMapOvr>
+    <a:masterClrMapping/>
+  </p:clrMapOvr>
+  <p:transition xmlns:p14="http://schemas.microsoft.com/office/powerpoint/2010/main">
+    <p:fade/>
+  </p:transition>
+  <p:timing>
+    <p:tnLst>
+      <p:par>
+        <p:cTn xmlns:p14="http://schemas.microsoft.com/office/powerpoint/2010/main" id="1" dur="indefinite" restart="never" nodeType="tmRoot">
+          <p:childTnLst>
+            <p:seq concurrent="1" nextAc="seek">
+              <p:cTn id="2" dur="indefinite" nodeType="mainSeq">
+                <p:childTnLst>
+                  <p:par>
+                    <p:cTn id="3" fill="hold">
+                      <p:stCondLst>
+                        <p:cond delay="indefinite"/>
+                        <p:cond evt="onBegin" delay="0">
+                          <p:tn val="2"/>
+                        </p:cond>
+                      </p:stCondLst>
+                      <p:childTnLst>
+                        <p:par>
+                          <p:cTn id="4" fill="hold">
+                            <p:stCondLst>
+                              <p:cond delay="0"/>
+                            </p:stCondLst>
+                            <p:childTnLst>
+                              <p:par>
+                                <p:cTn id="5" presetID="9" presetClass="entr" presetSubtype="0" fill="hold" grpId="0" nodeType="withEffect">
+                                  <p:stCondLst>
+                                    <p:cond delay="0"/>
+                                  </p:stCondLst>
+                                  <p:childTnLst>
+                                    <p:set>
+                                      <p:cBhvr>
+                                        <p:cTn id="6" dur="1" fill="hold">
+                                          <p:stCondLst>
+                                            <p:cond delay="0"/>
+                                          </p:stCondLst>
+                                        </p:cTn>
+                                        <p:tgtEl>
+                                          <p:spTgt spid="506883">
+                                            <p:txEl>
+                                              <p:pRg st="1" end="1"/>
+                                            </p:txEl>
+                                          </p:spTgt>
+                                        </p:tgtEl>
+                                        <p:attrNameLst>
+                                          <p:attrName>style.visibility</p:attrName>
+                                        </p:attrNameLst>
+                                      </p:cBhvr>
+                                      <p:to>
+                                        <p:strVal val="visible"/>
+                                      </p:to>
+                                    </p:set>
+                                    <p:animEffect transition="in" filter="dissolve">
+                                      <p:cBhvr>
+                                        <p:cTn id="7" dur="500"/>
+                                        <p:tgtEl>
+                                          <p:spTgt spid="506883">
+                                            <p:txEl>
+                                              <p:pRg st="1" end="1"/>
+                                            </p:txEl>
+                                          </p:spTgt>
+                                        </p:tgtEl>
+                                      </p:cBhvr>
+                                    </p:animEffect>
+                                  </p:childTnLst>
+                                </p:cTn>
+                              </p:par>
+                            </p:childTnLst>
+                          </p:cTn>
+                        </p:par>
+                      </p:childTnLst>
+                    </p:cTn>
+                  </p:par>
+                </p:childTnLst>
+              </p:cTn>
+              <p:prevCondLst>
+                <p:cond evt="onPrev" delay="0">
+                  <p:tgtEl>
+                    <p:sldTgt/>
+                  </p:tgtEl>
+                </p:cond>
+              </p:prevCondLst>
+              <p:nextCondLst>
+                <p:cond evt="onNext" delay="0">
+                  <p:tgtEl>
+                    <p:sldTgt/>
+                  </p:tgtEl>
+                </p:cond>
+              </p:nextCondLst>
+            </p:seq>
+          </p:childTnLst>
+        </p:cTn>
+      </p:par>
+    </p:tnLst>
+    <p:bldLst>
+      <p:bldP spid="506883" grpId="0" uiExpand="1" build="p"/>
+    </p:bldLst>
+  </p:timing>
+</p:sld>
+</file>
+
+<file path=ppt/slides/slide31.xml><?xml version="1.0" encoding="utf-8"?>
+<p:sld xmlns:a="http://schemas.openxmlformats.org/drawingml/2006/main" xmlns:r="http://schemas.openxmlformats.org/officeDocument/2006/relationships" xmlns:p="http://schemas.openxmlformats.org/presentationml/2006/main" show="0">
+  <p:cSld>
+    <p:spTree>
+      <p:nvGrpSpPr>
+        <p:cNvPr id="1" name=""/>
+        <p:cNvGrpSpPr/>
+        <p:nvPr/>
+      </p:nvGrpSpPr>
+      <p:grpSpPr>
+        <a:xfrm>
+          <a:off x="0" y="0"/>
+          <a:ext cx="0" cy="0"/>
+          <a:chOff x="0" y="0"/>
+          <a:chExt cx="0" cy="0"/>
+        </a:xfrm>
+      </p:grpSpPr>
+      <p:sp>
+        <p:nvSpPr>
           <p:cNvPr id="2" name="Title 1"/>
           <p:cNvSpPr>
             <a:spLocks noGrp="1"/>
@@ -20216,7 +20739,7 @@
 </p:sld>
 </file>
 
-<file path=ppt/slides/slide31.xml><?xml version="1.0" encoding="utf-8"?>
+<file path=ppt/slides/slide32.xml><?xml version="1.0" encoding="utf-8"?>
 <p:sld xmlns:a="http://schemas.openxmlformats.org/drawingml/2006/main" xmlns:r="http://schemas.openxmlformats.org/officeDocument/2006/relationships" xmlns:p="http://schemas.openxmlformats.org/presentationml/2006/main" show="0">
   <p:cSld>
     <p:spTree>
@@ -21389,7 +21912,7 @@
 </p:sld>
 </file>
 
-<file path=ppt/slides/slide32.xml><?xml version="1.0" encoding="utf-8"?>
+<file path=ppt/slides/slide33.xml><?xml version="1.0" encoding="utf-8"?>
 <p:sld xmlns:a="http://schemas.openxmlformats.org/drawingml/2006/main" xmlns:r="http://schemas.openxmlformats.org/officeDocument/2006/relationships" xmlns:p="http://schemas.openxmlformats.org/presentationml/2006/main" show="0">
   <p:cSld>
     <p:spTree>
@@ -21467,7 +21990,7 @@
           <a:graphicData uri="http://schemas.openxmlformats.org/presentationml/2006/ole">
             <mc:AlternateContent xmlns:mc="http://schemas.openxmlformats.org/markup-compatibility/2006">
               <mc:Choice xmlns:v="urn:schemas-microsoft-com:vml" Requires="v">
-                <p:oleObj spid="_x0000_s120863" name="Equation" r:id="rId3" imgW="1879600" imgH="482600" progId="Equation.DSMT4">
+                <p:oleObj spid="_x0000_s120866" name="Equation" r:id="rId3" imgW="1879600" imgH="482600" progId="Equation.DSMT4">
                   <p:embed/>
                 </p:oleObj>
               </mc:Choice>
@@ -21664,7 +22187,7 @@
 </p:sld>
 </file>
 
-<file path=ppt/slides/slide33.xml><?xml version="1.0" encoding="utf-8"?>
+<file path=ppt/slides/slide34.xml><?xml version="1.0" encoding="utf-8"?>
 <p:sld xmlns:a="http://schemas.openxmlformats.org/drawingml/2006/main" xmlns:r="http://schemas.openxmlformats.org/officeDocument/2006/relationships" xmlns:p="http://schemas.openxmlformats.org/presentationml/2006/main" show="0">
   <p:cSld>
     <p:spTree>
@@ -22310,7 +22833,7 @@
 </p:sld>
 </file>
 
-<file path=ppt/slides/slide34.xml><?xml version="1.0" encoding="utf-8"?>
+<file path=ppt/slides/slide35.xml><?xml version="1.0" encoding="utf-8"?>
 <p:sld xmlns:a="http://schemas.openxmlformats.org/drawingml/2006/main" xmlns:r="http://schemas.openxmlformats.org/officeDocument/2006/relationships" xmlns:p="http://schemas.openxmlformats.org/presentationml/2006/main">
   <p:cSld>
     <p:spTree>
@@ -22417,7 +22940,7 @@
 </p:sld>
 </file>
 
-<file path=ppt/slides/slide35.xml><?xml version="1.0" encoding="utf-8"?>
+<file path=ppt/slides/slide36.xml><?xml version="1.0" encoding="utf-8"?>
 <p:sld xmlns:a="http://schemas.openxmlformats.org/drawingml/2006/main" xmlns:r="http://schemas.openxmlformats.org/officeDocument/2006/relationships" xmlns:p="http://schemas.openxmlformats.org/presentationml/2006/main" show="0">
   <p:cSld>
     <p:spTree>
@@ -23310,6 +23833,367 @@
 </file>
 
 <file path=ppt/slides/slide5.xml><?xml version="1.0" encoding="utf-8"?>
+<p:sld xmlns:a="http://schemas.openxmlformats.org/drawingml/2006/main" xmlns:r="http://schemas.openxmlformats.org/officeDocument/2006/relationships" xmlns:p="http://schemas.openxmlformats.org/presentationml/2006/main">
+  <p:cSld>
+    <p:spTree>
+      <p:nvGrpSpPr>
+        <p:cNvPr id="1" name=""/>
+        <p:cNvGrpSpPr/>
+        <p:nvPr/>
+      </p:nvGrpSpPr>
+      <p:grpSpPr>
+        <a:xfrm>
+          <a:off x="0" y="0"/>
+          <a:ext cx="0" cy="0"/>
+          <a:chOff x="0" y="0"/>
+          <a:chExt cx="0" cy="0"/>
+        </a:xfrm>
+      </p:grpSpPr>
+      <p:sp>
+        <p:nvSpPr>
+          <p:cNvPr id="2" name="TextBox 1"/>
+          <p:cNvSpPr txBox="1"/>
+          <p:nvPr/>
+        </p:nvSpPr>
+        <p:spPr>
+          <a:xfrm>
+            <a:off x="609600" y="1371600"/>
+            <a:ext cx="7772400" cy="3962400"/>
+          </a:xfrm>
+          <a:prstGeom prst="rect">
+            <a:avLst/>
+          </a:prstGeom>
+          <a:noFill/>
+        </p:spPr>
+        <p:txBody>
+          <a:bodyPr wrap="square" rtlCol="0">
+            <a:noAutofit/>
+          </a:bodyPr>
+          <a:lstStyle/>
+          <a:p>
+            <a:r>
+              <a:rPr lang="en-US" sz="4800" i="1" dirty="0" smtClean="0">
+                <a:latin typeface="Comic Sans MS" pitchFamily="66" charset="0"/>
+              </a:rPr>
+              <a:t>Theorem:</a:t>
+            </a:r>
+          </a:p>
+          <a:p>
+            <a:r>
+              <a:rPr lang="en-US" sz="6000" dirty="0" smtClean="0">
+                <a:solidFill>
+                  <a:srgbClr val="0000FF"/>
+                </a:solidFill>
+                <a:latin typeface="Comic Sans MS" pitchFamily="66" charset="0"/>
+              </a:rPr>
+              <a:t>R</a:t>
+            </a:r>
+            <a:r>
+              <a:rPr lang="en-US" sz="6000" dirty="0" smtClean="0">
+                <a:latin typeface="Comic Sans MS" pitchFamily="66" charset="0"/>
+              </a:rPr>
+              <a:t> is a </a:t>
+            </a:r>
+            <a:r>
+              <a:rPr lang="en-US" sz="6000" dirty="0" smtClean="0">
+                <a:latin typeface="Comic Sans MS" pitchFamily="66" charset="0"/>
+              </a:rPr>
+              <a:t>transitive </a:t>
+            </a:r>
+            <a:r>
+              <a:rPr lang="en-US" sz="6000" dirty="0" err="1" smtClean="0">
+                <a:latin typeface="Comic Sans MS" pitchFamily="66" charset="0"/>
+              </a:rPr>
+              <a:t>iff</a:t>
+            </a:r>
+            <a:endParaRPr lang="en-US" sz="6000" dirty="0">
+              <a:latin typeface="Comic Sans MS" pitchFamily="66" charset="0"/>
+            </a:endParaRPr>
+          </a:p>
+          <a:p>
+            <a:r>
+              <a:rPr lang="en-US" sz="6000" dirty="0" smtClean="0">
+                <a:solidFill>
+                  <a:srgbClr val="0000FF"/>
+                </a:solidFill>
+                <a:latin typeface="Comic Sans MS" pitchFamily="66" charset="0"/>
+              </a:rPr>
+              <a:t>R = </a:t>
+            </a:r>
+            <a:r>
+              <a:rPr lang="en-US" sz="6000" dirty="0" smtClean="0">
+                <a:solidFill>
+                  <a:srgbClr val="0000FF"/>
+                </a:solidFill>
+                <a:latin typeface="Comic Sans MS" pitchFamily="66" charset="0"/>
+              </a:rPr>
+              <a:t>G</a:t>
+            </a:r>
+            <a:r>
+              <a:rPr lang="en-US" sz="6600" dirty="0" smtClean="0">
+                <a:solidFill>
+                  <a:srgbClr val="0000FF"/>
+                </a:solidFill>
+                <a:latin typeface="Comic Sans MS" pitchFamily="66" charset="0"/>
+              </a:rPr>
+              <a:t>+</a:t>
+            </a:r>
+            <a:r>
+              <a:rPr lang="en-US" sz="6600" dirty="0" smtClean="0">
+                <a:latin typeface="Comic Sans MS" pitchFamily="66" charset="0"/>
+              </a:rPr>
+              <a:t> </a:t>
+            </a:r>
+            <a:r>
+              <a:rPr lang="en-US" sz="6600" dirty="0" smtClean="0">
+                <a:latin typeface="Comic Sans MS" pitchFamily="66" charset="0"/>
+              </a:rPr>
+              <a:t>for some    </a:t>
+            </a:r>
+          </a:p>
+          <a:p>
+            <a:r>
+              <a:rPr lang="en-US" sz="6600" dirty="0">
+                <a:latin typeface="Comic Sans MS" pitchFamily="66" charset="0"/>
+              </a:rPr>
+              <a:t> </a:t>
+            </a:r>
+            <a:r>
+              <a:rPr lang="en-US" sz="6600" dirty="0" smtClean="0">
+                <a:latin typeface="Comic Sans MS" pitchFamily="66" charset="0"/>
+              </a:rPr>
+              <a:t>       </a:t>
+            </a:r>
+            <a:r>
+              <a:rPr lang="en-US" sz="6600" dirty="0" smtClean="0">
+                <a:latin typeface="Comic Sans MS" pitchFamily="66" charset="0"/>
+              </a:rPr>
+              <a:t>digraph </a:t>
+            </a:r>
+            <a:r>
+              <a:rPr lang="en-US" sz="6600" dirty="0" smtClean="0">
+                <a:solidFill>
+                  <a:srgbClr val="0000FF"/>
+                </a:solidFill>
+                <a:latin typeface="Comic Sans MS" pitchFamily="66" charset="0"/>
+              </a:rPr>
+              <a:t>G</a:t>
+            </a:r>
+            <a:endParaRPr lang="en-US" sz="6000" dirty="0" smtClean="0">
+              <a:solidFill>
+                <a:srgbClr val="0000FF"/>
+              </a:solidFill>
+              <a:latin typeface="Comic Sans MS" pitchFamily="66" charset="0"/>
+            </a:endParaRPr>
+          </a:p>
+        </p:txBody>
+      </p:sp>
+      <p:sp>
+        <p:nvSpPr>
+          <p:cNvPr id="5" name="Rectangle 2"/>
+          <p:cNvSpPr txBox="1">
+            <a:spLocks noChangeArrowheads="1"/>
+          </p:cNvSpPr>
+          <p:nvPr/>
+        </p:nvSpPr>
+        <p:spPr>
+          <a:xfrm>
+            <a:off x="1264466" y="274638"/>
+            <a:ext cx="7422334" cy="1096962"/>
+          </a:xfrm>
+          <a:prstGeom prst="rect">
+            <a:avLst/>
+          </a:prstGeom>
+        </p:spPr>
+        <p:txBody>
+          <a:bodyPr vert="horz" lIns="91440" tIns="45720" rIns="91440" bIns="45720" rtlCol="0" anchor="ctr">
+            <a:noAutofit/>
+          </a:bodyPr>
+          <a:lstStyle>
+            <a:lvl1pPr algn="ctr" defTabSz="914400" rtl="0" eaLnBrk="1" latinLnBrk="0" hangingPunct="1">
+              <a:spcBef>
+                <a:spcPct val="0"/>
+              </a:spcBef>
+              <a:buNone/>
+              <a:defRPr sz="3200" b="1" kern="1200">
+                <a:solidFill>
+                  <a:schemeClr val="tx1"/>
+                </a:solidFill>
+                <a:latin typeface="Comic Sans MS" pitchFamily="66" charset="0"/>
+                <a:ea typeface="+mj-ea"/>
+                <a:cs typeface="+mj-cs"/>
+              </a:defRPr>
+            </a:lvl1pPr>
+          </a:lstStyle>
+          <a:p>
+            <a:r>
+              <a:rPr lang="en-US" sz="5400" dirty="0" smtClean="0"/>
+              <a:t>transitivity</a:t>
+            </a:r>
+            <a:endParaRPr lang="en-US" sz="5400" dirty="0"/>
+          </a:p>
+        </p:txBody>
+      </p:sp>
+    </p:spTree>
+    <p:extLst>
+      <p:ext uri="{BB962C8B-B14F-4D97-AF65-F5344CB8AC3E}">
+        <p14:creationId xmlns:p14="http://schemas.microsoft.com/office/powerpoint/2010/main" val="1187374225"/>
+      </p:ext>
+    </p:extLst>
+  </p:cSld>
+  <p:clrMapOvr>
+    <a:masterClrMapping/>
+  </p:clrMapOvr>
+  <mc:AlternateContent xmlns:mc="http://schemas.openxmlformats.org/markup-compatibility/2006" xmlns:p14="http://schemas.microsoft.com/office/powerpoint/2010/main">
+    <mc:Choice Requires="p14">
+      <p:transition spd="med" p14:dur="700">
+        <p:fade thruBlk="1"/>
+      </p:transition>
+    </mc:Choice>
+    <mc:Fallback xmlns="">
+      <p:transition xmlns:p14="http://schemas.microsoft.com/office/powerpoint/2010/main" spd="med">
+        <p:fade thruBlk="1"/>
+      </p:transition>
+    </mc:Fallback>
+  </mc:AlternateContent>
+  <p:timing>
+    <p:tnLst>
+      <p:par>
+        <p:cTn xmlns:p14="http://schemas.microsoft.com/office/powerpoint/2010/main" id="1" dur="indefinite" restart="never" nodeType="tmRoot">
+          <p:childTnLst>
+            <p:seq concurrent="1" nextAc="seek">
+              <p:cTn id="2" dur="indefinite" nodeType="mainSeq">
+                <p:childTnLst>
+                  <p:par>
+                    <p:cTn id="3" fill="hold">
+                      <p:stCondLst>
+                        <p:cond delay="indefinite"/>
+                      </p:stCondLst>
+                      <p:childTnLst>
+                        <p:par>
+                          <p:cTn id="4" fill="hold">
+                            <p:stCondLst>
+                              <p:cond delay="0"/>
+                            </p:stCondLst>
+                            <p:childTnLst>
+                              <p:par>
+                                <p:cTn id="5" presetID="9" presetClass="entr" presetSubtype="0" fill="hold" nodeType="clickEffect">
+                                  <p:stCondLst>
+                                    <p:cond delay="0"/>
+                                  </p:stCondLst>
+                                  <p:childTnLst>
+                                    <p:set>
+                                      <p:cBhvr>
+                                        <p:cTn id="6" dur="1" fill="hold">
+                                          <p:stCondLst>
+                                            <p:cond delay="0"/>
+                                          </p:stCondLst>
+                                        </p:cTn>
+                                        <p:tgtEl>
+                                          <p:spTgt spid="2">
+                                            <p:txEl>
+                                              <p:pRg st="2" end="2"/>
+                                            </p:txEl>
+                                          </p:spTgt>
+                                        </p:tgtEl>
+                                        <p:attrNameLst>
+                                          <p:attrName>style.visibility</p:attrName>
+                                        </p:attrNameLst>
+                                      </p:cBhvr>
+                                      <p:to>
+                                        <p:strVal val="visible"/>
+                                      </p:to>
+                                    </p:set>
+                                    <p:animEffect transition="in" filter="dissolve">
+                                      <p:cBhvr>
+                                        <p:cTn id="7" dur="500"/>
+                                        <p:tgtEl>
+                                          <p:spTgt spid="2">
+                                            <p:txEl>
+                                              <p:pRg st="2" end="2"/>
+                                            </p:txEl>
+                                          </p:spTgt>
+                                        </p:tgtEl>
+                                      </p:cBhvr>
+                                    </p:animEffect>
+                                  </p:childTnLst>
+                                </p:cTn>
+                              </p:par>
+                              <p:par>
+                                <p:cTn id="8" presetID="9" presetClass="entr" presetSubtype="0" fill="hold" nodeType="withEffect">
+                                  <p:stCondLst>
+                                    <p:cond delay="0"/>
+                                  </p:stCondLst>
+                                  <p:childTnLst>
+                                    <p:set>
+                                      <p:cBhvr>
+                                        <p:cTn id="9" dur="1" fill="hold">
+                                          <p:stCondLst>
+                                            <p:cond delay="0"/>
+                                          </p:stCondLst>
+                                        </p:cTn>
+                                        <p:tgtEl>
+                                          <p:spTgt spid="2">
+                                            <p:txEl>
+                                              <p:pRg st="3" end="3"/>
+                                            </p:txEl>
+                                          </p:spTgt>
+                                        </p:tgtEl>
+                                        <p:attrNameLst>
+                                          <p:attrName>style.visibility</p:attrName>
+                                        </p:attrNameLst>
+                                      </p:cBhvr>
+                                      <p:to>
+                                        <p:strVal val="visible"/>
+                                      </p:to>
+                                    </p:set>
+                                    <p:animEffect transition="in" filter="dissolve">
+                                      <p:cBhvr>
+                                        <p:cTn id="10" dur="500"/>
+                                        <p:tgtEl>
+                                          <p:spTgt spid="2">
+                                            <p:txEl>
+                                              <p:pRg st="3" end="3"/>
+                                            </p:txEl>
+                                          </p:spTgt>
+                                        </p:tgtEl>
+                                      </p:cBhvr>
+                                    </p:animEffect>
+                                  </p:childTnLst>
+                                </p:cTn>
+                              </p:par>
+                            </p:childTnLst>
+                          </p:cTn>
+                        </p:par>
+                      </p:childTnLst>
+                    </p:cTn>
+                  </p:par>
+                </p:childTnLst>
+              </p:cTn>
+              <p:prevCondLst>
+                <p:cond evt="onPrev" delay="0">
+                  <p:tgtEl>
+                    <p:sldTgt/>
+                  </p:tgtEl>
+                </p:cond>
+              </p:prevCondLst>
+              <p:nextCondLst>
+                <p:cond evt="onNext" delay="0">
+                  <p:tgtEl>
+                    <p:sldTgt/>
+                  </p:tgtEl>
+                </p:cond>
+              </p:nextCondLst>
+            </p:seq>
+          </p:childTnLst>
+        </p:cTn>
+      </p:par>
+    </p:tnLst>
+  </p:timing>
+</p:sld>
+</file>
+
+<file path=ppt/slides/slide6.xml><?xml version="1.0" encoding="utf-8"?>
 <p:sld xmlns:a="http://schemas.openxmlformats.org/drawingml/2006/main" xmlns:r="http://schemas.openxmlformats.org/officeDocument/2006/relationships" xmlns:p="http://schemas.openxmlformats.org/presentationml/2006/main">
   <p:cSld>
     <p:spTree>
@@ -23950,7 +24834,7 @@
 </p:sld>
 </file>
 
-<file path=ppt/slides/slide6.xml><?xml version="1.0" encoding="utf-8"?>
+<file path=ppt/slides/slide7.xml><?xml version="1.0" encoding="utf-8"?>
 <p:sld xmlns:a="http://schemas.openxmlformats.org/drawingml/2006/main" xmlns:r="http://schemas.openxmlformats.org/officeDocument/2006/relationships" xmlns:p="http://schemas.openxmlformats.org/presentationml/2006/main">
   <p:cSld>
     <p:spTree>
@@ -24599,7 +25483,7 @@
 </p:sld>
 </file>
 
-<file path=ppt/slides/slide7.xml><?xml version="1.0" encoding="utf-8"?>
+<file path=ppt/slides/slide8.xml><?xml version="1.0" encoding="utf-8"?>
 <p:sld xmlns:a="http://schemas.openxmlformats.org/drawingml/2006/main" xmlns:r="http://schemas.openxmlformats.org/officeDocument/2006/relationships" xmlns:p="http://schemas.openxmlformats.org/presentationml/2006/main">
   <p:cSld>
     <p:spTree>
@@ -24703,13 +25587,13 @@
   <p:clrMapOvr>
     <a:masterClrMapping/>
   </p:clrMapOvr>
-  <mc:AlternateContent xmlns:mc="http://schemas.openxmlformats.org/markup-compatibility/2006">
-    <mc:Choice xmlns:p14="http://schemas.microsoft.com/office/powerpoint/2010/main" Requires="p14">
+  <mc:AlternateContent xmlns:mc="http://schemas.openxmlformats.org/markup-compatibility/2006" xmlns:p14="http://schemas.microsoft.com/office/powerpoint/2010/main">
+    <mc:Choice Requires="p14">
       <p:transition spd="med" p14:dur="700">
         <p:fade/>
       </p:transition>
     </mc:Choice>
-    <mc:Fallback>
+    <mc:Fallback xmlns="">
       <p:transition xmlns:p14="http://schemas.microsoft.com/office/powerpoint/2010/main" spd="med">
         <p:fade/>
       </p:transition>
@@ -24725,7 +25609,7 @@
 </p:sld>
 </file>
 
-<file path=ppt/slides/slide8.xml><?xml version="1.0" encoding="utf-8"?>
+<file path=ppt/slides/slide9.xml><?xml version="1.0" encoding="utf-8"?>
 <p:sld xmlns:a="http://schemas.openxmlformats.org/drawingml/2006/main" xmlns:r="http://schemas.openxmlformats.org/officeDocument/2006/relationships" xmlns:p="http://schemas.openxmlformats.org/presentationml/2006/main">
   <p:cSld>
     <p:spTree>
@@ -24778,15 +25662,7 @@
                   <a:schemeClr val="tx1"/>
                 </a:solidFill>
               </a:rPr>
-              <a:t> </a:t>
-            </a:r>
-            <a:r>
-              <a:rPr lang="en-US" sz="4800" dirty="0" smtClean="0">
-                <a:solidFill>
-                  <a:schemeClr val="tx1"/>
-                </a:solidFill>
-              </a:rPr>
-              <a:t>partial</a:t>
+              <a:t> partial</a:t>
             </a:r>
             <a:r>
               <a:rPr lang="en-US" sz="4800" dirty="0" smtClean="0"/>
@@ -24885,28 +25761,13 @@
                 </a:solidFill>
                 <a:latin typeface="Comic Sans MS" pitchFamily="66" charset="0"/>
               </a:rPr>
-              <a:t>indirect </a:t>
+              <a:t>indirect prerequisite</a:t>
             </a:r>
             <a:r>
               <a:rPr lang="en-US" sz="4800" dirty="0" smtClean="0">
-                <a:solidFill>
-                  <a:srgbClr val="0033CC"/>
-                </a:solidFill>
-                <a:latin typeface="Comic Sans MS" pitchFamily="66" charset="0"/>
-              </a:rPr>
-              <a:t>prerequisite</a:t>
-            </a:r>
-            <a:r>
-              <a:rPr lang="en-US" sz="4800" dirty="0" smtClean="0">
-                <a:latin typeface="Comic Sans MS" pitchFamily="66" charset="0"/>
-              </a:rPr>
-              <a:t>” </a:t>
-            </a:r>
-            <a:r>
-              <a:rPr lang="en-US" sz="4800" dirty="0" smtClean="0">
-                <a:latin typeface="Comic Sans MS" pitchFamily="66" charset="0"/>
-              </a:rPr>
-              <a:t>on MIT subjects</a:t>
+                <a:latin typeface="Comic Sans MS" pitchFamily="66" charset="0"/>
+              </a:rPr>
+              <a:t>” on MIT subjects</a:t>
             </a:r>
             <a:endParaRPr lang="en-US" sz="6600" dirty="0" smtClean="0">
               <a:latin typeface="Comic Sans MS" pitchFamily="66" charset="0"/>
@@ -24958,19 +25819,7 @@
               <a:rPr lang="en-US" sz="4800" dirty="0" smtClean="0">
                 <a:latin typeface="Comic Sans MS" pitchFamily="66" charset="0"/>
               </a:rPr>
-              <a:t>, on </a:t>
-            </a:r>
-            <a:r>
-              <a:rPr lang="en-US" sz="4800" dirty="0" smtClean="0">
-                <a:latin typeface="Comic Sans MS" pitchFamily="66" charset="0"/>
-              </a:rPr>
-              <a:t>real </a:t>
-            </a:r>
-            <a:r>
-              <a:rPr lang="en-US" sz="4800" dirty="0" smtClean="0">
-                <a:latin typeface="Comic Sans MS" pitchFamily="66" charset="0"/>
-              </a:rPr>
-              <a:t>    </a:t>
+              <a:t>, on real     </a:t>
             </a:r>
           </a:p>
           <a:p>
@@ -24979,17 +25828,8 @@
               <a:rPr lang="en-US" sz="4800" dirty="0" smtClean="0">
                 <a:latin typeface="Comic Sans MS" pitchFamily="66" charset="0"/>
               </a:rPr>
-              <a:t>    </a:t>
-            </a:r>
-            <a:r>
-              <a:rPr lang="en-US" sz="4800" dirty="0" smtClean="0">
-                <a:latin typeface="Comic Sans MS" pitchFamily="66" charset="0"/>
-              </a:rPr>
-              <a:t>numbers</a:t>
-            </a:r>
-            <a:endParaRPr lang="en-US" sz="4800" dirty="0" smtClean="0">
-              <a:latin typeface="Comic Sans MS" pitchFamily="66" charset="0"/>
-            </a:endParaRPr>
+              <a:t>    numbers</a:t>
+            </a:r>
           </a:p>
         </p:txBody>
       </p:sp>
@@ -25224,340 +26064,6 @@
                                           <p:spTgt spid="680971">
                                             <p:txEl>
                                               <p:pRg st="4" end="4"/>
-                                            </p:txEl>
-                                          </p:spTgt>
-                                        </p:tgtEl>
-                                      </p:cBhvr>
-                                    </p:animEffect>
-                                  </p:childTnLst>
-                                </p:cTn>
-                              </p:par>
-                            </p:childTnLst>
-                          </p:cTn>
-                        </p:par>
-                      </p:childTnLst>
-                    </p:cTn>
-                  </p:par>
-                </p:childTnLst>
-              </p:cTn>
-              <p:prevCondLst>
-                <p:cond evt="onPrev" delay="0">
-                  <p:tgtEl>
-                    <p:sldTgt/>
-                  </p:tgtEl>
-                </p:cond>
-              </p:prevCondLst>
-              <p:nextCondLst>
-                <p:cond evt="onNext" delay="0">
-                  <p:tgtEl>
-                    <p:sldTgt/>
-                  </p:tgtEl>
-                </p:cond>
-              </p:nextCondLst>
-            </p:seq>
-          </p:childTnLst>
-        </p:cTn>
-      </p:par>
-    </p:tnLst>
-  </p:timing>
-</p:sld>
-</file>
-
-<file path=ppt/slides/slide9.xml><?xml version="1.0" encoding="utf-8"?>
-<p:sld xmlns:a="http://schemas.openxmlformats.org/drawingml/2006/main" xmlns:r="http://schemas.openxmlformats.org/officeDocument/2006/relationships" xmlns:p="http://schemas.openxmlformats.org/presentationml/2006/main">
-  <p:cSld>
-    <p:spTree>
-      <p:nvGrpSpPr>
-        <p:cNvPr id="1" name=""/>
-        <p:cNvGrpSpPr/>
-        <p:nvPr/>
-      </p:nvGrpSpPr>
-      <p:grpSpPr>
-        <a:xfrm>
-          <a:off x="0" y="0"/>
-          <a:ext cx="0" cy="0"/>
-          <a:chOff x="0" y="0"/>
-          <a:chExt cx="0" cy="0"/>
-        </a:xfrm>
-      </p:grpSpPr>
-      <p:sp>
-        <p:nvSpPr>
-          <p:cNvPr id="2" name="TextBox 1"/>
-          <p:cNvSpPr txBox="1"/>
-          <p:nvPr/>
-        </p:nvSpPr>
-        <p:spPr>
-          <a:xfrm>
-            <a:off x="609600" y="1371600"/>
-            <a:ext cx="7772400" cy="3962400"/>
-          </a:xfrm>
-          <a:prstGeom prst="rect">
-            <a:avLst/>
-          </a:prstGeom>
-          <a:noFill/>
-        </p:spPr>
-        <p:txBody>
-          <a:bodyPr wrap="square" rtlCol="0">
-            <a:noAutofit/>
-          </a:bodyPr>
-          <a:lstStyle/>
-          <a:p>
-            <a:r>
-              <a:rPr lang="en-US" sz="4800" i="1" dirty="0" smtClean="0">
-                <a:latin typeface="Comic Sans MS" pitchFamily="66" charset="0"/>
-              </a:rPr>
-              <a:t>Theorem:</a:t>
-            </a:r>
-          </a:p>
-          <a:p>
-            <a:r>
-              <a:rPr lang="en-US" sz="6000" dirty="0" smtClean="0">
-                <a:solidFill>
-                  <a:srgbClr val="0000FF"/>
-                </a:solidFill>
-                <a:latin typeface="Comic Sans MS" pitchFamily="66" charset="0"/>
-              </a:rPr>
-              <a:t>R</a:t>
-            </a:r>
-            <a:r>
-              <a:rPr lang="en-US" sz="6000" dirty="0" smtClean="0">
-                <a:latin typeface="Comic Sans MS" pitchFamily="66" charset="0"/>
-              </a:rPr>
-              <a:t> is a SPO </a:t>
-            </a:r>
-            <a:r>
-              <a:rPr lang="en-US" sz="6000" dirty="0" err="1" smtClean="0">
-                <a:latin typeface="Comic Sans MS" pitchFamily="66" charset="0"/>
-              </a:rPr>
-              <a:t>iff</a:t>
-            </a:r>
-            <a:endParaRPr lang="en-US" sz="6000" dirty="0">
-              <a:latin typeface="Comic Sans MS" pitchFamily="66" charset="0"/>
-            </a:endParaRPr>
-          </a:p>
-          <a:p>
-            <a:r>
-              <a:rPr lang="en-US" sz="6000" dirty="0" smtClean="0">
-                <a:solidFill>
-                  <a:srgbClr val="0000FF"/>
-                </a:solidFill>
-                <a:latin typeface="Comic Sans MS" pitchFamily="66" charset="0"/>
-              </a:rPr>
-              <a:t>R = D</a:t>
-            </a:r>
-            <a:r>
-              <a:rPr lang="en-US" sz="6600" dirty="0" smtClean="0">
-                <a:solidFill>
-                  <a:srgbClr val="0000FF"/>
-                </a:solidFill>
-                <a:latin typeface="Comic Sans MS" pitchFamily="66" charset="0"/>
-              </a:rPr>
-              <a:t>+</a:t>
-            </a:r>
-            <a:r>
-              <a:rPr lang="en-US" sz="6600" dirty="0" smtClean="0">
-                <a:latin typeface="Comic Sans MS" pitchFamily="66" charset="0"/>
-              </a:rPr>
-              <a:t> for some    </a:t>
-            </a:r>
-          </a:p>
-          <a:p>
-            <a:r>
-              <a:rPr lang="en-US" sz="6600" dirty="0">
-                <a:latin typeface="Comic Sans MS" pitchFamily="66" charset="0"/>
-              </a:rPr>
-              <a:t> </a:t>
-            </a:r>
-            <a:r>
-              <a:rPr lang="en-US" sz="6600" dirty="0" smtClean="0">
-                <a:latin typeface="Comic Sans MS" pitchFamily="66" charset="0"/>
-              </a:rPr>
-              <a:t>         DAG </a:t>
-            </a:r>
-            <a:r>
-              <a:rPr lang="en-US" sz="6600" dirty="0" smtClean="0">
-                <a:solidFill>
-                  <a:srgbClr val="0000FF"/>
-                </a:solidFill>
-                <a:latin typeface="Comic Sans MS" pitchFamily="66" charset="0"/>
-              </a:rPr>
-              <a:t>D</a:t>
-            </a:r>
-            <a:endParaRPr lang="en-US" sz="6000" dirty="0" smtClean="0">
-              <a:solidFill>
-                <a:srgbClr val="0000FF"/>
-              </a:solidFill>
-              <a:latin typeface="Comic Sans MS" pitchFamily="66" charset="0"/>
-            </a:endParaRPr>
-          </a:p>
-        </p:txBody>
-      </p:sp>
-      <p:sp>
-        <p:nvSpPr>
-          <p:cNvPr id="5" name="Rectangle 2"/>
-          <p:cNvSpPr txBox="1">
-            <a:spLocks noChangeArrowheads="1"/>
-          </p:cNvSpPr>
-          <p:nvPr/>
-        </p:nvSpPr>
-        <p:spPr>
-          <a:xfrm>
-            <a:off x="1264466" y="274638"/>
-            <a:ext cx="7422334" cy="1096962"/>
-          </a:xfrm>
-          <a:prstGeom prst="rect">
-            <a:avLst/>
-          </a:prstGeom>
-        </p:spPr>
-        <p:txBody>
-          <a:bodyPr vert="horz" lIns="91440" tIns="45720" rIns="91440" bIns="45720" rtlCol="0" anchor="ctr">
-            <a:noAutofit/>
-          </a:bodyPr>
-          <a:lstStyle>
-            <a:lvl1pPr algn="ctr" defTabSz="914400" rtl="0" eaLnBrk="1" latinLnBrk="0" hangingPunct="1">
-              <a:spcBef>
-                <a:spcPct val="0"/>
-              </a:spcBef>
-              <a:buNone/>
-              <a:defRPr sz="3200" b="1" kern="1200">
-                <a:solidFill>
-                  <a:schemeClr val="tx1"/>
-                </a:solidFill>
-                <a:latin typeface="Comic Sans MS" pitchFamily="66" charset="0"/>
-                <a:ea typeface="+mj-ea"/>
-                <a:cs typeface="+mj-cs"/>
-              </a:defRPr>
-            </a:lvl1pPr>
-          </a:lstStyle>
-          <a:p>
-            <a:r>
-              <a:rPr lang="en-US" sz="5400" dirty="0" smtClean="0"/>
-              <a:t>strict partial orders</a:t>
-            </a:r>
-            <a:endParaRPr lang="en-US" sz="5400" dirty="0"/>
-          </a:p>
-        </p:txBody>
-      </p:sp>
-    </p:spTree>
-    <p:extLst>
-      <p:ext uri="{BB962C8B-B14F-4D97-AF65-F5344CB8AC3E}">
-        <p14:creationId xmlns:p14="http://schemas.microsoft.com/office/powerpoint/2010/main" val="2403809534"/>
-      </p:ext>
-    </p:extLst>
-  </p:cSld>
-  <p:clrMapOvr>
-    <a:masterClrMapping/>
-  </p:clrMapOvr>
-  <mc:AlternateContent xmlns:mc="http://schemas.openxmlformats.org/markup-compatibility/2006">
-    <mc:Choice xmlns:p14="http://schemas.microsoft.com/office/powerpoint/2010/main" Requires="p14">
-      <p:transition spd="med" p14:dur="700">
-        <p:fade thruBlk="1"/>
-      </p:transition>
-    </mc:Choice>
-    <mc:Fallback>
-      <p:transition xmlns:p14="http://schemas.microsoft.com/office/powerpoint/2010/main" spd="med">
-        <p:fade thruBlk="1"/>
-      </p:transition>
-    </mc:Fallback>
-  </mc:AlternateContent>
-  <p:timing>
-    <p:tnLst>
-      <p:par>
-        <p:cTn xmlns:p14="http://schemas.microsoft.com/office/powerpoint/2010/main" id="1" dur="indefinite" restart="never" nodeType="tmRoot">
-          <p:childTnLst>
-            <p:seq concurrent="1" nextAc="seek">
-              <p:cTn id="2" dur="indefinite" nodeType="mainSeq">
-                <p:childTnLst>
-                  <p:par>
-                    <p:cTn id="3" fill="hold">
-                      <p:stCondLst>
-                        <p:cond delay="indefinite"/>
-                      </p:stCondLst>
-                      <p:childTnLst>
-                        <p:par>
-                          <p:cTn id="4" fill="hold">
-                            <p:stCondLst>
-                              <p:cond delay="0"/>
-                            </p:stCondLst>
-                            <p:childTnLst>
-                              <p:par>
-                                <p:cTn id="5" presetID="9" presetClass="entr" presetSubtype="0" fill="hold" nodeType="clickEffect">
-                                  <p:stCondLst>
-                                    <p:cond delay="0"/>
-                                  </p:stCondLst>
-                                  <p:childTnLst>
-                                    <p:set>
-                                      <p:cBhvr>
-                                        <p:cTn id="6" dur="1" fill="hold">
-                                          <p:stCondLst>
-                                            <p:cond delay="0"/>
-                                          </p:stCondLst>
-                                        </p:cTn>
-                                        <p:tgtEl>
-                                          <p:spTgt spid="2">
-                                            <p:txEl>
-                                              <p:pRg st="2" end="2"/>
-                                            </p:txEl>
-                                          </p:spTgt>
-                                        </p:tgtEl>
-                                        <p:attrNameLst>
-                                          <p:attrName>style.visibility</p:attrName>
-                                        </p:attrNameLst>
-                                      </p:cBhvr>
-                                      <p:to>
-                                        <p:strVal val="visible"/>
-                                      </p:to>
-                                    </p:set>
-                                    <p:animEffect transition="in" filter="dissolve">
-                                      <p:cBhvr>
-                                        <p:cTn id="7" dur="500"/>
-                                        <p:tgtEl>
-                                          <p:spTgt spid="2">
-                                            <p:txEl>
-                                              <p:pRg st="2" end="2"/>
-                                            </p:txEl>
-                                          </p:spTgt>
-                                        </p:tgtEl>
-                                      </p:cBhvr>
-                                    </p:animEffect>
-                                  </p:childTnLst>
-                                </p:cTn>
-                              </p:par>
-                              <p:par>
-                                <p:cTn id="8" presetID="9" presetClass="entr" presetSubtype="0" fill="hold" nodeType="withEffect">
-                                  <p:stCondLst>
-                                    <p:cond delay="0"/>
-                                  </p:stCondLst>
-                                  <p:childTnLst>
-                                    <p:set>
-                                      <p:cBhvr>
-                                        <p:cTn id="9" dur="1" fill="hold">
-                                          <p:stCondLst>
-                                            <p:cond delay="0"/>
-                                          </p:stCondLst>
-                                        </p:cTn>
-                                        <p:tgtEl>
-                                          <p:spTgt spid="2">
-                                            <p:txEl>
-                                              <p:pRg st="3" end="3"/>
-                                            </p:txEl>
-                                          </p:spTgt>
-                                        </p:tgtEl>
-                                        <p:attrNameLst>
-                                          <p:attrName>style.visibility</p:attrName>
-                                        </p:attrNameLst>
-                                      </p:cBhvr>
-                                      <p:to>
-                                        <p:strVal val="visible"/>
-                                      </p:to>
-                                    </p:set>
-                                    <p:animEffect transition="in" filter="dissolve">
-                                      <p:cBhvr>
-                                        <p:cTn id="10" dur="500"/>
-                                        <p:tgtEl>
-                                          <p:spTgt spid="2">
-                                            <p:txEl>
-                                              <p:pRg st="3" end="3"/>
                                             </p:txEl>
                                           </p:spTgt>
                                         </p:tgtEl>
